--- a/visualization/PresentaciónObligatorio.pptx
+++ b/visualization/PresentaciónObligatorio.pptx
@@ -5,30 +5,22 @@
     <p:sldMasterId id="2147483648" r:id="rId1"/>
   </p:sldMasterIdLst>
   <p:notesMasterIdLst>
-    <p:notesMasterId r:id="rId20"/>
+    <p:notesMasterId r:id="rId12"/>
   </p:notesMasterIdLst>
   <p:handoutMasterIdLst>
-    <p:handoutMasterId r:id="rId21"/>
+    <p:handoutMasterId r:id="rId13"/>
   </p:handoutMasterIdLst>
   <p:sldIdLst>
     <p:sldId id="266" r:id="rId2"/>
     <p:sldId id="283" r:id="rId3"/>
     <p:sldId id="281" r:id="rId4"/>
     <p:sldId id="282" r:id="rId5"/>
-    <p:sldId id="267" r:id="rId6"/>
-    <p:sldId id="268" r:id="rId7"/>
-    <p:sldId id="271" r:id="rId8"/>
-    <p:sldId id="272" r:id="rId9"/>
-    <p:sldId id="279" r:id="rId10"/>
-    <p:sldId id="280" r:id="rId11"/>
-    <p:sldId id="273" r:id="rId12"/>
-    <p:sldId id="274" r:id="rId13"/>
-    <p:sldId id="275" r:id="rId14"/>
-    <p:sldId id="276" r:id="rId15"/>
-    <p:sldId id="277" r:id="rId16"/>
-    <p:sldId id="278" r:id="rId17"/>
-    <p:sldId id="269" r:id="rId18"/>
-    <p:sldId id="270" r:id="rId19"/>
+    <p:sldId id="284" r:id="rId6"/>
+    <p:sldId id="286" r:id="rId7"/>
+    <p:sldId id="285" r:id="rId8"/>
+    <p:sldId id="287" r:id="rId9"/>
+    <p:sldId id="288" r:id="rId10"/>
+    <p:sldId id="279" r:id="rId11"/>
   </p:sldIdLst>
   <p:sldSz cx="12192000" cy="6858000"/>
   <p:notesSz cx="6858000" cy="9144000"/>
@@ -144,6 +136,3392 @@
 </p:cmAuthorLst>
 </file>
 
+<file path=ppt/revisionInfo.xml><?xml version="1.0" encoding="utf-8"?>
+<p1510:revInfo xmlns:a="http://schemas.openxmlformats.org/drawingml/2006/main" xmlns:r="http://schemas.openxmlformats.org/officeDocument/2006/relationships" xmlns:p1510="http://schemas.microsoft.com/office/powerpoint/2015/10/main">
+  <p1510:revLst>
+    <p1510:client id="{A92673EF-739F-4E87-91EC-7D1BCFF6EA1E}" v="97" dt="2022-11-28T02:06:50.987"/>
+  </p1510:revLst>
+</p1510:revInfo>
+</file>
+
+<file path=ppt/changesInfos/changesInfo1.xml><?xml version="1.0" encoding="utf-8"?>
+<pc:chgInfo xmlns:a="http://schemas.openxmlformats.org/drawingml/2006/main" xmlns:r="http://schemas.openxmlformats.org/officeDocument/2006/relationships" xmlns:ac="http://schemas.microsoft.com/office/drawing/2013/main/command" xmlns:pc="http://schemas.microsoft.com/office/powerpoint/2013/main/command">
+  <pc:docChgLst>
+    <pc:chgData name="Stephanie Dimperio" userId="a03515048de22394" providerId="LiveId" clId="{A92673EF-739F-4E87-91EC-7D1BCFF6EA1E}"/>
+    <pc:docChg chg="undo redo custSel addSld delSld modSld sldOrd">
+      <pc:chgData name="Stephanie Dimperio" userId="a03515048de22394" providerId="LiveId" clId="{A92673EF-739F-4E87-91EC-7D1BCFF6EA1E}" dt="2022-11-28T02:16:42.204" v="3186" actId="113"/>
+      <pc:docMkLst>
+        <pc:docMk/>
+      </pc:docMkLst>
+      <pc:sldChg chg="modSp mod">
+        <pc:chgData name="Stephanie Dimperio" userId="a03515048de22394" providerId="LiveId" clId="{A92673EF-739F-4E87-91EC-7D1BCFF6EA1E}" dt="2022-11-27T22:40:16.689" v="242" actId="20577"/>
+        <pc:sldMkLst>
+          <pc:docMk/>
+          <pc:sldMk cId="2528279101" sldId="266"/>
+        </pc:sldMkLst>
+        <pc:spChg chg="mod">
+          <ac:chgData name="Stephanie Dimperio" userId="a03515048de22394" providerId="LiveId" clId="{A92673EF-739F-4E87-91EC-7D1BCFF6EA1E}" dt="2022-11-27T22:40:16.689" v="242" actId="20577"/>
+          <ac:spMkLst>
+            <pc:docMk/>
+            <pc:sldMk cId="2528279101" sldId="266"/>
+            <ac:spMk id="15" creationId="{C40748A4-66E7-F94E-C41C-A1C1026871D3}"/>
+          </ac:spMkLst>
+        </pc:spChg>
+      </pc:sldChg>
+      <pc:sldChg chg="del">
+        <pc:chgData name="Stephanie Dimperio" userId="a03515048de22394" providerId="LiveId" clId="{A92673EF-739F-4E87-91EC-7D1BCFF6EA1E}" dt="2022-11-28T02:08:17.329" v="2558" actId="47"/>
+        <pc:sldMkLst>
+          <pc:docMk/>
+          <pc:sldMk cId="331185147" sldId="267"/>
+        </pc:sldMkLst>
+      </pc:sldChg>
+      <pc:sldChg chg="del">
+        <pc:chgData name="Stephanie Dimperio" userId="a03515048de22394" providerId="LiveId" clId="{A92673EF-739F-4E87-91EC-7D1BCFF6EA1E}" dt="2022-11-28T02:08:18.375" v="2559" actId="47"/>
+        <pc:sldMkLst>
+          <pc:docMk/>
+          <pc:sldMk cId="3249636751" sldId="268"/>
+        </pc:sldMkLst>
+      </pc:sldChg>
+      <pc:sldChg chg="del">
+        <pc:chgData name="Stephanie Dimperio" userId="a03515048de22394" providerId="LiveId" clId="{A92673EF-739F-4E87-91EC-7D1BCFF6EA1E}" dt="2022-11-28T02:08:36.167" v="2569" actId="47"/>
+        <pc:sldMkLst>
+          <pc:docMk/>
+          <pc:sldMk cId="1348909494" sldId="269"/>
+        </pc:sldMkLst>
+      </pc:sldChg>
+      <pc:sldChg chg="del">
+        <pc:chgData name="Stephanie Dimperio" userId="a03515048de22394" providerId="LiveId" clId="{A92673EF-739F-4E87-91EC-7D1BCFF6EA1E}" dt="2022-11-28T02:08:36.650" v="2570" actId="47"/>
+        <pc:sldMkLst>
+          <pc:docMk/>
+          <pc:sldMk cId="82295486" sldId="270"/>
+        </pc:sldMkLst>
+      </pc:sldChg>
+      <pc:sldChg chg="del">
+        <pc:chgData name="Stephanie Dimperio" userId="a03515048de22394" providerId="LiveId" clId="{A92673EF-739F-4E87-91EC-7D1BCFF6EA1E}" dt="2022-11-28T02:08:19.258" v="2560" actId="47"/>
+        <pc:sldMkLst>
+          <pc:docMk/>
+          <pc:sldMk cId="3156350547" sldId="271"/>
+        </pc:sldMkLst>
+      </pc:sldChg>
+      <pc:sldChg chg="del">
+        <pc:chgData name="Stephanie Dimperio" userId="a03515048de22394" providerId="LiveId" clId="{A92673EF-739F-4E87-91EC-7D1BCFF6EA1E}" dt="2022-11-28T02:08:20.364" v="2561" actId="47"/>
+        <pc:sldMkLst>
+          <pc:docMk/>
+          <pc:sldMk cId="1724953244" sldId="272"/>
+        </pc:sldMkLst>
+      </pc:sldChg>
+      <pc:sldChg chg="del">
+        <pc:chgData name="Stephanie Dimperio" userId="a03515048de22394" providerId="LiveId" clId="{A92673EF-739F-4E87-91EC-7D1BCFF6EA1E}" dt="2022-11-28T02:08:33.298" v="2563" actId="47"/>
+        <pc:sldMkLst>
+          <pc:docMk/>
+          <pc:sldMk cId="1759832767" sldId="273"/>
+        </pc:sldMkLst>
+      </pc:sldChg>
+      <pc:sldChg chg="del">
+        <pc:chgData name="Stephanie Dimperio" userId="a03515048de22394" providerId="LiveId" clId="{A92673EF-739F-4E87-91EC-7D1BCFF6EA1E}" dt="2022-11-28T02:08:33.931" v="2564" actId="47"/>
+        <pc:sldMkLst>
+          <pc:docMk/>
+          <pc:sldMk cId="2617797594" sldId="274"/>
+        </pc:sldMkLst>
+      </pc:sldChg>
+      <pc:sldChg chg="del">
+        <pc:chgData name="Stephanie Dimperio" userId="a03515048de22394" providerId="LiveId" clId="{A92673EF-739F-4E87-91EC-7D1BCFF6EA1E}" dt="2022-11-28T02:08:34.259" v="2565" actId="47"/>
+        <pc:sldMkLst>
+          <pc:docMk/>
+          <pc:sldMk cId="2996407303" sldId="275"/>
+        </pc:sldMkLst>
+      </pc:sldChg>
+      <pc:sldChg chg="del">
+        <pc:chgData name="Stephanie Dimperio" userId="a03515048de22394" providerId="LiveId" clId="{A92673EF-739F-4E87-91EC-7D1BCFF6EA1E}" dt="2022-11-28T02:08:34.520" v="2566" actId="47"/>
+        <pc:sldMkLst>
+          <pc:docMk/>
+          <pc:sldMk cId="1266199811" sldId="276"/>
+        </pc:sldMkLst>
+      </pc:sldChg>
+      <pc:sldChg chg="del">
+        <pc:chgData name="Stephanie Dimperio" userId="a03515048de22394" providerId="LiveId" clId="{A92673EF-739F-4E87-91EC-7D1BCFF6EA1E}" dt="2022-11-28T02:08:35.019" v="2567" actId="47"/>
+        <pc:sldMkLst>
+          <pc:docMk/>
+          <pc:sldMk cId="1140996113" sldId="277"/>
+        </pc:sldMkLst>
+      </pc:sldChg>
+      <pc:sldChg chg="del">
+        <pc:chgData name="Stephanie Dimperio" userId="a03515048de22394" providerId="LiveId" clId="{A92673EF-739F-4E87-91EC-7D1BCFF6EA1E}" dt="2022-11-28T02:08:35.360" v="2568" actId="47"/>
+        <pc:sldMkLst>
+          <pc:docMk/>
+          <pc:sldMk cId="2818621903" sldId="278"/>
+        </pc:sldMkLst>
+      </pc:sldChg>
+      <pc:sldChg chg="addSp delSp modSp mod">
+        <pc:chgData name="Stephanie Dimperio" userId="a03515048de22394" providerId="LiveId" clId="{A92673EF-739F-4E87-91EC-7D1BCFF6EA1E}" dt="2022-11-28T02:08:53.312" v="2584" actId="478"/>
+        <pc:sldMkLst>
+          <pc:docMk/>
+          <pc:sldMk cId="692034583" sldId="279"/>
+        </pc:sldMkLst>
+        <pc:spChg chg="mod">
+          <ac:chgData name="Stephanie Dimperio" userId="a03515048de22394" providerId="LiveId" clId="{A92673EF-739F-4E87-91EC-7D1BCFF6EA1E}" dt="2022-11-28T02:08:41.702" v="2578" actId="20577"/>
+          <ac:spMkLst>
+            <pc:docMk/>
+            <pc:sldMk cId="692034583" sldId="279"/>
+            <ac:spMk id="2" creationId="{E9ACE5BE-58FB-4D23-A3B9-1C2D3DB7C405}"/>
+          </ac:spMkLst>
+        </pc:spChg>
+        <pc:spChg chg="del mod">
+          <ac:chgData name="Stephanie Dimperio" userId="a03515048de22394" providerId="LiveId" clId="{A92673EF-739F-4E87-91EC-7D1BCFF6EA1E}" dt="2022-11-28T02:08:49.837" v="2583" actId="478"/>
+          <ac:spMkLst>
+            <pc:docMk/>
+            <pc:sldMk cId="692034583" sldId="279"/>
+            <ac:spMk id="3" creationId="{88ED5FD7-D7CC-4E41-8CBC-60B0AE140461}"/>
+          </ac:spMkLst>
+        </pc:spChg>
+        <pc:spChg chg="add del mod">
+          <ac:chgData name="Stephanie Dimperio" userId="a03515048de22394" providerId="LiveId" clId="{A92673EF-739F-4E87-91EC-7D1BCFF6EA1E}" dt="2022-11-28T02:08:53.312" v="2584" actId="478"/>
+          <ac:spMkLst>
+            <pc:docMk/>
+            <pc:sldMk cId="692034583" sldId="279"/>
+            <ac:spMk id="5" creationId="{18BC1989-22F3-4BBA-9C36-06CEEDB4A3FE}"/>
+          </ac:spMkLst>
+        </pc:spChg>
+      </pc:sldChg>
+      <pc:sldChg chg="del">
+        <pc:chgData name="Stephanie Dimperio" userId="a03515048de22394" providerId="LiveId" clId="{A92673EF-739F-4E87-91EC-7D1BCFF6EA1E}" dt="2022-11-28T02:08:31.774" v="2562" actId="47"/>
+        <pc:sldMkLst>
+          <pc:docMk/>
+          <pc:sldMk cId="297809158" sldId="280"/>
+        </pc:sldMkLst>
+      </pc:sldChg>
+      <pc:sldChg chg="modSp mod">
+        <pc:chgData name="Stephanie Dimperio" userId="a03515048de22394" providerId="LiveId" clId="{A92673EF-739F-4E87-91EC-7D1BCFF6EA1E}" dt="2022-11-27T23:02:36.984" v="441" actId="14100"/>
+        <pc:sldMkLst>
+          <pc:docMk/>
+          <pc:sldMk cId="3681239334" sldId="281"/>
+        </pc:sldMkLst>
+        <pc:spChg chg="mod">
+          <ac:chgData name="Stephanie Dimperio" userId="a03515048de22394" providerId="LiveId" clId="{A92673EF-739F-4E87-91EC-7D1BCFF6EA1E}" dt="2022-11-27T23:02:36.984" v="441" actId="14100"/>
+          <ac:spMkLst>
+            <pc:docMk/>
+            <pc:sldMk cId="3681239334" sldId="281"/>
+            <ac:spMk id="5" creationId="{F225FDFC-4F74-40FF-B7A7-FBE4858FAB80}"/>
+          </ac:spMkLst>
+        </pc:spChg>
+        <pc:spChg chg="mod">
+          <ac:chgData name="Stephanie Dimperio" userId="a03515048de22394" providerId="LiveId" clId="{A92673EF-739F-4E87-91EC-7D1BCFF6EA1E}" dt="2022-11-27T22:37:58.217" v="142" actId="20577"/>
+          <ac:spMkLst>
+            <pc:docMk/>
+            <pc:sldMk cId="3681239334" sldId="281"/>
+            <ac:spMk id="10" creationId="{B2334022-B00D-90AC-1FDA-4584C7E3A7D1}"/>
+          </ac:spMkLst>
+        </pc:spChg>
+      </pc:sldChg>
+      <pc:sldChg chg="addSp delSp modSp mod">
+        <pc:chgData name="Stephanie Dimperio" userId="a03515048de22394" providerId="LiveId" clId="{A92673EF-739F-4E87-91EC-7D1BCFF6EA1E}" dt="2022-11-27T23:03:36.011" v="452" actId="1076"/>
+        <pc:sldMkLst>
+          <pc:docMk/>
+          <pc:sldMk cId="2408440768" sldId="282"/>
+        </pc:sldMkLst>
+        <pc:spChg chg="del mod">
+          <ac:chgData name="Stephanie Dimperio" userId="a03515048de22394" providerId="LiveId" clId="{A92673EF-739F-4E87-91EC-7D1BCFF6EA1E}" dt="2022-11-27T22:56:23.652" v="325" actId="478"/>
+          <ac:spMkLst>
+            <pc:docMk/>
+            <pc:sldMk cId="2408440768" sldId="282"/>
+            <ac:spMk id="5" creationId="{F225FDFC-4F74-40FF-B7A7-FBE4858FAB80}"/>
+          </ac:spMkLst>
+        </pc:spChg>
+        <pc:spChg chg="mod">
+          <ac:chgData name="Stephanie Dimperio" userId="a03515048de22394" providerId="LiveId" clId="{A92673EF-739F-4E87-91EC-7D1BCFF6EA1E}" dt="2022-11-27T23:00:34.496" v="430" actId="20577"/>
+          <ac:spMkLst>
+            <pc:docMk/>
+            <pc:sldMk cId="2408440768" sldId="282"/>
+            <ac:spMk id="10" creationId="{B2334022-B00D-90AC-1FDA-4584C7E3A7D1}"/>
+          </ac:spMkLst>
+        </pc:spChg>
+        <pc:spChg chg="add del mod">
+          <ac:chgData name="Stephanie Dimperio" userId="a03515048de22394" providerId="LiveId" clId="{A92673EF-739F-4E87-91EC-7D1BCFF6EA1E}" dt="2022-11-27T22:56:27.388" v="326" actId="478"/>
+          <ac:spMkLst>
+            <pc:docMk/>
+            <pc:sldMk cId="2408440768" sldId="282"/>
+            <ac:spMk id="11" creationId="{9C9C9BCA-FD24-4177-6A5B-27524B146293}"/>
+          </ac:spMkLst>
+        </pc:spChg>
+        <pc:spChg chg="add mod ord">
+          <ac:chgData name="Stephanie Dimperio" userId="a03515048de22394" providerId="LiveId" clId="{A92673EF-739F-4E87-91EC-7D1BCFF6EA1E}" dt="2022-11-27T23:03:23.177" v="449" actId="171"/>
+          <ac:spMkLst>
+            <pc:docMk/>
+            <pc:sldMk cId="2408440768" sldId="282"/>
+            <ac:spMk id="12" creationId="{DA94CE5F-7CBA-0DB1-9DA2-D11396BA431A}"/>
+          </ac:spMkLst>
+        </pc:spChg>
+        <pc:graphicFrameChg chg="add mod modGraphic">
+          <ac:chgData name="Stephanie Dimperio" userId="a03515048de22394" providerId="LiveId" clId="{A92673EF-739F-4E87-91EC-7D1BCFF6EA1E}" dt="2022-11-27T23:03:31.376" v="451" actId="1076"/>
+          <ac:graphicFrameMkLst>
+            <pc:docMk/>
+            <pc:sldMk cId="2408440768" sldId="282"/>
+            <ac:graphicFrameMk id="8" creationId="{AA865428-03C0-6019-3262-3E6C68E8DE31}"/>
+          </ac:graphicFrameMkLst>
+        </pc:graphicFrameChg>
+        <pc:picChg chg="add del mod">
+          <ac:chgData name="Stephanie Dimperio" userId="a03515048de22394" providerId="LiveId" clId="{A92673EF-739F-4E87-91EC-7D1BCFF6EA1E}" dt="2022-11-27T22:43:46.883" v="308" actId="478"/>
+          <ac:picMkLst>
+            <pc:docMk/>
+            <pc:sldMk cId="2408440768" sldId="282"/>
+            <ac:picMk id="4" creationId="{45CD9121-832D-7E10-C816-CE0F22FDA920}"/>
+          </ac:picMkLst>
+        </pc:picChg>
+        <pc:picChg chg="add mod modCrop">
+          <ac:chgData name="Stephanie Dimperio" userId="a03515048de22394" providerId="LiveId" clId="{A92673EF-739F-4E87-91EC-7D1BCFF6EA1E}" dt="2022-11-27T23:03:36.011" v="452" actId="1076"/>
+          <ac:picMkLst>
+            <pc:docMk/>
+            <pc:sldMk cId="2408440768" sldId="282"/>
+            <ac:picMk id="7" creationId="{64D2EEA6-0612-DC5A-D5F5-4831F5EE5943}"/>
+          </ac:picMkLst>
+        </pc:picChg>
+      </pc:sldChg>
+      <pc:sldChg chg="modSp mod">
+        <pc:chgData name="Stephanie Dimperio" userId="a03515048de22394" providerId="LiveId" clId="{A92673EF-739F-4E87-91EC-7D1BCFF6EA1E}" dt="2022-11-27T22:38:06.976" v="148" actId="20577"/>
+        <pc:sldMkLst>
+          <pc:docMk/>
+          <pc:sldMk cId="2605375013" sldId="283"/>
+        </pc:sldMkLst>
+        <pc:spChg chg="mod">
+          <ac:chgData name="Stephanie Dimperio" userId="a03515048de22394" providerId="LiveId" clId="{A92673EF-739F-4E87-91EC-7D1BCFF6EA1E}" dt="2022-11-27T22:38:06.976" v="148" actId="20577"/>
+          <ac:spMkLst>
+            <pc:docMk/>
+            <pc:sldMk cId="2605375013" sldId="283"/>
+            <ac:spMk id="5" creationId="{F225FDFC-4F74-40FF-B7A7-FBE4858FAB80}"/>
+          </ac:spMkLst>
+        </pc:spChg>
+        <pc:spChg chg="mod">
+          <ac:chgData name="Stephanie Dimperio" userId="a03515048de22394" providerId="LiveId" clId="{A92673EF-739F-4E87-91EC-7D1BCFF6EA1E}" dt="2022-11-27T22:36:47.177" v="8" actId="20577"/>
+          <ac:spMkLst>
+            <pc:docMk/>
+            <pc:sldMk cId="2605375013" sldId="283"/>
+            <ac:spMk id="10" creationId="{B2334022-B00D-90AC-1FDA-4584C7E3A7D1}"/>
+          </ac:spMkLst>
+        </pc:spChg>
+      </pc:sldChg>
+      <pc:sldChg chg="addSp delSp modSp add mod ord">
+        <pc:chgData name="Stephanie Dimperio" userId="a03515048de22394" providerId="LiveId" clId="{A92673EF-739F-4E87-91EC-7D1BCFF6EA1E}" dt="2022-11-28T01:41:44.995" v="1251" actId="20577"/>
+        <pc:sldMkLst>
+          <pc:docMk/>
+          <pc:sldMk cId="3481072798" sldId="284"/>
+        </pc:sldMkLst>
+        <pc:spChg chg="mod ord">
+          <ac:chgData name="Stephanie Dimperio" userId="a03515048de22394" providerId="LiveId" clId="{A92673EF-739F-4E87-91EC-7D1BCFF6EA1E}" dt="2022-11-28T01:40:38.708" v="1221" actId="166"/>
+          <ac:spMkLst>
+            <pc:docMk/>
+            <pc:sldMk cId="3481072798" sldId="284"/>
+            <ac:spMk id="5" creationId="{F225FDFC-4F74-40FF-B7A7-FBE4858FAB80}"/>
+          </ac:spMkLst>
+        </pc:spChg>
+        <pc:spChg chg="add mod topLvl">
+          <ac:chgData name="Stephanie Dimperio" userId="a03515048de22394" providerId="LiveId" clId="{A92673EF-739F-4E87-91EC-7D1BCFF6EA1E}" dt="2022-11-28T01:41:25.360" v="1231" actId="164"/>
+          <ac:spMkLst>
+            <pc:docMk/>
+            <pc:sldMk cId="3481072798" sldId="284"/>
+            <ac:spMk id="6" creationId="{1BFFEEE1-3258-DB3E-5770-765A0EBF4953}"/>
+          </ac:spMkLst>
+        </pc:spChg>
+        <pc:spChg chg="add mod topLvl">
+          <ac:chgData name="Stephanie Dimperio" userId="a03515048de22394" providerId="LiveId" clId="{A92673EF-739F-4E87-91EC-7D1BCFF6EA1E}" dt="2022-11-28T01:41:25.360" v="1231" actId="164"/>
+          <ac:spMkLst>
+            <pc:docMk/>
+            <pc:sldMk cId="3481072798" sldId="284"/>
+            <ac:spMk id="7" creationId="{16746B87-F4EC-B9DE-C0B6-0C28832D2EDB}"/>
+          </ac:spMkLst>
+        </pc:spChg>
+        <pc:spChg chg="add mod topLvl">
+          <ac:chgData name="Stephanie Dimperio" userId="a03515048de22394" providerId="LiveId" clId="{A92673EF-739F-4E87-91EC-7D1BCFF6EA1E}" dt="2022-11-28T01:41:25.360" v="1231" actId="164"/>
+          <ac:spMkLst>
+            <pc:docMk/>
+            <pc:sldMk cId="3481072798" sldId="284"/>
+            <ac:spMk id="8" creationId="{BA83F206-3842-13B7-15AF-90B0444EB04D}"/>
+          </ac:spMkLst>
+        </pc:spChg>
+        <pc:spChg chg="add mod topLvl">
+          <ac:chgData name="Stephanie Dimperio" userId="a03515048de22394" providerId="LiveId" clId="{A92673EF-739F-4E87-91EC-7D1BCFF6EA1E}" dt="2022-11-28T01:41:25.360" v="1231" actId="164"/>
+          <ac:spMkLst>
+            <pc:docMk/>
+            <pc:sldMk cId="3481072798" sldId="284"/>
+            <ac:spMk id="9" creationId="{935EDBF2-3626-4E04-68D5-7A3BED891024}"/>
+          </ac:spMkLst>
+        </pc:spChg>
+        <pc:spChg chg="mod">
+          <ac:chgData name="Stephanie Dimperio" userId="a03515048de22394" providerId="LiveId" clId="{A92673EF-739F-4E87-91EC-7D1BCFF6EA1E}" dt="2022-11-28T01:41:44.995" v="1251" actId="20577"/>
+          <ac:spMkLst>
+            <pc:docMk/>
+            <pc:sldMk cId="3481072798" sldId="284"/>
+            <ac:spMk id="10" creationId="{B2334022-B00D-90AC-1FDA-4584C7E3A7D1}"/>
+          </ac:spMkLst>
+        </pc:spChg>
+        <pc:spChg chg="add mod">
+          <ac:chgData name="Stephanie Dimperio" userId="a03515048de22394" providerId="LiveId" clId="{A92673EF-739F-4E87-91EC-7D1BCFF6EA1E}" dt="2022-11-27T23:13:13.135" v="804" actId="20577"/>
+          <ac:spMkLst>
+            <pc:docMk/>
+            <pc:sldMk cId="3481072798" sldId="284"/>
+            <ac:spMk id="13" creationId="{5040A122-C817-EEE1-D94A-65A7EE6EAFF0}"/>
+          </ac:spMkLst>
+        </pc:spChg>
+        <pc:grpChg chg="add del mod">
+          <ac:chgData name="Stephanie Dimperio" userId="a03515048de22394" providerId="LiveId" clId="{A92673EF-739F-4E87-91EC-7D1BCFF6EA1E}" dt="2022-11-28T01:40:10.867" v="1212" actId="165"/>
+          <ac:grpSpMkLst>
+            <pc:docMk/>
+            <pc:sldMk cId="3481072798" sldId="284"/>
+            <ac:grpSpMk id="11" creationId="{3E850395-36E2-9907-A9C6-729CD44C7F6C}"/>
+          </ac:grpSpMkLst>
+        </pc:grpChg>
+        <pc:grpChg chg="add mod">
+          <ac:chgData name="Stephanie Dimperio" userId="a03515048de22394" providerId="LiveId" clId="{A92673EF-739F-4E87-91EC-7D1BCFF6EA1E}" dt="2022-11-28T01:41:30.207" v="1232" actId="1076"/>
+          <ac:grpSpMkLst>
+            <pc:docMk/>
+            <pc:sldMk cId="3481072798" sldId="284"/>
+            <ac:grpSpMk id="16" creationId="{EA4D8423-27A8-FA42-1C91-D4E6FD1192C8}"/>
+          </ac:grpSpMkLst>
+        </pc:grpChg>
+        <pc:picChg chg="add del mod topLvl">
+          <ac:chgData name="Stephanie Dimperio" userId="a03515048de22394" providerId="LiveId" clId="{A92673EF-739F-4E87-91EC-7D1BCFF6EA1E}" dt="2022-11-28T01:40:14.565" v="1213" actId="478"/>
+          <ac:picMkLst>
+            <pc:docMk/>
+            <pc:sldMk cId="3481072798" sldId="284"/>
+            <ac:picMk id="4" creationId="{863CC13F-423D-0555-691F-DA8277647ACF}"/>
+          </ac:picMkLst>
+        </pc:picChg>
+        <pc:picChg chg="add mod ord">
+          <ac:chgData name="Stephanie Dimperio" userId="a03515048de22394" providerId="LiveId" clId="{A92673EF-739F-4E87-91EC-7D1BCFF6EA1E}" dt="2022-11-28T01:41:25.360" v="1231" actId="164"/>
+          <ac:picMkLst>
+            <pc:docMk/>
+            <pc:sldMk cId="3481072798" sldId="284"/>
+            <ac:picMk id="15" creationId="{F62E6E98-4056-0A97-EDAB-6CBD42DD91F8}"/>
+          </ac:picMkLst>
+        </pc:picChg>
+      </pc:sldChg>
+      <pc:sldChg chg="addSp delSp modSp add mod">
+        <pc:chgData name="Stephanie Dimperio" userId="a03515048de22394" providerId="LiveId" clId="{A92673EF-739F-4E87-91EC-7D1BCFF6EA1E}" dt="2022-11-28T02:00:43.248" v="2049" actId="1076"/>
+        <pc:sldMkLst>
+          <pc:docMk/>
+          <pc:sldMk cId="3793530143" sldId="285"/>
+        </pc:sldMkLst>
+        <pc:spChg chg="mod">
+          <ac:chgData name="Stephanie Dimperio" userId="a03515048de22394" providerId="LiveId" clId="{A92673EF-739F-4E87-91EC-7D1BCFF6EA1E}" dt="2022-11-28T01:57:52.525" v="1980" actId="1076"/>
+          <ac:spMkLst>
+            <pc:docMk/>
+            <pc:sldMk cId="3793530143" sldId="285"/>
+            <ac:spMk id="5" creationId="{F225FDFC-4F74-40FF-B7A7-FBE4858FAB80}"/>
+          </ac:spMkLst>
+        </pc:spChg>
+        <pc:spChg chg="mod">
+          <ac:chgData name="Stephanie Dimperio" userId="a03515048de22394" providerId="LiveId" clId="{A92673EF-739F-4E87-91EC-7D1BCFF6EA1E}" dt="2022-11-28T01:58:16.367" v="2009" actId="20577"/>
+          <ac:spMkLst>
+            <pc:docMk/>
+            <pc:sldMk cId="3793530143" sldId="285"/>
+            <ac:spMk id="10" creationId="{B2334022-B00D-90AC-1FDA-4584C7E3A7D1}"/>
+          </ac:spMkLst>
+        </pc:spChg>
+        <pc:spChg chg="mod">
+          <ac:chgData name="Stephanie Dimperio" userId="a03515048de22394" providerId="LiveId" clId="{A92673EF-739F-4E87-91EC-7D1BCFF6EA1E}" dt="2022-11-28T02:00:43.248" v="2049" actId="1076"/>
+          <ac:spMkLst>
+            <pc:docMk/>
+            <pc:sldMk cId="3793530143" sldId="285"/>
+            <ac:spMk id="13" creationId="{5040A122-C817-EEE1-D94A-65A7EE6EAFF0}"/>
+          </ac:spMkLst>
+        </pc:spChg>
+        <pc:spChg chg="add mod">
+          <ac:chgData name="Stephanie Dimperio" userId="a03515048de22394" providerId="LiveId" clId="{A92673EF-739F-4E87-91EC-7D1BCFF6EA1E}" dt="2022-11-28T01:57:43.312" v="1977" actId="179"/>
+          <ac:spMkLst>
+            <pc:docMk/>
+            <pc:sldMk cId="3793530143" sldId="285"/>
+            <ac:spMk id="20" creationId="{81B1437B-6888-E0B3-FD2A-E4E41CBF1E1C}"/>
+          </ac:spMkLst>
+        </pc:spChg>
+        <pc:grpChg chg="del">
+          <ac:chgData name="Stephanie Dimperio" userId="a03515048de22394" providerId="LiveId" clId="{A92673EF-739F-4E87-91EC-7D1BCFF6EA1E}" dt="2022-11-27T23:21:13.409" v="1192" actId="478"/>
+          <ac:grpSpMkLst>
+            <pc:docMk/>
+            <pc:sldMk cId="3793530143" sldId="285"/>
+            <ac:grpSpMk id="11" creationId="{3E850395-36E2-9907-A9C6-729CD44C7F6C}"/>
+          </ac:grpSpMkLst>
+        </pc:grpChg>
+        <pc:picChg chg="add del mod">
+          <ac:chgData name="Stephanie Dimperio" userId="a03515048de22394" providerId="LiveId" clId="{A92673EF-739F-4E87-91EC-7D1BCFF6EA1E}" dt="2022-11-27T23:23:23.141" v="1196" actId="478"/>
+          <ac:picMkLst>
+            <pc:docMk/>
+            <pc:sldMk cId="3793530143" sldId="285"/>
+            <ac:picMk id="12" creationId="{00C593E5-F556-F96C-B852-4EB964D61313}"/>
+          </ac:picMkLst>
+        </pc:picChg>
+        <pc:picChg chg="add del mod modCrop">
+          <ac:chgData name="Stephanie Dimperio" userId="a03515048de22394" providerId="LiveId" clId="{A92673EF-739F-4E87-91EC-7D1BCFF6EA1E}" dt="2022-11-27T23:24:16.407" v="1200" actId="478"/>
+          <ac:picMkLst>
+            <pc:docMk/>
+            <pc:sldMk cId="3793530143" sldId="285"/>
+            <ac:picMk id="15" creationId="{35F008F1-322E-ED32-0D41-82D277BA6520}"/>
+          </ac:picMkLst>
+        </pc:picChg>
+        <pc:picChg chg="add del mod">
+          <ac:chgData name="Stephanie Dimperio" userId="a03515048de22394" providerId="LiveId" clId="{A92673EF-739F-4E87-91EC-7D1BCFF6EA1E}" dt="2022-11-28T01:48:54.232" v="1304" actId="478"/>
+          <ac:picMkLst>
+            <pc:docMk/>
+            <pc:sldMk cId="3793530143" sldId="285"/>
+            <ac:picMk id="17" creationId="{C47601D9-37C4-4F4F-B276-342D422271FC}"/>
+          </ac:picMkLst>
+        </pc:picChg>
+        <pc:picChg chg="add mod modCrop">
+          <ac:chgData name="Stephanie Dimperio" userId="a03515048de22394" providerId="LiveId" clId="{A92673EF-739F-4E87-91EC-7D1BCFF6EA1E}" dt="2022-11-28T01:49:28.580" v="1310" actId="732"/>
+          <ac:picMkLst>
+            <pc:docMk/>
+            <pc:sldMk cId="3793530143" sldId="285"/>
+            <ac:picMk id="19" creationId="{09D4061E-5455-0870-E62A-19CD9B23BF15}"/>
+          </ac:picMkLst>
+        </pc:picChg>
+      </pc:sldChg>
+      <pc:sldChg chg="addSp delSp modSp add mod ord">
+        <pc:chgData name="Stephanie Dimperio" userId="a03515048de22394" providerId="LiveId" clId="{A92673EF-739F-4E87-91EC-7D1BCFF6EA1E}" dt="2022-11-28T01:46:33.143" v="1303" actId="313"/>
+        <pc:sldMkLst>
+          <pc:docMk/>
+          <pc:sldMk cId="881106109" sldId="286"/>
+        </pc:sldMkLst>
+        <pc:spChg chg="mod">
+          <ac:chgData name="Stephanie Dimperio" userId="a03515048de22394" providerId="LiveId" clId="{A92673EF-739F-4E87-91EC-7D1BCFF6EA1E}" dt="2022-11-27T23:14:09.280" v="828" actId="20577"/>
+          <ac:spMkLst>
+            <pc:docMk/>
+            <pc:sldMk cId="881106109" sldId="286"/>
+            <ac:spMk id="10" creationId="{B2334022-B00D-90AC-1FDA-4584C7E3A7D1}"/>
+          </ac:spMkLst>
+        </pc:spChg>
+        <pc:spChg chg="mod">
+          <ac:chgData name="Stephanie Dimperio" userId="a03515048de22394" providerId="LiveId" clId="{A92673EF-739F-4E87-91EC-7D1BCFF6EA1E}" dt="2022-11-27T23:18:58.411" v="1001" actId="1076"/>
+          <ac:spMkLst>
+            <pc:docMk/>
+            <pc:sldMk cId="881106109" sldId="286"/>
+            <ac:spMk id="13" creationId="{5040A122-C817-EEE1-D94A-65A7EE6EAFF0}"/>
+          </ac:spMkLst>
+        </pc:spChg>
+        <pc:spChg chg="add mod">
+          <ac:chgData name="Stephanie Dimperio" userId="a03515048de22394" providerId="LiveId" clId="{A92673EF-739F-4E87-91EC-7D1BCFF6EA1E}" dt="2022-11-28T01:46:33.143" v="1303" actId="313"/>
+          <ac:spMkLst>
+            <pc:docMk/>
+            <pc:sldMk cId="881106109" sldId="286"/>
+            <ac:spMk id="16" creationId="{83F303B4-B2B5-9388-3EBB-7CE7A7D7FA82}"/>
+          </ac:spMkLst>
+        </pc:spChg>
+        <pc:grpChg chg="del">
+          <ac:chgData name="Stephanie Dimperio" userId="a03515048de22394" providerId="LiveId" clId="{A92673EF-739F-4E87-91EC-7D1BCFF6EA1E}" dt="2022-11-27T23:14:13.162" v="829" actId="478"/>
+          <ac:grpSpMkLst>
+            <pc:docMk/>
+            <pc:sldMk cId="881106109" sldId="286"/>
+            <ac:grpSpMk id="11" creationId="{3E850395-36E2-9907-A9C6-729CD44C7F6C}"/>
+          </ac:grpSpMkLst>
+        </pc:grpChg>
+        <pc:picChg chg="add del mod">
+          <ac:chgData name="Stephanie Dimperio" userId="a03515048de22394" providerId="LiveId" clId="{A92673EF-739F-4E87-91EC-7D1BCFF6EA1E}" dt="2022-11-28T01:42:03.708" v="1252" actId="478"/>
+          <ac:picMkLst>
+            <pc:docMk/>
+            <pc:sldMk cId="881106109" sldId="286"/>
+            <ac:picMk id="12" creationId="{3711AD3B-D5DC-A4E0-7F63-6BAFC6FD5A51}"/>
+          </ac:picMkLst>
+        </pc:picChg>
+        <pc:picChg chg="add del mod">
+          <ac:chgData name="Stephanie Dimperio" userId="a03515048de22394" providerId="LiveId" clId="{A92673EF-739F-4E87-91EC-7D1BCFF6EA1E}" dt="2022-11-28T01:42:43.538" v="1258" actId="478"/>
+          <ac:picMkLst>
+            <pc:docMk/>
+            <pc:sldMk cId="881106109" sldId="286"/>
+            <ac:picMk id="15" creationId="{4F40F200-103A-5F6C-39A3-BED854667571}"/>
+          </ac:picMkLst>
+        </pc:picChg>
+        <pc:picChg chg="add del mod">
+          <ac:chgData name="Stephanie Dimperio" userId="a03515048de22394" providerId="LiveId" clId="{A92673EF-739F-4E87-91EC-7D1BCFF6EA1E}" dt="2022-11-28T01:45:13.573" v="1268" actId="478"/>
+          <ac:picMkLst>
+            <pc:docMk/>
+            <pc:sldMk cId="881106109" sldId="286"/>
+            <ac:picMk id="18" creationId="{D170D7AF-7C9B-15B6-B282-03A9B50B91CF}"/>
+          </ac:picMkLst>
+        </pc:picChg>
+        <pc:picChg chg="add del">
+          <ac:chgData name="Stephanie Dimperio" userId="a03515048de22394" providerId="LiveId" clId="{A92673EF-739F-4E87-91EC-7D1BCFF6EA1E}" dt="2022-11-28T01:44:45.783" v="1260" actId="478"/>
+          <ac:picMkLst>
+            <pc:docMk/>
+            <pc:sldMk cId="881106109" sldId="286"/>
+            <ac:picMk id="20" creationId="{07959A00-B4E5-E13F-B6F1-34BC691D57FE}"/>
+          </ac:picMkLst>
+        </pc:picChg>
+        <pc:picChg chg="add mod">
+          <ac:chgData name="Stephanie Dimperio" userId="a03515048de22394" providerId="LiveId" clId="{A92673EF-739F-4E87-91EC-7D1BCFF6EA1E}" dt="2022-11-28T01:45:11.413" v="1267" actId="1076"/>
+          <ac:picMkLst>
+            <pc:docMk/>
+            <pc:sldMk cId="881106109" sldId="286"/>
+            <ac:picMk id="22" creationId="{3357021B-A4D4-FE59-1E37-89D4431B9B5C}"/>
+          </ac:picMkLst>
+        </pc:picChg>
+        <pc:picChg chg="add mod">
+          <ac:chgData name="Stephanie Dimperio" userId="a03515048de22394" providerId="LiveId" clId="{A92673EF-739F-4E87-91EC-7D1BCFF6EA1E}" dt="2022-11-28T01:45:58.077" v="1272" actId="14100"/>
+          <ac:picMkLst>
+            <pc:docMk/>
+            <pc:sldMk cId="881106109" sldId="286"/>
+            <ac:picMk id="24" creationId="{D1E9CA28-AC5F-FB63-42E8-751DA712D087}"/>
+          </ac:picMkLst>
+        </pc:picChg>
+      </pc:sldChg>
+      <pc:sldChg chg="addSp delSp modSp add mod">
+        <pc:chgData name="Stephanie Dimperio" userId="a03515048de22394" providerId="LiveId" clId="{A92673EF-739F-4E87-91EC-7D1BCFF6EA1E}" dt="2022-11-28T02:06:36.402" v="2513" actId="113"/>
+        <pc:sldMkLst>
+          <pc:docMk/>
+          <pc:sldMk cId="448045565" sldId="287"/>
+        </pc:sldMkLst>
+        <pc:spChg chg="add mod">
+          <ac:chgData name="Stephanie Dimperio" userId="a03515048de22394" providerId="LiveId" clId="{A92673EF-739F-4E87-91EC-7D1BCFF6EA1E}" dt="2022-11-28T02:00:51.538" v="2051"/>
+          <ac:spMkLst>
+            <pc:docMk/>
+            <pc:sldMk cId="448045565" sldId="287"/>
+            <ac:spMk id="8" creationId="{C3C97A06-74EF-9E5B-D441-EB3F8BEB1C55}"/>
+          </ac:spMkLst>
+        </pc:spChg>
+        <pc:spChg chg="mod">
+          <ac:chgData name="Stephanie Dimperio" userId="a03515048de22394" providerId="LiveId" clId="{A92673EF-739F-4E87-91EC-7D1BCFF6EA1E}" dt="2022-11-28T01:58:41.299" v="2022" actId="20577"/>
+          <ac:spMkLst>
+            <pc:docMk/>
+            <pc:sldMk cId="448045565" sldId="287"/>
+            <ac:spMk id="10" creationId="{B2334022-B00D-90AC-1FDA-4584C7E3A7D1}"/>
+          </ac:spMkLst>
+        </pc:spChg>
+        <pc:spChg chg="del">
+          <ac:chgData name="Stephanie Dimperio" userId="a03515048de22394" providerId="LiveId" clId="{A92673EF-739F-4E87-91EC-7D1BCFF6EA1E}" dt="2022-11-28T02:00:51.173" v="2050" actId="478"/>
+          <ac:spMkLst>
+            <pc:docMk/>
+            <pc:sldMk cId="448045565" sldId="287"/>
+            <ac:spMk id="13" creationId="{5040A122-C817-EEE1-D94A-65A7EE6EAFF0}"/>
+          </ac:spMkLst>
+        </pc:spChg>
+        <pc:spChg chg="mod">
+          <ac:chgData name="Stephanie Dimperio" userId="a03515048de22394" providerId="LiveId" clId="{A92673EF-739F-4E87-91EC-7D1BCFF6EA1E}" dt="2022-11-28T02:06:36.402" v="2513" actId="113"/>
+          <ac:spMkLst>
+            <pc:docMk/>
+            <pc:sldMk cId="448045565" sldId="287"/>
+            <ac:spMk id="20" creationId="{81B1437B-6888-E0B3-FD2A-E4E41CBF1E1C}"/>
+          </ac:spMkLst>
+        </pc:spChg>
+        <pc:picChg chg="add mod">
+          <ac:chgData name="Stephanie Dimperio" userId="a03515048de22394" providerId="LiveId" clId="{A92673EF-739F-4E87-91EC-7D1BCFF6EA1E}" dt="2022-11-28T02:00:22.767" v="2045" actId="1076"/>
+          <ac:picMkLst>
+            <pc:docMk/>
+            <pc:sldMk cId="448045565" sldId="287"/>
+            <ac:picMk id="4" creationId="{63EF7440-0592-C569-9B1C-53991205763C}"/>
+          </ac:picMkLst>
+        </pc:picChg>
+        <pc:picChg chg="add mod">
+          <ac:chgData name="Stephanie Dimperio" userId="a03515048de22394" providerId="LiveId" clId="{A92673EF-739F-4E87-91EC-7D1BCFF6EA1E}" dt="2022-11-28T02:00:28.486" v="2047" actId="1076"/>
+          <ac:picMkLst>
+            <pc:docMk/>
+            <pc:sldMk cId="448045565" sldId="287"/>
+            <ac:picMk id="7" creationId="{E90FFA2B-223C-B90D-AA27-AE1A95275FD1}"/>
+          </ac:picMkLst>
+        </pc:picChg>
+        <pc:picChg chg="del">
+          <ac:chgData name="Stephanie Dimperio" userId="a03515048de22394" providerId="LiveId" clId="{A92673EF-739F-4E87-91EC-7D1BCFF6EA1E}" dt="2022-11-28T02:00:18.188" v="2044" actId="478"/>
+          <ac:picMkLst>
+            <pc:docMk/>
+            <pc:sldMk cId="448045565" sldId="287"/>
+            <ac:picMk id="19" creationId="{09D4061E-5455-0870-E62A-19CD9B23BF15}"/>
+          </ac:picMkLst>
+        </pc:picChg>
+      </pc:sldChg>
+      <pc:sldChg chg="addSp delSp modSp add mod">
+        <pc:chgData name="Stephanie Dimperio" userId="a03515048de22394" providerId="LiveId" clId="{A92673EF-739F-4E87-91EC-7D1BCFF6EA1E}" dt="2022-11-28T02:16:42.204" v="3186" actId="113"/>
+        <pc:sldMkLst>
+          <pc:docMk/>
+          <pc:sldMk cId="3370458276" sldId="288"/>
+        </pc:sldMkLst>
+        <pc:spChg chg="mod">
+          <ac:chgData name="Stephanie Dimperio" userId="a03515048de22394" providerId="LiveId" clId="{A92673EF-739F-4E87-91EC-7D1BCFF6EA1E}" dt="2022-11-28T02:07:00.466" v="2551" actId="20577"/>
+          <ac:spMkLst>
+            <pc:docMk/>
+            <pc:sldMk cId="3370458276" sldId="288"/>
+            <ac:spMk id="10" creationId="{B2334022-B00D-90AC-1FDA-4584C7E3A7D1}"/>
+          </ac:spMkLst>
+        </pc:spChg>
+        <pc:spChg chg="mod">
+          <ac:chgData name="Stephanie Dimperio" userId="a03515048de22394" providerId="LiveId" clId="{A92673EF-739F-4E87-91EC-7D1BCFF6EA1E}" dt="2022-11-28T02:16:42.204" v="3186" actId="113"/>
+          <ac:spMkLst>
+            <pc:docMk/>
+            <pc:sldMk cId="3370458276" sldId="288"/>
+            <ac:spMk id="20" creationId="{81B1437B-6888-E0B3-FD2A-E4E41CBF1E1C}"/>
+          </ac:spMkLst>
+        </pc:spChg>
+        <pc:picChg chg="del">
+          <ac:chgData name="Stephanie Dimperio" userId="a03515048de22394" providerId="LiveId" clId="{A92673EF-739F-4E87-91EC-7D1BCFF6EA1E}" dt="2022-11-28T02:07:23.037" v="2552" actId="478"/>
+          <ac:picMkLst>
+            <pc:docMk/>
+            <pc:sldMk cId="3370458276" sldId="288"/>
+            <ac:picMk id="4" creationId="{63EF7440-0592-C569-9B1C-53991205763C}"/>
+          </ac:picMkLst>
+        </pc:picChg>
+        <pc:picChg chg="add mod">
+          <ac:chgData name="Stephanie Dimperio" userId="a03515048de22394" providerId="LiveId" clId="{A92673EF-739F-4E87-91EC-7D1BCFF6EA1E}" dt="2022-11-28T02:07:35.608" v="2556" actId="1076"/>
+          <ac:picMkLst>
+            <pc:docMk/>
+            <pc:sldMk cId="3370458276" sldId="288"/>
+            <ac:picMk id="6" creationId="{E4211557-D47F-CFB2-5FED-5BA76285570B}"/>
+          </ac:picMkLst>
+        </pc:picChg>
+        <pc:picChg chg="del">
+          <ac:chgData name="Stephanie Dimperio" userId="a03515048de22394" providerId="LiveId" clId="{A92673EF-739F-4E87-91EC-7D1BCFF6EA1E}" dt="2022-11-28T02:07:24.756" v="2553" actId="478"/>
+          <ac:picMkLst>
+            <pc:docMk/>
+            <pc:sldMk cId="3370458276" sldId="288"/>
+            <ac:picMk id="7" creationId="{E90FFA2B-223C-B90D-AA27-AE1A95275FD1}"/>
+          </ac:picMkLst>
+        </pc:picChg>
+      </pc:sldChg>
+    </pc:docChg>
+  </pc:docChgLst>
+</pc:chgInfo>
+</file>
+
+<file path=ppt/diagrams/colors1.xml><?xml version="1.0" encoding="utf-8"?>
+<dgm:colorsDef xmlns:dgm="http://schemas.openxmlformats.org/drawingml/2006/diagram" xmlns:a="http://schemas.openxmlformats.org/drawingml/2006/main" uniqueId="urn:microsoft.com/office/officeart/2005/8/colors/accent1_2">
+  <dgm:title val=""/>
+  <dgm:desc val=""/>
+  <dgm:catLst>
+    <dgm:cat type="accent1" pri="11200"/>
+  </dgm:catLst>
+  <dgm:styleLbl name="node0">
+    <dgm:fillClrLst meth="repeat">
+      <a:schemeClr val="accent1"/>
+    </dgm:fillClrLst>
+    <dgm:linClrLst meth="repeat">
+      <a:schemeClr val="lt1"/>
+    </dgm:linClrLst>
+    <dgm:effectClrLst/>
+    <dgm:txLinClrLst/>
+    <dgm:txFillClrLst/>
+    <dgm:txEffectClrLst/>
+  </dgm:styleLbl>
+  <dgm:styleLbl name="alignNode1">
+    <dgm:fillClrLst meth="repeat">
+      <a:schemeClr val="accent1"/>
+    </dgm:fillClrLst>
+    <dgm:linClrLst meth="repeat">
+      <a:schemeClr val="accent1"/>
+    </dgm:linClrLst>
+    <dgm:effectClrLst/>
+    <dgm:txLinClrLst/>
+    <dgm:txFillClrLst/>
+    <dgm:txEffectClrLst/>
+  </dgm:styleLbl>
+  <dgm:styleLbl name="node1">
+    <dgm:fillClrLst meth="repeat">
+      <a:schemeClr val="accent1"/>
+    </dgm:fillClrLst>
+    <dgm:linClrLst meth="repeat">
+      <a:schemeClr val="lt1"/>
+    </dgm:linClrLst>
+    <dgm:effectClrLst/>
+    <dgm:txLinClrLst/>
+    <dgm:txFillClrLst/>
+    <dgm:txEffectClrLst/>
+  </dgm:styleLbl>
+  <dgm:styleLbl name="lnNode1">
+    <dgm:fillClrLst meth="repeat">
+      <a:schemeClr val="accent1"/>
+    </dgm:fillClrLst>
+    <dgm:linClrLst meth="repeat">
+      <a:schemeClr val="lt1"/>
+    </dgm:linClrLst>
+    <dgm:effectClrLst/>
+    <dgm:txLinClrLst/>
+    <dgm:txFillClrLst/>
+    <dgm:txEffectClrLst/>
+  </dgm:styleLbl>
+  <dgm:styleLbl name="vennNode1">
+    <dgm:fillClrLst meth="repeat">
+      <a:schemeClr val="accent1">
+        <a:alpha val="50000"/>
+      </a:schemeClr>
+    </dgm:fillClrLst>
+    <dgm:linClrLst meth="repeat">
+      <a:schemeClr val="lt1"/>
+    </dgm:linClrLst>
+    <dgm:effectClrLst/>
+    <dgm:txLinClrLst/>
+    <dgm:txFillClrLst/>
+    <dgm:txEffectClrLst/>
+  </dgm:styleLbl>
+  <dgm:styleLbl name="node2">
+    <dgm:fillClrLst meth="repeat">
+      <a:schemeClr val="accent1"/>
+    </dgm:fillClrLst>
+    <dgm:linClrLst meth="repeat">
+      <a:schemeClr val="lt1"/>
+    </dgm:linClrLst>
+    <dgm:effectClrLst/>
+    <dgm:txLinClrLst/>
+    <dgm:txFillClrLst/>
+    <dgm:txEffectClrLst/>
+  </dgm:styleLbl>
+  <dgm:styleLbl name="node3">
+    <dgm:fillClrLst meth="repeat">
+      <a:schemeClr val="accent1"/>
+    </dgm:fillClrLst>
+    <dgm:linClrLst meth="repeat">
+      <a:schemeClr val="lt1"/>
+    </dgm:linClrLst>
+    <dgm:effectClrLst/>
+    <dgm:txLinClrLst/>
+    <dgm:txFillClrLst/>
+    <dgm:txEffectClrLst/>
+  </dgm:styleLbl>
+  <dgm:styleLbl name="node4">
+    <dgm:fillClrLst meth="repeat">
+      <a:schemeClr val="accent1"/>
+    </dgm:fillClrLst>
+    <dgm:linClrLst meth="repeat">
+      <a:schemeClr val="lt1"/>
+    </dgm:linClrLst>
+    <dgm:effectClrLst/>
+    <dgm:txLinClrLst/>
+    <dgm:txFillClrLst/>
+    <dgm:txEffectClrLst/>
+  </dgm:styleLbl>
+  <dgm:styleLbl name="fgImgPlace1">
+    <dgm:fillClrLst meth="repeat">
+      <a:schemeClr val="accent1">
+        <a:tint val="50000"/>
+      </a:schemeClr>
+    </dgm:fillClrLst>
+    <dgm:linClrLst meth="repeat">
+      <a:schemeClr val="lt1"/>
+    </dgm:linClrLst>
+    <dgm:effectClrLst/>
+    <dgm:txLinClrLst/>
+    <dgm:txFillClrLst meth="repeat">
+      <a:schemeClr val="lt1"/>
+    </dgm:txFillClrLst>
+    <dgm:txEffectClrLst/>
+  </dgm:styleLbl>
+  <dgm:styleLbl name="alignImgPlace1">
+    <dgm:fillClrLst meth="repeat">
+      <a:schemeClr val="accent1">
+        <a:tint val="50000"/>
+      </a:schemeClr>
+    </dgm:fillClrLst>
+    <dgm:linClrLst meth="repeat">
+      <a:schemeClr val="lt1"/>
+    </dgm:linClrLst>
+    <dgm:effectClrLst/>
+    <dgm:txLinClrLst/>
+    <dgm:txFillClrLst meth="repeat">
+      <a:schemeClr val="lt1"/>
+    </dgm:txFillClrLst>
+    <dgm:txEffectClrLst/>
+  </dgm:styleLbl>
+  <dgm:styleLbl name="bgImgPlace1">
+    <dgm:fillClrLst meth="repeat">
+      <a:schemeClr val="accent1">
+        <a:tint val="50000"/>
+      </a:schemeClr>
+    </dgm:fillClrLst>
+    <dgm:linClrLst meth="repeat">
+      <a:schemeClr val="lt1"/>
+    </dgm:linClrLst>
+    <dgm:effectClrLst/>
+    <dgm:txLinClrLst/>
+    <dgm:txFillClrLst meth="repeat">
+      <a:schemeClr val="lt1"/>
+    </dgm:txFillClrLst>
+    <dgm:txEffectClrLst/>
+  </dgm:styleLbl>
+  <dgm:styleLbl name="sibTrans2D1">
+    <dgm:fillClrLst meth="repeat">
+      <a:schemeClr val="accent1">
+        <a:tint val="60000"/>
+      </a:schemeClr>
+    </dgm:fillClrLst>
+    <dgm:linClrLst meth="repeat">
+      <a:schemeClr val="accent1">
+        <a:tint val="60000"/>
+      </a:schemeClr>
+    </dgm:linClrLst>
+    <dgm:effectClrLst/>
+    <dgm:txLinClrLst/>
+    <dgm:txFillClrLst/>
+    <dgm:txEffectClrLst/>
+  </dgm:styleLbl>
+  <dgm:styleLbl name="fgSibTrans2D1">
+    <dgm:fillClrLst meth="repeat">
+      <a:schemeClr val="accent1">
+        <a:tint val="60000"/>
+      </a:schemeClr>
+    </dgm:fillClrLst>
+    <dgm:linClrLst meth="repeat">
+      <a:schemeClr val="accent1">
+        <a:tint val="60000"/>
+      </a:schemeClr>
+    </dgm:linClrLst>
+    <dgm:effectClrLst/>
+    <dgm:txLinClrLst/>
+    <dgm:txFillClrLst/>
+    <dgm:txEffectClrLst/>
+  </dgm:styleLbl>
+  <dgm:styleLbl name="bgSibTrans2D1">
+    <dgm:fillClrLst meth="repeat">
+      <a:schemeClr val="accent1">
+        <a:tint val="60000"/>
+      </a:schemeClr>
+    </dgm:fillClrLst>
+    <dgm:linClrLst meth="repeat">
+      <a:schemeClr val="accent1">
+        <a:tint val="60000"/>
+      </a:schemeClr>
+    </dgm:linClrLst>
+    <dgm:effectClrLst/>
+    <dgm:txLinClrLst/>
+    <dgm:txFillClrLst/>
+    <dgm:txEffectClrLst/>
+  </dgm:styleLbl>
+  <dgm:styleLbl name="sibTrans1D1">
+    <dgm:fillClrLst meth="repeat">
+      <a:schemeClr val="accent1"/>
+    </dgm:fillClrLst>
+    <dgm:linClrLst meth="repeat">
+      <a:schemeClr val="accent1"/>
+    </dgm:linClrLst>
+    <dgm:effectClrLst/>
+    <dgm:txLinClrLst/>
+    <dgm:txFillClrLst meth="repeat">
+      <a:schemeClr val="tx1"/>
+    </dgm:txFillClrLst>
+    <dgm:txEffectClrLst/>
+  </dgm:styleLbl>
+  <dgm:styleLbl name="callout">
+    <dgm:fillClrLst meth="repeat">
+      <a:schemeClr val="accent1"/>
+    </dgm:fillClrLst>
+    <dgm:linClrLst meth="repeat">
+      <a:schemeClr val="accent1">
+        <a:tint val="50000"/>
+      </a:schemeClr>
+    </dgm:linClrLst>
+    <dgm:effectClrLst/>
+    <dgm:txLinClrLst/>
+    <dgm:txFillClrLst meth="repeat">
+      <a:schemeClr val="tx1"/>
+    </dgm:txFillClrLst>
+    <dgm:txEffectClrLst/>
+  </dgm:styleLbl>
+  <dgm:styleLbl name="asst0">
+    <dgm:fillClrLst meth="repeat">
+      <a:schemeClr val="accent1"/>
+    </dgm:fillClrLst>
+    <dgm:linClrLst meth="repeat">
+      <a:schemeClr val="lt1"/>
+    </dgm:linClrLst>
+    <dgm:effectClrLst/>
+    <dgm:txLinClrLst/>
+    <dgm:txFillClrLst/>
+    <dgm:txEffectClrLst/>
+  </dgm:styleLbl>
+  <dgm:styleLbl name="asst1">
+    <dgm:fillClrLst meth="repeat">
+      <a:schemeClr val="accent1"/>
+    </dgm:fillClrLst>
+    <dgm:linClrLst meth="repeat">
+      <a:schemeClr val="lt1"/>
+    </dgm:linClrLst>
+    <dgm:effectClrLst/>
+    <dgm:txLinClrLst/>
+    <dgm:txFillClrLst/>
+    <dgm:txEffectClrLst/>
+  </dgm:styleLbl>
+  <dgm:styleLbl name="asst2">
+    <dgm:fillClrLst meth="repeat">
+      <a:schemeClr val="accent1"/>
+    </dgm:fillClrLst>
+    <dgm:linClrLst meth="repeat">
+      <a:schemeClr val="lt1"/>
+    </dgm:linClrLst>
+    <dgm:effectClrLst/>
+    <dgm:txLinClrLst/>
+    <dgm:txFillClrLst/>
+    <dgm:txEffectClrLst/>
+  </dgm:styleLbl>
+  <dgm:styleLbl name="asst3">
+    <dgm:fillClrLst meth="repeat">
+      <a:schemeClr val="accent1"/>
+    </dgm:fillClrLst>
+    <dgm:linClrLst meth="repeat">
+      <a:schemeClr val="lt1"/>
+    </dgm:linClrLst>
+    <dgm:effectClrLst/>
+    <dgm:txLinClrLst/>
+    <dgm:txFillClrLst/>
+    <dgm:txEffectClrLst/>
+  </dgm:styleLbl>
+  <dgm:styleLbl name="asst4">
+    <dgm:fillClrLst meth="repeat">
+      <a:schemeClr val="accent1"/>
+    </dgm:fillClrLst>
+    <dgm:linClrLst meth="repeat">
+      <a:schemeClr val="lt1"/>
+    </dgm:linClrLst>
+    <dgm:effectClrLst/>
+    <dgm:txLinClrLst/>
+    <dgm:txFillClrLst/>
+    <dgm:txEffectClrLst/>
+  </dgm:styleLbl>
+  <dgm:styleLbl name="parChTrans2D1">
+    <dgm:fillClrLst meth="repeat">
+      <a:schemeClr val="accent1">
+        <a:tint val="60000"/>
+      </a:schemeClr>
+    </dgm:fillClrLst>
+    <dgm:linClrLst meth="repeat">
+      <a:schemeClr val="accent1">
+        <a:tint val="60000"/>
+      </a:schemeClr>
+    </dgm:linClrLst>
+    <dgm:effectClrLst/>
+    <dgm:txLinClrLst/>
+    <dgm:txFillClrLst meth="repeat">
+      <a:schemeClr val="lt1"/>
+    </dgm:txFillClrLst>
+    <dgm:txEffectClrLst/>
+  </dgm:styleLbl>
+  <dgm:styleLbl name="parChTrans2D2">
+    <dgm:fillClrLst meth="repeat">
+      <a:schemeClr val="accent1"/>
+    </dgm:fillClrLst>
+    <dgm:linClrLst meth="repeat">
+      <a:schemeClr val="accent1"/>
+    </dgm:linClrLst>
+    <dgm:effectClrLst/>
+    <dgm:txLinClrLst/>
+    <dgm:txFillClrLst meth="repeat">
+      <a:schemeClr val="lt1"/>
+    </dgm:txFillClrLst>
+    <dgm:txEffectClrLst/>
+  </dgm:styleLbl>
+  <dgm:styleLbl name="parChTrans2D3">
+    <dgm:fillClrLst meth="repeat">
+      <a:schemeClr val="accent1"/>
+    </dgm:fillClrLst>
+    <dgm:linClrLst meth="repeat">
+      <a:schemeClr val="accent1"/>
+    </dgm:linClrLst>
+    <dgm:effectClrLst/>
+    <dgm:txLinClrLst/>
+    <dgm:txFillClrLst meth="repeat">
+      <a:schemeClr val="lt1"/>
+    </dgm:txFillClrLst>
+    <dgm:txEffectClrLst/>
+  </dgm:styleLbl>
+  <dgm:styleLbl name="parChTrans2D4">
+    <dgm:fillClrLst meth="repeat">
+      <a:schemeClr val="accent1"/>
+    </dgm:fillClrLst>
+    <dgm:linClrLst meth="repeat">
+      <a:schemeClr val="accent1"/>
+    </dgm:linClrLst>
+    <dgm:effectClrLst/>
+    <dgm:txLinClrLst/>
+    <dgm:txFillClrLst meth="repeat">
+      <a:schemeClr val="lt1"/>
+    </dgm:txFillClrLst>
+    <dgm:txEffectClrLst/>
+  </dgm:styleLbl>
+  <dgm:styleLbl name="parChTrans1D1">
+    <dgm:fillClrLst meth="repeat">
+      <a:schemeClr val="accent1"/>
+    </dgm:fillClrLst>
+    <dgm:linClrLst meth="repeat">
+      <a:schemeClr val="accent1">
+        <a:shade val="60000"/>
+      </a:schemeClr>
+    </dgm:linClrLst>
+    <dgm:effectClrLst/>
+    <dgm:txLinClrLst/>
+    <dgm:txFillClrLst meth="repeat">
+      <a:schemeClr val="tx1"/>
+    </dgm:txFillClrLst>
+    <dgm:txEffectClrLst/>
+  </dgm:styleLbl>
+  <dgm:styleLbl name="parChTrans1D2">
+    <dgm:fillClrLst meth="repeat">
+      <a:schemeClr val="accent1"/>
+    </dgm:fillClrLst>
+    <dgm:linClrLst meth="repeat">
+      <a:schemeClr val="accent1">
+        <a:shade val="60000"/>
+      </a:schemeClr>
+    </dgm:linClrLst>
+    <dgm:effectClrLst/>
+    <dgm:txLinClrLst/>
+    <dgm:txFillClrLst meth="repeat">
+      <a:schemeClr val="tx1"/>
+    </dgm:txFillClrLst>
+    <dgm:txEffectClrLst/>
+  </dgm:styleLbl>
+  <dgm:styleLbl name="parChTrans1D3">
+    <dgm:fillClrLst meth="repeat">
+      <a:schemeClr val="accent1"/>
+    </dgm:fillClrLst>
+    <dgm:linClrLst meth="repeat">
+      <a:schemeClr val="accent1">
+        <a:shade val="80000"/>
+      </a:schemeClr>
+    </dgm:linClrLst>
+    <dgm:effectClrLst/>
+    <dgm:txLinClrLst/>
+    <dgm:txFillClrLst meth="repeat">
+      <a:schemeClr val="tx1"/>
+    </dgm:txFillClrLst>
+    <dgm:txEffectClrLst/>
+  </dgm:styleLbl>
+  <dgm:styleLbl name="parChTrans1D4">
+    <dgm:fillClrLst meth="repeat">
+      <a:schemeClr val="accent1"/>
+    </dgm:fillClrLst>
+    <dgm:linClrLst meth="repeat">
+      <a:schemeClr val="accent1">
+        <a:shade val="80000"/>
+      </a:schemeClr>
+    </dgm:linClrLst>
+    <dgm:effectClrLst/>
+    <dgm:txLinClrLst/>
+    <dgm:txFillClrLst meth="repeat">
+      <a:schemeClr val="tx1"/>
+    </dgm:txFillClrLst>
+    <dgm:txEffectClrLst/>
+  </dgm:styleLbl>
+  <dgm:styleLbl name="fgAcc1">
+    <dgm:fillClrLst meth="repeat">
+      <a:schemeClr val="lt1">
+        <a:alpha val="90000"/>
+      </a:schemeClr>
+    </dgm:fillClrLst>
+    <dgm:linClrLst meth="repeat">
+      <a:schemeClr val="accent1"/>
+    </dgm:linClrLst>
+    <dgm:effectClrLst/>
+    <dgm:txLinClrLst/>
+    <dgm:txFillClrLst meth="repeat">
+      <a:schemeClr val="dk1"/>
+    </dgm:txFillClrLst>
+    <dgm:txEffectClrLst/>
+  </dgm:styleLbl>
+  <dgm:styleLbl name="conFgAcc1">
+    <dgm:fillClrLst meth="repeat">
+      <a:schemeClr val="lt1">
+        <a:alpha val="90000"/>
+      </a:schemeClr>
+    </dgm:fillClrLst>
+    <dgm:linClrLst meth="repeat">
+      <a:schemeClr val="accent1"/>
+    </dgm:linClrLst>
+    <dgm:effectClrLst/>
+    <dgm:txLinClrLst/>
+    <dgm:txFillClrLst meth="repeat">
+      <a:schemeClr val="dk1"/>
+    </dgm:txFillClrLst>
+    <dgm:txEffectClrLst/>
+  </dgm:styleLbl>
+  <dgm:styleLbl name="alignAcc1">
+    <dgm:fillClrLst meth="repeat">
+      <a:schemeClr val="lt1">
+        <a:alpha val="90000"/>
+      </a:schemeClr>
+    </dgm:fillClrLst>
+    <dgm:linClrLst meth="repeat">
+      <a:schemeClr val="accent1"/>
+    </dgm:linClrLst>
+    <dgm:effectClrLst/>
+    <dgm:txLinClrLst/>
+    <dgm:txFillClrLst meth="repeat">
+      <a:schemeClr val="dk1"/>
+    </dgm:txFillClrLst>
+    <dgm:txEffectClrLst/>
+  </dgm:styleLbl>
+  <dgm:styleLbl name="trAlignAcc1">
+    <dgm:fillClrLst meth="repeat">
+      <a:schemeClr val="lt1">
+        <a:alpha val="40000"/>
+      </a:schemeClr>
+    </dgm:fillClrLst>
+    <dgm:linClrLst meth="repeat">
+      <a:schemeClr val="accent1"/>
+    </dgm:linClrLst>
+    <dgm:effectClrLst/>
+    <dgm:txLinClrLst/>
+    <dgm:txFillClrLst meth="repeat">
+      <a:schemeClr val="dk1"/>
+    </dgm:txFillClrLst>
+    <dgm:txEffectClrLst/>
+  </dgm:styleLbl>
+  <dgm:styleLbl name="bgAcc1">
+    <dgm:fillClrLst meth="repeat">
+      <a:schemeClr val="lt1">
+        <a:alpha val="90000"/>
+      </a:schemeClr>
+    </dgm:fillClrLst>
+    <dgm:linClrLst meth="repeat">
+      <a:schemeClr val="accent1"/>
+    </dgm:linClrLst>
+    <dgm:effectClrLst/>
+    <dgm:txLinClrLst/>
+    <dgm:txFillClrLst meth="repeat">
+      <a:schemeClr val="dk1"/>
+    </dgm:txFillClrLst>
+    <dgm:txEffectClrLst/>
+  </dgm:styleLbl>
+  <dgm:styleLbl name="solidFgAcc1">
+    <dgm:fillClrLst meth="repeat">
+      <a:schemeClr val="lt1"/>
+    </dgm:fillClrLst>
+    <dgm:linClrLst meth="repeat">
+      <a:schemeClr val="accent1"/>
+    </dgm:linClrLst>
+    <dgm:effectClrLst/>
+    <dgm:txLinClrLst/>
+    <dgm:txFillClrLst meth="repeat">
+      <a:schemeClr val="dk1"/>
+    </dgm:txFillClrLst>
+    <dgm:txEffectClrLst/>
+  </dgm:styleLbl>
+  <dgm:styleLbl name="solidAlignAcc1">
+    <dgm:fillClrLst meth="repeat">
+      <a:schemeClr val="lt1"/>
+    </dgm:fillClrLst>
+    <dgm:linClrLst meth="repeat">
+      <a:schemeClr val="accent1"/>
+    </dgm:linClrLst>
+    <dgm:effectClrLst/>
+    <dgm:txLinClrLst/>
+    <dgm:txFillClrLst meth="repeat">
+      <a:schemeClr val="dk1"/>
+    </dgm:txFillClrLst>
+    <dgm:txEffectClrLst/>
+  </dgm:styleLbl>
+  <dgm:styleLbl name="solidBgAcc1">
+    <dgm:fillClrLst meth="repeat">
+      <a:schemeClr val="lt1"/>
+    </dgm:fillClrLst>
+    <dgm:linClrLst meth="repeat">
+      <a:schemeClr val="accent1"/>
+    </dgm:linClrLst>
+    <dgm:effectClrLst/>
+    <dgm:txLinClrLst/>
+    <dgm:txFillClrLst meth="repeat">
+      <a:schemeClr val="dk1"/>
+    </dgm:txFillClrLst>
+    <dgm:txEffectClrLst/>
+  </dgm:styleLbl>
+  <dgm:styleLbl name="fgAccFollowNode1">
+    <dgm:fillClrLst meth="repeat">
+      <a:schemeClr val="accent1">
+        <a:alpha val="90000"/>
+        <a:tint val="40000"/>
+      </a:schemeClr>
+    </dgm:fillClrLst>
+    <dgm:linClrLst meth="repeat">
+      <a:schemeClr val="accent1">
+        <a:alpha val="90000"/>
+        <a:tint val="40000"/>
+      </a:schemeClr>
+    </dgm:linClrLst>
+    <dgm:effectClrLst/>
+    <dgm:txLinClrLst/>
+    <dgm:txFillClrLst meth="repeat">
+      <a:schemeClr val="dk1"/>
+    </dgm:txFillClrLst>
+    <dgm:txEffectClrLst/>
+  </dgm:styleLbl>
+  <dgm:styleLbl name="alignAccFollowNode1">
+    <dgm:fillClrLst meth="repeat">
+      <a:schemeClr val="accent1">
+        <a:alpha val="90000"/>
+        <a:tint val="40000"/>
+      </a:schemeClr>
+    </dgm:fillClrLst>
+    <dgm:linClrLst meth="repeat">
+      <a:schemeClr val="accent1">
+        <a:alpha val="90000"/>
+        <a:tint val="40000"/>
+      </a:schemeClr>
+    </dgm:linClrLst>
+    <dgm:effectClrLst/>
+    <dgm:txLinClrLst/>
+    <dgm:txFillClrLst meth="repeat">
+      <a:schemeClr val="dk1"/>
+    </dgm:txFillClrLst>
+    <dgm:txEffectClrLst/>
+  </dgm:styleLbl>
+  <dgm:styleLbl name="bgAccFollowNode1">
+    <dgm:fillClrLst meth="repeat">
+      <a:schemeClr val="accent1">
+        <a:alpha val="90000"/>
+        <a:tint val="40000"/>
+      </a:schemeClr>
+    </dgm:fillClrLst>
+    <dgm:linClrLst meth="repeat">
+      <a:schemeClr val="accent1">
+        <a:alpha val="90000"/>
+        <a:tint val="40000"/>
+      </a:schemeClr>
+    </dgm:linClrLst>
+    <dgm:effectClrLst/>
+    <dgm:txLinClrLst/>
+    <dgm:txFillClrLst meth="repeat">
+      <a:schemeClr val="dk1"/>
+    </dgm:txFillClrLst>
+    <dgm:txEffectClrLst/>
+  </dgm:styleLbl>
+  <dgm:styleLbl name="fgAcc0">
+    <dgm:fillClrLst meth="repeat">
+      <a:schemeClr val="lt1">
+        <a:alpha val="90000"/>
+      </a:schemeClr>
+    </dgm:fillClrLst>
+    <dgm:linClrLst meth="repeat">
+      <a:schemeClr val="accent1"/>
+    </dgm:linClrLst>
+    <dgm:effectClrLst/>
+    <dgm:txLinClrLst/>
+    <dgm:txFillClrLst meth="repeat">
+      <a:schemeClr val="dk1"/>
+    </dgm:txFillClrLst>
+    <dgm:txEffectClrLst/>
+  </dgm:styleLbl>
+  <dgm:styleLbl name="fgAcc2">
+    <dgm:fillClrLst meth="repeat">
+      <a:schemeClr val="lt1">
+        <a:alpha val="90000"/>
+      </a:schemeClr>
+    </dgm:fillClrLst>
+    <dgm:linClrLst meth="repeat">
+      <a:schemeClr val="accent1"/>
+    </dgm:linClrLst>
+    <dgm:effectClrLst/>
+    <dgm:txLinClrLst/>
+    <dgm:txFillClrLst meth="repeat">
+      <a:schemeClr val="dk1"/>
+    </dgm:txFillClrLst>
+    <dgm:txEffectClrLst/>
+  </dgm:styleLbl>
+  <dgm:styleLbl name="fgAcc3">
+    <dgm:fillClrLst meth="repeat">
+      <a:schemeClr val="lt1">
+        <a:alpha val="90000"/>
+      </a:schemeClr>
+    </dgm:fillClrLst>
+    <dgm:linClrLst meth="repeat">
+      <a:schemeClr val="accent1"/>
+    </dgm:linClrLst>
+    <dgm:effectClrLst/>
+    <dgm:txLinClrLst/>
+    <dgm:txFillClrLst meth="repeat">
+      <a:schemeClr val="dk1"/>
+    </dgm:txFillClrLst>
+    <dgm:txEffectClrLst/>
+  </dgm:styleLbl>
+  <dgm:styleLbl name="fgAcc4">
+    <dgm:fillClrLst meth="repeat">
+      <a:schemeClr val="lt1">
+        <a:alpha val="90000"/>
+      </a:schemeClr>
+    </dgm:fillClrLst>
+    <dgm:linClrLst meth="repeat">
+      <a:schemeClr val="accent1"/>
+    </dgm:linClrLst>
+    <dgm:effectClrLst/>
+    <dgm:txLinClrLst/>
+    <dgm:txFillClrLst meth="repeat">
+      <a:schemeClr val="dk1"/>
+    </dgm:txFillClrLst>
+    <dgm:txEffectClrLst/>
+  </dgm:styleLbl>
+  <dgm:styleLbl name="bgShp">
+    <dgm:fillClrLst meth="repeat">
+      <a:schemeClr val="accent1">
+        <a:tint val="40000"/>
+      </a:schemeClr>
+    </dgm:fillClrLst>
+    <dgm:linClrLst meth="repeat">
+      <a:schemeClr val="accent1"/>
+    </dgm:linClrLst>
+    <dgm:effectClrLst/>
+    <dgm:txLinClrLst/>
+    <dgm:txFillClrLst meth="repeat">
+      <a:schemeClr val="dk1"/>
+    </dgm:txFillClrLst>
+    <dgm:txEffectClrLst/>
+  </dgm:styleLbl>
+  <dgm:styleLbl name="dkBgShp">
+    <dgm:fillClrLst meth="repeat">
+      <a:schemeClr val="accent1">
+        <a:shade val="80000"/>
+      </a:schemeClr>
+    </dgm:fillClrLst>
+    <dgm:linClrLst meth="repeat">
+      <a:schemeClr val="accent1"/>
+    </dgm:linClrLst>
+    <dgm:effectClrLst/>
+    <dgm:txLinClrLst/>
+    <dgm:txFillClrLst meth="repeat">
+      <a:schemeClr val="lt1"/>
+    </dgm:txFillClrLst>
+    <dgm:txEffectClrLst/>
+  </dgm:styleLbl>
+  <dgm:styleLbl name="trBgShp">
+    <dgm:fillClrLst meth="repeat">
+      <a:schemeClr val="accent1">
+        <a:tint val="50000"/>
+        <a:alpha val="40000"/>
+      </a:schemeClr>
+    </dgm:fillClrLst>
+    <dgm:linClrLst meth="repeat">
+      <a:schemeClr val="accent1"/>
+    </dgm:linClrLst>
+    <dgm:effectClrLst/>
+    <dgm:txLinClrLst/>
+    <dgm:txFillClrLst meth="repeat">
+      <a:schemeClr val="lt1"/>
+    </dgm:txFillClrLst>
+    <dgm:txEffectClrLst/>
+  </dgm:styleLbl>
+  <dgm:styleLbl name="fgShp">
+    <dgm:fillClrLst meth="repeat">
+      <a:schemeClr val="accent1">
+        <a:tint val="60000"/>
+      </a:schemeClr>
+    </dgm:fillClrLst>
+    <dgm:linClrLst meth="repeat">
+      <a:schemeClr val="lt1"/>
+    </dgm:linClrLst>
+    <dgm:effectClrLst/>
+    <dgm:txLinClrLst/>
+    <dgm:txFillClrLst meth="repeat">
+      <a:schemeClr val="dk1"/>
+    </dgm:txFillClrLst>
+    <dgm:txEffectClrLst/>
+  </dgm:styleLbl>
+  <dgm:styleLbl name="revTx">
+    <dgm:fillClrLst meth="repeat">
+      <a:schemeClr val="lt1">
+        <a:alpha val="0"/>
+      </a:schemeClr>
+    </dgm:fillClrLst>
+    <dgm:linClrLst meth="repeat">
+      <a:schemeClr val="dk1">
+        <a:alpha val="0"/>
+      </a:schemeClr>
+    </dgm:linClrLst>
+    <dgm:effectClrLst/>
+    <dgm:txLinClrLst/>
+    <dgm:txFillClrLst meth="repeat">
+      <a:schemeClr val="tx1"/>
+    </dgm:txFillClrLst>
+    <dgm:txEffectClrLst/>
+  </dgm:styleLbl>
+</dgm:colorsDef>
+</file>
+
+<file path=ppt/diagrams/data1.xml><?xml version="1.0" encoding="utf-8"?>
+<dgm:dataModel xmlns:dgm="http://schemas.openxmlformats.org/drawingml/2006/diagram" xmlns:a="http://schemas.openxmlformats.org/drawingml/2006/main">
+  <dgm:ptLst>
+    <dgm:pt modelId="{BA66FD5E-7148-43B7-99FA-DECECC7BABE7}" type="doc">
+      <dgm:prSet loTypeId="urn:microsoft.com/office/officeart/2005/8/layout/list1" loCatId="list" qsTypeId="urn:microsoft.com/office/officeart/2005/8/quickstyle/simple1" qsCatId="simple" csTypeId="urn:microsoft.com/office/officeart/2005/8/colors/accent1_2" csCatId="accent1" phldr="1"/>
+      <dgm:spPr/>
+      <dgm:t>
+        <a:bodyPr/>
+        <a:lstStyle/>
+        <a:p>
+          <a:endParaRPr lang="es-UY"/>
+        </a:p>
+      </dgm:t>
+    </dgm:pt>
+    <dgm:pt modelId="{8319A477-D017-4D8C-8277-899CF4FC47A0}">
+      <dgm:prSet phldrT="[Texto]" custT="1"/>
+      <dgm:spPr>
+        <a:solidFill>
+          <a:srgbClr val="7B89BE"/>
+        </a:solidFill>
+        <a:ln>
+          <a:solidFill>
+            <a:schemeClr val="accent1">
+              <a:lumMod val="40000"/>
+              <a:lumOff val="60000"/>
+            </a:schemeClr>
+          </a:solidFill>
+        </a:ln>
+      </dgm:spPr>
+      <dgm:t>
+        <a:bodyPr/>
+        <a:lstStyle/>
+        <a:p>
+          <a:r>
+            <a:rPr lang="es-419" sz="3200" dirty="0"/>
+            <a:t>#1 Sweater </a:t>
+          </a:r>
+          <a:r>
+            <a:rPr lang="es-419" sz="3200" dirty="0" err="1"/>
+            <a:t>Wheather</a:t>
+          </a:r>
+          <a:endParaRPr lang="es-UY" sz="3200" dirty="0"/>
+        </a:p>
+      </dgm:t>
+    </dgm:pt>
+    <dgm:pt modelId="{90FA6C73-7017-43D1-B6A8-5F522A54CA4B}" type="parTrans" cxnId="{AE12AA33-6876-4085-B603-C63F3381189A}">
+      <dgm:prSet/>
+      <dgm:spPr/>
+      <dgm:t>
+        <a:bodyPr/>
+        <a:lstStyle/>
+        <a:p>
+          <a:endParaRPr lang="es-UY" sz="1600"/>
+        </a:p>
+      </dgm:t>
+    </dgm:pt>
+    <dgm:pt modelId="{774BA9D5-1843-4643-BB5D-7EE78AC38993}" type="sibTrans" cxnId="{AE12AA33-6876-4085-B603-C63F3381189A}">
+      <dgm:prSet/>
+      <dgm:spPr/>
+      <dgm:t>
+        <a:bodyPr/>
+        <a:lstStyle/>
+        <a:p>
+          <a:endParaRPr lang="es-UY" sz="1600"/>
+        </a:p>
+      </dgm:t>
+    </dgm:pt>
+    <dgm:pt modelId="{8FCFE5B8-FE9C-400A-B0A2-FA7FB88179F6}">
+      <dgm:prSet phldrT="[Texto]" custT="1"/>
+      <dgm:spPr>
+        <a:solidFill>
+          <a:srgbClr val="1EBFC9"/>
+        </a:solidFill>
+      </dgm:spPr>
+      <dgm:t>
+        <a:bodyPr/>
+        <a:lstStyle/>
+        <a:p>
+          <a:r>
+            <a:rPr lang="es-419" sz="3200" dirty="0"/>
+            <a:t>#2 </a:t>
+          </a:r>
+          <a:r>
+            <a:rPr lang="es-419" sz="3200" dirty="0" err="1"/>
+            <a:t>Another</a:t>
+          </a:r>
+          <a:r>
+            <a:rPr lang="es-419" sz="3200" dirty="0"/>
+            <a:t> Love</a:t>
+          </a:r>
+          <a:endParaRPr lang="es-UY" sz="3200" dirty="0"/>
+        </a:p>
+      </dgm:t>
+    </dgm:pt>
+    <dgm:pt modelId="{EB67E357-28A7-444E-A92C-F8F598CB8388}" type="parTrans" cxnId="{BEA0ACC4-3680-4C1B-B24F-B8EA95C015F6}">
+      <dgm:prSet/>
+      <dgm:spPr/>
+      <dgm:t>
+        <a:bodyPr/>
+        <a:lstStyle/>
+        <a:p>
+          <a:endParaRPr lang="es-UY" sz="1600"/>
+        </a:p>
+      </dgm:t>
+    </dgm:pt>
+    <dgm:pt modelId="{815BB8C5-1A17-485B-AB7B-E45537108AF7}" type="sibTrans" cxnId="{BEA0ACC4-3680-4C1B-B24F-B8EA95C015F6}">
+      <dgm:prSet/>
+      <dgm:spPr/>
+      <dgm:t>
+        <a:bodyPr/>
+        <a:lstStyle/>
+        <a:p>
+          <a:endParaRPr lang="es-UY" sz="1600"/>
+        </a:p>
+      </dgm:t>
+    </dgm:pt>
+    <dgm:pt modelId="{2A6952F3-6819-4EFB-82B8-25863FEEC19B}">
+      <dgm:prSet phldrT="[Texto]" custT="1"/>
+      <dgm:spPr>
+        <a:solidFill>
+          <a:srgbClr val="395786"/>
+        </a:solidFill>
+      </dgm:spPr>
+      <dgm:t>
+        <a:bodyPr/>
+        <a:lstStyle/>
+        <a:p>
+          <a:r>
+            <a:rPr lang="es-419" sz="3200" dirty="0"/>
+            <a:t>#3 </a:t>
+          </a:r>
+          <a:r>
+            <a:rPr lang="es-419" sz="3200" dirty="0" err="1"/>
+            <a:t>Lovely</a:t>
+          </a:r>
+          <a:r>
+            <a:rPr lang="es-419" sz="3200" dirty="0"/>
+            <a:t> (</a:t>
+          </a:r>
+          <a:r>
+            <a:rPr lang="es-419" sz="3200" dirty="0" err="1"/>
+            <a:t>with</a:t>
+          </a:r>
+          <a:r>
+            <a:rPr lang="es-419" sz="3200" dirty="0"/>
+            <a:t> </a:t>
+          </a:r>
+          <a:r>
+            <a:rPr lang="es-419" sz="3200" dirty="0" err="1"/>
+            <a:t>Khalid</a:t>
+          </a:r>
+          <a:r>
+            <a:rPr lang="es-419" sz="3200" dirty="0"/>
+            <a:t>)</a:t>
+          </a:r>
+          <a:endParaRPr lang="es-UY" sz="3200" dirty="0"/>
+        </a:p>
+      </dgm:t>
+    </dgm:pt>
+    <dgm:pt modelId="{70F0E6C3-FD97-41B0-B21D-01BD81D04761}" type="parTrans" cxnId="{CADF6A2C-3FA5-48C8-8C62-CDE09EB84B75}">
+      <dgm:prSet/>
+      <dgm:spPr/>
+      <dgm:t>
+        <a:bodyPr/>
+        <a:lstStyle/>
+        <a:p>
+          <a:endParaRPr lang="es-UY" sz="1600"/>
+        </a:p>
+      </dgm:t>
+    </dgm:pt>
+    <dgm:pt modelId="{15C62FC6-ADC3-4576-ADE0-D7DF9DA94FE0}" type="sibTrans" cxnId="{CADF6A2C-3FA5-48C8-8C62-CDE09EB84B75}">
+      <dgm:prSet/>
+      <dgm:spPr/>
+      <dgm:t>
+        <a:bodyPr/>
+        <a:lstStyle/>
+        <a:p>
+          <a:endParaRPr lang="es-UY" sz="1600"/>
+        </a:p>
+      </dgm:t>
+    </dgm:pt>
+    <dgm:pt modelId="{574C4278-763F-4DE8-BEF0-8BDFC417C574}" type="pres">
+      <dgm:prSet presAssocID="{BA66FD5E-7148-43B7-99FA-DECECC7BABE7}" presName="linear" presStyleCnt="0">
+        <dgm:presLayoutVars>
+          <dgm:dir/>
+          <dgm:animLvl val="lvl"/>
+          <dgm:resizeHandles val="exact"/>
+        </dgm:presLayoutVars>
+      </dgm:prSet>
+      <dgm:spPr/>
+    </dgm:pt>
+    <dgm:pt modelId="{2159F881-4512-4591-A790-E259BA0487E3}" type="pres">
+      <dgm:prSet presAssocID="{8319A477-D017-4D8C-8277-899CF4FC47A0}" presName="parentLin" presStyleCnt="0"/>
+      <dgm:spPr/>
+    </dgm:pt>
+    <dgm:pt modelId="{18281E01-A664-4D92-B6BA-A8C44C77C29D}" type="pres">
+      <dgm:prSet presAssocID="{8319A477-D017-4D8C-8277-899CF4FC47A0}" presName="parentLeftMargin" presStyleLbl="node1" presStyleIdx="0" presStyleCnt="3"/>
+      <dgm:spPr/>
+    </dgm:pt>
+    <dgm:pt modelId="{F2299E00-3021-4519-A327-62370FFCA0C1}" type="pres">
+      <dgm:prSet presAssocID="{8319A477-D017-4D8C-8277-899CF4FC47A0}" presName="parentText" presStyleLbl="node1" presStyleIdx="0" presStyleCnt="3">
+        <dgm:presLayoutVars>
+          <dgm:chMax val="0"/>
+          <dgm:bulletEnabled val="1"/>
+        </dgm:presLayoutVars>
+      </dgm:prSet>
+      <dgm:spPr/>
+    </dgm:pt>
+    <dgm:pt modelId="{3ABCE9C7-BB4C-429C-9F10-1D7C538B8D5A}" type="pres">
+      <dgm:prSet presAssocID="{8319A477-D017-4D8C-8277-899CF4FC47A0}" presName="negativeSpace" presStyleCnt="0"/>
+      <dgm:spPr/>
+    </dgm:pt>
+    <dgm:pt modelId="{AC28A1BB-98D4-4347-82D7-1F216AB7B90A}" type="pres">
+      <dgm:prSet presAssocID="{8319A477-D017-4D8C-8277-899CF4FC47A0}" presName="childText" presStyleLbl="conFgAcc1" presStyleIdx="0" presStyleCnt="3">
+        <dgm:presLayoutVars>
+          <dgm:bulletEnabled val="1"/>
+        </dgm:presLayoutVars>
+      </dgm:prSet>
+      <dgm:spPr/>
+    </dgm:pt>
+    <dgm:pt modelId="{7C35716A-7C8C-454E-8BC3-03E836DAC394}" type="pres">
+      <dgm:prSet presAssocID="{774BA9D5-1843-4643-BB5D-7EE78AC38993}" presName="spaceBetweenRectangles" presStyleCnt="0"/>
+      <dgm:spPr/>
+    </dgm:pt>
+    <dgm:pt modelId="{4440822E-DD9D-4C55-83D8-69F20BC1F1CB}" type="pres">
+      <dgm:prSet presAssocID="{8FCFE5B8-FE9C-400A-B0A2-FA7FB88179F6}" presName="parentLin" presStyleCnt="0"/>
+      <dgm:spPr/>
+    </dgm:pt>
+    <dgm:pt modelId="{DFED254A-4886-4011-8237-DE86E72E8B20}" type="pres">
+      <dgm:prSet presAssocID="{8FCFE5B8-FE9C-400A-B0A2-FA7FB88179F6}" presName="parentLeftMargin" presStyleLbl="node1" presStyleIdx="0" presStyleCnt="3"/>
+      <dgm:spPr/>
+    </dgm:pt>
+    <dgm:pt modelId="{6810FBE8-C2D7-43CE-AFE1-C693F1FAE418}" type="pres">
+      <dgm:prSet presAssocID="{8FCFE5B8-FE9C-400A-B0A2-FA7FB88179F6}" presName="parentText" presStyleLbl="node1" presStyleIdx="1" presStyleCnt="3">
+        <dgm:presLayoutVars>
+          <dgm:chMax val="0"/>
+          <dgm:bulletEnabled val="1"/>
+        </dgm:presLayoutVars>
+      </dgm:prSet>
+      <dgm:spPr/>
+    </dgm:pt>
+    <dgm:pt modelId="{5CE9120B-5F51-4657-B757-0B428FB115DD}" type="pres">
+      <dgm:prSet presAssocID="{8FCFE5B8-FE9C-400A-B0A2-FA7FB88179F6}" presName="negativeSpace" presStyleCnt="0"/>
+      <dgm:spPr/>
+    </dgm:pt>
+    <dgm:pt modelId="{42899E6F-C992-447A-941D-10E0618B6A4B}" type="pres">
+      <dgm:prSet presAssocID="{8FCFE5B8-FE9C-400A-B0A2-FA7FB88179F6}" presName="childText" presStyleLbl="conFgAcc1" presStyleIdx="1" presStyleCnt="3">
+        <dgm:presLayoutVars>
+          <dgm:bulletEnabled val="1"/>
+        </dgm:presLayoutVars>
+      </dgm:prSet>
+      <dgm:spPr/>
+    </dgm:pt>
+    <dgm:pt modelId="{71D71380-7CA0-433D-9ACB-C922922FE030}" type="pres">
+      <dgm:prSet presAssocID="{815BB8C5-1A17-485B-AB7B-E45537108AF7}" presName="spaceBetweenRectangles" presStyleCnt="0"/>
+      <dgm:spPr/>
+    </dgm:pt>
+    <dgm:pt modelId="{91592499-4FF0-49DE-A762-FDC053ED9493}" type="pres">
+      <dgm:prSet presAssocID="{2A6952F3-6819-4EFB-82B8-25863FEEC19B}" presName="parentLin" presStyleCnt="0"/>
+      <dgm:spPr/>
+    </dgm:pt>
+    <dgm:pt modelId="{09F1DF23-659A-4455-811A-C2E53C489667}" type="pres">
+      <dgm:prSet presAssocID="{2A6952F3-6819-4EFB-82B8-25863FEEC19B}" presName="parentLeftMargin" presStyleLbl="node1" presStyleIdx="1" presStyleCnt="3"/>
+      <dgm:spPr/>
+    </dgm:pt>
+    <dgm:pt modelId="{D2ACF26E-B139-413D-B2C1-298518117773}" type="pres">
+      <dgm:prSet presAssocID="{2A6952F3-6819-4EFB-82B8-25863FEEC19B}" presName="parentText" presStyleLbl="node1" presStyleIdx="2" presStyleCnt="3">
+        <dgm:presLayoutVars>
+          <dgm:chMax val="0"/>
+          <dgm:bulletEnabled val="1"/>
+        </dgm:presLayoutVars>
+      </dgm:prSet>
+      <dgm:spPr/>
+    </dgm:pt>
+    <dgm:pt modelId="{33495F4F-4708-471F-A42F-EC826FC37BDE}" type="pres">
+      <dgm:prSet presAssocID="{2A6952F3-6819-4EFB-82B8-25863FEEC19B}" presName="negativeSpace" presStyleCnt="0"/>
+      <dgm:spPr/>
+    </dgm:pt>
+    <dgm:pt modelId="{B92C86D6-979B-4B07-AC8A-59402E336080}" type="pres">
+      <dgm:prSet presAssocID="{2A6952F3-6819-4EFB-82B8-25863FEEC19B}" presName="childText" presStyleLbl="conFgAcc1" presStyleIdx="2" presStyleCnt="3">
+        <dgm:presLayoutVars>
+          <dgm:bulletEnabled val="1"/>
+        </dgm:presLayoutVars>
+      </dgm:prSet>
+      <dgm:spPr/>
+    </dgm:pt>
+  </dgm:ptLst>
+  <dgm:cxnLst>
+    <dgm:cxn modelId="{70FE9213-199F-419F-902D-3AE253D8C386}" type="presOf" srcId="{8FCFE5B8-FE9C-400A-B0A2-FA7FB88179F6}" destId="{6810FBE8-C2D7-43CE-AFE1-C693F1FAE418}" srcOrd="1" destOrd="0" presId="urn:microsoft.com/office/officeart/2005/8/layout/list1"/>
+    <dgm:cxn modelId="{CADF6A2C-3FA5-48C8-8C62-CDE09EB84B75}" srcId="{BA66FD5E-7148-43B7-99FA-DECECC7BABE7}" destId="{2A6952F3-6819-4EFB-82B8-25863FEEC19B}" srcOrd="2" destOrd="0" parTransId="{70F0E6C3-FD97-41B0-B21D-01BD81D04761}" sibTransId="{15C62FC6-ADC3-4576-ADE0-D7DF9DA94FE0}"/>
+    <dgm:cxn modelId="{AE12AA33-6876-4085-B603-C63F3381189A}" srcId="{BA66FD5E-7148-43B7-99FA-DECECC7BABE7}" destId="{8319A477-D017-4D8C-8277-899CF4FC47A0}" srcOrd="0" destOrd="0" parTransId="{90FA6C73-7017-43D1-B6A8-5F522A54CA4B}" sibTransId="{774BA9D5-1843-4643-BB5D-7EE78AC38993}"/>
+    <dgm:cxn modelId="{C98AAC6D-82B9-4E9B-9F53-66F62EE6F1EE}" type="presOf" srcId="{8319A477-D017-4D8C-8277-899CF4FC47A0}" destId="{18281E01-A664-4D92-B6BA-A8C44C77C29D}" srcOrd="0" destOrd="0" presId="urn:microsoft.com/office/officeart/2005/8/layout/list1"/>
+    <dgm:cxn modelId="{4CDED182-E139-4053-8A4C-0799F6BCBD9D}" type="presOf" srcId="{8319A477-D017-4D8C-8277-899CF4FC47A0}" destId="{F2299E00-3021-4519-A327-62370FFCA0C1}" srcOrd="1" destOrd="0" presId="urn:microsoft.com/office/officeart/2005/8/layout/list1"/>
+    <dgm:cxn modelId="{BEA0ACC4-3680-4C1B-B24F-B8EA95C015F6}" srcId="{BA66FD5E-7148-43B7-99FA-DECECC7BABE7}" destId="{8FCFE5B8-FE9C-400A-B0A2-FA7FB88179F6}" srcOrd="1" destOrd="0" parTransId="{EB67E357-28A7-444E-A92C-F8F598CB8388}" sibTransId="{815BB8C5-1A17-485B-AB7B-E45537108AF7}"/>
+    <dgm:cxn modelId="{935DF9D0-DB23-4EB9-8603-788D263883BE}" type="presOf" srcId="{8FCFE5B8-FE9C-400A-B0A2-FA7FB88179F6}" destId="{DFED254A-4886-4011-8237-DE86E72E8B20}" srcOrd="0" destOrd="0" presId="urn:microsoft.com/office/officeart/2005/8/layout/list1"/>
+    <dgm:cxn modelId="{E6D385DA-EF9C-4573-A839-720EDA48DE8B}" type="presOf" srcId="{BA66FD5E-7148-43B7-99FA-DECECC7BABE7}" destId="{574C4278-763F-4DE8-BEF0-8BDFC417C574}" srcOrd="0" destOrd="0" presId="urn:microsoft.com/office/officeart/2005/8/layout/list1"/>
+    <dgm:cxn modelId="{5251D6E6-F406-4F0F-A791-91AEB45CB60B}" type="presOf" srcId="{2A6952F3-6819-4EFB-82B8-25863FEEC19B}" destId="{D2ACF26E-B139-413D-B2C1-298518117773}" srcOrd="1" destOrd="0" presId="urn:microsoft.com/office/officeart/2005/8/layout/list1"/>
+    <dgm:cxn modelId="{84AC90EC-5985-4027-BC22-CAB4BD2D05E0}" type="presOf" srcId="{2A6952F3-6819-4EFB-82B8-25863FEEC19B}" destId="{09F1DF23-659A-4455-811A-C2E53C489667}" srcOrd="0" destOrd="0" presId="urn:microsoft.com/office/officeart/2005/8/layout/list1"/>
+    <dgm:cxn modelId="{8524BCF7-8E8D-405A-AB16-09386D3ADCF2}" type="presParOf" srcId="{574C4278-763F-4DE8-BEF0-8BDFC417C574}" destId="{2159F881-4512-4591-A790-E259BA0487E3}" srcOrd="0" destOrd="0" presId="urn:microsoft.com/office/officeart/2005/8/layout/list1"/>
+    <dgm:cxn modelId="{901CCA9B-4131-4C0F-8268-D86642DD8D99}" type="presParOf" srcId="{2159F881-4512-4591-A790-E259BA0487E3}" destId="{18281E01-A664-4D92-B6BA-A8C44C77C29D}" srcOrd="0" destOrd="0" presId="urn:microsoft.com/office/officeart/2005/8/layout/list1"/>
+    <dgm:cxn modelId="{FD9EFE0C-B120-4564-A235-8DF75FF8A85A}" type="presParOf" srcId="{2159F881-4512-4591-A790-E259BA0487E3}" destId="{F2299E00-3021-4519-A327-62370FFCA0C1}" srcOrd="1" destOrd="0" presId="urn:microsoft.com/office/officeart/2005/8/layout/list1"/>
+    <dgm:cxn modelId="{0E8063A5-0A1A-4EE1-94AF-4514BF6188FE}" type="presParOf" srcId="{574C4278-763F-4DE8-BEF0-8BDFC417C574}" destId="{3ABCE9C7-BB4C-429C-9F10-1D7C538B8D5A}" srcOrd="1" destOrd="0" presId="urn:microsoft.com/office/officeart/2005/8/layout/list1"/>
+    <dgm:cxn modelId="{B120709B-7489-4A54-A8A2-0FA740EF7CB6}" type="presParOf" srcId="{574C4278-763F-4DE8-BEF0-8BDFC417C574}" destId="{AC28A1BB-98D4-4347-82D7-1F216AB7B90A}" srcOrd="2" destOrd="0" presId="urn:microsoft.com/office/officeart/2005/8/layout/list1"/>
+    <dgm:cxn modelId="{9155C7B5-79A5-466C-A960-93E88346559B}" type="presParOf" srcId="{574C4278-763F-4DE8-BEF0-8BDFC417C574}" destId="{7C35716A-7C8C-454E-8BC3-03E836DAC394}" srcOrd="3" destOrd="0" presId="urn:microsoft.com/office/officeart/2005/8/layout/list1"/>
+    <dgm:cxn modelId="{A24A6608-4373-4F01-B5F1-574EEC3D5B8C}" type="presParOf" srcId="{574C4278-763F-4DE8-BEF0-8BDFC417C574}" destId="{4440822E-DD9D-4C55-83D8-69F20BC1F1CB}" srcOrd="4" destOrd="0" presId="urn:microsoft.com/office/officeart/2005/8/layout/list1"/>
+    <dgm:cxn modelId="{197E1892-10FE-45EE-ADC6-DAA57DFFD7F7}" type="presParOf" srcId="{4440822E-DD9D-4C55-83D8-69F20BC1F1CB}" destId="{DFED254A-4886-4011-8237-DE86E72E8B20}" srcOrd="0" destOrd="0" presId="urn:microsoft.com/office/officeart/2005/8/layout/list1"/>
+    <dgm:cxn modelId="{CAA8506D-7B87-4C45-961C-638A9544A7A7}" type="presParOf" srcId="{4440822E-DD9D-4C55-83D8-69F20BC1F1CB}" destId="{6810FBE8-C2D7-43CE-AFE1-C693F1FAE418}" srcOrd="1" destOrd="0" presId="urn:microsoft.com/office/officeart/2005/8/layout/list1"/>
+    <dgm:cxn modelId="{B6260F5E-0148-467D-BCA4-82F39619B45C}" type="presParOf" srcId="{574C4278-763F-4DE8-BEF0-8BDFC417C574}" destId="{5CE9120B-5F51-4657-B757-0B428FB115DD}" srcOrd="5" destOrd="0" presId="urn:microsoft.com/office/officeart/2005/8/layout/list1"/>
+    <dgm:cxn modelId="{B5B3FA2F-A592-40D5-B6B8-8BB98AF9AF70}" type="presParOf" srcId="{574C4278-763F-4DE8-BEF0-8BDFC417C574}" destId="{42899E6F-C992-447A-941D-10E0618B6A4B}" srcOrd="6" destOrd="0" presId="urn:microsoft.com/office/officeart/2005/8/layout/list1"/>
+    <dgm:cxn modelId="{991FDCE4-0E4E-4C96-8067-D47FA314245B}" type="presParOf" srcId="{574C4278-763F-4DE8-BEF0-8BDFC417C574}" destId="{71D71380-7CA0-433D-9ACB-C922922FE030}" srcOrd="7" destOrd="0" presId="urn:microsoft.com/office/officeart/2005/8/layout/list1"/>
+    <dgm:cxn modelId="{154B3236-ACEC-42EE-985C-1BA2593D40B8}" type="presParOf" srcId="{574C4278-763F-4DE8-BEF0-8BDFC417C574}" destId="{91592499-4FF0-49DE-A762-FDC053ED9493}" srcOrd="8" destOrd="0" presId="urn:microsoft.com/office/officeart/2005/8/layout/list1"/>
+    <dgm:cxn modelId="{38F17C5D-DCA8-4E0A-AD40-0CD3EBF84084}" type="presParOf" srcId="{91592499-4FF0-49DE-A762-FDC053ED9493}" destId="{09F1DF23-659A-4455-811A-C2E53C489667}" srcOrd="0" destOrd="0" presId="urn:microsoft.com/office/officeart/2005/8/layout/list1"/>
+    <dgm:cxn modelId="{29AE051E-E0B7-4C14-86B9-113EAB1DECC0}" type="presParOf" srcId="{91592499-4FF0-49DE-A762-FDC053ED9493}" destId="{D2ACF26E-B139-413D-B2C1-298518117773}" srcOrd="1" destOrd="0" presId="urn:microsoft.com/office/officeart/2005/8/layout/list1"/>
+    <dgm:cxn modelId="{07F0BFF3-4D89-4491-A2A4-B0503A929423}" type="presParOf" srcId="{574C4278-763F-4DE8-BEF0-8BDFC417C574}" destId="{33495F4F-4708-471F-A42F-EC826FC37BDE}" srcOrd="9" destOrd="0" presId="urn:microsoft.com/office/officeart/2005/8/layout/list1"/>
+    <dgm:cxn modelId="{D5780C32-C6A9-489F-A383-B8C243AC2E81}" type="presParOf" srcId="{574C4278-763F-4DE8-BEF0-8BDFC417C574}" destId="{B92C86D6-979B-4B07-AC8A-59402E336080}" srcOrd="10" destOrd="0" presId="urn:microsoft.com/office/officeart/2005/8/layout/list1"/>
+  </dgm:cxnLst>
+  <dgm:bg/>
+  <dgm:whole/>
+  <dgm:extLst>
+    <a:ext uri="http://schemas.microsoft.com/office/drawing/2008/diagram">
+      <dsp:dataModelExt xmlns:dsp="http://schemas.microsoft.com/office/drawing/2008/diagram" relId="rId8" minVer="http://schemas.openxmlformats.org/drawingml/2006/diagram"/>
+    </a:ext>
+  </dgm:extLst>
+</dgm:dataModel>
+</file>
+
+<file path=ppt/diagrams/drawing1.xml><?xml version="1.0" encoding="utf-8"?>
+<dsp:drawing xmlns:dgm="http://schemas.openxmlformats.org/drawingml/2006/diagram" xmlns:dsp="http://schemas.microsoft.com/office/drawing/2008/diagram" xmlns:a="http://schemas.openxmlformats.org/drawingml/2006/main">
+  <dsp:spTree>
+    <dsp:nvGrpSpPr>
+      <dsp:cNvPr id="0" name=""/>
+      <dsp:cNvGrpSpPr/>
+    </dsp:nvGrpSpPr>
+    <dsp:grpSpPr/>
+    <dsp:sp modelId="{AC28A1BB-98D4-4347-82D7-1F216AB7B90A}">
+      <dsp:nvSpPr>
+        <dsp:cNvPr id="0" name=""/>
+        <dsp:cNvSpPr/>
+      </dsp:nvSpPr>
+      <dsp:spPr>
+        <a:xfrm>
+          <a:off x="0" y="523872"/>
+          <a:ext cx="6242180" cy="831600"/>
+        </a:xfrm>
+        <a:prstGeom prst="rect">
+          <a:avLst/>
+        </a:prstGeom>
+        <a:solidFill>
+          <a:schemeClr val="lt1">
+            <a:alpha val="90000"/>
+            <a:hueOff val="0"/>
+            <a:satOff val="0"/>
+            <a:lumOff val="0"/>
+            <a:alphaOff val="0"/>
+          </a:schemeClr>
+        </a:solidFill>
+        <a:ln w="12700" cap="flat" cmpd="sng" algn="ctr">
+          <a:solidFill>
+            <a:schemeClr val="accent1">
+              <a:hueOff val="0"/>
+              <a:satOff val="0"/>
+              <a:lumOff val="0"/>
+              <a:alphaOff val="0"/>
+            </a:schemeClr>
+          </a:solidFill>
+          <a:prstDash val="solid"/>
+          <a:miter lim="800000"/>
+        </a:ln>
+        <a:effectLst/>
+      </dsp:spPr>
+      <dsp:style>
+        <a:lnRef idx="2">
+          <a:scrgbClr r="0" g="0" b="0"/>
+        </a:lnRef>
+        <a:fillRef idx="1">
+          <a:scrgbClr r="0" g="0" b="0"/>
+        </a:fillRef>
+        <a:effectRef idx="0">
+          <a:scrgbClr r="0" g="0" b="0"/>
+        </a:effectRef>
+        <a:fontRef idx="minor"/>
+      </dsp:style>
+    </dsp:sp>
+    <dsp:sp modelId="{F2299E00-3021-4519-A327-62370FFCA0C1}">
+      <dsp:nvSpPr>
+        <dsp:cNvPr id="0" name=""/>
+        <dsp:cNvSpPr/>
+      </dsp:nvSpPr>
+      <dsp:spPr>
+        <a:xfrm>
+          <a:off x="312109" y="36792"/>
+          <a:ext cx="4369526" cy="974160"/>
+        </a:xfrm>
+        <a:prstGeom prst="roundRect">
+          <a:avLst/>
+        </a:prstGeom>
+        <a:solidFill>
+          <a:srgbClr val="7B89BE"/>
+        </a:solidFill>
+        <a:ln w="12700" cap="flat" cmpd="sng" algn="ctr">
+          <a:solidFill>
+            <a:schemeClr val="accent1">
+              <a:lumMod val="40000"/>
+              <a:lumOff val="60000"/>
+            </a:schemeClr>
+          </a:solidFill>
+          <a:prstDash val="solid"/>
+          <a:miter lim="800000"/>
+        </a:ln>
+        <a:effectLst/>
+      </dsp:spPr>
+      <dsp:style>
+        <a:lnRef idx="2">
+          <a:scrgbClr r="0" g="0" b="0"/>
+        </a:lnRef>
+        <a:fillRef idx="1">
+          <a:scrgbClr r="0" g="0" b="0"/>
+        </a:fillRef>
+        <a:effectRef idx="0">
+          <a:scrgbClr r="0" g="0" b="0"/>
+        </a:effectRef>
+        <a:fontRef idx="minor">
+          <a:schemeClr val="lt1"/>
+        </a:fontRef>
+      </dsp:style>
+      <dsp:txBody>
+        <a:bodyPr spcFirstLastPara="0" vert="horz" wrap="square" lIns="165158" tIns="0" rIns="165158" bIns="0" numCol="1" spcCol="1270" anchor="ctr" anchorCtr="0">
+          <a:noAutofit/>
+        </a:bodyPr>
+        <a:lstStyle/>
+        <a:p>
+          <a:pPr marL="0" lvl="0" indent="0" algn="l" defTabSz="1422400">
+            <a:lnSpc>
+              <a:spcPct val="90000"/>
+            </a:lnSpc>
+            <a:spcBef>
+              <a:spcPct val="0"/>
+            </a:spcBef>
+            <a:spcAft>
+              <a:spcPct val="35000"/>
+            </a:spcAft>
+            <a:buNone/>
+          </a:pPr>
+          <a:r>
+            <a:rPr lang="es-419" sz="3200" kern="1200" dirty="0"/>
+            <a:t>#1 Sweater </a:t>
+          </a:r>
+          <a:r>
+            <a:rPr lang="es-419" sz="3200" kern="1200" dirty="0" err="1"/>
+            <a:t>Wheather</a:t>
+          </a:r>
+          <a:endParaRPr lang="es-UY" sz="3200" kern="1200" dirty="0"/>
+        </a:p>
+      </dsp:txBody>
+      <dsp:txXfrm>
+        <a:off x="359664" y="84347"/>
+        <a:ext cx="4274416" cy="879050"/>
+      </dsp:txXfrm>
+    </dsp:sp>
+    <dsp:sp modelId="{42899E6F-C992-447A-941D-10E0618B6A4B}">
+      <dsp:nvSpPr>
+        <dsp:cNvPr id="0" name=""/>
+        <dsp:cNvSpPr/>
+      </dsp:nvSpPr>
+      <dsp:spPr>
+        <a:xfrm>
+          <a:off x="0" y="2020753"/>
+          <a:ext cx="6242180" cy="831600"/>
+        </a:xfrm>
+        <a:prstGeom prst="rect">
+          <a:avLst/>
+        </a:prstGeom>
+        <a:solidFill>
+          <a:schemeClr val="lt1">
+            <a:alpha val="90000"/>
+            <a:hueOff val="0"/>
+            <a:satOff val="0"/>
+            <a:lumOff val="0"/>
+            <a:alphaOff val="0"/>
+          </a:schemeClr>
+        </a:solidFill>
+        <a:ln w="12700" cap="flat" cmpd="sng" algn="ctr">
+          <a:solidFill>
+            <a:schemeClr val="accent1">
+              <a:hueOff val="0"/>
+              <a:satOff val="0"/>
+              <a:lumOff val="0"/>
+              <a:alphaOff val="0"/>
+            </a:schemeClr>
+          </a:solidFill>
+          <a:prstDash val="solid"/>
+          <a:miter lim="800000"/>
+        </a:ln>
+        <a:effectLst/>
+      </dsp:spPr>
+      <dsp:style>
+        <a:lnRef idx="2">
+          <a:scrgbClr r="0" g="0" b="0"/>
+        </a:lnRef>
+        <a:fillRef idx="1">
+          <a:scrgbClr r="0" g="0" b="0"/>
+        </a:fillRef>
+        <a:effectRef idx="0">
+          <a:scrgbClr r="0" g="0" b="0"/>
+        </a:effectRef>
+        <a:fontRef idx="minor"/>
+      </dsp:style>
+    </dsp:sp>
+    <dsp:sp modelId="{6810FBE8-C2D7-43CE-AFE1-C693F1FAE418}">
+      <dsp:nvSpPr>
+        <dsp:cNvPr id="0" name=""/>
+        <dsp:cNvSpPr/>
+      </dsp:nvSpPr>
+      <dsp:spPr>
+        <a:xfrm>
+          <a:off x="312109" y="1533672"/>
+          <a:ext cx="4369526" cy="974160"/>
+        </a:xfrm>
+        <a:prstGeom prst="roundRect">
+          <a:avLst/>
+        </a:prstGeom>
+        <a:solidFill>
+          <a:srgbClr val="1EBFC9"/>
+        </a:solidFill>
+        <a:ln w="12700" cap="flat" cmpd="sng" algn="ctr">
+          <a:solidFill>
+            <a:schemeClr val="lt1">
+              <a:hueOff val="0"/>
+              <a:satOff val="0"/>
+              <a:lumOff val="0"/>
+              <a:alphaOff val="0"/>
+            </a:schemeClr>
+          </a:solidFill>
+          <a:prstDash val="solid"/>
+          <a:miter lim="800000"/>
+        </a:ln>
+        <a:effectLst/>
+      </dsp:spPr>
+      <dsp:style>
+        <a:lnRef idx="2">
+          <a:scrgbClr r="0" g="0" b="0"/>
+        </a:lnRef>
+        <a:fillRef idx="1">
+          <a:scrgbClr r="0" g="0" b="0"/>
+        </a:fillRef>
+        <a:effectRef idx="0">
+          <a:scrgbClr r="0" g="0" b="0"/>
+        </a:effectRef>
+        <a:fontRef idx="minor">
+          <a:schemeClr val="lt1"/>
+        </a:fontRef>
+      </dsp:style>
+      <dsp:txBody>
+        <a:bodyPr spcFirstLastPara="0" vert="horz" wrap="square" lIns="165158" tIns="0" rIns="165158" bIns="0" numCol="1" spcCol="1270" anchor="ctr" anchorCtr="0">
+          <a:noAutofit/>
+        </a:bodyPr>
+        <a:lstStyle/>
+        <a:p>
+          <a:pPr marL="0" lvl="0" indent="0" algn="l" defTabSz="1422400">
+            <a:lnSpc>
+              <a:spcPct val="90000"/>
+            </a:lnSpc>
+            <a:spcBef>
+              <a:spcPct val="0"/>
+            </a:spcBef>
+            <a:spcAft>
+              <a:spcPct val="35000"/>
+            </a:spcAft>
+            <a:buNone/>
+          </a:pPr>
+          <a:r>
+            <a:rPr lang="es-419" sz="3200" kern="1200" dirty="0"/>
+            <a:t>#2 </a:t>
+          </a:r>
+          <a:r>
+            <a:rPr lang="es-419" sz="3200" kern="1200" dirty="0" err="1"/>
+            <a:t>Another</a:t>
+          </a:r>
+          <a:r>
+            <a:rPr lang="es-419" sz="3200" kern="1200" dirty="0"/>
+            <a:t> Love</a:t>
+          </a:r>
+          <a:endParaRPr lang="es-UY" sz="3200" kern="1200" dirty="0"/>
+        </a:p>
+      </dsp:txBody>
+      <dsp:txXfrm>
+        <a:off x="359664" y="1581227"/>
+        <a:ext cx="4274416" cy="879050"/>
+      </dsp:txXfrm>
+    </dsp:sp>
+    <dsp:sp modelId="{B92C86D6-979B-4B07-AC8A-59402E336080}">
+      <dsp:nvSpPr>
+        <dsp:cNvPr id="0" name=""/>
+        <dsp:cNvSpPr/>
+      </dsp:nvSpPr>
+      <dsp:spPr>
+        <a:xfrm>
+          <a:off x="0" y="3517633"/>
+          <a:ext cx="6242180" cy="831600"/>
+        </a:xfrm>
+        <a:prstGeom prst="rect">
+          <a:avLst/>
+        </a:prstGeom>
+        <a:solidFill>
+          <a:schemeClr val="lt1">
+            <a:alpha val="90000"/>
+            <a:hueOff val="0"/>
+            <a:satOff val="0"/>
+            <a:lumOff val="0"/>
+            <a:alphaOff val="0"/>
+          </a:schemeClr>
+        </a:solidFill>
+        <a:ln w="12700" cap="flat" cmpd="sng" algn="ctr">
+          <a:solidFill>
+            <a:schemeClr val="accent1">
+              <a:hueOff val="0"/>
+              <a:satOff val="0"/>
+              <a:lumOff val="0"/>
+              <a:alphaOff val="0"/>
+            </a:schemeClr>
+          </a:solidFill>
+          <a:prstDash val="solid"/>
+          <a:miter lim="800000"/>
+        </a:ln>
+        <a:effectLst/>
+      </dsp:spPr>
+      <dsp:style>
+        <a:lnRef idx="2">
+          <a:scrgbClr r="0" g="0" b="0"/>
+        </a:lnRef>
+        <a:fillRef idx="1">
+          <a:scrgbClr r="0" g="0" b="0"/>
+        </a:fillRef>
+        <a:effectRef idx="0">
+          <a:scrgbClr r="0" g="0" b="0"/>
+        </a:effectRef>
+        <a:fontRef idx="minor"/>
+      </dsp:style>
+    </dsp:sp>
+    <dsp:sp modelId="{D2ACF26E-B139-413D-B2C1-298518117773}">
+      <dsp:nvSpPr>
+        <dsp:cNvPr id="0" name=""/>
+        <dsp:cNvSpPr/>
+      </dsp:nvSpPr>
+      <dsp:spPr>
+        <a:xfrm>
+          <a:off x="312109" y="3030553"/>
+          <a:ext cx="4369526" cy="974160"/>
+        </a:xfrm>
+        <a:prstGeom prst="roundRect">
+          <a:avLst/>
+        </a:prstGeom>
+        <a:solidFill>
+          <a:srgbClr val="395786"/>
+        </a:solidFill>
+        <a:ln w="12700" cap="flat" cmpd="sng" algn="ctr">
+          <a:solidFill>
+            <a:schemeClr val="lt1">
+              <a:hueOff val="0"/>
+              <a:satOff val="0"/>
+              <a:lumOff val="0"/>
+              <a:alphaOff val="0"/>
+            </a:schemeClr>
+          </a:solidFill>
+          <a:prstDash val="solid"/>
+          <a:miter lim="800000"/>
+        </a:ln>
+        <a:effectLst/>
+      </dsp:spPr>
+      <dsp:style>
+        <a:lnRef idx="2">
+          <a:scrgbClr r="0" g="0" b="0"/>
+        </a:lnRef>
+        <a:fillRef idx="1">
+          <a:scrgbClr r="0" g="0" b="0"/>
+        </a:fillRef>
+        <a:effectRef idx="0">
+          <a:scrgbClr r="0" g="0" b="0"/>
+        </a:effectRef>
+        <a:fontRef idx="minor">
+          <a:schemeClr val="lt1"/>
+        </a:fontRef>
+      </dsp:style>
+      <dsp:txBody>
+        <a:bodyPr spcFirstLastPara="0" vert="horz" wrap="square" lIns="165158" tIns="0" rIns="165158" bIns="0" numCol="1" spcCol="1270" anchor="ctr" anchorCtr="0">
+          <a:noAutofit/>
+        </a:bodyPr>
+        <a:lstStyle/>
+        <a:p>
+          <a:pPr marL="0" lvl="0" indent="0" algn="l" defTabSz="1422400">
+            <a:lnSpc>
+              <a:spcPct val="90000"/>
+            </a:lnSpc>
+            <a:spcBef>
+              <a:spcPct val="0"/>
+            </a:spcBef>
+            <a:spcAft>
+              <a:spcPct val="35000"/>
+            </a:spcAft>
+            <a:buNone/>
+          </a:pPr>
+          <a:r>
+            <a:rPr lang="es-419" sz="3200" kern="1200" dirty="0"/>
+            <a:t>#3 </a:t>
+          </a:r>
+          <a:r>
+            <a:rPr lang="es-419" sz="3200" kern="1200" dirty="0" err="1"/>
+            <a:t>Lovely</a:t>
+          </a:r>
+          <a:r>
+            <a:rPr lang="es-419" sz="3200" kern="1200" dirty="0"/>
+            <a:t> (</a:t>
+          </a:r>
+          <a:r>
+            <a:rPr lang="es-419" sz="3200" kern="1200" dirty="0" err="1"/>
+            <a:t>with</a:t>
+          </a:r>
+          <a:r>
+            <a:rPr lang="es-419" sz="3200" kern="1200" dirty="0"/>
+            <a:t> </a:t>
+          </a:r>
+          <a:r>
+            <a:rPr lang="es-419" sz="3200" kern="1200" dirty="0" err="1"/>
+            <a:t>Khalid</a:t>
+          </a:r>
+          <a:r>
+            <a:rPr lang="es-419" sz="3200" kern="1200" dirty="0"/>
+            <a:t>)</a:t>
+          </a:r>
+          <a:endParaRPr lang="es-UY" sz="3200" kern="1200" dirty="0"/>
+        </a:p>
+      </dsp:txBody>
+      <dsp:txXfrm>
+        <a:off x="359664" y="3078108"/>
+        <a:ext cx="4274416" cy="879050"/>
+      </dsp:txXfrm>
+    </dsp:sp>
+  </dsp:spTree>
+</dsp:drawing>
+</file>
+
+<file path=ppt/diagrams/layout1.xml><?xml version="1.0" encoding="utf-8"?>
+<dgm:layoutDef xmlns:dgm="http://schemas.openxmlformats.org/drawingml/2006/diagram" xmlns:a="http://schemas.openxmlformats.org/drawingml/2006/main" uniqueId="urn:microsoft.com/office/officeart/2005/8/layout/list1">
+  <dgm:title val=""/>
+  <dgm:desc val=""/>
+  <dgm:catLst>
+    <dgm:cat type="list" pri="4000"/>
+  </dgm:catLst>
+  <dgm:sampData>
+    <dgm:dataModel>
+      <dgm:ptLst>
+        <dgm:pt modelId="0" type="doc"/>
+        <dgm:pt modelId="1">
+          <dgm:prSet phldr="1"/>
+        </dgm:pt>
+        <dgm:pt modelId="2">
+          <dgm:prSet phldr="1"/>
+        </dgm:pt>
+        <dgm:pt modelId="3">
+          <dgm:prSet phldr="1"/>
+        </dgm:pt>
+      </dgm:ptLst>
+      <dgm:cxnLst>
+        <dgm:cxn modelId="4" srcId="0" destId="1" srcOrd="0" destOrd="0"/>
+        <dgm:cxn modelId="5" srcId="0" destId="2" srcOrd="1" destOrd="0"/>
+        <dgm:cxn modelId="6" srcId="0" destId="3" srcOrd="2" destOrd="0"/>
+      </dgm:cxnLst>
+      <dgm:bg/>
+      <dgm:whole/>
+    </dgm:dataModel>
+  </dgm:sampData>
+  <dgm:styleData>
+    <dgm:dataModel>
+      <dgm:ptLst>
+        <dgm:pt modelId="0" type="doc"/>
+        <dgm:pt modelId="1"/>
+        <dgm:pt modelId="2"/>
+      </dgm:ptLst>
+      <dgm:cxnLst>
+        <dgm:cxn modelId="4" srcId="0" destId="1" srcOrd="0" destOrd="0"/>
+        <dgm:cxn modelId="5" srcId="0" destId="2" srcOrd="1" destOrd="0"/>
+      </dgm:cxnLst>
+      <dgm:bg/>
+      <dgm:whole/>
+    </dgm:dataModel>
+  </dgm:styleData>
+  <dgm:clrData>
+    <dgm:dataModel>
+      <dgm:ptLst>
+        <dgm:pt modelId="0" type="doc"/>
+        <dgm:pt modelId="1"/>
+        <dgm:pt modelId="2"/>
+        <dgm:pt modelId="3"/>
+        <dgm:pt modelId="4"/>
+      </dgm:ptLst>
+      <dgm:cxnLst>
+        <dgm:cxn modelId="5" srcId="0" destId="1" srcOrd="0" destOrd="0"/>
+        <dgm:cxn modelId="6" srcId="0" destId="2" srcOrd="1" destOrd="0"/>
+        <dgm:cxn modelId="7" srcId="0" destId="3" srcOrd="2" destOrd="0"/>
+        <dgm:cxn modelId="8" srcId="0" destId="4" srcOrd="3" destOrd="0"/>
+      </dgm:cxnLst>
+      <dgm:bg/>
+      <dgm:whole/>
+    </dgm:dataModel>
+  </dgm:clrData>
+  <dgm:layoutNode name="linear">
+    <dgm:varLst>
+      <dgm:dir/>
+      <dgm:animLvl val="lvl"/>
+      <dgm:resizeHandles val="exact"/>
+    </dgm:varLst>
+    <dgm:choose name="Name0">
+      <dgm:if name="Name1" func="var" arg="dir" op="equ" val="norm">
+        <dgm:alg type="lin">
+          <dgm:param type="linDir" val="fromT"/>
+          <dgm:param type="vertAlign" val="mid"/>
+          <dgm:param type="horzAlign" val="l"/>
+          <dgm:param type="nodeHorzAlign" val="l"/>
+        </dgm:alg>
+      </dgm:if>
+      <dgm:else name="Name2">
+        <dgm:alg type="lin">
+          <dgm:param type="linDir" val="fromT"/>
+          <dgm:param type="vertAlign" val="mid"/>
+          <dgm:param type="horzAlign" val="r"/>
+          <dgm:param type="nodeHorzAlign" val="r"/>
+        </dgm:alg>
+      </dgm:else>
+    </dgm:choose>
+    <dgm:shape xmlns:r="http://schemas.openxmlformats.org/officeDocument/2006/relationships" r:blip="">
+      <dgm:adjLst/>
+    </dgm:shape>
+    <dgm:presOf/>
+    <dgm:constrLst>
+      <dgm:constr type="w" for="ch" forName="parentLin" refType="w"/>
+      <dgm:constr type="h" for="ch" forName="parentLin" val="INF"/>
+      <dgm:constr type="w" for="des" forName="parentLeftMargin" refType="w" fact="0.05"/>
+      <dgm:constr type="w" for="des" forName="parentText" refType="w" fact="0.7"/>
+      <dgm:constr type="h" for="des" forName="parentText" refType="primFontSz" refFor="des" refForName="parentText" fact="0.82"/>
+      <dgm:constr type="h" for="ch" forName="negativeSpace" refType="primFontSz" refFor="des" refForName="parentText" fact="-0.41"/>
+      <dgm:constr type="h" for="ch" forName="negativeSpace" refType="h" refFor="des" refForName="parentText" op="lte" fact="-0.82"/>
+      <dgm:constr type="h" for="ch" forName="negativeSpace" refType="h" refFor="des" refForName="parentText" op="gte" fact="-0.82"/>
+      <dgm:constr type="w" for="ch" forName="childText" refType="w"/>
+      <dgm:constr type="h" for="ch" forName="childText" refType="primFontSz" refFor="des" refForName="parentText" fact="0.7"/>
+      <dgm:constr type="primFontSz" for="des" forName="parentText" val="65"/>
+      <dgm:constr type="primFontSz" for="ch" forName="childText" refType="primFontSz" refFor="des" refForName="parentText"/>
+      <dgm:constr type="tMarg" for="ch" forName="childText" refType="primFontSz" refFor="des" refForName="parentText" fact="1.64"/>
+      <dgm:constr type="tMarg" for="ch" forName="childText" refType="h" refFor="des" refForName="parentText" op="lte" fact="3.28"/>
+      <dgm:constr type="tMarg" for="ch" forName="childText" refType="h" refFor="des" refForName="parentText" op="gte" fact="3.28"/>
+      <dgm:constr type="lMarg" for="ch" forName="childText" refType="w" fact="0.22"/>
+      <dgm:constr type="rMarg" for="ch" forName="childText" refType="lMarg" refFor="ch" refForName="childText"/>
+      <dgm:constr type="lMarg" for="des" forName="parentText" refType="w" fact="0.075"/>
+      <dgm:constr type="rMarg" for="des" forName="parentText" refType="lMarg" refFor="des" refForName="parentText"/>
+      <dgm:constr type="h" for="ch" forName="spaceBetweenRectangles" refType="primFontSz" refFor="des" refForName="parentText" fact="0.15"/>
+    </dgm:constrLst>
+    <dgm:ruleLst>
+      <dgm:rule type="primFontSz" for="des" forName="parentText" val="5" fact="NaN" max="NaN"/>
+    </dgm:ruleLst>
+    <dgm:forEach name="Name3" axis="ch" ptType="node">
+      <dgm:layoutNode name="parentLin">
+        <dgm:choose name="Name4">
+          <dgm:if name="Name5" func="var" arg="dir" op="equ" val="norm">
+            <dgm:alg type="lin">
+              <dgm:param type="linDir" val="fromL"/>
+              <dgm:param type="horzAlign" val="l"/>
+              <dgm:param type="nodeHorzAlign" val="l"/>
+            </dgm:alg>
+          </dgm:if>
+          <dgm:else name="Name6">
+            <dgm:alg type="lin">
+              <dgm:param type="linDir" val="fromR"/>
+              <dgm:param type="horzAlign" val="r"/>
+              <dgm:param type="nodeHorzAlign" val="r"/>
+            </dgm:alg>
+          </dgm:else>
+        </dgm:choose>
+        <dgm:shape xmlns:r="http://schemas.openxmlformats.org/officeDocument/2006/relationships" r:blip="">
+          <dgm:adjLst/>
+        </dgm:shape>
+        <dgm:presOf/>
+        <dgm:constrLst/>
+        <dgm:ruleLst/>
+        <dgm:layoutNode name="parentLeftMargin">
+          <dgm:alg type="sp"/>
+          <dgm:shape xmlns:r="http://schemas.openxmlformats.org/officeDocument/2006/relationships" type="rect" r:blip="" hideGeom="1">
+            <dgm:adjLst/>
+          </dgm:shape>
+          <dgm:presOf axis="self"/>
+          <dgm:constrLst>
+            <dgm:constr type="h"/>
+          </dgm:constrLst>
+          <dgm:ruleLst/>
+        </dgm:layoutNode>
+        <dgm:layoutNode name="parentText" styleLbl="node1">
+          <dgm:varLst>
+            <dgm:chMax val="0"/>
+            <dgm:bulletEnabled val="1"/>
+          </dgm:varLst>
+          <dgm:choose name="Name7">
+            <dgm:if name="Name8" func="var" arg="dir" op="equ" val="norm">
+              <dgm:alg type="tx">
+                <dgm:param type="parTxLTRAlign" val="l"/>
+                <dgm:param type="parTxRTLAlign" val="l"/>
+              </dgm:alg>
+            </dgm:if>
+            <dgm:else name="Name9">
+              <dgm:alg type="tx">
+                <dgm:param type="parTxLTRAlign" val="r"/>
+                <dgm:param type="parTxRTLAlign" val="r"/>
+              </dgm:alg>
+            </dgm:else>
+          </dgm:choose>
+          <dgm:shape xmlns:r="http://schemas.openxmlformats.org/officeDocument/2006/relationships" type="roundRect" r:blip="">
+            <dgm:adjLst/>
+          </dgm:shape>
+          <dgm:presOf axis="self" ptType="node"/>
+          <dgm:constrLst>
+            <dgm:constr type="tMarg"/>
+            <dgm:constr type="bMarg"/>
+          </dgm:constrLst>
+          <dgm:ruleLst/>
+        </dgm:layoutNode>
+      </dgm:layoutNode>
+      <dgm:layoutNode name="negativeSpace">
+        <dgm:alg type="sp"/>
+        <dgm:shape xmlns:r="http://schemas.openxmlformats.org/officeDocument/2006/relationships" r:blip="">
+          <dgm:adjLst/>
+        </dgm:shape>
+        <dgm:presOf/>
+        <dgm:constrLst/>
+        <dgm:ruleLst/>
+      </dgm:layoutNode>
+      <dgm:layoutNode name="childText" styleLbl="conFgAcc1">
+        <dgm:varLst>
+          <dgm:bulletEnabled val="1"/>
+        </dgm:varLst>
+        <dgm:alg type="tx">
+          <dgm:param type="stBulletLvl" val="1"/>
+        </dgm:alg>
+        <dgm:shape xmlns:r="http://schemas.openxmlformats.org/officeDocument/2006/relationships" type="rect" r:blip="" zOrderOff="-2">
+          <dgm:adjLst/>
+        </dgm:shape>
+        <dgm:presOf axis="des" ptType="node"/>
+        <dgm:constrLst>
+          <dgm:constr type="secFontSz" refType="primFontSz"/>
+        </dgm:constrLst>
+        <dgm:ruleLst>
+          <dgm:rule type="h" val="INF" fact="NaN" max="NaN"/>
+        </dgm:ruleLst>
+      </dgm:layoutNode>
+      <dgm:forEach name="Name10" axis="followSib" ptType="sibTrans" cnt="1">
+        <dgm:layoutNode name="spaceBetweenRectangles">
+          <dgm:alg type="sp"/>
+          <dgm:shape xmlns:r="http://schemas.openxmlformats.org/officeDocument/2006/relationships" r:blip="">
+            <dgm:adjLst/>
+          </dgm:shape>
+          <dgm:presOf/>
+          <dgm:constrLst/>
+          <dgm:ruleLst/>
+        </dgm:layoutNode>
+      </dgm:forEach>
+    </dgm:forEach>
+  </dgm:layoutNode>
+</dgm:layoutDef>
+</file>
+
+<file path=ppt/diagrams/quickStyle1.xml><?xml version="1.0" encoding="utf-8"?>
+<dgm:styleDef xmlns:dgm="http://schemas.openxmlformats.org/drawingml/2006/diagram" xmlns:a="http://schemas.openxmlformats.org/drawingml/2006/main" uniqueId="urn:microsoft.com/office/officeart/2005/8/quickstyle/simple1">
+  <dgm:title val=""/>
+  <dgm:desc val=""/>
+  <dgm:catLst>
+    <dgm:cat type="simple" pri="10100"/>
+  </dgm:catLst>
+  <dgm:scene3d>
+    <a:camera prst="orthographicFront"/>
+    <a:lightRig rig="threePt" dir="t"/>
+  </dgm:scene3d>
+  <dgm:styleLbl name="node0">
+    <dgm:scene3d>
+      <a:camera prst="orthographicFront"/>
+      <a:lightRig rig="threePt" dir="t"/>
+    </dgm:scene3d>
+    <dgm:sp3d/>
+    <dgm:txPr/>
+    <dgm:style>
+      <a:lnRef idx="2">
+        <a:scrgbClr r="0" g="0" b="0"/>
+      </a:lnRef>
+      <a:fillRef idx="1">
+        <a:scrgbClr r="0" g="0" b="0"/>
+      </a:fillRef>
+      <a:effectRef idx="0">
+        <a:scrgbClr r="0" g="0" b="0"/>
+      </a:effectRef>
+      <a:fontRef idx="minor">
+        <a:schemeClr val="lt1"/>
+      </a:fontRef>
+    </dgm:style>
+  </dgm:styleLbl>
+  <dgm:styleLbl name="lnNode1">
+    <dgm:scene3d>
+      <a:camera prst="orthographicFront"/>
+      <a:lightRig rig="threePt" dir="t"/>
+    </dgm:scene3d>
+    <dgm:sp3d/>
+    <dgm:txPr/>
+    <dgm:style>
+      <a:lnRef idx="2">
+        <a:scrgbClr r="0" g="0" b="0"/>
+      </a:lnRef>
+      <a:fillRef idx="1">
+        <a:scrgbClr r="0" g="0" b="0"/>
+      </a:fillRef>
+      <a:effectRef idx="0">
+        <a:scrgbClr r="0" g="0" b="0"/>
+      </a:effectRef>
+      <a:fontRef idx="minor">
+        <a:schemeClr val="lt1"/>
+      </a:fontRef>
+    </dgm:style>
+  </dgm:styleLbl>
+  <dgm:styleLbl name="vennNode1">
+    <dgm:scene3d>
+      <a:camera prst="orthographicFront"/>
+      <a:lightRig rig="threePt" dir="t"/>
+    </dgm:scene3d>
+    <dgm:sp3d/>
+    <dgm:txPr/>
+    <dgm:style>
+      <a:lnRef idx="2">
+        <a:scrgbClr r="0" g="0" b="0"/>
+      </a:lnRef>
+      <a:fillRef idx="1">
+        <a:scrgbClr r="0" g="0" b="0"/>
+      </a:fillRef>
+      <a:effectRef idx="0">
+        <a:scrgbClr r="0" g="0" b="0"/>
+      </a:effectRef>
+      <a:fontRef idx="minor">
+        <a:schemeClr val="tx1"/>
+      </a:fontRef>
+    </dgm:style>
+  </dgm:styleLbl>
+  <dgm:styleLbl name="alignNode1">
+    <dgm:scene3d>
+      <a:camera prst="orthographicFront"/>
+      <a:lightRig rig="threePt" dir="t"/>
+    </dgm:scene3d>
+    <dgm:sp3d/>
+    <dgm:txPr/>
+    <dgm:style>
+      <a:lnRef idx="2">
+        <a:scrgbClr r="0" g="0" b="0"/>
+      </a:lnRef>
+      <a:fillRef idx="1">
+        <a:scrgbClr r="0" g="0" b="0"/>
+      </a:fillRef>
+      <a:effectRef idx="0">
+        <a:scrgbClr r="0" g="0" b="0"/>
+      </a:effectRef>
+      <a:fontRef idx="minor">
+        <a:schemeClr val="lt1"/>
+      </a:fontRef>
+    </dgm:style>
+  </dgm:styleLbl>
+  <dgm:styleLbl name="node1">
+    <dgm:scene3d>
+      <a:camera prst="orthographicFront"/>
+      <a:lightRig rig="threePt" dir="t"/>
+    </dgm:scene3d>
+    <dgm:sp3d/>
+    <dgm:txPr/>
+    <dgm:style>
+      <a:lnRef idx="2">
+        <a:scrgbClr r="0" g="0" b="0"/>
+      </a:lnRef>
+      <a:fillRef idx="1">
+        <a:scrgbClr r="0" g="0" b="0"/>
+      </a:fillRef>
+      <a:effectRef idx="0">
+        <a:scrgbClr r="0" g="0" b="0"/>
+      </a:effectRef>
+      <a:fontRef idx="minor">
+        <a:schemeClr val="lt1"/>
+      </a:fontRef>
+    </dgm:style>
+  </dgm:styleLbl>
+  <dgm:styleLbl name="node2">
+    <dgm:scene3d>
+      <a:camera prst="orthographicFront"/>
+      <a:lightRig rig="threePt" dir="t"/>
+    </dgm:scene3d>
+    <dgm:sp3d/>
+    <dgm:txPr/>
+    <dgm:style>
+      <a:lnRef idx="2">
+        <a:scrgbClr r="0" g="0" b="0"/>
+      </a:lnRef>
+      <a:fillRef idx="1">
+        <a:scrgbClr r="0" g="0" b="0"/>
+      </a:fillRef>
+      <a:effectRef idx="0">
+        <a:scrgbClr r="0" g="0" b="0"/>
+      </a:effectRef>
+      <a:fontRef idx="minor">
+        <a:schemeClr val="lt1"/>
+      </a:fontRef>
+    </dgm:style>
+  </dgm:styleLbl>
+  <dgm:styleLbl name="node3">
+    <dgm:scene3d>
+      <a:camera prst="orthographicFront"/>
+      <a:lightRig rig="threePt" dir="t"/>
+    </dgm:scene3d>
+    <dgm:sp3d/>
+    <dgm:txPr/>
+    <dgm:style>
+      <a:lnRef idx="2">
+        <a:scrgbClr r="0" g="0" b="0"/>
+      </a:lnRef>
+      <a:fillRef idx="1">
+        <a:scrgbClr r="0" g="0" b="0"/>
+      </a:fillRef>
+      <a:effectRef idx="0">
+        <a:scrgbClr r="0" g="0" b="0"/>
+      </a:effectRef>
+      <a:fontRef idx="minor">
+        <a:schemeClr val="lt1"/>
+      </a:fontRef>
+    </dgm:style>
+  </dgm:styleLbl>
+  <dgm:styleLbl name="node4">
+    <dgm:scene3d>
+      <a:camera prst="orthographicFront"/>
+      <a:lightRig rig="threePt" dir="t"/>
+    </dgm:scene3d>
+    <dgm:sp3d/>
+    <dgm:txPr/>
+    <dgm:style>
+      <a:lnRef idx="2">
+        <a:scrgbClr r="0" g="0" b="0"/>
+      </a:lnRef>
+      <a:fillRef idx="1">
+        <a:scrgbClr r="0" g="0" b="0"/>
+      </a:fillRef>
+      <a:effectRef idx="0">
+        <a:scrgbClr r="0" g="0" b="0"/>
+      </a:effectRef>
+      <a:fontRef idx="minor">
+        <a:schemeClr val="lt1"/>
+      </a:fontRef>
+    </dgm:style>
+  </dgm:styleLbl>
+  <dgm:styleLbl name="fgImgPlace1">
+    <dgm:scene3d>
+      <a:camera prst="orthographicFront"/>
+      <a:lightRig rig="threePt" dir="t"/>
+    </dgm:scene3d>
+    <dgm:sp3d/>
+    <dgm:txPr/>
+    <dgm:style>
+      <a:lnRef idx="2">
+        <a:scrgbClr r="0" g="0" b="0"/>
+      </a:lnRef>
+      <a:fillRef idx="1">
+        <a:scrgbClr r="0" g="0" b="0"/>
+      </a:fillRef>
+      <a:effectRef idx="0">
+        <a:scrgbClr r="0" g="0" b="0"/>
+      </a:effectRef>
+      <a:fontRef idx="minor"/>
+    </dgm:style>
+  </dgm:styleLbl>
+  <dgm:styleLbl name="alignImgPlace1">
+    <dgm:scene3d>
+      <a:camera prst="orthographicFront"/>
+      <a:lightRig rig="threePt" dir="t"/>
+    </dgm:scene3d>
+    <dgm:sp3d/>
+    <dgm:txPr/>
+    <dgm:style>
+      <a:lnRef idx="2">
+        <a:scrgbClr r="0" g="0" b="0"/>
+      </a:lnRef>
+      <a:fillRef idx="1">
+        <a:scrgbClr r="0" g="0" b="0"/>
+      </a:fillRef>
+      <a:effectRef idx="0">
+        <a:scrgbClr r="0" g="0" b="0"/>
+      </a:effectRef>
+      <a:fontRef idx="minor"/>
+    </dgm:style>
+  </dgm:styleLbl>
+  <dgm:styleLbl name="bgImgPlace1">
+    <dgm:scene3d>
+      <a:camera prst="orthographicFront"/>
+      <a:lightRig rig="threePt" dir="t"/>
+    </dgm:scene3d>
+    <dgm:sp3d/>
+    <dgm:txPr/>
+    <dgm:style>
+      <a:lnRef idx="2">
+        <a:scrgbClr r="0" g="0" b="0"/>
+      </a:lnRef>
+      <a:fillRef idx="1">
+        <a:scrgbClr r="0" g="0" b="0"/>
+      </a:fillRef>
+      <a:effectRef idx="0">
+        <a:scrgbClr r="0" g="0" b="0"/>
+      </a:effectRef>
+      <a:fontRef idx="minor"/>
+    </dgm:style>
+  </dgm:styleLbl>
+  <dgm:styleLbl name="sibTrans2D1">
+    <dgm:scene3d>
+      <a:camera prst="orthographicFront"/>
+      <a:lightRig rig="threePt" dir="t"/>
+    </dgm:scene3d>
+    <dgm:sp3d/>
+    <dgm:txPr/>
+    <dgm:style>
+      <a:lnRef idx="0">
+        <a:scrgbClr r="0" g="0" b="0"/>
+      </a:lnRef>
+      <a:fillRef idx="1">
+        <a:scrgbClr r="0" g="0" b="0"/>
+      </a:fillRef>
+      <a:effectRef idx="0">
+        <a:scrgbClr r="0" g="0" b="0"/>
+      </a:effectRef>
+      <a:fontRef idx="minor">
+        <a:schemeClr val="lt1"/>
+      </a:fontRef>
+    </dgm:style>
+  </dgm:styleLbl>
+  <dgm:styleLbl name="fgSibTrans2D1">
+    <dgm:scene3d>
+      <a:camera prst="orthographicFront"/>
+      <a:lightRig rig="threePt" dir="t"/>
+    </dgm:scene3d>
+    <dgm:sp3d/>
+    <dgm:txPr/>
+    <dgm:style>
+      <a:lnRef idx="0">
+        <a:scrgbClr r="0" g="0" b="0"/>
+      </a:lnRef>
+      <a:fillRef idx="1">
+        <a:scrgbClr r="0" g="0" b="0"/>
+      </a:fillRef>
+      <a:effectRef idx="0">
+        <a:scrgbClr r="0" g="0" b="0"/>
+      </a:effectRef>
+      <a:fontRef idx="minor">
+        <a:schemeClr val="lt1"/>
+      </a:fontRef>
+    </dgm:style>
+  </dgm:styleLbl>
+  <dgm:styleLbl name="bgSibTrans2D1">
+    <dgm:scene3d>
+      <a:camera prst="orthographicFront"/>
+      <a:lightRig rig="threePt" dir="t"/>
+    </dgm:scene3d>
+    <dgm:sp3d/>
+    <dgm:txPr/>
+    <dgm:style>
+      <a:lnRef idx="0">
+        <a:scrgbClr r="0" g="0" b="0"/>
+      </a:lnRef>
+      <a:fillRef idx="1">
+        <a:scrgbClr r="0" g="0" b="0"/>
+      </a:fillRef>
+      <a:effectRef idx="0">
+        <a:scrgbClr r="0" g="0" b="0"/>
+      </a:effectRef>
+      <a:fontRef idx="minor">
+        <a:schemeClr val="lt1"/>
+      </a:fontRef>
+    </dgm:style>
+  </dgm:styleLbl>
+  <dgm:styleLbl name="sibTrans1D1">
+    <dgm:scene3d>
+      <a:camera prst="orthographicFront"/>
+      <a:lightRig rig="threePt" dir="t"/>
+    </dgm:scene3d>
+    <dgm:sp3d/>
+    <dgm:txPr/>
+    <dgm:style>
+      <a:lnRef idx="1">
+        <a:scrgbClr r="0" g="0" b="0"/>
+      </a:lnRef>
+      <a:fillRef idx="0">
+        <a:scrgbClr r="0" g="0" b="0"/>
+      </a:fillRef>
+      <a:effectRef idx="0">
+        <a:scrgbClr r="0" g="0" b="0"/>
+      </a:effectRef>
+      <a:fontRef idx="minor"/>
+    </dgm:style>
+  </dgm:styleLbl>
+  <dgm:styleLbl name="callout">
+    <dgm:scene3d>
+      <a:camera prst="orthographicFront"/>
+      <a:lightRig rig="threePt" dir="t"/>
+    </dgm:scene3d>
+    <dgm:sp3d/>
+    <dgm:txPr/>
+    <dgm:style>
+      <a:lnRef idx="2">
+        <a:scrgbClr r="0" g="0" b="0"/>
+      </a:lnRef>
+      <a:fillRef idx="1">
+        <a:scrgbClr r="0" g="0" b="0"/>
+      </a:fillRef>
+      <a:effectRef idx="0">
+        <a:scrgbClr r="0" g="0" b="0"/>
+      </a:effectRef>
+      <a:fontRef idx="minor"/>
+    </dgm:style>
+  </dgm:styleLbl>
+  <dgm:styleLbl name="asst0">
+    <dgm:scene3d>
+      <a:camera prst="orthographicFront"/>
+      <a:lightRig rig="threePt" dir="t"/>
+    </dgm:scene3d>
+    <dgm:sp3d/>
+    <dgm:txPr/>
+    <dgm:style>
+      <a:lnRef idx="2">
+        <a:scrgbClr r="0" g="0" b="0"/>
+      </a:lnRef>
+      <a:fillRef idx="1">
+        <a:scrgbClr r="0" g="0" b="0"/>
+      </a:fillRef>
+      <a:effectRef idx="0">
+        <a:scrgbClr r="0" g="0" b="0"/>
+      </a:effectRef>
+      <a:fontRef idx="minor">
+        <a:schemeClr val="lt1"/>
+      </a:fontRef>
+    </dgm:style>
+  </dgm:styleLbl>
+  <dgm:styleLbl name="asst1">
+    <dgm:scene3d>
+      <a:camera prst="orthographicFront"/>
+      <a:lightRig rig="threePt" dir="t"/>
+    </dgm:scene3d>
+    <dgm:sp3d/>
+    <dgm:txPr/>
+    <dgm:style>
+      <a:lnRef idx="2">
+        <a:scrgbClr r="0" g="0" b="0"/>
+      </a:lnRef>
+      <a:fillRef idx="1">
+        <a:scrgbClr r="0" g="0" b="0"/>
+      </a:fillRef>
+      <a:effectRef idx="0">
+        <a:scrgbClr r="0" g="0" b="0"/>
+      </a:effectRef>
+      <a:fontRef idx="minor">
+        <a:schemeClr val="lt1"/>
+      </a:fontRef>
+    </dgm:style>
+  </dgm:styleLbl>
+  <dgm:styleLbl name="asst2">
+    <dgm:scene3d>
+      <a:camera prst="orthographicFront"/>
+      <a:lightRig rig="threePt" dir="t"/>
+    </dgm:scene3d>
+    <dgm:sp3d/>
+    <dgm:txPr/>
+    <dgm:style>
+      <a:lnRef idx="2">
+        <a:scrgbClr r="0" g="0" b="0"/>
+      </a:lnRef>
+      <a:fillRef idx="1">
+        <a:scrgbClr r="0" g="0" b="0"/>
+      </a:fillRef>
+      <a:effectRef idx="0">
+        <a:scrgbClr r="0" g="0" b="0"/>
+      </a:effectRef>
+      <a:fontRef idx="minor">
+        <a:schemeClr val="lt1"/>
+      </a:fontRef>
+    </dgm:style>
+  </dgm:styleLbl>
+  <dgm:styleLbl name="asst3">
+    <dgm:scene3d>
+      <a:camera prst="orthographicFront"/>
+      <a:lightRig rig="threePt" dir="t"/>
+    </dgm:scene3d>
+    <dgm:sp3d/>
+    <dgm:txPr/>
+    <dgm:style>
+      <a:lnRef idx="2">
+        <a:scrgbClr r="0" g="0" b="0"/>
+      </a:lnRef>
+      <a:fillRef idx="1">
+        <a:scrgbClr r="0" g="0" b="0"/>
+      </a:fillRef>
+      <a:effectRef idx="0">
+        <a:scrgbClr r="0" g="0" b="0"/>
+      </a:effectRef>
+      <a:fontRef idx="minor">
+        <a:schemeClr val="lt1"/>
+      </a:fontRef>
+    </dgm:style>
+  </dgm:styleLbl>
+  <dgm:styleLbl name="asst4">
+    <dgm:scene3d>
+      <a:camera prst="orthographicFront"/>
+      <a:lightRig rig="threePt" dir="t"/>
+    </dgm:scene3d>
+    <dgm:sp3d/>
+    <dgm:txPr/>
+    <dgm:style>
+      <a:lnRef idx="2">
+        <a:scrgbClr r="0" g="0" b="0"/>
+      </a:lnRef>
+      <a:fillRef idx="1">
+        <a:scrgbClr r="0" g="0" b="0"/>
+      </a:fillRef>
+      <a:effectRef idx="0">
+        <a:scrgbClr r="0" g="0" b="0"/>
+      </a:effectRef>
+      <a:fontRef idx="minor">
+        <a:schemeClr val="lt1"/>
+      </a:fontRef>
+    </dgm:style>
+  </dgm:styleLbl>
+  <dgm:styleLbl name="parChTrans2D1">
+    <dgm:scene3d>
+      <a:camera prst="orthographicFront"/>
+      <a:lightRig rig="threePt" dir="t"/>
+    </dgm:scene3d>
+    <dgm:sp3d/>
+    <dgm:txPr/>
+    <dgm:style>
+      <a:lnRef idx="2">
+        <a:scrgbClr r="0" g="0" b="0"/>
+      </a:lnRef>
+      <a:fillRef idx="1">
+        <a:scrgbClr r="0" g="0" b="0"/>
+      </a:fillRef>
+      <a:effectRef idx="0">
+        <a:scrgbClr r="0" g="0" b="0"/>
+      </a:effectRef>
+      <a:fontRef idx="minor">
+        <a:schemeClr val="lt1"/>
+      </a:fontRef>
+    </dgm:style>
+  </dgm:styleLbl>
+  <dgm:styleLbl name="parChTrans2D2">
+    <dgm:scene3d>
+      <a:camera prst="orthographicFront"/>
+      <a:lightRig rig="threePt" dir="t"/>
+    </dgm:scene3d>
+    <dgm:sp3d/>
+    <dgm:txPr/>
+    <dgm:style>
+      <a:lnRef idx="2">
+        <a:scrgbClr r="0" g="0" b="0"/>
+      </a:lnRef>
+      <a:fillRef idx="1">
+        <a:scrgbClr r="0" g="0" b="0"/>
+      </a:fillRef>
+      <a:effectRef idx="0">
+        <a:scrgbClr r="0" g="0" b="0"/>
+      </a:effectRef>
+      <a:fontRef idx="minor">
+        <a:schemeClr val="lt1"/>
+      </a:fontRef>
+    </dgm:style>
+  </dgm:styleLbl>
+  <dgm:styleLbl name="parChTrans2D3">
+    <dgm:scene3d>
+      <a:camera prst="orthographicFront"/>
+      <a:lightRig rig="threePt" dir="t"/>
+    </dgm:scene3d>
+    <dgm:sp3d/>
+    <dgm:txPr/>
+    <dgm:style>
+      <a:lnRef idx="2">
+        <a:scrgbClr r="0" g="0" b="0"/>
+      </a:lnRef>
+      <a:fillRef idx="1">
+        <a:scrgbClr r="0" g="0" b="0"/>
+      </a:fillRef>
+      <a:effectRef idx="0">
+        <a:scrgbClr r="0" g="0" b="0"/>
+      </a:effectRef>
+      <a:fontRef idx="minor">
+        <a:schemeClr val="lt1"/>
+      </a:fontRef>
+    </dgm:style>
+  </dgm:styleLbl>
+  <dgm:styleLbl name="parChTrans2D4">
+    <dgm:scene3d>
+      <a:camera prst="orthographicFront"/>
+      <a:lightRig rig="threePt" dir="t"/>
+    </dgm:scene3d>
+    <dgm:sp3d/>
+    <dgm:txPr/>
+    <dgm:style>
+      <a:lnRef idx="2">
+        <a:scrgbClr r="0" g="0" b="0"/>
+      </a:lnRef>
+      <a:fillRef idx="1">
+        <a:scrgbClr r="0" g="0" b="0"/>
+      </a:fillRef>
+      <a:effectRef idx="0">
+        <a:scrgbClr r="0" g="0" b="0"/>
+      </a:effectRef>
+      <a:fontRef idx="minor">
+        <a:schemeClr val="lt1"/>
+      </a:fontRef>
+    </dgm:style>
+  </dgm:styleLbl>
+  <dgm:styleLbl name="parChTrans1D1">
+    <dgm:scene3d>
+      <a:camera prst="orthographicFront"/>
+      <a:lightRig rig="threePt" dir="t"/>
+    </dgm:scene3d>
+    <dgm:sp3d/>
+    <dgm:txPr/>
+    <dgm:style>
+      <a:lnRef idx="2">
+        <a:scrgbClr r="0" g="0" b="0"/>
+      </a:lnRef>
+      <a:fillRef idx="0">
+        <a:scrgbClr r="0" g="0" b="0"/>
+      </a:fillRef>
+      <a:effectRef idx="0">
+        <a:scrgbClr r="0" g="0" b="0"/>
+      </a:effectRef>
+      <a:fontRef idx="minor"/>
+    </dgm:style>
+  </dgm:styleLbl>
+  <dgm:styleLbl name="parChTrans1D2">
+    <dgm:scene3d>
+      <a:camera prst="orthographicFront"/>
+      <a:lightRig rig="threePt" dir="t"/>
+    </dgm:scene3d>
+    <dgm:sp3d/>
+    <dgm:txPr/>
+    <dgm:style>
+      <a:lnRef idx="2">
+        <a:scrgbClr r="0" g="0" b="0"/>
+      </a:lnRef>
+      <a:fillRef idx="0">
+        <a:scrgbClr r="0" g="0" b="0"/>
+      </a:fillRef>
+      <a:effectRef idx="0">
+        <a:scrgbClr r="0" g="0" b="0"/>
+      </a:effectRef>
+      <a:fontRef idx="minor"/>
+    </dgm:style>
+  </dgm:styleLbl>
+  <dgm:styleLbl name="parChTrans1D3">
+    <dgm:scene3d>
+      <a:camera prst="orthographicFront"/>
+      <a:lightRig rig="threePt" dir="t"/>
+    </dgm:scene3d>
+    <dgm:sp3d/>
+    <dgm:txPr/>
+    <dgm:style>
+      <a:lnRef idx="2">
+        <a:scrgbClr r="0" g="0" b="0"/>
+      </a:lnRef>
+      <a:fillRef idx="0">
+        <a:scrgbClr r="0" g="0" b="0"/>
+      </a:fillRef>
+      <a:effectRef idx="0">
+        <a:scrgbClr r="0" g="0" b="0"/>
+      </a:effectRef>
+      <a:fontRef idx="minor"/>
+    </dgm:style>
+  </dgm:styleLbl>
+  <dgm:styleLbl name="parChTrans1D4">
+    <dgm:scene3d>
+      <a:camera prst="orthographicFront"/>
+      <a:lightRig rig="threePt" dir="t"/>
+    </dgm:scene3d>
+    <dgm:sp3d/>
+    <dgm:txPr/>
+    <dgm:style>
+      <a:lnRef idx="2">
+        <a:scrgbClr r="0" g="0" b="0"/>
+      </a:lnRef>
+      <a:fillRef idx="0">
+        <a:scrgbClr r="0" g="0" b="0"/>
+      </a:fillRef>
+      <a:effectRef idx="0">
+        <a:scrgbClr r="0" g="0" b="0"/>
+      </a:effectRef>
+      <a:fontRef idx="minor"/>
+    </dgm:style>
+  </dgm:styleLbl>
+  <dgm:styleLbl name="fgAcc1">
+    <dgm:scene3d>
+      <a:camera prst="orthographicFront"/>
+      <a:lightRig rig="threePt" dir="t"/>
+    </dgm:scene3d>
+    <dgm:sp3d/>
+    <dgm:txPr/>
+    <dgm:style>
+      <a:lnRef idx="2">
+        <a:scrgbClr r="0" g="0" b="0"/>
+      </a:lnRef>
+      <a:fillRef idx="1">
+        <a:scrgbClr r="0" g="0" b="0"/>
+      </a:fillRef>
+      <a:effectRef idx="0">
+        <a:scrgbClr r="0" g="0" b="0"/>
+      </a:effectRef>
+      <a:fontRef idx="minor"/>
+    </dgm:style>
+  </dgm:styleLbl>
+  <dgm:styleLbl name="conFgAcc1">
+    <dgm:scene3d>
+      <a:camera prst="orthographicFront"/>
+      <a:lightRig rig="threePt" dir="t"/>
+    </dgm:scene3d>
+    <dgm:sp3d/>
+    <dgm:txPr/>
+    <dgm:style>
+      <a:lnRef idx="2">
+        <a:scrgbClr r="0" g="0" b="0"/>
+      </a:lnRef>
+      <a:fillRef idx="1">
+        <a:scrgbClr r="0" g="0" b="0"/>
+      </a:fillRef>
+      <a:effectRef idx="0">
+        <a:scrgbClr r="0" g="0" b="0"/>
+      </a:effectRef>
+      <a:fontRef idx="minor"/>
+    </dgm:style>
+  </dgm:styleLbl>
+  <dgm:styleLbl name="alignAcc1">
+    <dgm:scene3d>
+      <a:camera prst="orthographicFront"/>
+      <a:lightRig rig="threePt" dir="t"/>
+    </dgm:scene3d>
+    <dgm:sp3d/>
+    <dgm:txPr/>
+    <dgm:style>
+      <a:lnRef idx="2">
+        <a:scrgbClr r="0" g="0" b="0"/>
+      </a:lnRef>
+      <a:fillRef idx="1">
+        <a:scrgbClr r="0" g="0" b="0"/>
+      </a:fillRef>
+      <a:effectRef idx="0">
+        <a:scrgbClr r="0" g="0" b="0"/>
+      </a:effectRef>
+      <a:fontRef idx="minor"/>
+    </dgm:style>
+  </dgm:styleLbl>
+  <dgm:styleLbl name="trAlignAcc1">
+    <dgm:scene3d>
+      <a:camera prst="orthographicFront"/>
+      <a:lightRig rig="threePt" dir="t"/>
+    </dgm:scene3d>
+    <dgm:sp3d/>
+    <dgm:txPr/>
+    <dgm:style>
+      <a:lnRef idx="1">
+        <a:scrgbClr r="0" g="0" b="0"/>
+      </a:lnRef>
+      <a:fillRef idx="1">
+        <a:scrgbClr r="0" g="0" b="0"/>
+      </a:fillRef>
+      <a:effectRef idx="0">
+        <a:scrgbClr r="0" g="0" b="0"/>
+      </a:effectRef>
+      <a:fontRef idx="minor"/>
+    </dgm:style>
+  </dgm:styleLbl>
+  <dgm:styleLbl name="bgAcc1">
+    <dgm:scene3d>
+      <a:camera prst="orthographicFront"/>
+      <a:lightRig rig="threePt" dir="t"/>
+    </dgm:scene3d>
+    <dgm:sp3d/>
+    <dgm:txPr/>
+    <dgm:style>
+      <a:lnRef idx="2">
+        <a:scrgbClr r="0" g="0" b="0"/>
+      </a:lnRef>
+      <a:fillRef idx="1">
+        <a:scrgbClr r="0" g="0" b="0"/>
+      </a:fillRef>
+      <a:effectRef idx="0">
+        <a:scrgbClr r="0" g="0" b="0"/>
+      </a:effectRef>
+      <a:fontRef idx="minor"/>
+    </dgm:style>
+  </dgm:styleLbl>
+  <dgm:styleLbl name="solidFgAcc1">
+    <dgm:scene3d>
+      <a:camera prst="orthographicFront"/>
+      <a:lightRig rig="threePt" dir="t"/>
+    </dgm:scene3d>
+    <dgm:sp3d/>
+    <dgm:txPr/>
+    <dgm:style>
+      <a:lnRef idx="2">
+        <a:scrgbClr r="0" g="0" b="0"/>
+      </a:lnRef>
+      <a:fillRef idx="1">
+        <a:scrgbClr r="0" g="0" b="0"/>
+      </a:fillRef>
+      <a:effectRef idx="0">
+        <a:scrgbClr r="0" g="0" b="0"/>
+      </a:effectRef>
+      <a:fontRef idx="minor"/>
+    </dgm:style>
+  </dgm:styleLbl>
+  <dgm:styleLbl name="solidAlignAcc1">
+    <dgm:scene3d>
+      <a:camera prst="orthographicFront"/>
+      <a:lightRig rig="threePt" dir="t"/>
+    </dgm:scene3d>
+    <dgm:sp3d/>
+    <dgm:txPr/>
+    <dgm:style>
+      <a:lnRef idx="2">
+        <a:scrgbClr r="0" g="0" b="0"/>
+      </a:lnRef>
+      <a:fillRef idx="1">
+        <a:scrgbClr r="0" g="0" b="0"/>
+      </a:fillRef>
+      <a:effectRef idx="0">
+        <a:scrgbClr r="0" g="0" b="0"/>
+      </a:effectRef>
+      <a:fontRef idx="minor"/>
+    </dgm:style>
+  </dgm:styleLbl>
+  <dgm:styleLbl name="solidBgAcc1">
+    <dgm:scene3d>
+      <a:camera prst="orthographicFront"/>
+      <a:lightRig rig="threePt" dir="t"/>
+    </dgm:scene3d>
+    <dgm:sp3d/>
+    <dgm:txPr/>
+    <dgm:style>
+      <a:lnRef idx="2">
+        <a:scrgbClr r="0" g="0" b="0"/>
+      </a:lnRef>
+      <a:fillRef idx="1">
+        <a:scrgbClr r="0" g="0" b="0"/>
+      </a:fillRef>
+      <a:effectRef idx="0">
+        <a:scrgbClr r="0" g="0" b="0"/>
+      </a:effectRef>
+      <a:fontRef idx="minor"/>
+    </dgm:style>
+  </dgm:styleLbl>
+  <dgm:styleLbl name="fgAccFollowNode1">
+    <dgm:scene3d>
+      <a:camera prst="orthographicFront"/>
+      <a:lightRig rig="threePt" dir="t"/>
+    </dgm:scene3d>
+    <dgm:sp3d/>
+    <dgm:txPr/>
+    <dgm:style>
+      <a:lnRef idx="2">
+        <a:scrgbClr r="0" g="0" b="0"/>
+      </a:lnRef>
+      <a:fillRef idx="1">
+        <a:scrgbClr r="0" g="0" b="0"/>
+      </a:fillRef>
+      <a:effectRef idx="0">
+        <a:scrgbClr r="0" g="0" b="0"/>
+      </a:effectRef>
+      <a:fontRef idx="minor"/>
+    </dgm:style>
+  </dgm:styleLbl>
+  <dgm:styleLbl name="alignAccFollowNode1">
+    <dgm:scene3d>
+      <a:camera prst="orthographicFront"/>
+      <a:lightRig rig="threePt" dir="t"/>
+    </dgm:scene3d>
+    <dgm:sp3d/>
+    <dgm:txPr/>
+    <dgm:style>
+      <a:lnRef idx="2">
+        <a:scrgbClr r="0" g="0" b="0"/>
+      </a:lnRef>
+      <a:fillRef idx="1">
+        <a:scrgbClr r="0" g="0" b="0"/>
+      </a:fillRef>
+      <a:effectRef idx="0">
+        <a:scrgbClr r="0" g="0" b="0"/>
+      </a:effectRef>
+      <a:fontRef idx="minor"/>
+    </dgm:style>
+  </dgm:styleLbl>
+  <dgm:styleLbl name="bgAccFollowNode1">
+    <dgm:scene3d>
+      <a:camera prst="orthographicFront"/>
+      <a:lightRig rig="threePt" dir="t"/>
+    </dgm:scene3d>
+    <dgm:sp3d/>
+    <dgm:txPr/>
+    <dgm:style>
+      <a:lnRef idx="2">
+        <a:scrgbClr r="0" g="0" b="0"/>
+      </a:lnRef>
+      <a:fillRef idx="1">
+        <a:scrgbClr r="0" g="0" b="0"/>
+      </a:fillRef>
+      <a:effectRef idx="0">
+        <a:scrgbClr r="0" g="0" b="0"/>
+      </a:effectRef>
+      <a:fontRef idx="minor"/>
+    </dgm:style>
+  </dgm:styleLbl>
+  <dgm:styleLbl name="fgAcc0">
+    <dgm:scene3d>
+      <a:camera prst="orthographicFront"/>
+      <a:lightRig rig="threePt" dir="t"/>
+    </dgm:scene3d>
+    <dgm:sp3d/>
+    <dgm:txPr/>
+    <dgm:style>
+      <a:lnRef idx="2">
+        <a:scrgbClr r="0" g="0" b="0"/>
+      </a:lnRef>
+      <a:fillRef idx="1">
+        <a:scrgbClr r="0" g="0" b="0"/>
+      </a:fillRef>
+      <a:effectRef idx="0">
+        <a:scrgbClr r="0" g="0" b="0"/>
+      </a:effectRef>
+      <a:fontRef idx="minor"/>
+    </dgm:style>
+  </dgm:styleLbl>
+  <dgm:styleLbl name="fgAcc2">
+    <dgm:scene3d>
+      <a:camera prst="orthographicFront"/>
+      <a:lightRig rig="threePt" dir="t"/>
+    </dgm:scene3d>
+    <dgm:sp3d/>
+    <dgm:txPr/>
+    <dgm:style>
+      <a:lnRef idx="2">
+        <a:scrgbClr r="0" g="0" b="0"/>
+      </a:lnRef>
+      <a:fillRef idx="1">
+        <a:scrgbClr r="0" g="0" b="0"/>
+      </a:fillRef>
+      <a:effectRef idx="0">
+        <a:scrgbClr r="0" g="0" b="0"/>
+      </a:effectRef>
+      <a:fontRef idx="minor"/>
+    </dgm:style>
+  </dgm:styleLbl>
+  <dgm:styleLbl name="fgAcc3">
+    <dgm:scene3d>
+      <a:camera prst="orthographicFront"/>
+      <a:lightRig rig="threePt" dir="t"/>
+    </dgm:scene3d>
+    <dgm:sp3d/>
+    <dgm:txPr/>
+    <dgm:style>
+      <a:lnRef idx="2">
+        <a:scrgbClr r="0" g="0" b="0"/>
+      </a:lnRef>
+      <a:fillRef idx="1">
+        <a:scrgbClr r="0" g="0" b="0"/>
+      </a:fillRef>
+      <a:effectRef idx="0">
+        <a:scrgbClr r="0" g="0" b="0"/>
+      </a:effectRef>
+      <a:fontRef idx="minor"/>
+    </dgm:style>
+  </dgm:styleLbl>
+  <dgm:styleLbl name="fgAcc4">
+    <dgm:scene3d>
+      <a:camera prst="orthographicFront"/>
+      <a:lightRig rig="threePt" dir="t"/>
+    </dgm:scene3d>
+    <dgm:sp3d/>
+    <dgm:txPr/>
+    <dgm:style>
+      <a:lnRef idx="2">
+        <a:scrgbClr r="0" g="0" b="0"/>
+      </a:lnRef>
+      <a:fillRef idx="1">
+        <a:scrgbClr r="0" g="0" b="0"/>
+      </a:fillRef>
+      <a:effectRef idx="0">
+        <a:scrgbClr r="0" g="0" b="0"/>
+      </a:effectRef>
+      <a:fontRef idx="minor"/>
+    </dgm:style>
+  </dgm:styleLbl>
+  <dgm:styleLbl name="bgShp">
+    <dgm:scene3d>
+      <a:camera prst="orthographicFront"/>
+      <a:lightRig rig="threePt" dir="t"/>
+    </dgm:scene3d>
+    <dgm:sp3d/>
+    <dgm:txPr/>
+    <dgm:style>
+      <a:lnRef idx="0">
+        <a:scrgbClr r="0" g="0" b="0"/>
+      </a:lnRef>
+      <a:fillRef idx="1">
+        <a:scrgbClr r="0" g="0" b="0"/>
+      </a:fillRef>
+      <a:effectRef idx="0">
+        <a:scrgbClr r="0" g="0" b="0"/>
+      </a:effectRef>
+      <a:fontRef idx="minor"/>
+    </dgm:style>
+  </dgm:styleLbl>
+  <dgm:styleLbl name="dkBgShp">
+    <dgm:scene3d>
+      <a:camera prst="orthographicFront"/>
+      <a:lightRig rig="threePt" dir="t"/>
+    </dgm:scene3d>
+    <dgm:sp3d/>
+    <dgm:txPr/>
+    <dgm:style>
+      <a:lnRef idx="0">
+        <a:scrgbClr r="0" g="0" b="0"/>
+      </a:lnRef>
+      <a:fillRef idx="1">
+        <a:scrgbClr r="0" g="0" b="0"/>
+      </a:fillRef>
+      <a:effectRef idx="0">
+        <a:scrgbClr r="0" g="0" b="0"/>
+      </a:effectRef>
+      <a:fontRef idx="minor"/>
+    </dgm:style>
+  </dgm:styleLbl>
+  <dgm:styleLbl name="trBgShp">
+    <dgm:scene3d>
+      <a:camera prst="orthographicFront"/>
+      <a:lightRig rig="threePt" dir="t"/>
+    </dgm:scene3d>
+    <dgm:sp3d/>
+    <dgm:txPr/>
+    <dgm:style>
+      <a:lnRef idx="0">
+        <a:scrgbClr r="0" g="0" b="0"/>
+      </a:lnRef>
+      <a:fillRef idx="1">
+        <a:scrgbClr r="0" g="0" b="0"/>
+      </a:fillRef>
+      <a:effectRef idx="0">
+        <a:scrgbClr r="0" g="0" b="0"/>
+      </a:effectRef>
+      <a:fontRef idx="minor"/>
+    </dgm:style>
+  </dgm:styleLbl>
+  <dgm:styleLbl name="fgShp">
+    <dgm:scene3d>
+      <a:camera prst="orthographicFront"/>
+      <a:lightRig rig="threePt" dir="t"/>
+    </dgm:scene3d>
+    <dgm:sp3d/>
+    <dgm:txPr/>
+    <dgm:style>
+      <a:lnRef idx="2">
+        <a:scrgbClr r="0" g="0" b="0"/>
+      </a:lnRef>
+      <a:fillRef idx="1">
+        <a:scrgbClr r="0" g="0" b="0"/>
+      </a:fillRef>
+      <a:effectRef idx="0">
+        <a:scrgbClr r="0" g="0" b="0"/>
+      </a:effectRef>
+      <a:fontRef idx="minor"/>
+    </dgm:style>
+  </dgm:styleLbl>
+  <dgm:styleLbl name="revTx">
+    <dgm:scene3d>
+      <a:camera prst="orthographicFront"/>
+      <a:lightRig rig="threePt" dir="t"/>
+    </dgm:scene3d>
+    <dgm:sp3d/>
+    <dgm:txPr/>
+    <dgm:style>
+      <a:lnRef idx="0">
+        <a:scrgbClr r="0" g="0" b="0"/>
+      </a:lnRef>
+      <a:fillRef idx="0">
+        <a:scrgbClr r="0" g="0" b="0"/>
+      </a:fillRef>
+      <a:effectRef idx="0">
+        <a:scrgbClr r="0" g="0" b="0"/>
+      </a:effectRef>
+      <a:fontRef idx="minor"/>
+    </dgm:style>
+  </dgm:styleLbl>
+</dgm:styleDef>
+</file>
+
 <file path=ppt/handoutMasters/handoutMaster1.xml><?xml version="1.0" encoding="utf-8"?>
 <p:handoutMaster xmlns:a="http://schemas.openxmlformats.org/drawingml/2006/main" xmlns:r="http://schemas.openxmlformats.org/officeDocument/2006/relationships" xmlns:p="http://schemas.openxmlformats.org/presentationml/2006/main">
   <p:cSld>
@@ -240,7 +3618,7 @@
             <a:pPr rtl="0"/>
             <a:fld id="{1581DFE3-90B5-4FB3-AF38-897D07A1581B}" type="datetime1">
               <a:rPr lang="es-ES" smtClean="0"/>
-              <a:t>23/11/2022</a:t>
+              <a:t>27/11/2022</a:t>
             </a:fld>
             <a:endParaRPr lang="es-ES"/>
           </a:p>
@@ -422,7 +3800,7 @@
             <a:pPr rtl="0"/>
             <a:fld id="{9F244FE4-5CB1-47EE-9BA6-961A11B4A0DC}" type="datetime1">
               <a:rPr lang="es-ES" noProof="0" smtClean="0"/>
-              <a:t>23/11/2022</a:t>
+              <a:t>27/11/2022</a:t>
             </a:fld>
             <a:endParaRPr lang="es-ES" noProof="0"/>
           </a:p>
@@ -798,7 +4176,7 @@
       </p:grpSpPr>
       <p:sp>
         <p:nvSpPr>
-          <p:cNvPr id="2" name="Marcador de posición de imagen de diapositiva 1"/>
+          <p:cNvPr id="2" name="Marcador de imagen de diapositiva 1"/>
           <p:cNvSpPr>
             <a:spLocks noGrp="1" noRot="1" noChangeAspect="1"/>
           </p:cNvSpPr>
@@ -855,695 +4233,7 @@
     </p:spTree>
     <p:extLst>
       <p:ext uri="{BB962C8B-B14F-4D97-AF65-F5344CB8AC3E}">
-        <p14:creationId xmlns:p14="http://schemas.microsoft.com/office/powerpoint/2010/main" val="1436887024"/>
-      </p:ext>
-    </p:extLst>
-  </p:cSld>
-  <p:clrMapOvr>
-    <a:masterClrMapping/>
-  </p:clrMapOvr>
-</p:notes>
-</file>
-
-<file path=ppt/notesSlides/notesSlide11.xml><?xml version="1.0" encoding="utf-8"?>
-<p:notes xmlns:a="http://schemas.openxmlformats.org/drawingml/2006/main" xmlns:r="http://schemas.openxmlformats.org/officeDocument/2006/relationships" xmlns:p="http://schemas.openxmlformats.org/presentationml/2006/main">
-  <p:cSld>
-    <p:spTree>
-      <p:nvGrpSpPr>
-        <p:cNvPr id="1" name=""/>
-        <p:cNvGrpSpPr/>
-        <p:nvPr/>
-      </p:nvGrpSpPr>
-      <p:grpSpPr>
-        <a:xfrm>
-          <a:off x="0" y="0"/>
-          <a:ext cx="0" cy="0"/>
-          <a:chOff x="0" y="0"/>
-          <a:chExt cx="0" cy="0"/>
-        </a:xfrm>
-      </p:grpSpPr>
-      <p:sp>
-        <p:nvSpPr>
-          <p:cNvPr id="2" name="Marcador de posición de imagen de diapositiva 1"/>
-          <p:cNvSpPr>
-            <a:spLocks noGrp="1" noRot="1" noChangeAspect="1"/>
-          </p:cNvSpPr>
-          <p:nvPr>
-            <p:ph type="sldImg"/>
-          </p:nvPr>
-        </p:nvSpPr>
-        <p:spPr/>
-      </p:sp>
-      <p:sp>
-        <p:nvSpPr>
-          <p:cNvPr id="3" name="Marcador de posición de notas 2"/>
-          <p:cNvSpPr>
-            <a:spLocks noGrp="1"/>
-          </p:cNvSpPr>
-          <p:nvPr>
-            <p:ph type="body" idx="1"/>
-          </p:nvPr>
-        </p:nvSpPr>
-        <p:spPr/>
-        <p:txBody>
-          <a:bodyPr rtlCol="0"/>
-          <a:lstStyle/>
-          <a:p>
-            <a:pPr rtl="0"/>
-            <a:endParaRPr lang="es-ES"/>
-          </a:p>
-        </p:txBody>
-      </p:sp>
-      <p:sp>
-        <p:nvSpPr>
-          <p:cNvPr id="4" name="Marcador de posición de número de diapositiva 3"/>
-          <p:cNvSpPr>
-            <a:spLocks noGrp="1"/>
-          </p:cNvSpPr>
-          <p:nvPr>
-            <p:ph type="sldNum" sz="quarter" idx="5"/>
-          </p:nvPr>
-        </p:nvSpPr>
-        <p:spPr/>
-        <p:txBody>
-          <a:bodyPr rtlCol="0"/>
-          <a:lstStyle/>
-          <a:p>
-            <a:pPr rtl="0"/>
-            <a:fld id="{F0887097-59DF-45B6-ADA2-466050DA5BF6}" type="slidenum">
-              <a:rPr lang="es-ES" smtClean="0"/>
-              <a:t>11</a:t>
-            </a:fld>
-            <a:endParaRPr lang="es-ES"/>
-          </a:p>
-        </p:txBody>
-      </p:sp>
-    </p:spTree>
-    <p:extLst>
-      <p:ext uri="{BB962C8B-B14F-4D97-AF65-F5344CB8AC3E}">
-        <p14:creationId xmlns:p14="http://schemas.microsoft.com/office/powerpoint/2010/main" val="348505918"/>
-      </p:ext>
-    </p:extLst>
-  </p:cSld>
-  <p:clrMapOvr>
-    <a:masterClrMapping/>
-  </p:clrMapOvr>
-</p:notes>
-</file>
-
-<file path=ppt/notesSlides/notesSlide12.xml><?xml version="1.0" encoding="utf-8"?>
-<p:notes xmlns:a="http://schemas.openxmlformats.org/drawingml/2006/main" xmlns:r="http://schemas.openxmlformats.org/officeDocument/2006/relationships" xmlns:p="http://schemas.openxmlformats.org/presentationml/2006/main">
-  <p:cSld>
-    <p:spTree>
-      <p:nvGrpSpPr>
-        <p:cNvPr id="1" name=""/>
-        <p:cNvGrpSpPr/>
-        <p:nvPr/>
-      </p:nvGrpSpPr>
-      <p:grpSpPr>
-        <a:xfrm>
-          <a:off x="0" y="0"/>
-          <a:ext cx="0" cy="0"/>
-          <a:chOff x="0" y="0"/>
-          <a:chExt cx="0" cy="0"/>
-        </a:xfrm>
-      </p:grpSpPr>
-      <p:sp>
-        <p:nvSpPr>
-          <p:cNvPr id="2" name="Marcador de posición de imagen de diapositiva 1"/>
-          <p:cNvSpPr>
-            <a:spLocks noGrp="1" noRot="1" noChangeAspect="1"/>
-          </p:cNvSpPr>
-          <p:nvPr>
-            <p:ph type="sldImg"/>
-          </p:nvPr>
-        </p:nvSpPr>
-        <p:spPr/>
-      </p:sp>
-      <p:sp>
-        <p:nvSpPr>
-          <p:cNvPr id="3" name="Marcador de posición de notas 2"/>
-          <p:cNvSpPr>
-            <a:spLocks noGrp="1"/>
-          </p:cNvSpPr>
-          <p:nvPr>
-            <p:ph type="body" idx="1"/>
-          </p:nvPr>
-        </p:nvSpPr>
-        <p:spPr/>
-        <p:txBody>
-          <a:bodyPr rtlCol="0"/>
-          <a:lstStyle/>
-          <a:p>
-            <a:pPr rtl="0"/>
-            <a:endParaRPr lang="es-ES"/>
-          </a:p>
-        </p:txBody>
-      </p:sp>
-      <p:sp>
-        <p:nvSpPr>
-          <p:cNvPr id="4" name="Marcador de número de diapositiva 3"/>
-          <p:cNvSpPr>
-            <a:spLocks noGrp="1"/>
-          </p:cNvSpPr>
-          <p:nvPr>
-            <p:ph type="sldNum" sz="quarter" idx="5"/>
-          </p:nvPr>
-        </p:nvSpPr>
-        <p:spPr/>
-        <p:txBody>
-          <a:bodyPr rtlCol="0"/>
-          <a:lstStyle/>
-          <a:p>
-            <a:pPr rtl="0"/>
-            <a:fld id="{F0887097-59DF-45B6-ADA2-466050DA5BF6}" type="slidenum">
-              <a:rPr lang="es-ES" smtClean="0"/>
-              <a:t>12</a:t>
-            </a:fld>
-            <a:endParaRPr lang="es-ES"/>
-          </a:p>
-        </p:txBody>
-      </p:sp>
-    </p:spTree>
-    <p:extLst>
-      <p:ext uri="{BB962C8B-B14F-4D97-AF65-F5344CB8AC3E}">
-        <p14:creationId xmlns:p14="http://schemas.microsoft.com/office/powerpoint/2010/main" val="1954854687"/>
-      </p:ext>
-    </p:extLst>
-  </p:cSld>
-  <p:clrMapOvr>
-    <a:masterClrMapping/>
-  </p:clrMapOvr>
-</p:notes>
-</file>
-
-<file path=ppt/notesSlides/notesSlide13.xml><?xml version="1.0" encoding="utf-8"?>
-<p:notes xmlns:a="http://schemas.openxmlformats.org/drawingml/2006/main" xmlns:r="http://schemas.openxmlformats.org/officeDocument/2006/relationships" xmlns:p="http://schemas.openxmlformats.org/presentationml/2006/main">
-  <p:cSld>
-    <p:spTree>
-      <p:nvGrpSpPr>
-        <p:cNvPr id="1" name=""/>
-        <p:cNvGrpSpPr/>
-        <p:nvPr/>
-      </p:nvGrpSpPr>
-      <p:grpSpPr>
-        <a:xfrm>
-          <a:off x="0" y="0"/>
-          <a:ext cx="0" cy="0"/>
-          <a:chOff x="0" y="0"/>
-          <a:chExt cx="0" cy="0"/>
-        </a:xfrm>
-      </p:grpSpPr>
-      <p:sp>
-        <p:nvSpPr>
-          <p:cNvPr id="2" name="Marcador de imagen de diapositiva 1"/>
-          <p:cNvSpPr>
-            <a:spLocks noGrp="1" noRot="1" noChangeAspect="1"/>
-          </p:cNvSpPr>
-          <p:nvPr>
-            <p:ph type="sldImg"/>
-          </p:nvPr>
-        </p:nvSpPr>
-        <p:spPr/>
-      </p:sp>
-      <p:sp>
-        <p:nvSpPr>
-          <p:cNvPr id="3" name="Marcador de posición de notas 2"/>
-          <p:cNvSpPr>
-            <a:spLocks noGrp="1"/>
-          </p:cNvSpPr>
-          <p:nvPr>
-            <p:ph type="body" idx="1"/>
-          </p:nvPr>
-        </p:nvSpPr>
-        <p:spPr/>
-        <p:txBody>
-          <a:bodyPr rtlCol="0"/>
-          <a:lstStyle/>
-          <a:p>
-            <a:pPr rtl="0"/>
-            <a:endParaRPr lang="es-ES"/>
-          </a:p>
-        </p:txBody>
-      </p:sp>
-      <p:sp>
-        <p:nvSpPr>
-          <p:cNvPr id="4" name="Marcador de número de diapositiva 3"/>
-          <p:cNvSpPr>
-            <a:spLocks noGrp="1"/>
-          </p:cNvSpPr>
-          <p:nvPr>
-            <p:ph type="sldNum" sz="quarter" idx="5"/>
-          </p:nvPr>
-        </p:nvSpPr>
-        <p:spPr/>
-        <p:txBody>
-          <a:bodyPr rtlCol="0"/>
-          <a:lstStyle/>
-          <a:p>
-            <a:pPr rtl="0"/>
-            <a:fld id="{F0887097-59DF-45B6-ADA2-466050DA5BF6}" type="slidenum">
-              <a:rPr lang="es-ES" smtClean="0"/>
-              <a:t>13</a:t>
-            </a:fld>
-            <a:endParaRPr lang="es-ES"/>
-          </a:p>
-        </p:txBody>
-      </p:sp>
-    </p:spTree>
-    <p:extLst>
-      <p:ext uri="{BB962C8B-B14F-4D97-AF65-F5344CB8AC3E}">
-        <p14:creationId xmlns:p14="http://schemas.microsoft.com/office/powerpoint/2010/main" val="1353769448"/>
-      </p:ext>
-    </p:extLst>
-  </p:cSld>
-  <p:clrMapOvr>
-    <a:masterClrMapping/>
-  </p:clrMapOvr>
-</p:notes>
-</file>
-
-<file path=ppt/notesSlides/notesSlide14.xml><?xml version="1.0" encoding="utf-8"?>
-<p:notes xmlns:a="http://schemas.openxmlformats.org/drawingml/2006/main" xmlns:r="http://schemas.openxmlformats.org/officeDocument/2006/relationships" xmlns:p="http://schemas.openxmlformats.org/presentationml/2006/main">
-  <p:cSld>
-    <p:spTree>
-      <p:nvGrpSpPr>
-        <p:cNvPr id="1" name=""/>
-        <p:cNvGrpSpPr/>
-        <p:nvPr/>
-      </p:nvGrpSpPr>
-      <p:grpSpPr>
-        <a:xfrm>
-          <a:off x="0" y="0"/>
-          <a:ext cx="0" cy="0"/>
-          <a:chOff x="0" y="0"/>
-          <a:chExt cx="0" cy="0"/>
-        </a:xfrm>
-      </p:grpSpPr>
-      <p:sp>
-        <p:nvSpPr>
-          <p:cNvPr id="2" name="Marcador de imagen de diapositiva 1"/>
-          <p:cNvSpPr>
-            <a:spLocks noGrp="1" noRot="1" noChangeAspect="1"/>
-          </p:cNvSpPr>
-          <p:nvPr>
-            <p:ph type="sldImg"/>
-          </p:nvPr>
-        </p:nvSpPr>
-        <p:spPr/>
-      </p:sp>
-      <p:sp>
-        <p:nvSpPr>
-          <p:cNvPr id="3" name="Marcador de posición de notas 2"/>
-          <p:cNvSpPr>
-            <a:spLocks noGrp="1"/>
-          </p:cNvSpPr>
-          <p:nvPr>
-            <p:ph type="body" idx="1"/>
-          </p:nvPr>
-        </p:nvSpPr>
-        <p:spPr/>
-        <p:txBody>
-          <a:bodyPr rtlCol="0"/>
-          <a:lstStyle/>
-          <a:p>
-            <a:pPr rtl="0"/>
-            <a:endParaRPr lang="es-ES"/>
-          </a:p>
-        </p:txBody>
-      </p:sp>
-      <p:sp>
-        <p:nvSpPr>
-          <p:cNvPr id="4" name="Marcador de número de diapositiva 3"/>
-          <p:cNvSpPr>
-            <a:spLocks noGrp="1"/>
-          </p:cNvSpPr>
-          <p:nvPr>
-            <p:ph type="sldNum" sz="quarter" idx="5"/>
-          </p:nvPr>
-        </p:nvSpPr>
-        <p:spPr/>
-        <p:txBody>
-          <a:bodyPr rtlCol="0"/>
-          <a:lstStyle/>
-          <a:p>
-            <a:pPr rtl="0"/>
-            <a:fld id="{F0887097-59DF-45B6-ADA2-466050DA5BF6}" type="slidenum">
-              <a:rPr lang="es-ES" smtClean="0"/>
-              <a:t>14</a:t>
-            </a:fld>
-            <a:endParaRPr lang="es-ES"/>
-          </a:p>
-        </p:txBody>
-      </p:sp>
-    </p:spTree>
-    <p:extLst>
-      <p:ext uri="{BB962C8B-B14F-4D97-AF65-F5344CB8AC3E}">
-        <p14:creationId xmlns:p14="http://schemas.microsoft.com/office/powerpoint/2010/main" val="2995597324"/>
-      </p:ext>
-    </p:extLst>
-  </p:cSld>
-  <p:clrMapOvr>
-    <a:masterClrMapping/>
-  </p:clrMapOvr>
-</p:notes>
-</file>
-
-<file path=ppt/notesSlides/notesSlide15.xml><?xml version="1.0" encoding="utf-8"?>
-<p:notes xmlns:a="http://schemas.openxmlformats.org/drawingml/2006/main" xmlns:r="http://schemas.openxmlformats.org/officeDocument/2006/relationships" xmlns:p="http://schemas.openxmlformats.org/presentationml/2006/main">
-  <p:cSld>
-    <p:spTree>
-      <p:nvGrpSpPr>
-        <p:cNvPr id="1" name=""/>
-        <p:cNvGrpSpPr/>
-        <p:nvPr/>
-      </p:nvGrpSpPr>
-      <p:grpSpPr>
-        <a:xfrm>
-          <a:off x="0" y="0"/>
-          <a:ext cx="0" cy="0"/>
-          <a:chOff x="0" y="0"/>
-          <a:chExt cx="0" cy="0"/>
-        </a:xfrm>
-      </p:grpSpPr>
-      <p:sp>
-        <p:nvSpPr>
-          <p:cNvPr id="2" name="Marcador de imagen de diapositiva 1"/>
-          <p:cNvSpPr>
-            <a:spLocks noGrp="1" noRot="1" noChangeAspect="1"/>
-          </p:cNvSpPr>
-          <p:nvPr>
-            <p:ph type="sldImg"/>
-          </p:nvPr>
-        </p:nvSpPr>
-        <p:spPr/>
-      </p:sp>
-      <p:sp>
-        <p:nvSpPr>
-          <p:cNvPr id="3" name="Marcador de posición de notas 2"/>
-          <p:cNvSpPr>
-            <a:spLocks noGrp="1"/>
-          </p:cNvSpPr>
-          <p:nvPr>
-            <p:ph type="body" idx="1"/>
-          </p:nvPr>
-        </p:nvSpPr>
-        <p:spPr/>
-        <p:txBody>
-          <a:bodyPr rtlCol="0"/>
-          <a:lstStyle/>
-          <a:p>
-            <a:pPr rtl="0"/>
-            <a:endParaRPr lang="es-ES"/>
-          </a:p>
-        </p:txBody>
-      </p:sp>
-      <p:sp>
-        <p:nvSpPr>
-          <p:cNvPr id="4" name="Marcador de número de diapositiva 3"/>
-          <p:cNvSpPr>
-            <a:spLocks noGrp="1"/>
-          </p:cNvSpPr>
-          <p:nvPr>
-            <p:ph type="sldNum" sz="quarter" idx="5"/>
-          </p:nvPr>
-        </p:nvSpPr>
-        <p:spPr/>
-        <p:txBody>
-          <a:bodyPr rtlCol="0"/>
-          <a:lstStyle/>
-          <a:p>
-            <a:pPr rtl="0"/>
-            <a:fld id="{F0887097-59DF-45B6-ADA2-466050DA5BF6}" type="slidenum">
-              <a:rPr lang="es-ES" smtClean="0"/>
-              <a:t>15</a:t>
-            </a:fld>
-            <a:endParaRPr lang="es-ES"/>
-          </a:p>
-        </p:txBody>
-      </p:sp>
-    </p:spTree>
-    <p:extLst>
-      <p:ext uri="{BB962C8B-B14F-4D97-AF65-F5344CB8AC3E}">
-        <p14:creationId xmlns:p14="http://schemas.microsoft.com/office/powerpoint/2010/main" val="2841823214"/>
-      </p:ext>
-    </p:extLst>
-  </p:cSld>
-  <p:clrMapOvr>
-    <a:masterClrMapping/>
-  </p:clrMapOvr>
-</p:notes>
-</file>
-
-<file path=ppt/notesSlides/notesSlide16.xml><?xml version="1.0" encoding="utf-8"?>
-<p:notes xmlns:a="http://schemas.openxmlformats.org/drawingml/2006/main" xmlns:r="http://schemas.openxmlformats.org/officeDocument/2006/relationships" xmlns:p="http://schemas.openxmlformats.org/presentationml/2006/main">
-  <p:cSld>
-    <p:spTree>
-      <p:nvGrpSpPr>
-        <p:cNvPr id="1" name=""/>
-        <p:cNvGrpSpPr/>
-        <p:nvPr/>
-      </p:nvGrpSpPr>
-      <p:grpSpPr>
-        <a:xfrm>
-          <a:off x="0" y="0"/>
-          <a:ext cx="0" cy="0"/>
-          <a:chOff x="0" y="0"/>
-          <a:chExt cx="0" cy="0"/>
-        </a:xfrm>
-      </p:grpSpPr>
-      <p:sp>
-        <p:nvSpPr>
-          <p:cNvPr id="2" name="Marcador de imagen de diapositiva 1"/>
-          <p:cNvSpPr>
-            <a:spLocks noGrp="1" noRot="1" noChangeAspect="1"/>
-          </p:cNvSpPr>
-          <p:nvPr>
-            <p:ph type="sldImg"/>
-          </p:nvPr>
-        </p:nvSpPr>
-        <p:spPr/>
-      </p:sp>
-      <p:sp>
-        <p:nvSpPr>
-          <p:cNvPr id="3" name="Marcador de posición de notas 2"/>
-          <p:cNvSpPr>
-            <a:spLocks noGrp="1"/>
-          </p:cNvSpPr>
-          <p:nvPr>
-            <p:ph type="body" idx="1"/>
-          </p:nvPr>
-        </p:nvSpPr>
-        <p:spPr/>
-        <p:txBody>
-          <a:bodyPr rtlCol="0"/>
-          <a:lstStyle/>
-          <a:p>
-            <a:pPr rtl="0"/>
-            <a:endParaRPr lang="es-ES"/>
-          </a:p>
-        </p:txBody>
-      </p:sp>
-      <p:sp>
-        <p:nvSpPr>
-          <p:cNvPr id="4" name="Marcador de número de diapositiva 3"/>
-          <p:cNvSpPr>
-            <a:spLocks noGrp="1"/>
-          </p:cNvSpPr>
-          <p:nvPr>
-            <p:ph type="sldNum" sz="quarter" idx="5"/>
-          </p:nvPr>
-        </p:nvSpPr>
-        <p:spPr/>
-        <p:txBody>
-          <a:bodyPr rtlCol="0"/>
-          <a:lstStyle/>
-          <a:p>
-            <a:pPr rtl="0"/>
-            <a:fld id="{F0887097-59DF-45B6-ADA2-466050DA5BF6}" type="slidenum">
-              <a:rPr lang="es-ES" smtClean="0"/>
-              <a:t>16</a:t>
-            </a:fld>
-            <a:endParaRPr lang="es-ES"/>
-          </a:p>
-        </p:txBody>
-      </p:sp>
-    </p:spTree>
-    <p:extLst>
-      <p:ext uri="{BB962C8B-B14F-4D97-AF65-F5344CB8AC3E}">
-        <p14:creationId xmlns:p14="http://schemas.microsoft.com/office/powerpoint/2010/main" val="3173695290"/>
-      </p:ext>
-    </p:extLst>
-  </p:cSld>
-  <p:clrMapOvr>
-    <a:masterClrMapping/>
-  </p:clrMapOvr>
-</p:notes>
-</file>
-
-<file path=ppt/notesSlides/notesSlide17.xml><?xml version="1.0" encoding="utf-8"?>
-<p:notes xmlns:a="http://schemas.openxmlformats.org/drawingml/2006/main" xmlns:r="http://schemas.openxmlformats.org/officeDocument/2006/relationships" xmlns:p="http://schemas.openxmlformats.org/presentationml/2006/main">
-  <p:cSld>
-    <p:spTree>
-      <p:nvGrpSpPr>
-        <p:cNvPr id="1" name=""/>
-        <p:cNvGrpSpPr/>
-        <p:nvPr/>
-      </p:nvGrpSpPr>
-      <p:grpSpPr>
-        <a:xfrm>
-          <a:off x="0" y="0"/>
-          <a:ext cx="0" cy="0"/>
-          <a:chOff x="0" y="0"/>
-          <a:chExt cx="0" cy="0"/>
-        </a:xfrm>
-      </p:grpSpPr>
-      <p:sp>
-        <p:nvSpPr>
-          <p:cNvPr id="2" name="Marcador de imagen de diapositiva 1"/>
-          <p:cNvSpPr>
-            <a:spLocks noGrp="1" noRot="1" noChangeAspect="1"/>
-          </p:cNvSpPr>
-          <p:nvPr>
-            <p:ph type="sldImg"/>
-          </p:nvPr>
-        </p:nvSpPr>
-        <p:spPr/>
-      </p:sp>
-      <p:sp>
-        <p:nvSpPr>
-          <p:cNvPr id="3" name="Marcador de posición de notas 2"/>
-          <p:cNvSpPr>
-            <a:spLocks noGrp="1"/>
-          </p:cNvSpPr>
-          <p:nvPr>
-            <p:ph type="body" idx="1"/>
-          </p:nvPr>
-        </p:nvSpPr>
-        <p:spPr/>
-        <p:txBody>
-          <a:bodyPr rtlCol="0"/>
-          <a:lstStyle/>
-          <a:p>
-            <a:pPr rtl="0"/>
-            <a:endParaRPr lang="es-ES"/>
-          </a:p>
-        </p:txBody>
-      </p:sp>
-      <p:sp>
-        <p:nvSpPr>
-          <p:cNvPr id="4" name="Marcador de número de diapositiva 3"/>
-          <p:cNvSpPr>
-            <a:spLocks noGrp="1"/>
-          </p:cNvSpPr>
-          <p:nvPr>
-            <p:ph type="sldNum" sz="quarter" idx="5"/>
-          </p:nvPr>
-        </p:nvSpPr>
-        <p:spPr/>
-        <p:txBody>
-          <a:bodyPr rtlCol="0"/>
-          <a:lstStyle/>
-          <a:p>
-            <a:pPr rtl="0"/>
-            <a:fld id="{F0887097-59DF-45B6-ADA2-466050DA5BF6}" type="slidenum">
-              <a:rPr lang="es-ES" smtClean="0"/>
-              <a:t>17</a:t>
-            </a:fld>
-            <a:endParaRPr lang="es-ES"/>
-          </a:p>
-        </p:txBody>
-      </p:sp>
-    </p:spTree>
-    <p:extLst>
-      <p:ext uri="{BB962C8B-B14F-4D97-AF65-F5344CB8AC3E}">
-        <p14:creationId xmlns:p14="http://schemas.microsoft.com/office/powerpoint/2010/main" val="1208872136"/>
-      </p:ext>
-    </p:extLst>
-  </p:cSld>
-  <p:clrMapOvr>
-    <a:masterClrMapping/>
-  </p:clrMapOvr>
-</p:notes>
-</file>
-
-<file path=ppt/notesSlides/notesSlide18.xml><?xml version="1.0" encoding="utf-8"?>
-<p:notes xmlns:a="http://schemas.openxmlformats.org/drawingml/2006/main" xmlns:r="http://schemas.openxmlformats.org/officeDocument/2006/relationships" xmlns:p="http://schemas.openxmlformats.org/presentationml/2006/main">
-  <p:cSld>
-    <p:spTree>
-      <p:nvGrpSpPr>
-        <p:cNvPr id="1" name=""/>
-        <p:cNvGrpSpPr/>
-        <p:nvPr/>
-      </p:nvGrpSpPr>
-      <p:grpSpPr>
-        <a:xfrm>
-          <a:off x="0" y="0"/>
-          <a:ext cx="0" cy="0"/>
-          <a:chOff x="0" y="0"/>
-          <a:chExt cx="0" cy="0"/>
-        </a:xfrm>
-      </p:grpSpPr>
-      <p:sp>
-        <p:nvSpPr>
-          <p:cNvPr id="2" name="Marcador de imagen de diapositiva 1"/>
-          <p:cNvSpPr>
-            <a:spLocks noGrp="1" noRot="1" noChangeAspect="1"/>
-          </p:cNvSpPr>
-          <p:nvPr>
-            <p:ph type="sldImg"/>
-          </p:nvPr>
-        </p:nvSpPr>
-        <p:spPr/>
-      </p:sp>
-      <p:sp>
-        <p:nvSpPr>
-          <p:cNvPr id="3" name="Marcador de posición de notas 2"/>
-          <p:cNvSpPr>
-            <a:spLocks noGrp="1"/>
-          </p:cNvSpPr>
-          <p:nvPr>
-            <p:ph type="body" idx="1"/>
-          </p:nvPr>
-        </p:nvSpPr>
-        <p:spPr/>
-        <p:txBody>
-          <a:bodyPr rtlCol="0"/>
-          <a:lstStyle/>
-          <a:p>
-            <a:pPr rtl="0"/>
-            <a:endParaRPr lang="es-ES"/>
-          </a:p>
-        </p:txBody>
-      </p:sp>
-      <p:sp>
-        <p:nvSpPr>
-          <p:cNvPr id="4" name="Marcador de número de diapositiva 3"/>
-          <p:cNvSpPr>
-            <a:spLocks noGrp="1"/>
-          </p:cNvSpPr>
-          <p:nvPr>
-            <p:ph type="sldNum" sz="quarter" idx="5"/>
-          </p:nvPr>
-        </p:nvSpPr>
-        <p:spPr/>
-        <p:txBody>
-          <a:bodyPr rtlCol="0"/>
-          <a:lstStyle/>
-          <a:p>
-            <a:pPr rtl="0"/>
-            <a:fld id="{F0887097-59DF-45B6-ADA2-466050DA5BF6}" type="slidenum">
-              <a:rPr lang="es-ES" smtClean="0"/>
-              <a:t>18</a:t>
-            </a:fld>
-            <a:endParaRPr lang="es-ES"/>
-          </a:p>
-        </p:txBody>
-      </p:sp>
-    </p:spTree>
-    <p:extLst>
-      <p:ext uri="{BB962C8B-B14F-4D97-AF65-F5344CB8AC3E}">
-        <p14:creationId xmlns:p14="http://schemas.microsoft.com/office/powerpoint/2010/main" val="155660843"/>
+        <p14:creationId xmlns:p14="http://schemas.microsoft.com/office/powerpoint/2010/main" val="2120273227"/>
       </p:ext>
     </p:extLst>
   </p:cSld>
@@ -1887,7 +4577,7 @@
     </p:spTree>
     <p:extLst>
       <p:ext uri="{BB962C8B-B14F-4D97-AF65-F5344CB8AC3E}">
-        <p14:creationId xmlns:p14="http://schemas.microsoft.com/office/powerpoint/2010/main" val="368209147"/>
+        <p14:creationId xmlns:p14="http://schemas.microsoft.com/office/powerpoint/2010/main" val="888608835"/>
       </p:ext>
     </p:extLst>
   </p:cSld>
@@ -1973,7 +4663,7 @@
     </p:spTree>
     <p:extLst>
       <p:ext uri="{BB962C8B-B14F-4D97-AF65-F5344CB8AC3E}">
-        <p14:creationId xmlns:p14="http://schemas.microsoft.com/office/powerpoint/2010/main" val="3163103615"/>
+        <p14:creationId xmlns:p14="http://schemas.microsoft.com/office/powerpoint/2010/main" val="1977918555"/>
       </p:ext>
     </p:extLst>
   </p:cSld>
@@ -2059,7 +4749,7 @@
     </p:spTree>
     <p:extLst>
       <p:ext uri="{BB962C8B-B14F-4D97-AF65-F5344CB8AC3E}">
-        <p14:creationId xmlns:p14="http://schemas.microsoft.com/office/powerpoint/2010/main" val="2199416346"/>
+        <p14:creationId xmlns:p14="http://schemas.microsoft.com/office/powerpoint/2010/main" val="365271804"/>
       </p:ext>
     </p:extLst>
   </p:cSld>
@@ -2088,7 +4778,7 @@
       </p:grpSpPr>
       <p:sp>
         <p:nvSpPr>
-          <p:cNvPr id="2" name="Marcador de imagen de diapositiva 1"/>
+          <p:cNvPr id="2" name="Marcador de posición de imagen de diapositiva 1"/>
           <p:cNvSpPr>
             <a:spLocks noGrp="1" noRot="1" noChangeAspect="1"/>
           </p:cNvSpPr>
@@ -2120,7 +4810,7 @@
       </p:sp>
       <p:sp>
         <p:nvSpPr>
-          <p:cNvPr id="4" name="Marcador de número de diapositiva 3"/>
+          <p:cNvPr id="4" name="Marcador de posición de número de diapositiva 3"/>
           <p:cNvSpPr>
             <a:spLocks noGrp="1"/>
           </p:cNvSpPr>
@@ -2145,7 +4835,7 @@
     </p:spTree>
     <p:extLst>
       <p:ext uri="{BB962C8B-B14F-4D97-AF65-F5344CB8AC3E}">
-        <p14:creationId xmlns:p14="http://schemas.microsoft.com/office/powerpoint/2010/main" val="4129036467"/>
+        <p14:creationId xmlns:p14="http://schemas.microsoft.com/office/powerpoint/2010/main" val="1645467938"/>
       </p:ext>
     </p:extLst>
   </p:cSld>
@@ -2174,7 +4864,7 @@
       </p:grpSpPr>
       <p:sp>
         <p:nvSpPr>
-          <p:cNvPr id="2" name="Marcador de imagen de diapositiva 1"/>
+          <p:cNvPr id="2" name="Marcador de posición de imagen de diapositiva 1"/>
           <p:cNvSpPr>
             <a:spLocks noGrp="1" noRot="1" noChangeAspect="1"/>
           </p:cNvSpPr>
@@ -2231,7 +4921,7 @@
     </p:spTree>
     <p:extLst>
       <p:ext uri="{BB962C8B-B14F-4D97-AF65-F5344CB8AC3E}">
-        <p14:creationId xmlns:p14="http://schemas.microsoft.com/office/powerpoint/2010/main" val="2120273227"/>
+        <p14:creationId xmlns:p14="http://schemas.microsoft.com/office/powerpoint/2010/main" val="238972372"/>
       </p:ext>
     </p:extLst>
   </p:cSld>
@@ -3742,7 +6432,7 @@
             <a:pPr rtl="0"/>
             <a:fld id="{10CAC7D4-5773-4297-9710-D455B8585C86}" type="datetime1">
               <a:rPr lang="es-ES" noProof="0" smtClean="0"/>
-              <a:t>23/11/2022</a:t>
+              <a:t>27/11/2022</a:t>
             </a:fld>
             <a:endParaRPr lang="es-ES" noProof="0"/>
           </a:p>
@@ -40463,7 +43153,7 @@
             <a:pPr rtl="0"/>
             <a:fld id="{4DADB914-135F-408A-ACD7-03E095FAA862}" type="datetime1">
               <a:rPr lang="es-ES" noProof="0" smtClean="0"/>
-              <a:t>23/11/2022</a:t>
+              <a:t>27/11/2022</a:t>
             </a:fld>
             <a:endParaRPr lang="es-ES" noProof="0"/>
           </a:p>
@@ -40846,7 +43536,7 @@
             <a:pPr rtl="0"/>
             <a:fld id="{ED1E7035-6744-4E38-B906-F3B0333BC6F3}" type="datetime1">
               <a:rPr lang="es-ES" noProof="0" smtClean="0"/>
-              <a:t>23/11/2022</a:t>
+              <a:t>27/11/2022</a:t>
             </a:fld>
             <a:endParaRPr lang="es-ES" noProof="0"/>
           </a:p>
@@ -41594,7 +44284,7 @@
             </a:pPr>
             <a:r>
               <a:rPr lang="es-ES" dirty="0"/>
-              <a:t>Aspectos a considerar para crear una canción popular</a:t>
+              <a:t>Aspectos a considerar para producir el éxito del verano</a:t>
             </a:r>
             <a:endParaRPr lang="es-ES" noProof="1"/>
           </a:p>
@@ -41635,7 +44325,7 @@
           <p:cNvPr id="2" name="Título 1">
             <a:extLst>
               <a:ext uri="{FF2B5EF4-FFF2-40B4-BE49-F238E27FC236}">
-                <a16:creationId xmlns:a16="http://schemas.microsoft.com/office/drawing/2014/main" id="{61D0AA43-3B0F-4430-A34D-63FB27D0B777}"/>
+                <a16:creationId xmlns:a16="http://schemas.microsoft.com/office/drawing/2014/main" id="{E9ACE5BE-58FB-4D23-A3B9-1C2D3DB7C405}"/>
               </a:ext>
             </a:extLst>
           </p:cNvPr>
@@ -41648,1510 +44338,13 @@
         </p:nvSpPr>
         <p:spPr/>
         <p:txBody>
-          <a:bodyPr rtlCol="0">
-            <a:normAutofit/>
-          </a:bodyPr>
-          <a:lstStyle/>
-          <a:p>
-            <a:pPr rtl="0"/>
-            <a:r>
-              <a:rPr lang="es-ES" sz="6000"/>
-              <a:t>Créditos</a:t>
-            </a:r>
-          </a:p>
-        </p:txBody>
-      </p:sp>
-      <p:graphicFrame>
-        <p:nvGraphicFramePr>
-          <p:cNvPr id="4" name="Tabla 14">
-            <a:extLst>
-              <a:ext uri="{FF2B5EF4-FFF2-40B4-BE49-F238E27FC236}">
-                <a16:creationId xmlns:a16="http://schemas.microsoft.com/office/drawing/2014/main" id="{C5B571D6-CD1E-4F37-94A6-B82F778518BC}"/>
-              </a:ext>
-            </a:extLst>
-          </p:cNvPr>
-          <p:cNvGraphicFramePr>
-            <a:graphicFrameLocks noGrp="1"/>
-          </p:cNvGraphicFramePr>
-          <p:nvPr>
-            <p:ph type="tbl" sz="quarter" idx="10"/>
-            <p:extLst>
-              <p:ext uri="{D42A27DB-BD31-4B8C-83A1-F6EECF244321}">
-                <p14:modId xmlns:p14="http://schemas.microsoft.com/office/powerpoint/2010/main" val="320521779"/>
-              </p:ext>
-            </p:extLst>
-          </p:nvPr>
-        </p:nvGraphicFramePr>
-        <p:xfrm>
-          <a:off x="838200" y="1700213"/>
-          <a:ext cx="3876216" cy="3241240"/>
-        </p:xfrm>
-        <a:graphic>
-          <a:graphicData uri="http://schemas.openxmlformats.org/drawingml/2006/table">
-            <a:tbl>
-              <a:tblPr firstRow="1">
-                <a:tableStyleId>{793D81CF-94F2-401A-BA57-92F5A7B2D0C5}</a:tableStyleId>
-              </a:tblPr>
-              <a:tblGrid>
-                <a:gridCol w="1938108">
-                  <a:extLst>
-                    <a:ext uri="{9D8B030D-6E8A-4147-A177-3AD203B41FA5}">
-                      <a16:colId xmlns:a16="http://schemas.microsoft.com/office/drawing/2014/main" val="488742542"/>
-                    </a:ext>
-                  </a:extLst>
-                </a:gridCol>
-                <a:gridCol w="1938108">
-                  <a:extLst>
-                    <a:ext uri="{9D8B030D-6E8A-4147-A177-3AD203B41FA5}">
-                      <a16:colId xmlns:a16="http://schemas.microsoft.com/office/drawing/2014/main" val="2485424801"/>
-                    </a:ext>
-                  </a:extLst>
-                </a:gridCol>
-              </a:tblGrid>
-              <a:tr h="648248">
-                <a:tc>
-                  <a:txBody>
-                    <a:bodyPr/>
-                    <a:lstStyle/>
-                    <a:p>
-                      <a:pPr rtl="0"/>
-                      <a:r>
-                        <a:rPr lang="es-ES"/>
-                        <a:t>Instrumento</a:t>
-                      </a:r>
-                      <a:endParaRPr lang="es-ES" dirty="0"/>
-                    </a:p>
-                  </a:txBody>
-                  <a:tcPr marL="99864" marR="99864" anchor="ctr"/>
-                </a:tc>
-                <a:tc>
-                  <a:txBody>
-                    <a:bodyPr/>
-                    <a:lstStyle/>
-                    <a:p>
-                      <a:pPr rtl="0"/>
-                      <a:r>
-                        <a:rPr lang="es-ES"/>
-                        <a:t>Músico</a:t>
-                      </a:r>
-                      <a:endParaRPr lang="es-ES" dirty="0"/>
-                    </a:p>
-                  </a:txBody>
-                  <a:tcPr marL="99864" marR="99864" anchor="ctr"/>
-                </a:tc>
-                <a:extLst>
-                  <a:ext uri="{0D108BD9-81ED-4DB2-BD59-A6C34878D82A}">
-                    <a16:rowId xmlns:a16="http://schemas.microsoft.com/office/drawing/2014/main" val="1723165440"/>
-                  </a:ext>
-                </a:extLst>
-              </a:tr>
-              <a:tr h="648248">
-                <a:tc>
-                  <a:txBody>
-                    <a:bodyPr/>
-                    <a:lstStyle/>
-                    <a:p>
-                      <a:pPr rtl="0"/>
-                      <a:r>
-                        <a:rPr lang="es-ES"/>
-                        <a:t>Saxofón</a:t>
-                      </a:r>
-                      <a:endParaRPr lang="es-ES" dirty="0"/>
-                    </a:p>
-                  </a:txBody>
-                  <a:tcPr marL="99864" marR="99864" anchor="ctr"/>
-                </a:tc>
-                <a:tc>
-                  <a:txBody>
-                    <a:bodyPr/>
-                    <a:lstStyle/>
-                    <a:p>
-                      <a:pPr rtl="0"/>
-                      <a:r>
-                        <a:rPr lang="es-ES" noProof="1"/>
-                        <a:t>Jorge Alcalá</a:t>
-                      </a:r>
-                    </a:p>
-                  </a:txBody>
-                  <a:tcPr marL="99864" marR="99864" anchor="ctr"/>
-                </a:tc>
-                <a:extLst>
-                  <a:ext uri="{0D108BD9-81ED-4DB2-BD59-A6C34878D82A}">
-                    <a16:rowId xmlns:a16="http://schemas.microsoft.com/office/drawing/2014/main" val="3574663811"/>
-                  </a:ext>
-                </a:extLst>
-              </a:tr>
-              <a:tr h="648248">
-                <a:tc>
-                  <a:txBody>
-                    <a:bodyPr/>
-                    <a:lstStyle/>
-                    <a:p>
-                      <a:pPr rtl="0"/>
-                      <a:r>
-                        <a:rPr lang="es-ES"/>
-                        <a:t>Piano</a:t>
-                      </a:r>
-                      <a:endParaRPr lang="es-ES" dirty="0"/>
-                    </a:p>
-                  </a:txBody>
-                  <a:tcPr marL="99864" marR="99864" anchor="ctr"/>
-                </a:tc>
-                <a:tc>
-                  <a:txBody>
-                    <a:bodyPr/>
-                    <a:lstStyle/>
-                    <a:p>
-                      <a:pPr rtl="0"/>
-                      <a:r>
-                        <a:rPr lang="es-ES" noProof="1"/>
-                        <a:t>Naiara Padilla</a:t>
-                      </a:r>
-                    </a:p>
-                  </a:txBody>
-                  <a:tcPr marL="99864" marR="99864" anchor="ctr"/>
-                </a:tc>
-                <a:extLst>
-                  <a:ext uri="{0D108BD9-81ED-4DB2-BD59-A6C34878D82A}">
-                    <a16:rowId xmlns:a16="http://schemas.microsoft.com/office/drawing/2014/main" val="77040381"/>
-                  </a:ext>
-                </a:extLst>
-              </a:tr>
-              <a:tr h="648248">
-                <a:tc>
-                  <a:txBody>
-                    <a:bodyPr/>
-                    <a:lstStyle/>
-                    <a:p>
-                      <a:pPr rtl="0"/>
-                      <a:r>
-                        <a:rPr lang="es-ES"/>
-                        <a:t>Guitarra eléctrica</a:t>
-                      </a:r>
-                      <a:endParaRPr lang="es-ES" dirty="0"/>
-                    </a:p>
-                  </a:txBody>
-                  <a:tcPr marL="99864" marR="99864" anchor="ctr"/>
-                </a:tc>
-                <a:tc>
-                  <a:txBody>
-                    <a:bodyPr/>
-                    <a:lstStyle/>
-                    <a:p>
-                      <a:pPr rtl="0"/>
-                      <a:r>
-                        <a:rPr lang="es-ES" noProof="1"/>
-                        <a:t>Sergio Valladares</a:t>
-                      </a:r>
-                    </a:p>
-                  </a:txBody>
-                  <a:tcPr marL="99864" marR="99864" anchor="ctr"/>
-                </a:tc>
-                <a:extLst>
-                  <a:ext uri="{0D108BD9-81ED-4DB2-BD59-A6C34878D82A}">
-                    <a16:rowId xmlns:a16="http://schemas.microsoft.com/office/drawing/2014/main" val="144808058"/>
-                  </a:ext>
-                </a:extLst>
-              </a:tr>
-              <a:tr h="648248">
-                <a:tc>
-                  <a:txBody>
-                    <a:bodyPr/>
-                    <a:lstStyle/>
-                    <a:p>
-                      <a:pPr rtl="0"/>
-                      <a:r>
-                        <a:rPr lang="es-ES"/>
-                        <a:t>Tambores</a:t>
-                      </a:r>
-                      <a:endParaRPr lang="es-ES" dirty="0"/>
-                    </a:p>
-                  </a:txBody>
-                  <a:tcPr marL="99864" marR="99864" anchor="ctr"/>
-                </a:tc>
-                <a:tc>
-                  <a:txBody>
-                    <a:bodyPr/>
-                    <a:lstStyle/>
-                    <a:p>
-                      <a:pPr rtl="0"/>
-                      <a:r>
-                        <a:rPr lang="es-ES" noProof="1"/>
-                        <a:t>Íker Arteaga</a:t>
-                      </a:r>
-                    </a:p>
-                  </a:txBody>
-                  <a:tcPr marL="99864" marR="99864" anchor="ctr"/>
-                </a:tc>
-                <a:extLst>
-                  <a:ext uri="{0D108BD9-81ED-4DB2-BD59-A6C34878D82A}">
-                    <a16:rowId xmlns:a16="http://schemas.microsoft.com/office/drawing/2014/main" val="2405527672"/>
-                  </a:ext>
-                </a:extLst>
-              </a:tr>
-            </a:tbl>
-          </a:graphicData>
-        </a:graphic>
-      </p:graphicFrame>
-      <p:pic>
-        <p:nvPicPr>
-          <p:cNvPr id="16" name="Marcador de posición de imagen 15" descr="Guitarra apoyada en una pared">
-            <a:extLst>
-              <a:ext uri="{FF2B5EF4-FFF2-40B4-BE49-F238E27FC236}">
-                <a16:creationId xmlns:a16="http://schemas.microsoft.com/office/drawing/2014/main" id="{54EAD520-7DB9-41F8-A04C-008E6A66EAAC}"/>
-              </a:ext>
-            </a:extLst>
-          </p:cNvPr>
-          <p:cNvPicPr>
-            <a:picLocks noGrp="1" noChangeAspect="1"/>
-          </p:cNvPicPr>
-          <p:nvPr>
-            <p:ph type="pic" sz="quarter" idx="12"/>
-          </p:nvPr>
-        </p:nvPicPr>
-        <p:blipFill>
-          <a:blip r:embed="rId3" cstate="screen">
-            <a:extLst>
-              <a:ext uri="{28A0092B-C50C-407E-A947-70E740481C1C}">
-                <a14:useLocalDpi xmlns:a14="http://schemas.microsoft.com/office/drawing/2010/main"/>
-              </a:ext>
-            </a:extLst>
-          </a:blip>
-          <a:srcRect l="36" r="36"/>
-          <a:stretch>
-            <a:fillRect/>
-          </a:stretch>
-        </p:blipFill>
-        <p:spPr/>
-      </p:pic>
-      <p:pic>
-        <p:nvPicPr>
-          <p:cNvPr id="10" name="Marcador de posición de imagen 9" descr="Mujer DJ">
-            <a:extLst>
-              <a:ext uri="{FF2B5EF4-FFF2-40B4-BE49-F238E27FC236}">
-                <a16:creationId xmlns:a16="http://schemas.microsoft.com/office/drawing/2014/main" id="{4916DCBC-EBBF-4665-82C2-416F94DD43B0}"/>
-              </a:ext>
-            </a:extLst>
-          </p:cNvPr>
-          <p:cNvPicPr>
-            <a:picLocks noGrp="1" noChangeAspect="1"/>
-          </p:cNvPicPr>
-          <p:nvPr>
-            <p:ph type="pic" sz="quarter" idx="11"/>
-          </p:nvPr>
-        </p:nvPicPr>
-        <p:blipFill>
-          <a:blip r:embed="rId4" cstate="screen">
-            <a:extLst>
-              <a:ext uri="{28A0092B-C50C-407E-A947-70E740481C1C}">
-                <a14:useLocalDpi xmlns:a14="http://schemas.microsoft.com/office/drawing/2010/main"/>
-              </a:ext>
-            </a:extLst>
-          </a:blip>
-          <a:srcRect l="54" r="54"/>
-          <a:stretch>
-            <a:fillRect/>
-          </a:stretch>
-        </p:blipFill>
-        <p:spPr/>
-      </p:pic>
-    </p:spTree>
-    <p:extLst>
-      <p:ext uri="{BB962C8B-B14F-4D97-AF65-F5344CB8AC3E}">
-        <p14:creationId xmlns:p14="http://schemas.microsoft.com/office/powerpoint/2010/main" val="297809158"/>
-      </p:ext>
-    </p:extLst>
-  </p:cSld>
-  <p:clrMapOvr>
-    <a:masterClrMapping/>
-  </p:clrMapOvr>
-</p:sld>
-</file>
-
-<file path=ppt/slides/slide11.xml><?xml version="1.0" encoding="utf-8"?>
-<p:sld xmlns:a="http://schemas.openxmlformats.org/drawingml/2006/main" xmlns:r="http://schemas.openxmlformats.org/officeDocument/2006/relationships" xmlns:p="http://schemas.openxmlformats.org/presentationml/2006/main">
-  <p:cSld>
-    <p:spTree>
-      <p:nvGrpSpPr>
-        <p:cNvPr id="1" name=""/>
-        <p:cNvGrpSpPr/>
-        <p:nvPr/>
-      </p:nvGrpSpPr>
-      <p:grpSpPr>
-        <a:xfrm>
-          <a:off x="0" y="0"/>
-          <a:ext cx="0" cy="0"/>
-          <a:chOff x="0" y="0"/>
-          <a:chExt cx="0" cy="0"/>
-        </a:xfrm>
-      </p:grpSpPr>
-      <p:sp>
-        <p:nvSpPr>
-          <p:cNvPr id="2" name="Título 1">
-            <a:extLst>
-              <a:ext uri="{FF2B5EF4-FFF2-40B4-BE49-F238E27FC236}">
-                <a16:creationId xmlns:a16="http://schemas.microsoft.com/office/drawing/2014/main" id="{10C714E1-5E55-4600-8D9D-23CE3FA88D1B}"/>
-              </a:ext>
-            </a:extLst>
-          </p:cNvPr>
-          <p:cNvSpPr>
-            <a:spLocks noGrp="1"/>
-          </p:cNvSpPr>
-          <p:nvPr>
-            <p:ph type="ctrTitle"/>
-          </p:nvPr>
-        </p:nvSpPr>
-        <p:spPr/>
-        <p:txBody>
-          <a:bodyPr rtlCol="0"/>
-          <a:lstStyle/>
-          <a:p>
-            <a:pPr rtl="0"/>
-            <a:r>
-              <a:rPr lang="es-ES"/>
-              <a:t>Escriba el título aquí</a:t>
-            </a:r>
-            <a:endParaRPr lang="es-ES" dirty="0"/>
-          </a:p>
-        </p:txBody>
-      </p:sp>
-      <p:sp>
-        <p:nvSpPr>
-          <p:cNvPr id="3" name="Subtítulo 2">
-            <a:extLst>
-              <a:ext uri="{FF2B5EF4-FFF2-40B4-BE49-F238E27FC236}">
-                <a16:creationId xmlns:a16="http://schemas.microsoft.com/office/drawing/2014/main" id="{02C6CF4D-AB1B-405F-8C4D-712F421CADCB}"/>
-              </a:ext>
-            </a:extLst>
-          </p:cNvPr>
-          <p:cNvSpPr>
-            <a:spLocks noGrp="1"/>
-          </p:cNvSpPr>
-          <p:nvPr>
-            <p:ph type="subTitle" idx="1"/>
-          </p:nvPr>
-        </p:nvSpPr>
-        <p:spPr/>
-        <p:txBody>
-          <a:bodyPr rtlCol="0">
-            <a:normAutofit/>
-          </a:bodyPr>
-          <a:lstStyle/>
-          <a:p>
-            <a:pPr rtl="0"/>
-            <a:r>
-              <a:rPr lang="es-ES"/>
-              <a:t>Lorem ipsum </a:t>
-            </a:r>
-            <a:r>
-              <a:rPr lang="es-ES" noProof="1"/>
-              <a:t>dolor sit amet, consectetur adipiscing elit. </a:t>
-            </a:r>
-          </a:p>
-        </p:txBody>
-      </p:sp>
-      <p:pic>
-        <p:nvPicPr>
-          <p:cNvPr id="10" name="Marcador de posición de imagen 9" descr="Alguien tocando un violín">
-            <a:extLst>
-              <a:ext uri="{FF2B5EF4-FFF2-40B4-BE49-F238E27FC236}">
-                <a16:creationId xmlns:a16="http://schemas.microsoft.com/office/drawing/2014/main" id="{77776757-A70E-48EB-B8BC-1B3B7F1601F0}"/>
-              </a:ext>
-            </a:extLst>
-          </p:cNvPr>
-          <p:cNvPicPr>
-            <a:picLocks noGrp="1" noChangeAspect="1"/>
-          </p:cNvPicPr>
-          <p:nvPr>
-            <p:ph type="pic" sz="quarter" idx="10"/>
-          </p:nvPr>
-        </p:nvPicPr>
-        <p:blipFill>
-          <a:blip r:embed="rId3" cstate="screen">
-            <a:extLst>
-              <a:ext uri="{28A0092B-C50C-407E-A947-70E740481C1C}">
-                <a14:useLocalDpi xmlns:a14="http://schemas.microsoft.com/office/drawing/2010/main"/>
-              </a:ext>
-            </a:extLst>
-          </a:blip>
-          <a:srcRect t="43" b="43"/>
-          <a:stretch>
-            <a:fillRect/>
-          </a:stretch>
-        </p:blipFill>
-        <p:spPr/>
-      </p:pic>
-      <p:sp>
-        <p:nvSpPr>
-          <p:cNvPr id="5" name="Marcador de texto 4">
-            <a:extLst>
-              <a:ext uri="{FF2B5EF4-FFF2-40B4-BE49-F238E27FC236}">
-                <a16:creationId xmlns:a16="http://schemas.microsoft.com/office/drawing/2014/main" id="{78A4615A-6A59-4B36-81B7-BA9CEC8F581C}"/>
-              </a:ext>
-            </a:extLst>
-          </p:cNvPr>
-          <p:cNvSpPr>
-            <a:spLocks noGrp="1"/>
-          </p:cNvSpPr>
-          <p:nvPr>
-            <p:ph type="body" sz="quarter" idx="12"/>
-          </p:nvPr>
-        </p:nvSpPr>
-        <p:spPr/>
-        <p:txBody>
-          <a:bodyPr rtlCol="0"/>
-          <a:lstStyle/>
-          <a:p>
-            <a:pPr rtl="0"/>
-            <a:r>
-              <a:rPr lang="es-ES"/>
-              <a:t>La Universidad de Bellows</a:t>
-            </a:r>
-            <a:endParaRPr lang="es-ES" dirty="0"/>
-          </a:p>
-        </p:txBody>
-      </p:sp>
-      <p:sp>
-        <p:nvSpPr>
-          <p:cNvPr id="4" name="Marcador de fecha 3">
-            <a:extLst>
-              <a:ext uri="{FF2B5EF4-FFF2-40B4-BE49-F238E27FC236}">
-                <a16:creationId xmlns:a16="http://schemas.microsoft.com/office/drawing/2014/main" id="{C7A99EA4-B0FD-48F2-9AAC-240EF56D86CF}"/>
-              </a:ext>
-            </a:extLst>
-          </p:cNvPr>
-          <p:cNvSpPr>
-            <a:spLocks noGrp="1"/>
-          </p:cNvSpPr>
-          <p:nvPr>
-            <p:ph type="dt" sz="half" idx="11"/>
-          </p:nvPr>
-        </p:nvSpPr>
-        <p:spPr/>
-        <p:txBody>
-          <a:bodyPr/>
-          <a:lstStyle/>
-          <a:p>
-            <a:pPr rtl="0"/>
-            <a:fld id="{A95F1F20-6472-4D87-8173-D7E7C63138B9}" type="datetime2">
-              <a:rPr lang="es-ES" noProof="0" smtClean="0"/>
-              <a:t>miércoles, 23 de noviembre de 2022</a:t>
-            </a:fld>
-            <a:endParaRPr lang="es-ES" noProof="0" dirty="0"/>
-          </a:p>
-        </p:txBody>
-      </p:sp>
-    </p:spTree>
-    <p:extLst>
-      <p:ext uri="{BB962C8B-B14F-4D97-AF65-F5344CB8AC3E}">
-        <p14:creationId xmlns:p14="http://schemas.microsoft.com/office/powerpoint/2010/main" val="1759832767"/>
-      </p:ext>
-    </p:extLst>
-  </p:cSld>
-  <p:clrMapOvr>
-    <a:masterClrMapping/>
-  </p:clrMapOvr>
-</p:sld>
-</file>
-
-<file path=ppt/slides/slide12.xml><?xml version="1.0" encoding="utf-8"?>
-<p:sld xmlns:a="http://schemas.openxmlformats.org/drawingml/2006/main" xmlns:r="http://schemas.openxmlformats.org/officeDocument/2006/relationships" xmlns:p="http://schemas.openxmlformats.org/presentationml/2006/main">
-  <p:cSld>
-    <p:spTree>
-      <p:nvGrpSpPr>
-        <p:cNvPr id="1" name=""/>
-        <p:cNvGrpSpPr/>
-        <p:nvPr/>
-      </p:nvGrpSpPr>
-      <p:grpSpPr>
-        <a:xfrm>
-          <a:off x="0" y="0"/>
-          <a:ext cx="0" cy="0"/>
-          <a:chOff x="0" y="0"/>
-          <a:chExt cx="0" cy="0"/>
-        </a:xfrm>
-      </p:grpSpPr>
-      <p:pic>
-        <p:nvPicPr>
-          <p:cNvPr id="9" name="Marcador de posición de imagen 8" descr="Violín">
-            <a:extLst>
-              <a:ext uri="{FF2B5EF4-FFF2-40B4-BE49-F238E27FC236}">
-                <a16:creationId xmlns:a16="http://schemas.microsoft.com/office/drawing/2014/main" id="{6EA5950E-3893-41AA-8471-31CF1D303996}"/>
-              </a:ext>
-            </a:extLst>
-          </p:cNvPr>
-          <p:cNvPicPr>
-            <a:picLocks noGrp="1" noChangeAspect="1"/>
-          </p:cNvPicPr>
-          <p:nvPr>
-            <p:ph type="pic" sz="quarter" idx="10"/>
-          </p:nvPr>
-        </p:nvPicPr>
-        <p:blipFill>
-          <a:blip r:embed="rId3" cstate="screen">
-            <a:extLst>
-              <a:ext uri="{28A0092B-C50C-407E-A947-70E740481C1C}">
-                <a14:useLocalDpi xmlns:a14="http://schemas.microsoft.com/office/drawing/2010/main"/>
-              </a:ext>
-            </a:extLst>
-          </a:blip>
-          <a:srcRect t="53" b="53"/>
-          <a:stretch>
-            <a:fillRect/>
-          </a:stretch>
-        </p:blipFill>
-        <p:spPr/>
-      </p:pic>
-      <p:sp>
-        <p:nvSpPr>
-          <p:cNvPr id="5" name="Marcador de texto 4">
-            <a:extLst>
-              <a:ext uri="{FF2B5EF4-FFF2-40B4-BE49-F238E27FC236}">
-                <a16:creationId xmlns:a16="http://schemas.microsoft.com/office/drawing/2014/main" id="{F225FDFC-4F74-40FF-B7A7-FBE4858FAB80}"/>
-              </a:ext>
-            </a:extLst>
-          </p:cNvPr>
-          <p:cNvSpPr>
-            <a:spLocks noGrp="1"/>
-          </p:cNvSpPr>
-          <p:nvPr>
-            <p:ph type="body" sz="quarter" idx="11"/>
-          </p:nvPr>
-        </p:nvSpPr>
-        <p:spPr/>
-        <p:txBody>
           <a:bodyPr rtlCol="0"/>
           <a:lstStyle/>
           <a:p>
             <a:pPr rtl="0"/>
             <a:r>
               <a:rPr lang="es-ES" dirty="0"/>
-              <a:t>Título o créditos </a:t>
-            </a:r>
-            <a:r>
-              <a:rPr lang="es-ES" noProof="1"/>
-              <a:t>Lorem ipsum dolor sit amet, consectetur</a:t>
-            </a:r>
-          </a:p>
-        </p:txBody>
-      </p:sp>
-      <p:sp>
-        <p:nvSpPr>
-          <p:cNvPr id="2" name="Título 1" hidden="1">
-            <a:extLst>
-              <a:ext uri="{FF2B5EF4-FFF2-40B4-BE49-F238E27FC236}">
-                <a16:creationId xmlns:a16="http://schemas.microsoft.com/office/drawing/2014/main" id="{2CF1E78D-D4A5-4812-8A26-ED00C3D3823D}"/>
-              </a:ext>
-            </a:extLst>
-          </p:cNvPr>
-          <p:cNvSpPr>
-            <a:spLocks noGrp="1"/>
-          </p:cNvSpPr>
-          <p:nvPr>
-            <p:ph type="title"/>
-          </p:nvPr>
-        </p:nvSpPr>
-        <p:spPr/>
-        <p:txBody>
-          <a:bodyPr rtlCol="0">
-            <a:normAutofit fontScale="90000"/>
-          </a:bodyPr>
-          <a:lstStyle/>
-          <a:p>
-            <a:pPr rtl="0"/>
-            <a:r>
-              <a:rPr lang="es-ES" dirty="0"/>
-              <a:t>Marcador de posición de título 06</a:t>
-            </a:r>
-          </a:p>
-        </p:txBody>
-      </p:sp>
-    </p:spTree>
-    <p:extLst>
-      <p:ext uri="{BB962C8B-B14F-4D97-AF65-F5344CB8AC3E}">
-        <p14:creationId xmlns:p14="http://schemas.microsoft.com/office/powerpoint/2010/main" val="2617797594"/>
-      </p:ext>
-    </p:extLst>
-  </p:cSld>
-  <p:clrMapOvr>
-    <a:masterClrMapping/>
-  </p:clrMapOvr>
-</p:sld>
-</file>
-
-<file path=ppt/slides/slide13.xml><?xml version="1.0" encoding="utf-8"?>
-<p:sld xmlns:a="http://schemas.openxmlformats.org/drawingml/2006/main" xmlns:r="http://schemas.openxmlformats.org/officeDocument/2006/relationships" xmlns:p="http://schemas.openxmlformats.org/presentationml/2006/main">
-  <p:cSld>
-    <p:spTree>
-      <p:nvGrpSpPr>
-        <p:cNvPr id="1" name=""/>
-        <p:cNvGrpSpPr/>
-        <p:nvPr/>
-      </p:nvGrpSpPr>
-      <p:grpSpPr>
-        <a:xfrm>
-          <a:off x="0" y="0"/>
-          <a:ext cx="0" cy="0"/>
-          <a:chOff x="0" y="0"/>
-          <a:chExt cx="0" cy="0"/>
-        </a:xfrm>
-      </p:grpSpPr>
-      <p:sp>
-        <p:nvSpPr>
-          <p:cNvPr id="2" name="Título 1" hidden="1">
-            <a:extLst>
-              <a:ext uri="{FF2B5EF4-FFF2-40B4-BE49-F238E27FC236}">
-                <a16:creationId xmlns:a16="http://schemas.microsoft.com/office/drawing/2014/main" id="{B99E8A33-0DCE-46F5-8C0D-D47FF38C4BDA}"/>
-              </a:ext>
-            </a:extLst>
-          </p:cNvPr>
-          <p:cNvSpPr>
-            <a:spLocks noGrp="1"/>
-          </p:cNvSpPr>
-          <p:nvPr>
-            <p:ph type="title"/>
-          </p:nvPr>
-        </p:nvSpPr>
-        <p:spPr/>
-        <p:txBody>
-          <a:bodyPr rtlCol="0">
-            <a:normAutofit fontScale="90000"/>
-          </a:bodyPr>
-          <a:lstStyle/>
-          <a:p>
-            <a:pPr rtl="0"/>
-            <a:r>
-              <a:rPr lang="es-ES"/>
-              <a:t>Marcador de posición de título 07</a:t>
-            </a:r>
-            <a:endParaRPr lang="es-ES" dirty="0"/>
-          </a:p>
-        </p:txBody>
-      </p:sp>
-      <p:pic>
-        <p:nvPicPr>
-          <p:cNvPr id="5" name="Marcador de posición de imagen 4" descr="Chica joven tocando el piano">
-            <a:extLst>
-              <a:ext uri="{FF2B5EF4-FFF2-40B4-BE49-F238E27FC236}">
-                <a16:creationId xmlns:a16="http://schemas.microsoft.com/office/drawing/2014/main" id="{20675DCF-FE16-435F-B2EB-8C1EDD4C2C30}"/>
-              </a:ext>
-            </a:extLst>
-          </p:cNvPr>
-          <p:cNvPicPr>
-            <a:picLocks noGrp="1" noChangeAspect="1"/>
-          </p:cNvPicPr>
-          <p:nvPr>
-            <p:ph type="pic" sz="quarter" idx="10"/>
-          </p:nvPr>
-        </p:nvPicPr>
-        <p:blipFill>
-          <a:blip r:embed="rId3" cstate="screen">
-            <a:extLst>
-              <a:ext uri="{28A0092B-C50C-407E-A947-70E740481C1C}">
-                <a14:useLocalDpi xmlns:a14="http://schemas.microsoft.com/office/drawing/2010/main"/>
-              </a:ext>
-            </a:extLst>
-          </a:blip>
-          <a:srcRect t="159" b="159"/>
-          <a:stretch>
-            <a:fillRect/>
-          </a:stretch>
-        </p:blipFill>
-        <p:spPr/>
-      </p:pic>
-      <p:sp>
-        <p:nvSpPr>
-          <p:cNvPr id="6" name="Marcador de texto 5">
-            <a:extLst>
-              <a:ext uri="{FF2B5EF4-FFF2-40B4-BE49-F238E27FC236}">
-                <a16:creationId xmlns:a16="http://schemas.microsoft.com/office/drawing/2014/main" id="{6F235B63-B4F6-4469-ABAC-680DAA879D8C}"/>
-              </a:ext>
-            </a:extLst>
-          </p:cNvPr>
-          <p:cNvSpPr>
-            <a:spLocks noGrp="1"/>
-          </p:cNvSpPr>
-          <p:nvPr>
-            <p:ph type="body" sz="quarter" idx="11"/>
-          </p:nvPr>
-        </p:nvSpPr>
-        <p:spPr/>
-        <p:txBody>
-          <a:bodyPr rtlCol="0"/>
-          <a:lstStyle/>
-          <a:p>
-            <a:pPr rtl="0"/>
-            <a:r>
-              <a:rPr lang="es-ES"/>
-              <a:t>Título o créditos </a:t>
-            </a:r>
-            <a:r>
-              <a:rPr lang="es-ES" noProof="1"/>
-              <a:t>Lorem ipsum dolor sit amet, consectetur</a:t>
-            </a:r>
-          </a:p>
-        </p:txBody>
-      </p:sp>
-    </p:spTree>
-    <p:extLst>
-      <p:ext uri="{BB962C8B-B14F-4D97-AF65-F5344CB8AC3E}">
-        <p14:creationId xmlns:p14="http://schemas.microsoft.com/office/powerpoint/2010/main" val="2996407303"/>
-      </p:ext>
-    </p:extLst>
-  </p:cSld>
-  <p:clrMapOvr>
-    <a:masterClrMapping/>
-  </p:clrMapOvr>
-</p:sld>
-</file>
-
-<file path=ppt/slides/slide14.xml><?xml version="1.0" encoding="utf-8"?>
-<p:sld xmlns:a="http://schemas.openxmlformats.org/drawingml/2006/main" xmlns:r="http://schemas.openxmlformats.org/officeDocument/2006/relationships" xmlns:p="http://schemas.openxmlformats.org/presentationml/2006/main">
-  <p:cSld>
-    <p:spTree>
-      <p:nvGrpSpPr>
-        <p:cNvPr id="1" name=""/>
-        <p:cNvGrpSpPr/>
-        <p:nvPr/>
-      </p:nvGrpSpPr>
-      <p:grpSpPr>
-        <a:xfrm>
-          <a:off x="0" y="0"/>
-          <a:ext cx="0" cy="0"/>
-          <a:chOff x="0" y="0"/>
-          <a:chExt cx="0" cy="0"/>
-        </a:xfrm>
-      </p:grpSpPr>
-      <p:pic>
-        <p:nvPicPr>
-          <p:cNvPr id="10" name="Marcador de posición de imagen 9" descr="Bebé en la batería">
-            <a:extLst>
-              <a:ext uri="{FF2B5EF4-FFF2-40B4-BE49-F238E27FC236}">
-                <a16:creationId xmlns:a16="http://schemas.microsoft.com/office/drawing/2014/main" id="{FB7A4E58-CCE8-43AA-97AA-0B4F9D96F415}"/>
-              </a:ext>
-            </a:extLst>
-          </p:cNvPr>
-          <p:cNvPicPr>
-            <a:picLocks noGrp="1" noChangeAspect="1"/>
-          </p:cNvPicPr>
-          <p:nvPr>
-            <p:ph type="pic" sz="quarter" idx="10"/>
-          </p:nvPr>
-        </p:nvPicPr>
-        <p:blipFill>
-          <a:blip r:embed="rId3" cstate="screen">
-            <a:extLst>
-              <a:ext uri="{28A0092B-C50C-407E-A947-70E740481C1C}">
-                <a14:useLocalDpi xmlns:a14="http://schemas.microsoft.com/office/drawing/2010/main"/>
-              </a:ext>
-            </a:extLst>
-          </a:blip>
-          <a:srcRect t="161" b="161"/>
-          <a:stretch>
-            <a:fillRect/>
-          </a:stretch>
-        </p:blipFill>
-        <p:spPr/>
-      </p:pic>
-      <p:pic>
-        <p:nvPicPr>
-          <p:cNvPr id="12" name="Marcador de posición de imagen 11" descr="El chico con la trompeta en su regazo">
-            <a:extLst>
-              <a:ext uri="{FF2B5EF4-FFF2-40B4-BE49-F238E27FC236}">
-                <a16:creationId xmlns:a16="http://schemas.microsoft.com/office/drawing/2014/main" id="{2BA7525E-FBDD-4356-9717-D2501817C406}"/>
-              </a:ext>
-            </a:extLst>
-          </p:cNvPr>
-          <p:cNvPicPr>
-            <a:picLocks noGrp="1" noChangeAspect="1"/>
-          </p:cNvPicPr>
-          <p:nvPr>
-            <p:ph type="pic" sz="quarter" idx="11"/>
-          </p:nvPr>
-        </p:nvPicPr>
-        <p:blipFill rotWithShape="1">
-          <a:blip r:embed="rId4" cstate="screen">
-            <a:extLst>
-              <a:ext uri="{28A0092B-C50C-407E-A947-70E740481C1C}">
-                <a14:useLocalDpi xmlns:a14="http://schemas.microsoft.com/office/drawing/2010/main"/>
-              </a:ext>
-            </a:extLst>
-          </a:blip>
-          <a:srcRect t="111" b="111"/>
-          <a:stretch/>
-        </p:blipFill>
-        <p:spPr/>
-      </p:pic>
-      <p:sp>
-        <p:nvSpPr>
-          <p:cNvPr id="6" name="Marcador de texto 5">
-            <a:extLst>
-              <a:ext uri="{FF2B5EF4-FFF2-40B4-BE49-F238E27FC236}">
-                <a16:creationId xmlns:a16="http://schemas.microsoft.com/office/drawing/2014/main" id="{8913D4DC-F7B7-4AF3-9D63-2041B47D3300}"/>
-              </a:ext>
-            </a:extLst>
-          </p:cNvPr>
-          <p:cNvSpPr>
-            <a:spLocks noGrp="1"/>
-          </p:cNvSpPr>
-          <p:nvPr>
-            <p:ph type="body" sz="quarter" idx="12"/>
-          </p:nvPr>
-        </p:nvSpPr>
-        <p:spPr>
-          <a:xfrm>
-            <a:off x="3374127" y="5599280"/>
-            <a:ext cx="2029566" cy="763420"/>
-          </a:xfrm>
-        </p:spPr>
-        <p:txBody>
-          <a:bodyPr rtlCol="0">
-            <a:noAutofit/>
-          </a:bodyPr>
-          <a:lstStyle/>
-          <a:p>
-            <a:pPr rtl="0"/>
-            <a:r>
-              <a:rPr lang="es-ES" dirty="0"/>
-              <a:t>Título o créditos </a:t>
-            </a:r>
-            <a:r>
-              <a:rPr lang="es-ES" noProof="1"/>
-              <a:t>Lorem ipsum dolor sit amet, consectetur</a:t>
-            </a:r>
-          </a:p>
-        </p:txBody>
-      </p:sp>
-      <p:sp>
-        <p:nvSpPr>
-          <p:cNvPr id="7" name="Marcador de texto 6">
-            <a:extLst>
-              <a:ext uri="{FF2B5EF4-FFF2-40B4-BE49-F238E27FC236}">
-                <a16:creationId xmlns:a16="http://schemas.microsoft.com/office/drawing/2014/main" id="{93CFD67D-079A-4AEC-8590-8B971F42890C}"/>
-              </a:ext>
-            </a:extLst>
-          </p:cNvPr>
-          <p:cNvSpPr>
-            <a:spLocks noGrp="1"/>
-          </p:cNvSpPr>
-          <p:nvPr>
-            <p:ph type="body" sz="quarter" idx="13"/>
-          </p:nvPr>
-        </p:nvSpPr>
-        <p:spPr>
-          <a:xfrm>
-            <a:off x="5536839" y="4930820"/>
-            <a:ext cx="2029566" cy="763419"/>
-          </a:xfrm>
-        </p:spPr>
-        <p:txBody>
-          <a:bodyPr rtlCol="0">
-            <a:noAutofit/>
-          </a:bodyPr>
-          <a:lstStyle/>
-          <a:p>
-            <a:pPr rtl="0"/>
-            <a:r>
-              <a:rPr lang="es-ES" dirty="0"/>
-              <a:t>Título o créditos </a:t>
-            </a:r>
-            <a:r>
-              <a:rPr lang="es-ES" noProof="1"/>
-              <a:t>Lorem ipsum dolor sit amet, consectetur</a:t>
-            </a:r>
-          </a:p>
-        </p:txBody>
-      </p:sp>
-      <p:sp>
-        <p:nvSpPr>
-          <p:cNvPr id="3" name="Título 2" hidden="1">
-            <a:extLst>
-              <a:ext uri="{FF2B5EF4-FFF2-40B4-BE49-F238E27FC236}">
-                <a16:creationId xmlns:a16="http://schemas.microsoft.com/office/drawing/2014/main" id="{1AB0EC1C-2AF1-4CF0-B6E2-EE24A7B9E718}"/>
-              </a:ext>
-            </a:extLst>
-          </p:cNvPr>
-          <p:cNvSpPr>
-            <a:spLocks noGrp="1"/>
-          </p:cNvSpPr>
-          <p:nvPr>
-            <p:ph type="title"/>
-          </p:nvPr>
-        </p:nvSpPr>
-        <p:spPr/>
-        <p:txBody>
-          <a:bodyPr rtlCol="0">
-            <a:normAutofit fontScale="90000"/>
-          </a:bodyPr>
-          <a:lstStyle/>
-          <a:p>
-            <a:pPr rtl="0"/>
-            <a:r>
-              <a:rPr lang="es-ES"/>
-              <a:t>Marcador de posición de título 08</a:t>
-            </a:r>
-            <a:endParaRPr lang="es-ES" dirty="0"/>
-          </a:p>
-        </p:txBody>
-      </p:sp>
-    </p:spTree>
-    <p:extLst>
-      <p:ext uri="{BB962C8B-B14F-4D97-AF65-F5344CB8AC3E}">
-        <p14:creationId xmlns:p14="http://schemas.microsoft.com/office/powerpoint/2010/main" val="1266199811"/>
-      </p:ext>
-    </p:extLst>
-  </p:cSld>
-  <p:clrMapOvr>
-    <a:masterClrMapping/>
-  </p:clrMapOvr>
-</p:sld>
-</file>
-
-<file path=ppt/slides/slide15.xml><?xml version="1.0" encoding="utf-8"?>
-<p:sld xmlns:a="http://schemas.openxmlformats.org/drawingml/2006/main" xmlns:r="http://schemas.openxmlformats.org/officeDocument/2006/relationships" xmlns:p="http://schemas.openxmlformats.org/presentationml/2006/main">
-  <p:cSld>
-    <p:spTree>
-      <p:nvGrpSpPr>
-        <p:cNvPr id="1" name=""/>
-        <p:cNvGrpSpPr/>
-        <p:nvPr/>
-      </p:nvGrpSpPr>
-      <p:grpSpPr>
-        <a:xfrm>
-          <a:off x="0" y="0"/>
-          <a:ext cx="0" cy="0"/>
-          <a:chOff x="0" y="0"/>
-          <a:chExt cx="0" cy="0"/>
-        </a:xfrm>
-      </p:grpSpPr>
-      <p:sp>
-        <p:nvSpPr>
-          <p:cNvPr id="2" name="Título 1" hidden="1">
-            <a:extLst>
-              <a:ext uri="{FF2B5EF4-FFF2-40B4-BE49-F238E27FC236}">
-                <a16:creationId xmlns:a16="http://schemas.microsoft.com/office/drawing/2014/main" id="{07100467-DE21-44B9-A23D-DBD4F1CCC2A6}"/>
-              </a:ext>
-            </a:extLst>
-          </p:cNvPr>
-          <p:cNvSpPr>
-            <a:spLocks noGrp="1"/>
-          </p:cNvSpPr>
-          <p:nvPr>
-            <p:ph type="title"/>
-          </p:nvPr>
-        </p:nvSpPr>
-        <p:spPr/>
-        <p:txBody>
-          <a:bodyPr rtlCol="0">
-            <a:normAutofit fontScale="90000"/>
-          </a:bodyPr>
-          <a:lstStyle/>
-          <a:p>
-            <a:pPr rtl="0"/>
-            <a:r>
-              <a:rPr lang="es-ES"/>
-              <a:t>Marcador de posición de título 09</a:t>
-            </a:r>
-            <a:endParaRPr lang="es-ES" dirty="0"/>
-          </a:p>
-        </p:txBody>
-      </p:sp>
-      <p:pic>
-        <p:nvPicPr>
-          <p:cNvPr id="19" name="Marcador de posición de imagen 18" descr="La Multitud de gente animando a una banda">
-            <a:extLst>
-              <a:ext uri="{FF2B5EF4-FFF2-40B4-BE49-F238E27FC236}">
-                <a16:creationId xmlns:a16="http://schemas.microsoft.com/office/drawing/2014/main" id="{08E2BBCE-55D0-4E28-90D4-A99E96D784CA}"/>
-              </a:ext>
-            </a:extLst>
-          </p:cNvPr>
-          <p:cNvPicPr>
-            <a:picLocks noGrp="1" noChangeAspect="1"/>
-          </p:cNvPicPr>
-          <p:nvPr>
-            <p:ph type="pic" sz="quarter" idx="12"/>
-          </p:nvPr>
-        </p:nvPicPr>
-        <p:blipFill>
-          <a:blip r:embed="rId3" cstate="screen">
-            <a:extLst>
-              <a:ext uri="{28A0092B-C50C-407E-A947-70E740481C1C}">
-                <a14:useLocalDpi xmlns:a14="http://schemas.microsoft.com/office/drawing/2010/main"/>
-              </a:ext>
-            </a:extLst>
-          </a:blip>
-          <a:srcRect l="2" r="2"/>
-          <a:stretch>
-            <a:fillRect/>
-          </a:stretch>
-        </p:blipFill>
-        <p:spPr/>
-      </p:pic>
-      <p:pic>
-        <p:nvPicPr>
-          <p:cNvPr id="17" name="Marcador de posición de imagen 16" descr="Saxofón ">
-            <a:extLst>
-              <a:ext uri="{FF2B5EF4-FFF2-40B4-BE49-F238E27FC236}">
-                <a16:creationId xmlns:a16="http://schemas.microsoft.com/office/drawing/2014/main" id="{186EB44F-C5CA-4DAC-AB3A-6C81CE67BAC8}"/>
-              </a:ext>
-            </a:extLst>
-          </p:cNvPr>
-          <p:cNvPicPr>
-            <a:picLocks noGrp="1" noChangeAspect="1"/>
-          </p:cNvPicPr>
-          <p:nvPr>
-            <p:ph type="pic" sz="quarter" idx="11"/>
-          </p:nvPr>
-        </p:nvPicPr>
-        <p:blipFill>
-          <a:blip r:embed="rId4" cstate="screen">
-            <a:extLst>
-              <a:ext uri="{28A0092B-C50C-407E-A947-70E740481C1C}">
-                <a14:useLocalDpi xmlns:a14="http://schemas.microsoft.com/office/drawing/2010/main"/>
-              </a:ext>
-            </a:extLst>
-          </a:blip>
-          <a:srcRect t="68" b="68"/>
-          <a:stretch>
-            <a:fillRect/>
-          </a:stretch>
-        </p:blipFill>
-        <p:spPr/>
-      </p:pic>
-      <p:sp>
-        <p:nvSpPr>
-          <p:cNvPr id="6" name="Marcador de texto 5">
-            <a:extLst>
-              <a:ext uri="{FF2B5EF4-FFF2-40B4-BE49-F238E27FC236}">
-                <a16:creationId xmlns:a16="http://schemas.microsoft.com/office/drawing/2014/main" id="{2941132A-1BA1-4D20-A777-C26C4E1F29F2}"/>
-              </a:ext>
-            </a:extLst>
-          </p:cNvPr>
-          <p:cNvSpPr>
-            <a:spLocks noGrp="1"/>
-          </p:cNvSpPr>
-          <p:nvPr>
-            <p:ph type="body" sz="quarter" idx="13"/>
-          </p:nvPr>
-        </p:nvSpPr>
-        <p:spPr>
-          <a:xfrm>
-            <a:off x="1451158" y="5032109"/>
-            <a:ext cx="2029566" cy="711466"/>
-          </a:xfrm>
-        </p:spPr>
-        <p:txBody>
-          <a:bodyPr rtlCol="0">
-            <a:noAutofit/>
-          </a:bodyPr>
-          <a:lstStyle/>
-          <a:p>
-            <a:pPr rtl="0"/>
-            <a:r>
-              <a:rPr lang="es-ES" dirty="0"/>
-              <a:t>Título o créditos </a:t>
-            </a:r>
-            <a:r>
-              <a:rPr lang="es-ES" noProof="1"/>
-              <a:t>Lorem ipsum dolor sit amet, consectetur</a:t>
-            </a:r>
-          </a:p>
-        </p:txBody>
-      </p:sp>
-      <p:sp>
-        <p:nvSpPr>
-          <p:cNvPr id="7" name="Marcador de texto 6">
-            <a:extLst>
-              <a:ext uri="{FF2B5EF4-FFF2-40B4-BE49-F238E27FC236}">
-                <a16:creationId xmlns:a16="http://schemas.microsoft.com/office/drawing/2014/main" id="{4A30D95B-FD41-48A1-BBFB-B43E034B1E40}"/>
-              </a:ext>
-            </a:extLst>
-          </p:cNvPr>
-          <p:cNvSpPr>
-            <a:spLocks noGrp="1"/>
-          </p:cNvSpPr>
-          <p:nvPr>
-            <p:ph type="body" sz="quarter" idx="14"/>
-          </p:nvPr>
-        </p:nvSpPr>
-        <p:spPr/>
-        <p:txBody>
-          <a:bodyPr rtlCol="0">
-            <a:noAutofit/>
-          </a:bodyPr>
-          <a:lstStyle/>
-          <a:p>
-            <a:pPr rtl="0"/>
-            <a:r>
-              <a:rPr lang="es-ES"/>
-              <a:t>Título o créditos </a:t>
-            </a:r>
-            <a:r>
-              <a:rPr lang="es-ES" noProof="1"/>
-              <a:t>Lorem ipsum dolor sit amet, consectetur</a:t>
-            </a:r>
-          </a:p>
-        </p:txBody>
-      </p:sp>
-    </p:spTree>
-    <p:extLst>
-      <p:ext uri="{BB962C8B-B14F-4D97-AF65-F5344CB8AC3E}">
-        <p14:creationId xmlns:p14="http://schemas.microsoft.com/office/powerpoint/2010/main" val="1140996113"/>
-      </p:ext>
-    </p:extLst>
-  </p:cSld>
-  <p:clrMapOvr>
-    <a:masterClrMapping/>
-  </p:clrMapOvr>
-</p:sld>
-</file>
-
-<file path=ppt/slides/slide16.xml><?xml version="1.0" encoding="utf-8"?>
-<p:sld xmlns:a="http://schemas.openxmlformats.org/drawingml/2006/main" xmlns:r="http://schemas.openxmlformats.org/officeDocument/2006/relationships" xmlns:p="http://schemas.openxmlformats.org/presentationml/2006/main">
-  <p:cSld>
-    <p:spTree>
-      <p:nvGrpSpPr>
-        <p:cNvPr id="1" name=""/>
-        <p:cNvGrpSpPr/>
-        <p:nvPr/>
-      </p:nvGrpSpPr>
-      <p:grpSpPr>
-        <a:xfrm>
-          <a:off x="0" y="0"/>
-          <a:ext cx="0" cy="0"/>
-          <a:chOff x="0" y="0"/>
-          <a:chExt cx="0" cy="0"/>
-        </a:xfrm>
-      </p:grpSpPr>
-      <p:pic>
-        <p:nvPicPr>
-          <p:cNvPr id="9" name="Marcador de posición de imagen 8" descr="Profesor con violin">
-            <a:extLst>
-              <a:ext uri="{FF2B5EF4-FFF2-40B4-BE49-F238E27FC236}">
-                <a16:creationId xmlns:a16="http://schemas.microsoft.com/office/drawing/2014/main" id="{34C067DC-DCDB-4398-B91F-CDF982C59457}"/>
-              </a:ext>
-            </a:extLst>
-          </p:cNvPr>
-          <p:cNvPicPr>
-            <a:picLocks noGrp="1" noChangeAspect="1"/>
-          </p:cNvPicPr>
-          <p:nvPr>
-            <p:ph type="pic" sz="quarter" idx="11"/>
-          </p:nvPr>
-        </p:nvPicPr>
-        <p:blipFill>
-          <a:blip r:embed="rId3" cstate="screen">
-            <a:extLst>
-              <a:ext uri="{28A0092B-C50C-407E-A947-70E740481C1C}">
-                <a14:useLocalDpi xmlns:a14="http://schemas.microsoft.com/office/drawing/2010/main"/>
-              </a:ext>
-            </a:extLst>
-          </a:blip>
-          <a:srcRect t="7" b="7"/>
-          <a:stretch>
-            <a:fillRect/>
-          </a:stretch>
-        </p:blipFill>
-        <p:spPr/>
-      </p:pic>
-      <p:pic>
-        <p:nvPicPr>
-          <p:cNvPr id="15" name="Marcador de posición de imagen 14" descr="Sheetmusic">
-            <a:extLst>
-              <a:ext uri="{FF2B5EF4-FFF2-40B4-BE49-F238E27FC236}">
-                <a16:creationId xmlns:a16="http://schemas.microsoft.com/office/drawing/2014/main" id="{83CC4D9F-ED46-46CE-924C-FC1206366267}"/>
-              </a:ext>
-            </a:extLst>
-          </p:cNvPr>
-          <p:cNvPicPr>
-            <a:picLocks noGrp="1" noChangeAspect="1"/>
-          </p:cNvPicPr>
-          <p:nvPr>
-            <p:ph type="pic" sz="quarter" idx="10"/>
-          </p:nvPr>
-        </p:nvPicPr>
-        <p:blipFill>
-          <a:blip r:embed="rId4" cstate="screen">
-            <a:extLst>
-              <a:ext uri="{28A0092B-C50C-407E-A947-70E740481C1C}">
-                <a14:useLocalDpi xmlns:a14="http://schemas.microsoft.com/office/drawing/2010/main"/>
-              </a:ext>
-            </a:extLst>
-          </a:blip>
-          <a:srcRect l="64" r="64"/>
-          <a:stretch>
-            <a:fillRect/>
-          </a:stretch>
-        </p:blipFill>
-        <p:spPr/>
-      </p:pic>
-      <p:pic>
-        <p:nvPicPr>
-          <p:cNvPr id="11" name="Marcador de posición de imagen 10" descr="Drumset">
-            <a:extLst>
-              <a:ext uri="{FF2B5EF4-FFF2-40B4-BE49-F238E27FC236}">
-                <a16:creationId xmlns:a16="http://schemas.microsoft.com/office/drawing/2014/main" id="{D5CA38BA-6444-4859-863E-949EFBFBFA11}"/>
-              </a:ext>
-            </a:extLst>
-          </p:cNvPr>
-          <p:cNvPicPr>
-            <a:picLocks noGrp="1" noChangeAspect="1"/>
-          </p:cNvPicPr>
-          <p:nvPr>
-            <p:ph type="pic" sz="quarter" idx="12"/>
-          </p:nvPr>
-        </p:nvPicPr>
-        <p:blipFill>
-          <a:blip r:embed="rId5" cstate="screen">
-            <a:extLst>
-              <a:ext uri="{28A0092B-C50C-407E-A947-70E740481C1C}">
-                <a14:useLocalDpi xmlns:a14="http://schemas.microsoft.com/office/drawing/2010/main"/>
-              </a:ext>
-            </a:extLst>
-          </a:blip>
-          <a:srcRect l="91" r="91"/>
-          <a:stretch>
-            <a:fillRect/>
-          </a:stretch>
-        </p:blipFill>
-        <p:spPr/>
-      </p:pic>
-      <p:sp>
-        <p:nvSpPr>
-          <p:cNvPr id="5" name="Título 4" hidden="1">
-            <a:extLst>
-              <a:ext uri="{FF2B5EF4-FFF2-40B4-BE49-F238E27FC236}">
-                <a16:creationId xmlns:a16="http://schemas.microsoft.com/office/drawing/2014/main" id="{4E5E5465-15E9-4534-A7F6-95714E09960D}"/>
-              </a:ext>
-            </a:extLst>
-          </p:cNvPr>
-          <p:cNvSpPr>
-            <a:spLocks noGrp="1"/>
-          </p:cNvSpPr>
-          <p:nvPr>
-            <p:ph type="title"/>
-          </p:nvPr>
-        </p:nvSpPr>
-        <p:spPr/>
-        <p:txBody>
-          <a:bodyPr rtlCol="0">
-            <a:normAutofit fontScale="90000"/>
-          </a:bodyPr>
-          <a:lstStyle/>
-          <a:p>
-            <a:pPr rtl="0"/>
-            <a:r>
-              <a:rPr lang="es-ES"/>
-              <a:t>Marcador de posición de título 10</a:t>
-            </a:r>
-            <a:endParaRPr lang="es-ES" dirty="0"/>
-          </a:p>
-        </p:txBody>
-      </p:sp>
-      <p:sp>
-        <p:nvSpPr>
-          <p:cNvPr id="7" name="Marcador de texto 6">
-            <a:extLst>
-              <a:ext uri="{FF2B5EF4-FFF2-40B4-BE49-F238E27FC236}">
-                <a16:creationId xmlns:a16="http://schemas.microsoft.com/office/drawing/2014/main" id="{0DBE21B7-1EFF-45F1-923F-3525347EE7F3}"/>
-              </a:ext>
-            </a:extLst>
-          </p:cNvPr>
-          <p:cNvSpPr>
-            <a:spLocks noGrp="1"/>
-          </p:cNvSpPr>
-          <p:nvPr>
-            <p:ph type="body" sz="quarter" idx="13"/>
-          </p:nvPr>
-        </p:nvSpPr>
-        <p:spPr/>
-        <p:txBody>
-          <a:bodyPr rtlCol="0">
-            <a:noAutofit/>
-          </a:bodyPr>
-          <a:lstStyle/>
-          <a:p>
-            <a:pPr rtl="0"/>
-            <a:r>
-              <a:rPr lang="es-ES"/>
-              <a:t>Subtítulo/crédito </a:t>
-            </a:r>
-            <a:r>
-              <a:rPr lang="es-ES" noProof="1"/>
-              <a:t>Lorem ipsum.</a:t>
-            </a:r>
-          </a:p>
-        </p:txBody>
-      </p:sp>
-      <p:sp>
-        <p:nvSpPr>
-          <p:cNvPr id="8" name="Marcador de texto 7">
-            <a:extLst>
-              <a:ext uri="{FF2B5EF4-FFF2-40B4-BE49-F238E27FC236}">
-                <a16:creationId xmlns:a16="http://schemas.microsoft.com/office/drawing/2014/main" id="{736A39FC-3CD7-49A3-A359-3764C3085691}"/>
-              </a:ext>
-            </a:extLst>
-          </p:cNvPr>
-          <p:cNvSpPr>
-            <a:spLocks noGrp="1"/>
-          </p:cNvSpPr>
-          <p:nvPr>
-            <p:ph type="body" sz="quarter" idx="14"/>
-          </p:nvPr>
-        </p:nvSpPr>
-        <p:spPr>
-          <a:xfrm>
-            <a:off x="6905856" y="572027"/>
-            <a:ext cx="2923944" cy="487246"/>
-          </a:xfrm>
-        </p:spPr>
-        <p:txBody>
-          <a:bodyPr rtlCol="0">
-            <a:noAutofit/>
-          </a:bodyPr>
-          <a:lstStyle/>
-          <a:p>
-            <a:pPr rtl="0"/>
-            <a:r>
-              <a:rPr lang="es-ES"/>
-              <a:t>Título o créditos</a:t>
-            </a:r>
-            <a:r>
-              <a:rPr lang="es-ES" noProof="1"/>
-              <a:t> Lorem ipsum dolor sit.</a:t>
-            </a:r>
-          </a:p>
-        </p:txBody>
-      </p:sp>
-      <p:sp>
-        <p:nvSpPr>
-          <p:cNvPr id="10" name="Marcador de texto 9">
-            <a:extLst>
-              <a:ext uri="{FF2B5EF4-FFF2-40B4-BE49-F238E27FC236}">
-                <a16:creationId xmlns:a16="http://schemas.microsoft.com/office/drawing/2014/main" id="{A28DF6BB-F91E-4807-889F-87D96B725784}"/>
-              </a:ext>
-            </a:extLst>
-          </p:cNvPr>
-          <p:cNvSpPr>
-            <a:spLocks noGrp="1"/>
-          </p:cNvSpPr>
-          <p:nvPr>
-            <p:ph type="body" sz="quarter" idx="15"/>
-          </p:nvPr>
-        </p:nvSpPr>
-        <p:spPr>
-          <a:xfrm>
-            <a:off x="6905856" y="5681838"/>
-            <a:ext cx="1739248" cy="723025"/>
-          </a:xfrm>
-        </p:spPr>
-        <p:txBody>
-          <a:bodyPr rtlCol="0">
-            <a:noAutofit/>
-          </a:bodyPr>
-          <a:lstStyle/>
-          <a:p>
-            <a:pPr rtl="0"/>
-            <a:r>
-              <a:rPr lang="es-ES" dirty="0"/>
-              <a:t>Título o créditos</a:t>
-            </a:r>
-            <a:r>
-              <a:rPr lang="es-ES" noProof="1"/>
-              <a:t> Lorem ipsum dolor sit amet.</a:t>
-            </a:r>
-          </a:p>
-        </p:txBody>
-      </p:sp>
-    </p:spTree>
-    <p:extLst>
-      <p:ext uri="{BB962C8B-B14F-4D97-AF65-F5344CB8AC3E}">
-        <p14:creationId xmlns:p14="http://schemas.microsoft.com/office/powerpoint/2010/main" val="2818621903"/>
-      </p:ext>
-    </p:extLst>
-  </p:cSld>
-  <p:clrMapOvr>
-    <a:masterClrMapping/>
-  </p:clrMapOvr>
-</p:sld>
-</file>
-
-<file path=ppt/slides/slide17.xml><?xml version="1.0" encoding="utf-8"?>
-<p:sld xmlns:a="http://schemas.openxmlformats.org/drawingml/2006/main" xmlns:r="http://schemas.openxmlformats.org/officeDocument/2006/relationships" xmlns:p="http://schemas.openxmlformats.org/presentationml/2006/main">
-  <p:cSld>
-    <p:spTree>
-      <p:nvGrpSpPr>
-        <p:cNvPr id="1" name=""/>
-        <p:cNvGrpSpPr/>
-        <p:nvPr/>
-      </p:nvGrpSpPr>
-      <p:grpSpPr>
-        <a:xfrm>
-          <a:off x="0" y="0"/>
-          <a:ext cx="0" cy="0"/>
-          <a:chOff x="0" y="0"/>
-          <a:chExt cx="0" cy="0"/>
-        </a:xfrm>
-      </p:grpSpPr>
-      <p:sp>
-        <p:nvSpPr>
-          <p:cNvPr id="2" name="Título 1">
-            <a:extLst>
-              <a:ext uri="{FF2B5EF4-FFF2-40B4-BE49-F238E27FC236}">
-                <a16:creationId xmlns:a16="http://schemas.microsoft.com/office/drawing/2014/main" id="{E9ACE5BE-58FB-4D23-A3B9-1C2D3DB7C405}"/>
-              </a:ext>
-            </a:extLst>
-          </p:cNvPr>
-          <p:cNvSpPr>
-            <a:spLocks noGrp="1"/>
-          </p:cNvSpPr>
-          <p:nvPr>
-            <p:ph type="title"/>
-          </p:nvPr>
-        </p:nvSpPr>
-        <p:spPr>
-          <a:xfrm>
-            <a:off x="6726368" y="1313332"/>
-            <a:ext cx="4732207" cy="2852737"/>
-          </a:xfrm>
-        </p:spPr>
-        <p:txBody>
-          <a:bodyPr rtlCol="0"/>
-          <a:lstStyle/>
-          <a:p>
-            <a:pPr rtl="0"/>
-            <a:r>
-              <a:rPr lang="es-ES" dirty="0"/>
-              <a:t>Encabezado de sección aquí</a:t>
-            </a:r>
-          </a:p>
-        </p:txBody>
-      </p:sp>
-      <p:sp>
-        <p:nvSpPr>
-          <p:cNvPr id="3" name="Marcador de texto 2">
-            <a:extLst>
-              <a:ext uri="{FF2B5EF4-FFF2-40B4-BE49-F238E27FC236}">
-                <a16:creationId xmlns:a16="http://schemas.microsoft.com/office/drawing/2014/main" id="{88ED5FD7-D7CC-4E41-8CBC-60B0AE140461}"/>
-              </a:ext>
-            </a:extLst>
-          </p:cNvPr>
-          <p:cNvSpPr>
-            <a:spLocks noGrp="1"/>
-          </p:cNvSpPr>
-          <p:nvPr>
-            <p:ph type="body" idx="1"/>
-          </p:nvPr>
-        </p:nvSpPr>
-        <p:spPr/>
-        <p:txBody>
-          <a:bodyPr rtlCol="0"/>
-          <a:lstStyle/>
-          <a:p>
-            <a:pPr rtl="0"/>
-            <a:r>
-              <a:rPr lang="es-ES" noProof="1"/>
-              <a:t>Lorem ipsum dolor sit amet, consectetur adipiscing elit. </a:t>
+              <a:t>Gracias!</a:t>
             </a:r>
           </a:p>
         </p:txBody>
@@ -43180,7 +44373,7 @@
               </a:ext>
             </a:extLst>
           </a:blip>
-          <a:srcRect/>
+          <a:srcRect l="7" r="7"/>
           <a:stretch>
             <a:fillRect/>
           </a:stretch>
@@ -43190,362 +44383,7 @@
     </p:spTree>
     <p:extLst>
       <p:ext uri="{BB962C8B-B14F-4D97-AF65-F5344CB8AC3E}">
-        <p14:creationId xmlns:p14="http://schemas.microsoft.com/office/powerpoint/2010/main" val="1348909494"/>
-      </p:ext>
-    </p:extLst>
-  </p:cSld>
-  <p:clrMapOvr>
-    <a:masterClrMapping/>
-  </p:clrMapOvr>
-</p:sld>
-</file>
-
-<file path=ppt/slides/slide18.xml><?xml version="1.0" encoding="utf-8"?>
-<p:sld xmlns:a="http://schemas.openxmlformats.org/drawingml/2006/main" xmlns:r="http://schemas.openxmlformats.org/officeDocument/2006/relationships" xmlns:p="http://schemas.openxmlformats.org/presentationml/2006/main">
-  <p:cSld>
-    <p:spTree>
-      <p:nvGrpSpPr>
-        <p:cNvPr id="1" name=""/>
-        <p:cNvGrpSpPr/>
-        <p:nvPr/>
-      </p:nvGrpSpPr>
-      <p:grpSpPr>
-        <a:xfrm>
-          <a:off x="0" y="0"/>
-          <a:ext cx="0" cy="0"/>
-          <a:chOff x="0" y="0"/>
-          <a:chExt cx="0" cy="0"/>
-        </a:xfrm>
-      </p:grpSpPr>
-      <p:sp>
-        <p:nvSpPr>
-          <p:cNvPr id="2" name="Título 1">
-            <a:extLst>
-              <a:ext uri="{FF2B5EF4-FFF2-40B4-BE49-F238E27FC236}">
-                <a16:creationId xmlns:a16="http://schemas.microsoft.com/office/drawing/2014/main" id="{61D0AA43-3B0F-4430-A34D-63FB27D0B777}"/>
-              </a:ext>
-            </a:extLst>
-          </p:cNvPr>
-          <p:cNvSpPr>
-            <a:spLocks noGrp="1"/>
-          </p:cNvSpPr>
-          <p:nvPr>
-            <p:ph type="title"/>
-          </p:nvPr>
-        </p:nvSpPr>
-        <p:spPr/>
-        <p:txBody>
-          <a:bodyPr rtlCol="0">
-            <a:normAutofit/>
-          </a:bodyPr>
-          <a:lstStyle/>
-          <a:p>
-            <a:pPr rtl="0"/>
-            <a:r>
-              <a:rPr lang="es-ES" sz="6000"/>
-              <a:t>Artistas</a:t>
-            </a:r>
-          </a:p>
-        </p:txBody>
-      </p:sp>
-      <p:graphicFrame>
-        <p:nvGraphicFramePr>
-          <p:cNvPr id="4" name="Tabla 14">
-            <a:extLst>
-              <a:ext uri="{FF2B5EF4-FFF2-40B4-BE49-F238E27FC236}">
-                <a16:creationId xmlns:a16="http://schemas.microsoft.com/office/drawing/2014/main" id="{C5B571D6-CD1E-4F37-94A6-B82F778518BC}"/>
-              </a:ext>
-            </a:extLst>
-          </p:cNvPr>
-          <p:cNvGraphicFramePr>
-            <a:graphicFrameLocks noGrp="1"/>
-          </p:cNvGraphicFramePr>
-          <p:nvPr>
-            <p:ph type="tbl" sz="quarter" idx="10"/>
-            <p:extLst>
-              <p:ext uri="{D42A27DB-BD31-4B8C-83A1-F6EECF244321}">
-                <p14:modId xmlns:p14="http://schemas.microsoft.com/office/powerpoint/2010/main" val="2631948605"/>
-              </p:ext>
-            </p:extLst>
-          </p:nvPr>
-        </p:nvGraphicFramePr>
-        <p:xfrm>
-          <a:off x="838200" y="1700213"/>
-          <a:ext cx="3549230" cy="3241240"/>
-        </p:xfrm>
-        <a:graphic>
-          <a:graphicData uri="http://schemas.openxmlformats.org/drawingml/2006/table">
-            <a:tbl>
-              <a:tblPr firstRow="1">
-                <a:tableStyleId>{793D81CF-94F2-401A-BA57-92F5A7B2D0C5}</a:tableStyleId>
-              </a:tblPr>
-              <a:tblGrid>
-                <a:gridCol w="1774615">
-                  <a:extLst>
-                    <a:ext uri="{9D8B030D-6E8A-4147-A177-3AD203B41FA5}">
-                      <a16:colId xmlns:a16="http://schemas.microsoft.com/office/drawing/2014/main" val="488742542"/>
-                    </a:ext>
-                  </a:extLst>
-                </a:gridCol>
-                <a:gridCol w="1774615">
-                  <a:extLst>
-                    <a:ext uri="{9D8B030D-6E8A-4147-A177-3AD203B41FA5}">
-                      <a16:colId xmlns:a16="http://schemas.microsoft.com/office/drawing/2014/main" val="2485424801"/>
-                    </a:ext>
-                  </a:extLst>
-                </a:gridCol>
-              </a:tblGrid>
-              <a:tr h="648248">
-                <a:tc>
-                  <a:txBody>
-                    <a:bodyPr/>
-                    <a:lstStyle/>
-                    <a:p>
-                      <a:pPr rtl="0"/>
-                      <a:r>
-                        <a:rPr lang="es-ES"/>
-                        <a:t>Instrumento</a:t>
-                      </a:r>
-                      <a:endParaRPr lang="es-ES" dirty="0"/>
-                    </a:p>
-                  </a:txBody>
-                  <a:tcPr anchor="ctr"/>
-                </a:tc>
-                <a:tc>
-                  <a:txBody>
-                    <a:bodyPr/>
-                    <a:lstStyle/>
-                    <a:p>
-                      <a:pPr rtl="0"/>
-                      <a:r>
-                        <a:rPr lang="es-ES"/>
-                        <a:t>Músico</a:t>
-                      </a:r>
-                      <a:endParaRPr lang="es-ES" dirty="0"/>
-                    </a:p>
-                  </a:txBody>
-                  <a:tcPr anchor="ctr"/>
-                </a:tc>
-                <a:extLst>
-                  <a:ext uri="{0D108BD9-81ED-4DB2-BD59-A6C34878D82A}">
-                    <a16:rowId xmlns:a16="http://schemas.microsoft.com/office/drawing/2014/main" val="1723165440"/>
-                  </a:ext>
-                </a:extLst>
-              </a:tr>
-              <a:tr h="648248">
-                <a:tc>
-                  <a:txBody>
-                    <a:bodyPr/>
-                    <a:lstStyle/>
-                    <a:p>
-                      <a:pPr rtl="0"/>
-                      <a:r>
-                        <a:rPr lang="es-ES"/>
-                        <a:t>Saxofón</a:t>
-                      </a:r>
-                      <a:endParaRPr lang="es-ES" dirty="0"/>
-                    </a:p>
-                  </a:txBody>
-                  <a:tcPr anchor="ctr"/>
-                </a:tc>
-                <a:tc>
-                  <a:txBody>
-                    <a:bodyPr/>
-                    <a:lstStyle/>
-                    <a:p>
-                      <a:pPr rtl="0"/>
-                      <a:r>
-                        <a:rPr lang="es-ES" noProof="1"/>
-                        <a:t>Jorge Alcalá</a:t>
-                      </a:r>
-                    </a:p>
-                  </a:txBody>
-                  <a:tcPr anchor="ctr"/>
-                </a:tc>
-                <a:extLst>
-                  <a:ext uri="{0D108BD9-81ED-4DB2-BD59-A6C34878D82A}">
-                    <a16:rowId xmlns:a16="http://schemas.microsoft.com/office/drawing/2014/main" val="3574663811"/>
-                  </a:ext>
-                </a:extLst>
-              </a:tr>
-              <a:tr h="648248">
-                <a:tc>
-                  <a:txBody>
-                    <a:bodyPr/>
-                    <a:lstStyle/>
-                    <a:p>
-                      <a:pPr rtl="0"/>
-                      <a:r>
-                        <a:rPr lang="es-ES"/>
-                        <a:t>Piano</a:t>
-                      </a:r>
-                      <a:endParaRPr lang="es-ES" dirty="0"/>
-                    </a:p>
-                  </a:txBody>
-                  <a:tcPr anchor="ctr"/>
-                </a:tc>
-                <a:tc>
-                  <a:txBody>
-                    <a:bodyPr/>
-                    <a:lstStyle/>
-                    <a:p>
-                      <a:pPr rtl="0"/>
-                      <a:r>
-                        <a:rPr lang="es-ES" noProof="1"/>
-                        <a:t>Naiara Padilla</a:t>
-                      </a:r>
-                    </a:p>
-                  </a:txBody>
-                  <a:tcPr anchor="ctr"/>
-                </a:tc>
-                <a:extLst>
-                  <a:ext uri="{0D108BD9-81ED-4DB2-BD59-A6C34878D82A}">
-                    <a16:rowId xmlns:a16="http://schemas.microsoft.com/office/drawing/2014/main" val="77040381"/>
-                  </a:ext>
-                </a:extLst>
-              </a:tr>
-              <a:tr h="648248">
-                <a:tc>
-                  <a:txBody>
-                    <a:bodyPr/>
-                    <a:lstStyle/>
-                    <a:p>
-                      <a:pPr rtl="0"/>
-                      <a:r>
-                        <a:rPr lang="es-ES"/>
-                        <a:t>Guitarra eléctrica</a:t>
-                      </a:r>
-                      <a:endParaRPr lang="es-ES" dirty="0"/>
-                    </a:p>
-                  </a:txBody>
-                  <a:tcPr anchor="ctr"/>
-                </a:tc>
-                <a:tc>
-                  <a:txBody>
-                    <a:bodyPr/>
-                    <a:lstStyle/>
-                    <a:p>
-                      <a:pPr rtl="0"/>
-                      <a:r>
-                        <a:rPr lang="es-ES" noProof="1"/>
-                        <a:t>Sergio Valladares</a:t>
-                      </a:r>
-                    </a:p>
-                  </a:txBody>
-                  <a:tcPr anchor="ctr"/>
-                </a:tc>
-                <a:extLst>
-                  <a:ext uri="{0D108BD9-81ED-4DB2-BD59-A6C34878D82A}">
-                    <a16:rowId xmlns:a16="http://schemas.microsoft.com/office/drawing/2014/main" val="144808058"/>
-                  </a:ext>
-                </a:extLst>
-              </a:tr>
-              <a:tr h="648248">
-                <a:tc>
-                  <a:txBody>
-                    <a:bodyPr/>
-                    <a:lstStyle/>
-                    <a:p>
-                      <a:pPr rtl="0"/>
-                      <a:r>
-                        <a:rPr lang="es-ES"/>
-                        <a:t>Tambores</a:t>
-                      </a:r>
-                      <a:endParaRPr lang="es-ES" dirty="0"/>
-                    </a:p>
-                  </a:txBody>
-                  <a:tcPr anchor="ctr"/>
-                </a:tc>
-                <a:tc>
-                  <a:txBody>
-                    <a:bodyPr/>
-                    <a:lstStyle/>
-                    <a:p>
-                      <a:pPr rtl="0"/>
-                      <a:r>
-                        <a:rPr lang="es-ES" noProof="1"/>
-                        <a:t>Íker Arteaga</a:t>
-                      </a:r>
-                    </a:p>
-                  </a:txBody>
-                  <a:tcPr anchor="ctr"/>
-                </a:tc>
-                <a:extLst>
-                  <a:ext uri="{0D108BD9-81ED-4DB2-BD59-A6C34878D82A}">
-                    <a16:rowId xmlns:a16="http://schemas.microsoft.com/office/drawing/2014/main" val="2405527672"/>
-                  </a:ext>
-                </a:extLst>
-              </a:tr>
-            </a:tbl>
-          </a:graphicData>
-        </a:graphic>
-      </p:graphicFrame>
-      <p:pic>
-        <p:nvPicPr>
-          <p:cNvPr id="10" name="Marcador de posición de imagen 9" descr="Mujer DJ">
-            <a:extLst>
-              <a:ext uri="{FF2B5EF4-FFF2-40B4-BE49-F238E27FC236}">
-                <a16:creationId xmlns:a16="http://schemas.microsoft.com/office/drawing/2014/main" id="{4916DCBC-EBBF-4665-82C2-416F94DD43B0}"/>
-              </a:ext>
-            </a:extLst>
-          </p:cNvPr>
-          <p:cNvPicPr>
-            <a:picLocks noGrp="1" noChangeAspect="1"/>
-          </p:cNvPicPr>
-          <p:nvPr>
-            <p:ph type="pic" sz="quarter" idx="11"/>
-          </p:nvPr>
-        </p:nvPicPr>
-        <p:blipFill>
-          <a:blip r:embed="rId3" cstate="screen">
-            <a:extLst>
-              <a:ext uri="{28A0092B-C50C-407E-A947-70E740481C1C}">
-                <a14:useLocalDpi xmlns:a14="http://schemas.microsoft.com/office/drawing/2010/main"/>
-              </a:ext>
-            </a:extLst>
-          </a:blip>
-          <a:srcRect/>
-          <a:stretch>
-            <a:fillRect/>
-          </a:stretch>
-        </p:blipFill>
-        <p:spPr/>
-      </p:pic>
-      <p:pic>
-        <p:nvPicPr>
-          <p:cNvPr id="16" name="Marcador de posición de imagen 15" descr="Guitarra apoyada en una pared">
-            <a:extLst>
-              <a:ext uri="{FF2B5EF4-FFF2-40B4-BE49-F238E27FC236}">
-                <a16:creationId xmlns:a16="http://schemas.microsoft.com/office/drawing/2014/main" id="{54EAD520-7DB9-41F8-A04C-008E6A66EAAC}"/>
-              </a:ext>
-            </a:extLst>
-          </p:cNvPr>
-          <p:cNvPicPr>
-            <a:picLocks noGrp="1" noChangeAspect="1"/>
-          </p:cNvPicPr>
-          <p:nvPr>
-            <p:ph type="pic" sz="quarter" idx="12"/>
-          </p:nvPr>
-        </p:nvPicPr>
-        <p:blipFill>
-          <a:blip r:embed="rId4" cstate="screen">
-            <a:extLst>
-              <a:ext uri="{28A0092B-C50C-407E-A947-70E740481C1C}">
-                <a14:useLocalDpi xmlns:a14="http://schemas.microsoft.com/office/drawing/2010/main"/>
-              </a:ext>
-            </a:extLst>
-          </a:blip>
-          <a:srcRect/>
-          <a:stretch>
-            <a:fillRect/>
-          </a:stretch>
-        </p:blipFill>
-        <p:spPr/>
-      </p:pic>
-    </p:spTree>
-    <p:extLst>
-      <p:ext uri="{BB962C8B-B14F-4D97-AF65-F5344CB8AC3E}">
-        <p14:creationId xmlns:p14="http://schemas.microsoft.com/office/powerpoint/2010/main" val="82295486"/>
+        <p14:creationId xmlns:p14="http://schemas.microsoft.com/office/powerpoint/2010/main" val="692034583"/>
       </p:ext>
     </p:extLst>
   </p:cSld>
@@ -43598,7 +44436,11 @@
           <a:bodyPr/>
           <a:lstStyle/>
           <a:p>
-            <a:endParaRPr lang="en-US"/>
+            <a:r>
+              <a:rPr lang="en-US" dirty="0" err="1"/>
+              <a:t>Contenido</a:t>
+            </a:r>
+            <a:endParaRPr lang="en-US" dirty="0"/>
           </a:p>
         </p:txBody>
       </p:sp>
@@ -43630,14 +44472,36 @@
           </a:bodyPr>
           <a:lstStyle/>
           <a:p>
-            <a:pPr rtl="0"/>
-            <a:r>
-              <a:rPr lang="es-ES" dirty="0"/>
-              <a:t>Título o créditos </a:t>
-            </a:r>
+            <a:pPr rtl="0">
+              <a:lnSpc>
+                <a:spcPct val="200000"/>
+              </a:lnSpc>
+            </a:pPr>
             <a:r>
               <a:rPr lang="es-ES" noProof="1"/>
-              <a:t>Lorem ipsum dolor sit amet, consectetur</a:t>
+              <a:t>Información de Actualidad</a:t>
+            </a:r>
+          </a:p>
+          <a:p>
+            <a:pPr rtl="0">
+              <a:lnSpc>
+                <a:spcPct val="200000"/>
+              </a:lnSpc>
+            </a:pPr>
+            <a:r>
+              <a:rPr lang="es-ES" noProof="1"/>
+              <a:t>Atributos a Considerar</a:t>
+            </a:r>
+          </a:p>
+          <a:p>
+            <a:pPr rtl="0">
+              <a:lnSpc>
+                <a:spcPct val="200000"/>
+              </a:lnSpc>
+            </a:pPr>
+            <a:r>
+              <a:rPr lang="es-ES" noProof="1"/>
+              <a:t>Resumen de Escenarios</a:t>
             </a:r>
           </a:p>
         </p:txBody>
@@ -43729,7 +44593,19 @@
           <a:bodyPr/>
           <a:lstStyle/>
           <a:p>
-            <a:endParaRPr lang="en-US"/>
+            <a:r>
+              <a:rPr lang="en-US" dirty="0" err="1"/>
+              <a:t>Información</a:t>
+            </a:r>
+            <a:r>
+              <a:rPr lang="en-US" dirty="0"/>
+              <a:t> de </a:t>
+            </a:r>
+            <a:r>
+              <a:rPr lang="en-US" dirty="0" err="1"/>
+              <a:t>Actualidad</a:t>
+            </a:r>
+            <a:endParaRPr lang="en-US" dirty="0"/>
           </a:p>
         </p:txBody>
       </p:sp>
@@ -43751,9 +44627,39 @@
         </p:nvSpPr>
         <p:spPr>
           <a:xfrm>
-            <a:off x="838200" y="1825625"/>
-            <a:ext cx="10515600" cy="4351338"/>
+            <a:off x="1" y="1818968"/>
+            <a:ext cx="12192000" cy="5039032"/>
           </a:xfrm>
+          <a:gradFill flip="none" rotWithShape="1">
+            <a:gsLst>
+              <a:gs pos="0">
+                <a:schemeClr val="accent3">
+                  <a:lumMod val="5000"/>
+                  <a:lumOff val="95000"/>
+                </a:schemeClr>
+              </a:gs>
+              <a:gs pos="74000">
+                <a:schemeClr val="accent3">
+                  <a:lumMod val="45000"/>
+                  <a:lumOff val="55000"/>
+                </a:schemeClr>
+              </a:gs>
+              <a:gs pos="83000">
+                <a:schemeClr val="accent3">
+                  <a:lumMod val="45000"/>
+                  <a:lumOff val="55000"/>
+                </a:schemeClr>
+              </a:gs>
+              <a:gs pos="100000">
+                <a:schemeClr val="accent3">
+                  <a:lumMod val="30000"/>
+                  <a:lumOff val="70000"/>
+                </a:schemeClr>
+              </a:gs>
+            </a:gsLst>
+            <a:lin ang="5400000" scaled="1"/>
+            <a:tileRect/>
+          </a:gradFill>
         </p:spPr>
         <p:txBody>
           <a:bodyPr rtlCol="0">
@@ -43761,15 +44667,201 @@
           </a:bodyPr>
           <a:lstStyle/>
           <a:p>
-            <a:pPr rtl="0"/>
+            <a:pPr algn="just" rtl="0">
+              <a:lnSpc>
+                <a:spcPct val="150000"/>
+              </a:lnSpc>
+              <a:spcBef>
+                <a:spcPts val="0"/>
+              </a:spcBef>
+              <a:spcAft>
+                <a:spcPts val="0"/>
+              </a:spcAft>
+            </a:pPr>
+            <a:endParaRPr lang="es-419" sz="2000" b="0" i="0" u="none" strike="noStrike" dirty="0">
+              <a:solidFill>
+                <a:srgbClr val="000000"/>
+              </a:solidFill>
+              <a:effectLst/>
+            </a:endParaRPr>
+          </a:p>
+          <a:p>
+            <a:pPr algn="just" rtl="0">
+              <a:lnSpc>
+                <a:spcPct val="150000"/>
+              </a:lnSpc>
+              <a:spcBef>
+                <a:spcPts val="0"/>
+              </a:spcBef>
+              <a:spcAft>
+                <a:spcPts val="0"/>
+              </a:spcAft>
+            </a:pPr>
+            <a:endParaRPr lang="es-419" sz="2000" b="0" dirty="0">
+              <a:solidFill>
+                <a:srgbClr val="000000"/>
+              </a:solidFill>
+            </a:endParaRPr>
+          </a:p>
+          <a:p>
+            <a:pPr algn="just" rtl="0">
+              <a:lnSpc>
+                <a:spcPct val="150000"/>
+              </a:lnSpc>
+              <a:spcBef>
+                <a:spcPts val="0"/>
+              </a:spcBef>
+              <a:spcAft>
+                <a:spcPts val="0"/>
+              </a:spcAft>
+            </a:pPr>
             <a:r>
-              <a:rPr lang="es-ES" dirty="0"/>
-              <a:t>Título o créditos </a:t>
+              <a:rPr lang="es-419" sz="2000" b="0" i="0" u="none" strike="noStrike" dirty="0">
+                <a:solidFill>
+                  <a:srgbClr val="000000"/>
+                </a:solidFill>
+                <a:effectLst/>
+              </a:rPr>
+              <a:t>Se busca crear una canción con </a:t>
             </a:r>
             <a:r>
-              <a:rPr lang="es-ES" noProof="1"/>
-              <a:t>Lorem ipsum dolor sit amet, consectetur</a:t>
+              <a:rPr lang="es-419" sz="2000" i="0" u="none" strike="noStrike" dirty="0">
+                <a:solidFill>
+                  <a:srgbClr val="000000"/>
+                </a:solidFill>
+                <a:effectLst/>
+              </a:rPr>
+              <a:t>altas posibilidades </a:t>
             </a:r>
+            <a:r>
+              <a:rPr lang="es-419" sz="2000" b="0" i="0" u="none" strike="noStrike" dirty="0">
+                <a:solidFill>
+                  <a:srgbClr val="000000"/>
+                </a:solidFill>
+                <a:effectLst/>
+              </a:rPr>
+              <a:t>de generar un </a:t>
+            </a:r>
+            <a:r>
+              <a:rPr lang="es-419" sz="2000" i="0" u="none" strike="noStrike" dirty="0">
+                <a:solidFill>
+                  <a:srgbClr val="000000"/>
+                </a:solidFill>
+                <a:effectLst/>
+              </a:rPr>
+              <a:t>éxito comercial</a:t>
+            </a:r>
+            <a:r>
+              <a:rPr lang="es-419" sz="2000" b="0" i="0" u="none" strike="noStrike" dirty="0">
+                <a:solidFill>
+                  <a:srgbClr val="000000"/>
+                </a:solidFill>
+                <a:effectLst/>
+              </a:rPr>
+              <a:t>, se tiene que tener en cuenta principalmente las </a:t>
+            </a:r>
+            <a:r>
+              <a:rPr lang="es-419" sz="2000" i="0" u="none" strike="noStrike" dirty="0">
+                <a:solidFill>
+                  <a:srgbClr val="000000"/>
+                </a:solidFill>
+                <a:effectLst/>
+              </a:rPr>
+              <a:t>tendencias recientes de la industria musical</a:t>
+            </a:r>
+            <a:r>
+              <a:rPr lang="es-419" sz="2000" b="0" i="0" u="none" strike="noStrike" dirty="0">
+                <a:solidFill>
+                  <a:srgbClr val="000000"/>
+                </a:solidFill>
+                <a:effectLst/>
+              </a:rPr>
+              <a:t>. </a:t>
+            </a:r>
+          </a:p>
+          <a:p>
+            <a:pPr algn="just" rtl="0">
+              <a:lnSpc>
+                <a:spcPct val="150000"/>
+              </a:lnSpc>
+              <a:spcBef>
+                <a:spcPts val="0"/>
+              </a:spcBef>
+              <a:spcAft>
+                <a:spcPts val="0"/>
+              </a:spcAft>
+            </a:pPr>
+            <a:endParaRPr lang="es-419" sz="3200" b="0" dirty="0"/>
+          </a:p>
+          <a:p>
+            <a:pPr algn="just" rtl="0">
+              <a:lnSpc>
+                <a:spcPct val="150000"/>
+              </a:lnSpc>
+              <a:spcBef>
+                <a:spcPts val="0"/>
+              </a:spcBef>
+              <a:spcAft>
+                <a:spcPts val="0"/>
+              </a:spcAft>
+            </a:pPr>
+            <a:r>
+              <a:rPr lang="es-419" sz="2000" b="0" i="0" u="none" strike="noStrike" dirty="0">
+                <a:solidFill>
+                  <a:srgbClr val="000000"/>
+                </a:solidFill>
+                <a:effectLst/>
+              </a:rPr>
+              <a:t>Tomamos en cuenta como muestra las </a:t>
+            </a:r>
+            <a:r>
+              <a:rPr lang="es-419" sz="2000" i="0" u="none" strike="noStrike" dirty="0">
+                <a:solidFill>
+                  <a:srgbClr val="000000"/>
+                </a:solidFill>
+                <a:effectLst/>
+              </a:rPr>
+              <a:t>canciones de mayor popularidad de la actualidad </a:t>
+            </a:r>
+            <a:r>
+              <a:rPr lang="es-419" sz="2000" b="0" i="0" u="none" strike="noStrike" dirty="0">
+                <a:solidFill>
+                  <a:srgbClr val="000000"/>
+                </a:solidFill>
+                <a:effectLst/>
+              </a:rPr>
+              <a:t>hasta algunos años atrás, para así </a:t>
+            </a:r>
+            <a:r>
+              <a:rPr lang="es-419" sz="2000" i="0" u="none" strike="noStrike" dirty="0">
+                <a:solidFill>
+                  <a:srgbClr val="000000"/>
+                </a:solidFill>
+                <a:effectLst/>
+              </a:rPr>
+              <a:t>obtener estadísticas y analizar las características de estas canciones</a:t>
+            </a:r>
+            <a:r>
+              <a:rPr lang="es-419" sz="2000" b="0" i="0" u="none" strike="noStrike" dirty="0">
+                <a:solidFill>
+                  <a:srgbClr val="000000"/>
+                </a:solidFill>
+                <a:effectLst/>
+              </a:rPr>
+              <a:t>. </a:t>
+            </a:r>
+            <a:endParaRPr lang="es-419" sz="3200" b="0" dirty="0">
+              <a:effectLst/>
+            </a:endParaRPr>
+          </a:p>
+          <a:p>
+            <a:pPr marL="0" indent="0">
+              <a:buNone/>
+            </a:pPr>
+            <a:br>
+              <a:rPr lang="es-419" sz="3200" dirty="0"/>
+            </a:br>
+            <a:endParaRPr lang="es-ES" sz="3200" noProof="1"/>
           </a:p>
         </p:txBody>
       </p:sp>
@@ -43860,46 +44952,49 @@
           <a:bodyPr/>
           <a:lstStyle/>
           <a:p>
-            <a:endParaRPr lang="en-US"/>
-          </a:p>
-        </p:txBody>
-      </p:sp>
-      <p:sp>
-        <p:nvSpPr>
-          <p:cNvPr id="5" name="Marcador de texto 4">
-            <a:extLst>
-              <a:ext uri="{FF2B5EF4-FFF2-40B4-BE49-F238E27FC236}">
-                <a16:creationId xmlns:a16="http://schemas.microsoft.com/office/drawing/2014/main" id="{F225FDFC-4F74-40FF-B7A7-FBE4858FAB80}"/>
-              </a:ext>
-            </a:extLst>
-          </p:cNvPr>
-          <p:cNvSpPr>
-            <a:spLocks noGrp="1"/>
-          </p:cNvSpPr>
-          <p:nvPr>
-            <p:ph idx="1"/>
-          </p:nvPr>
-        </p:nvSpPr>
-        <p:spPr>
-          <a:xfrm>
-            <a:off x="838200" y="1825625"/>
-            <a:ext cx="10515600" cy="4351338"/>
-          </a:xfrm>
-        </p:spPr>
-        <p:txBody>
-          <a:bodyPr rtlCol="0">
-            <a:normAutofit/>
-          </a:bodyPr>
-          <a:lstStyle/>
-          <a:p>
-            <a:pPr rtl="0"/>
             <a:r>
-              <a:rPr lang="es-ES" dirty="0"/>
-              <a:t>Título o créditos </a:t>
+              <a:rPr lang="en-US" dirty="0"/>
+              <a:t>Canciones </a:t>
             </a:r>
             <a:r>
-              <a:rPr lang="es-ES" noProof="1"/>
-              <a:t>Lorem ipsum dolor sit amet, consectetur</a:t>
+              <a:rPr lang="en-US" dirty="0" err="1"/>
+              <a:t>más</a:t>
+            </a:r>
+            <a:r>
+              <a:rPr lang="en-US" dirty="0"/>
+              <a:t> </a:t>
+            </a:r>
+            <a:r>
+              <a:rPr lang="en-US" dirty="0" err="1"/>
+              <a:t>populares</a:t>
+            </a:r>
+            <a:r>
+              <a:rPr lang="en-US" dirty="0"/>
+              <a:t> de </a:t>
+            </a:r>
+            <a:r>
+              <a:rPr lang="en-US" dirty="0" err="1"/>
+              <a:t>los</a:t>
+            </a:r>
+            <a:r>
+              <a:rPr lang="en-US" dirty="0"/>
+              <a:t> </a:t>
+            </a:r>
+            <a:r>
+              <a:rPr lang="en-US" dirty="0" err="1"/>
+              <a:t>últimos</a:t>
+            </a:r>
+            <a:r>
+              <a:rPr lang="en-US" dirty="0"/>
+              <a:t> 20 </a:t>
+            </a:r>
+            <a:r>
+              <a:rPr lang="en-US" dirty="0" err="1"/>
+              <a:t>años</a:t>
+            </a:r>
+            <a:r>
+              <a:rPr lang="en-US" dirty="0"/>
+              <a:t>.</a:t>
             </a:r>
           </a:p>
         </p:txBody>
@@ -43935,6 +45030,168 @@
           </a:p>
         </p:txBody>
       </p:sp>
+      <p:sp>
+        <p:nvSpPr>
+          <p:cNvPr id="12" name="Marcador de texto 4">
+            <a:extLst>
+              <a:ext uri="{FF2B5EF4-FFF2-40B4-BE49-F238E27FC236}">
+                <a16:creationId xmlns:a16="http://schemas.microsoft.com/office/drawing/2014/main" id="{DA94CE5F-7CBA-0DB1-9DA2-D11396BA431A}"/>
+              </a:ext>
+            </a:extLst>
+          </p:cNvPr>
+          <p:cNvSpPr>
+            <a:spLocks noGrp="1"/>
+          </p:cNvSpPr>
+          <p:nvPr>
+            <p:ph idx="1"/>
+          </p:nvPr>
+        </p:nvSpPr>
+        <p:spPr>
+          <a:xfrm>
+            <a:off x="1" y="1818968"/>
+            <a:ext cx="12192000" cy="5039032"/>
+          </a:xfrm>
+          <a:gradFill flip="none" rotWithShape="1">
+            <a:gsLst>
+              <a:gs pos="0">
+                <a:schemeClr val="accent3">
+                  <a:lumMod val="5000"/>
+                  <a:lumOff val="95000"/>
+                </a:schemeClr>
+              </a:gs>
+              <a:gs pos="74000">
+                <a:schemeClr val="accent3">
+                  <a:lumMod val="45000"/>
+                  <a:lumOff val="55000"/>
+                </a:schemeClr>
+              </a:gs>
+              <a:gs pos="83000">
+                <a:schemeClr val="accent3">
+                  <a:lumMod val="45000"/>
+                  <a:lumOff val="55000"/>
+                </a:schemeClr>
+              </a:gs>
+              <a:gs pos="100000">
+                <a:schemeClr val="accent3">
+                  <a:lumMod val="30000"/>
+                  <a:lumOff val="70000"/>
+                </a:schemeClr>
+              </a:gs>
+            </a:gsLst>
+            <a:lin ang="5400000" scaled="1"/>
+            <a:tileRect/>
+          </a:gradFill>
+        </p:spPr>
+        <p:txBody>
+          <a:bodyPr rtlCol="0">
+            <a:normAutofit/>
+          </a:bodyPr>
+          <a:lstStyle/>
+          <a:p>
+            <a:pPr algn="just" rtl="0">
+              <a:lnSpc>
+                <a:spcPct val="150000"/>
+              </a:lnSpc>
+              <a:spcBef>
+                <a:spcPts val="0"/>
+              </a:spcBef>
+              <a:spcAft>
+                <a:spcPts val="0"/>
+              </a:spcAft>
+            </a:pPr>
+            <a:endParaRPr lang="es-419" sz="2000" b="0" i="0" u="none" strike="noStrike" dirty="0">
+              <a:solidFill>
+                <a:srgbClr val="000000"/>
+              </a:solidFill>
+              <a:effectLst/>
+            </a:endParaRPr>
+          </a:p>
+          <a:p>
+            <a:pPr algn="just" rtl="0">
+              <a:lnSpc>
+                <a:spcPct val="150000"/>
+              </a:lnSpc>
+              <a:spcBef>
+                <a:spcPts val="0"/>
+              </a:spcBef>
+              <a:spcAft>
+                <a:spcPts val="0"/>
+              </a:spcAft>
+            </a:pPr>
+            <a:endParaRPr lang="es-419" sz="2000" b="0" dirty="0">
+              <a:solidFill>
+                <a:srgbClr val="000000"/>
+              </a:solidFill>
+            </a:endParaRPr>
+          </a:p>
+          <a:p>
+            <a:pPr marL="0" indent="0">
+              <a:buNone/>
+            </a:pPr>
+            <a:br>
+              <a:rPr lang="es-419" sz="3200" dirty="0"/>
+            </a:br>
+            <a:endParaRPr lang="es-ES" sz="3200" noProof="1"/>
+          </a:p>
+        </p:txBody>
+      </p:sp>
+      <p:pic>
+        <p:nvPicPr>
+          <p:cNvPr id="7" name="Imagen 6">
+            <a:extLst>
+              <a:ext uri="{FF2B5EF4-FFF2-40B4-BE49-F238E27FC236}">
+                <a16:creationId xmlns:a16="http://schemas.microsoft.com/office/drawing/2014/main" id="{64D2EEA6-0612-DC5A-D5F5-4831F5EE5943}"/>
+              </a:ext>
+            </a:extLst>
+          </p:cNvPr>
+          <p:cNvPicPr>
+            <a:picLocks noChangeAspect="1"/>
+          </p:cNvPicPr>
+          <p:nvPr/>
+        </p:nvPicPr>
+        <p:blipFill rotWithShape="1">
+          <a:blip r:embed="rId3"/>
+          <a:srcRect l="10185" t="17269"/>
+          <a:stretch/>
+        </p:blipFill>
+        <p:spPr>
+          <a:xfrm>
+            <a:off x="1111347" y="2629928"/>
+            <a:ext cx="2788624" cy="3032449"/>
+          </a:xfrm>
+          <a:prstGeom prst="rect">
+            <a:avLst/>
+          </a:prstGeom>
+        </p:spPr>
+      </p:pic>
+      <p:graphicFrame>
+        <p:nvGraphicFramePr>
+          <p:cNvPr id="8" name="Diagrama 7">
+            <a:extLst>
+              <a:ext uri="{FF2B5EF4-FFF2-40B4-BE49-F238E27FC236}">
+                <a16:creationId xmlns:a16="http://schemas.microsoft.com/office/drawing/2014/main" id="{AA865428-03C0-6019-3262-3E6C68E8DE31}"/>
+              </a:ext>
+            </a:extLst>
+          </p:cNvPr>
+          <p:cNvGraphicFramePr/>
+          <p:nvPr>
+            <p:extLst>
+              <p:ext uri="{D42A27DB-BD31-4B8C-83A1-F6EECF244321}">
+                <p14:modId xmlns:p14="http://schemas.microsoft.com/office/powerpoint/2010/main" val="3371806623"/>
+              </p:ext>
+            </p:extLst>
+          </p:nvPr>
+        </p:nvGraphicFramePr>
+        <p:xfrm>
+          <a:off x="4711960" y="2145471"/>
+          <a:ext cx="6242180" cy="4386026"/>
+        </p:xfrm>
+        <a:graphic>
+          <a:graphicData uri="http://schemas.openxmlformats.org/drawingml/2006/diagram">
+            <dgm:relIds xmlns:dgm="http://schemas.openxmlformats.org/drawingml/2006/diagram" xmlns:r="http://schemas.openxmlformats.org/officeDocument/2006/relationships" r:dm="rId4" r:lo="rId5" r:qs="rId6" r:cs="rId7"/>
+          </a:graphicData>
+        </a:graphic>
+      </p:graphicFrame>
     </p:spTree>
     <p:extLst>
       <p:ext uri="{BB962C8B-B14F-4D97-AF65-F5344CB8AC3E}">
@@ -43967,10 +45224,155 @@
       </p:grpSpPr>
       <p:sp>
         <p:nvSpPr>
+          <p:cNvPr id="10" name="Title 1">
+            <a:extLst>
+              <a:ext uri="{FF2B5EF4-FFF2-40B4-BE49-F238E27FC236}">
+                <a16:creationId xmlns:a16="http://schemas.microsoft.com/office/drawing/2014/main" id="{B2334022-B00D-90AC-1FDA-4584C7E3A7D1}"/>
+              </a:ext>
+            </a:extLst>
+          </p:cNvPr>
+          <p:cNvSpPr>
+            <a:spLocks noGrp="1"/>
+          </p:cNvSpPr>
+          <p:nvPr>
+            <p:ph type="title"/>
+          </p:nvPr>
+        </p:nvSpPr>
+        <p:spPr>
+          <a:xfrm>
+            <a:off x="838200" y="365125"/>
+            <a:ext cx="10515600" cy="1325563"/>
+          </a:xfrm>
+        </p:spPr>
+        <p:txBody>
+          <a:bodyPr/>
+          <a:lstStyle/>
+          <a:p>
+            <a:r>
+              <a:rPr lang="en-US" dirty="0" err="1"/>
+              <a:t>Distribución</a:t>
+            </a:r>
+            <a:r>
+              <a:rPr lang="en-US" dirty="0"/>
+              <a:t> del score de </a:t>
+            </a:r>
+            <a:r>
+              <a:rPr lang="en-US" dirty="0" err="1"/>
+              <a:t>Popularidad</a:t>
+            </a:r>
+            <a:r>
+              <a:rPr lang="en-US" dirty="0"/>
+              <a:t> </a:t>
+            </a:r>
+            <a:r>
+              <a:rPr lang="en-US" dirty="0" err="1"/>
+              <a:t>por</a:t>
+            </a:r>
+            <a:r>
+              <a:rPr lang="en-US" dirty="0"/>
+              <a:t> </a:t>
+            </a:r>
+            <a:r>
+              <a:rPr lang="en-US" dirty="0" err="1"/>
+              <a:t>año</a:t>
+            </a:r>
+            <a:endParaRPr lang="en-US" dirty="0"/>
+          </a:p>
+        </p:txBody>
+      </p:sp>
+      <p:sp>
+        <p:nvSpPr>
+          <p:cNvPr id="5" name="Marcador de texto 4">
+            <a:extLst>
+              <a:ext uri="{FF2B5EF4-FFF2-40B4-BE49-F238E27FC236}">
+                <a16:creationId xmlns:a16="http://schemas.microsoft.com/office/drawing/2014/main" id="{F225FDFC-4F74-40FF-B7A7-FBE4858FAB80}"/>
+              </a:ext>
+            </a:extLst>
+          </p:cNvPr>
+          <p:cNvSpPr>
+            <a:spLocks noGrp="1"/>
+          </p:cNvSpPr>
+          <p:nvPr>
+            <p:ph idx="1"/>
+          </p:nvPr>
+        </p:nvSpPr>
+        <p:spPr>
+          <a:xfrm>
+            <a:off x="1" y="1818968"/>
+            <a:ext cx="12192000" cy="5039032"/>
+          </a:xfrm>
+          <a:gradFill flip="none" rotWithShape="1">
+            <a:gsLst>
+              <a:gs pos="0">
+                <a:schemeClr val="accent3">
+                  <a:lumMod val="5000"/>
+                  <a:lumOff val="95000"/>
+                </a:schemeClr>
+              </a:gs>
+              <a:gs pos="74000">
+                <a:schemeClr val="accent3">
+                  <a:lumMod val="45000"/>
+                  <a:lumOff val="55000"/>
+                </a:schemeClr>
+              </a:gs>
+              <a:gs pos="83000">
+                <a:schemeClr val="accent3">
+                  <a:lumMod val="45000"/>
+                  <a:lumOff val="55000"/>
+                </a:schemeClr>
+              </a:gs>
+              <a:gs pos="100000">
+                <a:schemeClr val="accent3">
+                  <a:lumMod val="30000"/>
+                  <a:lumOff val="70000"/>
+                </a:schemeClr>
+              </a:gs>
+            </a:gsLst>
+            <a:lin ang="5400000" scaled="1"/>
+            <a:tileRect/>
+          </a:gradFill>
+        </p:spPr>
+        <p:txBody>
+          <a:bodyPr rtlCol="0">
+            <a:normAutofit/>
+          </a:bodyPr>
+          <a:lstStyle/>
+          <a:p>
+            <a:pPr algn="just" rtl="0">
+              <a:lnSpc>
+                <a:spcPct val="150000"/>
+              </a:lnSpc>
+              <a:spcBef>
+                <a:spcPts val="0"/>
+              </a:spcBef>
+              <a:spcAft>
+                <a:spcPts val="0"/>
+              </a:spcAft>
+            </a:pPr>
+            <a:endParaRPr lang="es-419" sz="2000" b="0" i="0" u="none" strike="noStrike" dirty="0">
+              <a:solidFill>
+                <a:srgbClr val="000000"/>
+              </a:solidFill>
+              <a:effectLst/>
+            </a:endParaRPr>
+          </a:p>
+          <a:p>
+            <a:pPr marL="0" indent="0">
+              <a:buNone/>
+            </a:pPr>
+            <a:br>
+              <a:rPr lang="es-419" sz="3200" dirty="0"/>
+            </a:br>
+            <a:endParaRPr lang="es-ES" sz="3200" noProof="1"/>
+          </a:p>
+        </p:txBody>
+      </p:sp>
+      <p:sp>
+        <p:nvSpPr>
           <p:cNvPr id="2" name="Título 1" hidden="1">
             <a:extLst>
               <a:ext uri="{FF2B5EF4-FFF2-40B4-BE49-F238E27FC236}">
-                <a16:creationId xmlns:a16="http://schemas.microsoft.com/office/drawing/2014/main" id="{B99E8A33-0DCE-46F5-8C0D-D47FF38C4BDA}"/>
+                <a16:creationId xmlns:a16="http://schemas.microsoft.com/office/drawing/2014/main" id="{2CF1E78D-D4A5-4812-8A26-ED00C3D3823D}"/>
               </a:ext>
             </a:extLst>
           </p:cNvPr>
@@ -43984,87 +45386,380 @@
         <p:spPr/>
         <p:txBody>
           <a:bodyPr rtlCol="0">
-            <a:normAutofit fontScale="90000"/>
+            <a:normAutofit/>
           </a:bodyPr>
           <a:lstStyle/>
           <a:p>
             <a:pPr rtl="0"/>
             <a:r>
-              <a:rPr lang="es-ES"/>
-              <a:t>Marcador de posición título 02</a:t>
+              <a:rPr lang="es-ES" sz="4300"/>
+              <a:t>Marcador de posición de título 01</a:t>
             </a:r>
-            <a:endParaRPr lang="es-ES" dirty="0"/>
           </a:p>
         </p:txBody>
       </p:sp>
-      <p:pic>
-        <p:nvPicPr>
-          <p:cNvPr id="5" name="Marcador de posición de imagen 4" descr="Chica joven tocando el piano">
+      <p:grpSp>
+        <p:nvGrpSpPr>
+          <p:cNvPr id="16" name="Grupo 15">
             <a:extLst>
               <a:ext uri="{FF2B5EF4-FFF2-40B4-BE49-F238E27FC236}">
-                <a16:creationId xmlns:a16="http://schemas.microsoft.com/office/drawing/2014/main" id="{20675DCF-FE16-435F-B2EB-8C1EDD4C2C30}"/>
+                <a16:creationId xmlns:a16="http://schemas.microsoft.com/office/drawing/2014/main" id="{EA4D8423-27A8-FA42-1C91-D4E6FD1192C8}"/>
               </a:ext>
             </a:extLst>
           </p:cNvPr>
-          <p:cNvPicPr>
-            <a:picLocks noGrp="1" noChangeAspect="1"/>
-          </p:cNvPicPr>
-          <p:nvPr>
-            <p:ph type="pic" sz="quarter" idx="10"/>
-          </p:nvPr>
-        </p:nvPicPr>
-        <p:blipFill>
-          <a:blip r:embed="rId3" cstate="screen">
-            <a:extLst>
-              <a:ext uri="{28A0092B-C50C-407E-A947-70E740481C1C}">
-                <a14:useLocalDpi xmlns:a14="http://schemas.microsoft.com/office/drawing/2010/main"/>
-              </a:ext>
-            </a:extLst>
-          </a:blip>
-          <a:srcRect t="159" b="159"/>
-          <a:stretch>
-            <a:fillRect/>
-          </a:stretch>
-        </p:blipFill>
-        <p:spPr/>
-      </p:pic>
+          <p:cNvGrpSpPr/>
+          <p:nvPr/>
+        </p:nvGrpSpPr>
+        <p:grpSpPr>
+          <a:xfrm>
+            <a:off x="356605" y="2144462"/>
+            <a:ext cx="8215189" cy="4388044"/>
+            <a:chOff x="609212" y="2122801"/>
+            <a:chExt cx="8215189" cy="4388044"/>
+          </a:xfrm>
+        </p:grpSpPr>
+        <p:pic>
+          <p:nvPicPr>
+            <p:cNvPr id="15" name="Imagen 14">
+              <a:extLst>
+                <a:ext uri="{FF2B5EF4-FFF2-40B4-BE49-F238E27FC236}">
+                  <a16:creationId xmlns:a16="http://schemas.microsoft.com/office/drawing/2014/main" id="{F62E6E98-4056-0A97-EDAB-6CBD42DD91F8}"/>
+                </a:ext>
+              </a:extLst>
+            </p:cNvPr>
+            <p:cNvPicPr>
+              <a:picLocks noChangeAspect="1"/>
+            </p:cNvPicPr>
+            <p:nvPr/>
+          </p:nvPicPr>
+          <p:blipFill>
+            <a:blip r:embed="rId3"/>
+            <a:stretch>
+              <a:fillRect/>
+            </a:stretch>
+          </p:blipFill>
+          <p:spPr>
+            <a:xfrm>
+              <a:off x="609212" y="2122801"/>
+              <a:ext cx="8215189" cy="4254831"/>
+            </a:xfrm>
+            <a:prstGeom prst="rect">
+              <a:avLst/>
+            </a:prstGeom>
+          </p:spPr>
+        </p:pic>
+        <p:sp>
+          <p:nvSpPr>
+            <p:cNvPr id="6" name="Rectángulo 5">
+              <a:extLst>
+                <a:ext uri="{FF2B5EF4-FFF2-40B4-BE49-F238E27FC236}">
+                  <a16:creationId xmlns:a16="http://schemas.microsoft.com/office/drawing/2014/main" id="{1BFFEEE1-3258-DB3E-5770-765A0EBF4953}"/>
+                </a:ext>
+              </a:extLst>
+            </p:cNvPr>
+            <p:cNvSpPr/>
+            <p:nvPr/>
+          </p:nvSpPr>
+          <p:spPr>
+            <a:xfrm>
+              <a:off x="7249961" y="2125261"/>
+              <a:ext cx="787220" cy="4385584"/>
+            </a:xfrm>
+            <a:prstGeom prst="rect">
+              <a:avLst/>
+            </a:prstGeom>
+            <a:solidFill>
+              <a:srgbClr val="D6DCE5">
+                <a:alpha val="29020"/>
+              </a:srgbClr>
+            </a:solidFill>
+            <a:ln>
+              <a:noFill/>
+            </a:ln>
+          </p:spPr>
+          <p:style>
+            <a:lnRef idx="2">
+              <a:schemeClr val="accent1">
+                <a:shade val="50000"/>
+              </a:schemeClr>
+            </a:lnRef>
+            <a:fillRef idx="1">
+              <a:schemeClr val="accent1"/>
+            </a:fillRef>
+            <a:effectRef idx="0">
+              <a:schemeClr val="accent1"/>
+            </a:effectRef>
+            <a:fontRef idx="minor">
+              <a:schemeClr val="lt1"/>
+            </a:fontRef>
+          </p:style>
+          <p:txBody>
+            <a:bodyPr rtlCol="0" anchor="ctr"/>
+            <a:lstStyle/>
+            <a:p>
+              <a:pPr algn="ctr"/>
+              <a:endParaRPr lang="es-UY" dirty="0"/>
+            </a:p>
+          </p:txBody>
+        </p:sp>
+        <p:sp>
+          <p:nvSpPr>
+            <p:cNvPr id="7" name="CuadroTexto 6">
+              <a:extLst>
+                <a:ext uri="{FF2B5EF4-FFF2-40B4-BE49-F238E27FC236}">
+                  <a16:creationId xmlns:a16="http://schemas.microsoft.com/office/drawing/2014/main" id="{16746B87-F4EC-B9DE-C0B6-0C28832D2EDB}"/>
+                </a:ext>
+              </a:extLst>
+            </p:cNvPr>
+            <p:cNvSpPr txBox="1"/>
+            <p:nvPr/>
+          </p:nvSpPr>
+          <p:spPr>
+            <a:xfrm>
+              <a:off x="4575206" y="2125261"/>
+              <a:ext cx="3560379" cy="593189"/>
+            </a:xfrm>
+            <a:prstGeom prst="rect">
+              <a:avLst/>
+            </a:prstGeom>
+            <a:noFill/>
+          </p:spPr>
+          <p:txBody>
+            <a:bodyPr wrap="square" rtlCol="0">
+              <a:spAutoFit/>
+            </a:bodyPr>
+            <a:lstStyle/>
+            <a:p>
+              <a:r>
+                <a:rPr lang="es-419" dirty="0"/>
+                <a:t>Crecimiento sostenido de popularidad en canciones desde el 2016 al 2018</a:t>
+              </a:r>
+              <a:endParaRPr lang="es-UY" dirty="0"/>
+            </a:p>
+          </p:txBody>
+        </p:sp>
+        <p:sp>
+          <p:nvSpPr>
+            <p:cNvPr id="8" name="Rectángulo 7">
+              <a:extLst>
+                <a:ext uri="{FF2B5EF4-FFF2-40B4-BE49-F238E27FC236}">
+                  <a16:creationId xmlns:a16="http://schemas.microsoft.com/office/drawing/2014/main" id="{BA83F206-3842-13B7-15AF-90B0444EB04D}"/>
+                </a:ext>
+              </a:extLst>
+            </p:cNvPr>
+            <p:cNvSpPr/>
+            <p:nvPr/>
+          </p:nvSpPr>
+          <p:spPr>
+            <a:xfrm>
+              <a:off x="8037181" y="2125260"/>
+              <a:ext cx="787220" cy="4385584"/>
+            </a:xfrm>
+            <a:prstGeom prst="rect">
+              <a:avLst/>
+            </a:prstGeom>
+            <a:solidFill>
+              <a:srgbClr val="D6DCE5">
+                <a:alpha val="29020"/>
+              </a:srgbClr>
+            </a:solidFill>
+            <a:ln>
+              <a:noFill/>
+            </a:ln>
+          </p:spPr>
+          <p:style>
+            <a:lnRef idx="2">
+              <a:schemeClr val="accent1">
+                <a:shade val="50000"/>
+              </a:schemeClr>
+            </a:lnRef>
+            <a:fillRef idx="1">
+              <a:schemeClr val="accent1"/>
+            </a:fillRef>
+            <a:effectRef idx="0">
+              <a:schemeClr val="accent1"/>
+            </a:effectRef>
+            <a:fontRef idx="minor">
+              <a:schemeClr val="lt1"/>
+            </a:fontRef>
+          </p:style>
+          <p:txBody>
+            <a:bodyPr rtlCol="0" anchor="ctr"/>
+            <a:lstStyle/>
+            <a:p>
+              <a:pPr algn="ctr"/>
+              <a:endParaRPr lang="es-UY" dirty="0"/>
+            </a:p>
+          </p:txBody>
+        </p:sp>
+        <p:sp>
+          <p:nvSpPr>
+            <p:cNvPr id="9" name="CuadroTexto 8">
+              <a:extLst>
+                <a:ext uri="{FF2B5EF4-FFF2-40B4-BE49-F238E27FC236}">
+                  <a16:creationId xmlns:a16="http://schemas.microsoft.com/office/drawing/2014/main" id="{935EDBF2-3626-4E04-68D5-7A3BED891024}"/>
+                </a:ext>
+              </a:extLst>
+            </p:cNvPr>
+            <p:cNvSpPr txBox="1"/>
+            <p:nvPr/>
+          </p:nvSpPr>
+          <p:spPr>
+            <a:xfrm>
+              <a:off x="5264022" y="5224947"/>
+              <a:ext cx="3560379" cy="593189"/>
+            </a:xfrm>
+            <a:prstGeom prst="rect">
+              <a:avLst/>
+            </a:prstGeom>
+            <a:noFill/>
+          </p:spPr>
+          <p:txBody>
+            <a:bodyPr wrap="square" rtlCol="0">
+              <a:spAutoFit/>
+            </a:bodyPr>
+            <a:lstStyle/>
+            <a:p>
+              <a:pPr algn="r"/>
+              <a:r>
+                <a:rPr lang="es-419" dirty="0"/>
+                <a:t>Caída pronunciada en popularidad en los últimos dos años</a:t>
+              </a:r>
+              <a:endParaRPr lang="es-UY" dirty="0"/>
+            </a:p>
+          </p:txBody>
+        </p:sp>
+      </p:grpSp>
       <p:sp>
         <p:nvSpPr>
-          <p:cNvPr id="6" name="Marcador de texto 5">
+          <p:cNvPr id="13" name="CuadroTexto 12">
             <a:extLst>
               <a:ext uri="{FF2B5EF4-FFF2-40B4-BE49-F238E27FC236}">
-                <a16:creationId xmlns:a16="http://schemas.microsoft.com/office/drawing/2014/main" id="{6F235B63-B4F6-4469-ABAC-680DAA879D8C}"/>
+                <a16:creationId xmlns:a16="http://schemas.microsoft.com/office/drawing/2014/main" id="{5040A122-C817-EEE1-D94A-65A7EE6EAFF0}"/>
               </a:ext>
             </a:extLst>
           </p:cNvPr>
-          <p:cNvSpPr>
-            <a:spLocks noGrp="1"/>
-          </p:cNvSpPr>
-          <p:nvPr>
-            <p:ph type="body" sz="quarter" idx="11"/>
-          </p:nvPr>
+          <p:cNvSpPr txBox="1"/>
+          <p:nvPr/>
         </p:nvSpPr>
-        <p:spPr/>
+        <p:spPr>
+          <a:xfrm>
+            <a:off x="9264631" y="2035277"/>
+            <a:ext cx="2570764" cy="3139321"/>
+          </a:xfrm>
+          <a:prstGeom prst="rect">
+            <a:avLst/>
+          </a:prstGeom>
+          <a:noFill/>
+        </p:spPr>
         <p:txBody>
-          <a:bodyPr rtlCol="0"/>
+          <a:bodyPr wrap="square">
+            <a:spAutoFit/>
+          </a:bodyPr>
           <a:lstStyle/>
           <a:p>
-            <a:pPr rtl="0"/>
+            <a:pPr rtl="0">
+              <a:lnSpc>
+                <a:spcPct val="150000"/>
+              </a:lnSpc>
+              <a:spcBef>
+                <a:spcPts val="0"/>
+              </a:spcBef>
+              <a:spcAft>
+                <a:spcPts val="0"/>
+              </a:spcAft>
+            </a:pPr>
+            <a:endParaRPr lang="es-419" sz="1800" b="0" i="0" u="none" strike="noStrike" dirty="0">
+              <a:solidFill>
+                <a:srgbClr val="000000"/>
+              </a:solidFill>
+              <a:effectLst/>
+            </a:endParaRPr>
+          </a:p>
+          <a:p>
+            <a:pPr rtl="0">
+              <a:lnSpc>
+                <a:spcPct val="150000"/>
+              </a:lnSpc>
+              <a:spcBef>
+                <a:spcPts val="0"/>
+              </a:spcBef>
+              <a:spcAft>
+                <a:spcPts val="0"/>
+              </a:spcAft>
+            </a:pPr>
+            <a:endParaRPr lang="es-419" sz="1800" b="0" dirty="0">
+              <a:solidFill>
+                <a:srgbClr val="000000"/>
+              </a:solidFill>
+            </a:endParaRPr>
+          </a:p>
+          <a:p>
+            <a:pPr marL="285750" indent="-285750" rtl="0">
+              <a:spcBef>
+                <a:spcPts val="0"/>
+              </a:spcBef>
+              <a:spcAft>
+                <a:spcPts val="0"/>
+              </a:spcAft>
+              <a:buFont typeface="Arial" panose="020B0604020202020204" pitchFamily="34" charset="0"/>
+              <a:buChar char="•"/>
+            </a:pPr>
             <a:r>
-              <a:rPr lang="es-ES"/>
-              <a:t>Título o créditos </a:t>
+              <a:rPr lang="es-419" sz="1800" b="0" i="0" u="none" strike="noStrike" dirty="0">
+                <a:solidFill>
+                  <a:srgbClr val="000000"/>
+                </a:solidFill>
+                <a:effectLst/>
+              </a:rPr>
+              <a:t>Gran Oportunidad para desarrollar un nuevo hit</a:t>
             </a:r>
+          </a:p>
+          <a:p>
+            <a:pPr marL="285750" indent="-285750" rtl="0">
+              <a:spcBef>
+                <a:spcPts val="0"/>
+              </a:spcBef>
+              <a:spcAft>
+                <a:spcPts val="0"/>
+              </a:spcAft>
+              <a:buFont typeface="Arial" panose="020B0604020202020204" pitchFamily="34" charset="0"/>
+              <a:buChar char="•"/>
+            </a:pPr>
+            <a:endParaRPr lang="es-419" sz="1800" b="0" i="0" u="none" strike="noStrike" dirty="0">
+              <a:solidFill>
+                <a:srgbClr val="000000"/>
+              </a:solidFill>
+              <a:effectLst/>
+            </a:endParaRPr>
+          </a:p>
+          <a:p>
+            <a:pPr marL="285750" indent="-285750" rtl="0">
+              <a:spcBef>
+                <a:spcPts val="0"/>
+              </a:spcBef>
+              <a:spcAft>
+                <a:spcPts val="0"/>
+              </a:spcAft>
+              <a:buFont typeface="Arial" panose="020B0604020202020204" pitchFamily="34" charset="0"/>
+              <a:buChar char="•"/>
+            </a:pPr>
             <a:r>
-              <a:rPr lang="es-ES" noProof="1"/>
-              <a:t>Lorem ipsum dolor sit amet, consectetur</a:t>
+              <a:rPr lang="es-419" dirty="0">
+                <a:solidFill>
+                  <a:srgbClr val="000000"/>
+                </a:solidFill>
+              </a:rPr>
+              <a:t>Revertir tendencia, generar mayor dinamismo en el mercado</a:t>
             </a:r>
+            <a:endParaRPr lang="es-UY" dirty="0"/>
           </a:p>
         </p:txBody>
       </p:sp>
     </p:spTree>
     <p:extLst>
       <p:ext uri="{BB962C8B-B14F-4D97-AF65-F5344CB8AC3E}">
-        <p14:creationId xmlns:p14="http://schemas.microsoft.com/office/powerpoint/2010/main" val="331185147"/>
+        <p14:creationId xmlns:p14="http://schemas.microsoft.com/office/powerpoint/2010/main" val="3481072798"/>
       </p:ext>
     </p:extLst>
   </p:cSld>
@@ -44091,43 +45786,149 @@
           <a:chExt cx="0" cy="0"/>
         </a:xfrm>
       </p:grpSpPr>
-      <p:pic>
-        <p:nvPicPr>
-          <p:cNvPr id="10" name="Marcador de posición de imagen 9" descr="Bebé en la batería">
+      <p:sp>
+        <p:nvSpPr>
+          <p:cNvPr id="10" name="Title 1">
             <a:extLst>
               <a:ext uri="{FF2B5EF4-FFF2-40B4-BE49-F238E27FC236}">
-                <a16:creationId xmlns:a16="http://schemas.microsoft.com/office/drawing/2014/main" id="{FB7A4E58-CCE8-43AA-97AA-0B4F9D96F415}"/>
+                <a16:creationId xmlns:a16="http://schemas.microsoft.com/office/drawing/2014/main" id="{B2334022-B00D-90AC-1FDA-4584C7E3A7D1}"/>
               </a:ext>
             </a:extLst>
           </p:cNvPr>
-          <p:cNvPicPr>
-            <a:picLocks noGrp="1" noChangeAspect="1"/>
-          </p:cNvPicPr>
+          <p:cNvSpPr>
+            <a:spLocks noGrp="1"/>
+          </p:cNvSpPr>
           <p:nvPr>
-            <p:ph type="pic" sz="quarter" idx="10"/>
+            <p:ph type="title"/>
           </p:nvPr>
-        </p:nvPicPr>
-        <p:blipFill>
-          <a:blip r:embed="rId3" cstate="screen">
+        </p:nvSpPr>
+        <p:spPr>
+          <a:xfrm>
+            <a:off x="838200" y="365125"/>
+            <a:ext cx="10515600" cy="1325563"/>
+          </a:xfrm>
+        </p:spPr>
+        <p:txBody>
+          <a:bodyPr/>
+          <a:lstStyle/>
+          <a:p>
+            <a:r>
+              <a:rPr lang="en-US" dirty="0" err="1"/>
+              <a:t>Popularidad</a:t>
+            </a:r>
+            <a:r>
+              <a:rPr lang="en-US" dirty="0"/>
+              <a:t> </a:t>
+            </a:r>
+            <a:r>
+              <a:rPr lang="en-US" dirty="0" err="1"/>
+              <a:t>por</a:t>
+            </a:r>
+            <a:r>
+              <a:rPr lang="en-US" dirty="0"/>
+              <a:t> </a:t>
+            </a:r>
+            <a:r>
+              <a:rPr lang="en-US" dirty="0" err="1"/>
+              <a:t>Género</a:t>
+            </a:r>
+            <a:endParaRPr lang="en-US" dirty="0"/>
+          </a:p>
+        </p:txBody>
+      </p:sp>
+      <p:sp>
+        <p:nvSpPr>
+          <p:cNvPr id="5" name="Marcador de texto 4">
             <a:extLst>
-              <a:ext uri="{28A0092B-C50C-407E-A947-70E740481C1C}">
-                <a14:useLocalDpi xmlns:a14="http://schemas.microsoft.com/office/drawing/2010/main"/>
+              <a:ext uri="{FF2B5EF4-FFF2-40B4-BE49-F238E27FC236}">
+                <a16:creationId xmlns:a16="http://schemas.microsoft.com/office/drawing/2014/main" id="{F225FDFC-4F74-40FF-B7A7-FBE4858FAB80}"/>
               </a:ext>
             </a:extLst>
-          </a:blip>
-          <a:srcRect t="161" b="161"/>
-          <a:stretch>
-            <a:fillRect/>
-          </a:stretch>
-        </p:blipFill>
-        <p:spPr/>
-      </p:pic>
+          </p:cNvPr>
+          <p:cNvSpPr>
+            <a:spLocks noGrp="1"/>
+          </p:cNvSpPr>
+          <p:nvPr>
+            <p:ph idx="1"/>
+          </p:nvPr>
+        </p:nvSpPr>
+        <p:spPr>
+          <a:xfrm>
+            <a:off x="1" y="1818968"/>
+            <a:ext cx="12192000" cy="5039032"/>
+          </a:xfrm>
+          <a:gradFill flip="none" rotWithShape="1">
+            <a:gsLst>
+              <a:gs pos="0">
+                <a:schemeClr val="accent3">
+                  <a:lumMod val="5000"/>
+                  <a:lumOff val="95000"/>
+                </a:schemeClr>
+              </a:gs>
+              <a:gs pos="74000">
+                <a:schemeClr val="accent3">
+                  <a:lumMod val="45000"/>
+                  <a:lumOff val="55000"/>
+                </a:schemeClr>
+              </a:gs>
+              <a:gs pos="83000">
+                <a:schemeClr val="accent3">
+                  <a:lumMod val="45000"/>
+                  <a:lumOff val="55000"/>
+                </a:schemeClr>
+              </a:gs>
+              <a:gs pos="100000">
+                <a:schemeClr val="accent3">
+                  <a:lumMod val="30000"/>
+                  <a:lumOff val="70000"/>
+                </a:schemeClr>
+              </a:gs>
+            </a:gsLst>
+            <a:lin ang="5400000" scaled="1"/>
+            <a:tileRect/>
+          </a:gradFill>
+        </p:spPr>
+        <p:txBody>
+          <a:bodyPr rtlCol="0">
+            <a:normAutofit/>
+          </a:bodyPr>
+          <a:lstStyle/>
+          <a:p>
+            <a:pPr algn="just" rtl="0">
+              <a:lnSpc>
+                <a:spcPct val="150000"/>
+              </a:lnSpc>
+              <a:spcBef>
+                <a:spcPts val="0"/>
+              </a:spcBef>
+              <a:spcAft>
+                <a:spcPts val="0"/>
+              </a:spcAft>
+            </a:pPr>
+            <a:endParaRPr lang="es-419" sz="2000" b="0" i="0" u="none" strike="noStrike" dirty="0">
+              <a:solidFill>
+                <a:srgbClr val="000000"/>
+              </a:solidFill>
+              <a:effectLst/>
+            </a:endParaRPr>
+          </a:p>
+          <a:p>
+            <a:pPr marL="0" indent="0">
+              <a:buNone/>
+            </a:pPr>
+            <a:br>
+              <a:rPr lang="es-419" sz="3200" dirty="0"/>
+            </a:br>
+            <a:endParaRPr lang="es-ES" sz="3200" noProof="1"/>
+          </a:p>
+        </p:txBody>
+      </p:sp>
       <p:sp>
         <p:nvSpPr>
-          <p:cNvPr id="3" name="Título 2" hidden="1">
+          <p:cNvPr id="2" name="Título 1" hidden="1">
             <a:extLst>
               <a:ext uri="{FF2B5EF4-FFF2-40B4-BE49-F238E27FC236}">
-                <a16:creationId xmlns:a16="http://schemas.microsoft.com/office/drawing/2014/main" id="{1AB0EC1C-2AF1-4CF0-B6E2-EE24A7B9E718}"/>
+                <a16:creationId xmlns:a16="http://schemas.microsoft.com/office/drawing/2014/main" id="{2CF1E78D-D4A5-4812-8A26-ED00C3D3823D}"/>
               </a:ext>
             </a:extLst>
           </p:cNvPr>
@@ -44141,132 +45942,276 @@
         <p:spPr/>
         <p:txBody>
           <a:bodyPr rtlCol="0">
-            <a:normAutofit fontScale="90000"/>
-          </a:bodyPr>
-          <a:lstStyle/>
-          <a:p>
-            <a:pPr rtl="0"/>
-            <a:r>
-              <a:rPr lang="es-ES"/>
-              <a:t>Marcador de posición de título 03</a:t>
-            </a:r>
-            <a:endParaRPr lang="es-ES" dirty="0"/>
-          </a:p>
-        </p:txBody>
-      </p:sp>
-      <p:pic>
-        <p:nvPicPr>
-          <p:cNvPr id="12" name="Marcador de posición de imagen 11" descr="El chico con la trompeta en su regazo">
-            <a:extLst>
-              <a:ext uri="{FF2B5EF4-FFF2-40B4-BE49-F238E27FC236}">
-                <a16:creationId xmlns:a16="http://schemas.microsoft.com/office/drawing/2014/main" id="{2BA7525E-FBDD-4356-9717-D2501817C406}"/>
-              </a:ext>
-            </a:extLst>
-          </p:cNvPr>
-          <p:cNvPicPr>
-            <a:picLocks noGrp="1" noChangeAspect="1"/>
-          </p:cNvPicPr>
-          <p:nvPr>
-            <p:ph type="pic" sz="quarter" idx="11"/>
-          </p:nvPr>
-        </p:nvPicPr>
-        <p:blipFill rotWithShape="1">
-          <a:blip r:embed="rId4" cstate="screen">
-            <a:extLst>
-              <a:ext uri="{28A0092B-C50C-407E-A947-70E740481C1C}">
-                <a14:useLocalDpi xmlns:a14="http://schemas.microsoft.com/office/drawing/2010/main"/>
-              </a:ext>
-            </a:extLst>
-          </a:blip>
-          <a:srcRect t="111" b="111"/>
-          <a:stretch/>
-        </p:blipFill>
-        <p:spPr/>
-      </p:pic>
-      <p:sp>
-        <p:nvSpPr>
-          <p:cNvPr id="6" name="Marcador de texto 5">
-            <a:extLst>
-              <a:ext uri="{FF2B5EF4-FFF2-40B4-BE49-F238E27FC236}">
-                <a16:creationId xmlns:a16="http://schemas.microsoft.com/office/drawing/2014/main" id="{8913D4DC-F7B7-4AF3-9D63-2041B47D3300}"/>
-              </a:ext>
-            </a:extLst>
-          </p:cNvPr>
-          <p:cNvSpPr>
-            <a:spLocks noGrp="1"/>
-          </p:cNvSpPr>
-          <p:nvPr>
-            <p:ph type="body" sz="quarter" idx="12"/>
-          </p:nvPr>
-        </p:nvSpPr>
-        <p:spPr>
-          <a:xfrm>
-            <a:off x="3374127" y="5486400"/>
-            <a:ext cx="2029566" cy="821235"/>
-          </a:xfrm>
-        </p:spPr>
-        <p:txBody>
-          <a:bodyPr rtlCol="0">
             <a:normAutofit/>
           </a:bodyPr>
           <a:lstStyle/>
           <a:p>
             <a:pPr rtl="0"/>
             <a:r>
-              <a:rPr lang="es-ES"/>
-              <a:t>Título o créditos </a:t>
-            </a:r>
-            <a:r>
-              <a:rPr lang="es-ES" noProof="1"/>
-              <a:t>Lorem ipsum dolor sit amet, consectetur</a:t>
+              <a:rPr lang="es-ES" sz="4300"/>
+              <a:t>Marcador de posición de título 01</a:t>
             </a:r>
           </a:p>
         </p:txBody>
       </p:sp>
       <p:sp>
         <p:nvSpPr>
-          <p:cNvPr id="7" name="Marcador de texto 6">
+          <p:cNvPr id="13" name="CuadroTexto 12">
             <a:extLst>
               <a:ext uri="{FF2B5EF4-FFF2-40B4-BE49-F238E27FC236}">
-                <a16:creationId xmlns:a16="http://schemas.microsoft.com/office/drawing/2014/main" id="{93CFD67D-079A-4AEC-8590-8B971F42890C}"/>
+                <a16:creationId xmlns:a16="http://schemas.microsoft.com/office/drawing/2014/main" id="{5040A122-C817-EEE1-D94A-65A7EE6EAFF0}"/>
               </a:ext>
             </a:extLst>
           </p:cNvPr>
-          <p:cNvSpPr>
-            <a:spLocks noGrp="1"/>
-          </p:cNvSpPr>
-          <p:nvPr>
-            <p:ph type="body" sz="quarter" idx="13"/>
-          </p:nvPr>
+          <p:cNvSpPr txBox="1"/>
+          <p:nvPr/>
         </p:nvSpPr>
         <p:spPr>
           <a:xfrm>
-            <a:off x="5536839" y="4895273"/>
-            <a:ext cx="2029566" cy="743903"/>
+            <a:off x="5574890" y="2761252"/>
+            <a:ext cx="6113021" cy="646331"/>
           </a:xfrm>
+          <a:prstGeom prst="rect">
+            <a:avLst/>
+          </a:prstGeom>
+          <a:noFill/>
         </p:spPr>
         <p:txBody>
-          <a:bodyPr rtlCol="0">
-            <a:normAutofit lnSpcReduction="10000"/>
+          <a:bodyPr wrap="square">
+            <a:spAutoFit/>
           </a:bodyPr>
           <a:lstStyle/>
           <a:p>
-            <a:pPr rtl="0"/>
+            <a:pPr marL="285750" indent="-285750" rtl="0">
+              <a:spcBef>
+                <a:spcPts val="0"/>
+              </a:spcBef>
+              <a:spcAft>
+                <a:spcPts val="0"/>
+              </a:spcAft>
+              <a:buFont typeface="Arial" panose="020B0604020202020204" pitchFamily="34" charset="0"/>
+              <a:buChar char="•"/>
+            </a:pPr>
             <a:r>
-              <a:rPr lang="es-ES"/>
-              <a:t>Título o créditos </a:t>
+              <a:rPr lang="es-419" dirty="0">
+                <a:solidFill>
+                  <a:srgbClr val="000000"/>
+                </a:solidFill>
+              </a:rPr>
+              <a:t>En el total del período analizado</a:t>
             </a:r>
             <a:r>
-              <a:rPr lang="es-ES" noProof="1"/>
-              <a:t>Lorem ipsum dolor sit amet, consectetur</a:t>
+              <a:rPr lang="es-419" b="1" dirty="0">
+                <a:solidFill>
+                  <a:srgbClr val="000000"/>
+                </a:solidFill>
+              </a:rPr>
+              <a:t>, los géneros más populares </a:t>
+            </a:r>
+            <a:r>
+              <a:rPr lang="es-419" dirty="0">
+                <a:solidFill>
+                  <a:srgbClr val="000000"/>
+                </a:solidFill>
+              </a:rPr>
+              <a:t>fueron: “</a:t>
+            </a:r>
+            <a:r>
+              <a:rPr lang="es-419" dirty="0" err="1">
+                <a:solidFill>
+                  <a:srgbClr val="000000"/>
+                </a:solidFill>
+              </a:rPr>
+              <a:t>easy</a:t>
+            </a:r>
+            <a:r>
+              <a:rPr lang="es-419" dirty="0">
+                <a:solidFill>
+                  <a:srgbClr val="000000"/>
+                </a:solidFill>
+              </a:rPr>
+              <a:t> </a:t>
+            </a:r>
+            <a:r>
+              <a:rPr lang="es-419" dirty="0" err="1">
+                <a:solidFill>
+                  <a:srgbClr val="000000"/>
+                </a:solidFill>
+              </a:rPr>
+              <a:t>listening</a:t>
+            </a:r>
+            <a:r>
+              <a:rPr lang="es-419" dirty="0">
+                <a:solidFill>
+                  <a:srgbClr val="000000"/>
+                </a:solidFill>
+              </a:rPr>
+              <a:t>”, “metal” y “rock”.</a:t>
             </a:r>
           </a:p>
         </p:txBody>
       </p:sp>
+      <p:sp>
+        <p:nvSpPr>
+          <p:cNvPr id="16" name="CuadroTexto 15">
+            <a:extLst>
+              <a:ext uri="{FF2B5EF4-FFF2-40B4-BE49-F238E27FC236}">
+                <a16:creationId xmlns:a16="http://schemas.microsoft.com/office/drawing/2014/main" id="{83F303B4-B2B5-9388-3EBB-7CE7A7D7FA82}"/>
+              </a:ext>
+            </a:extLst>
+          </p:cNvPr>
+          <p:cNvSpPr txBox="1"/>
+          <p:nvPr/>
+        </p:nvSpPr>
+        <p:spPr>
+          <a:xfrm>
+            <a:off x="0" y="5393414"/>
+            <a:ext cx="6113021" cy="923330"/>
+          </a:xfrm>
+          <a:prstGeom prst="rect">
+            <a:avLst/>
+          </a:prstGeom>
+          <a:noFill/>
+        </p:spPr>
+        <p:txBody>
+          <a:bodyPr wrap="square">
+            <a:spAutoFit/>
+          </a:bodyPr>
+          <a:lstStyle/>
+          <a:p>
+            <a:pPr marL="285750" indent="-285750" rtl="0">
+              <a:spcBef>
+                <a:spcPts val="0"/>
+              </a:spcBef>
+              <a:spcAft>
+                <a:spcPts val="0"/>
+              </a:spcAft>
+              <a:buFont typeface="Arial" panose="020B0604020202020204" pitchFamily="34" charset="0"/>
+              <a:buChar char="•"/>
+            </a:pPr>
+            <a:r>
+              <a:rPr lang="es-419" dirty="0">
+                <a:solidFill>
+                  <a:srgbClr val="000000"/>
+                </a:solidFill>
+              </a:rPr>
+              <a:t>Analizando el período de mayor popularidad (2016-2018) podemos encontrar como géneros populares: “</a:t>
+            </a:r>
+            <a:r>
+              <a:rPr lang="es-419" dirty="0" err="1">
+                <a:solidFill>
+                  <a:srgbClr val="000000"/>
+                </a:solidFill>
+              </a:rPr>
+              <a:t>easy</a:t>
+            </a:r>
+            <a:r>
+              <a:rPr lang="es-419" dirty="0">
+                <a:solidFill>
+                  <a:srgbClr val="000000"/>
+                </a:solidFill>
+              </a:rPr>
+              <a:t> </a:t>
+            </a:r>
+            <a:r>
+              <a:rPr lang="es-419" dirty="0" err="1">
+                <a:solidFill>
+                  <a:srgbClr val="000000"/>
+                </a:solidFill>
+              </a:rPr>
+              <a:t>listening</a:t>
+            </a:r>
+            <a:r>
+              <a:rPr lang="es-419" dirty="0">
+                <a:solidFill>
+                  <a:srgbClr val="000000"/>
+                </a:solidFill>
+              </a:rPr>
+              <a:t>“, “R&amp;B” y “</a:t>
+            </a:r>
+            <a:r>
+              <a:rPr lang="es-419" dirty="0" err="1">
+                <a:solidFill>
+                  <a:srgbClr val="000000"/>
+                </a:solidFill>
+              </a:rPr>
+              <a:t>latin</a:t>
+            </a:r>
+            <a:r>
+              <a:rPr lang="es-419" dirty="0">
+                <a:solidFill>
+                  <a:srgbClr val="000000"/>
+                </a:solidFill>
+              </a:rPr>
+              <a:t>”.</a:t>
+            </a:r>
+          </a:p>
+        </p:txBody>
+      </p:sp>
+      <p:pic>
+        <p:nvPicPr>
+          <p:cNvPr id="22" name="Imagen 21">
+            <a:extLst>
+              <a:ext uri="{FF2B5EF4-FFF2-40B4-BE49-F238E27FC236}">
+                <a16:creationId xmlns:a16="http://schemas.microsoft.com/office/drawing/2014/main" id="{3357021B-A4D4-FE59-1E37-89D4431B9B5C}"/>
+              </a:ext>
+            </a:extLst>
+          </p:cNvPr>
+          <p:cNvPicPr>
+            <a:picLocks noChangeAspect="1"/>
+          </p:cNvPicPr>
+          <p:nvPr/>
+        </p:nvPicPr>
+        <p:blipFill>
+          <a:blip r:embed="rId3"/>
+          <a:stretch>
+            <a:fillRect/>
+          </a:stretch>
+        </p:blipFill>
+        <p:spPr>
+          <a:xfrm>
+            <a:off x="6377035" y="4109885"/>
+            <a:ext cx="5432321" cy="2748115"/>
+          </a:xfrm>
+          <a:prstGeom prst="rect">
+            <a:avLst/>
+          </a:prstGeom>
+        </p:spPr>
+      </p:pic>
+      <p:pic>
+        <p:nvPicPr>
+          <p:cNvPr id="24" name="Imagen 23">
+            <a:extLst>
+              <a:ext uri="{FF2B5EF4-FFF2-40B4-BE49-F238E27FC236}">
+                <a16:creationId xmlns:a16="http://schemas.microsoft.com/office/drawing/2014/main" id="{D1E9CA28-AC5F-FB63-42E8-751DA712D087}"/>
+              </a:ext>
+            </a:extLst>
+          </p:cNvPr>
+          <p:cNvPicPr>
+            <a:picLocks noChangeAspect="1"/>
+          </p:cNvPicPr>
+          <p:nvPr/>
+        </p:nvPicPr>
+        <p:blipFill>
+          <a:blip r:embed="rId4"/>
+          <a:stretch>
+            <a:fillRect/>
+          </a:stretch>
+        </p:blipFill>
+        <p:spPr>
+          <a:xfrm>
+            <a:off x="0" y="1913267"/>
+            <a:ext cx="5574890" cy="2824176"/>
+          </a:xfrm>
+          <a:prstGeom prst="rect">
+            <a:avLst/>
+          </a:prstGeom>
+        </p:spPr>
+      </p:pic>
     </p:spTree>
     <p:extLst>
       <p:ext uri="{BB962C8B-B14F-4D97-AF65-F5344CB8AC3E}">
-        <p14:creationId xmlns:p14="http://schemas.microsoft.com/office/powerpoint/2010/main" val="3249636751"/>
+        <p14:creationId xmlns:p14="http://schemas.microsoft.com/office/powerpoint/2010/main" val="881106109"/>
       </p:ext>
     </p:extLst>
   </p:cSld>
@@ -44295,10 +46240,139 @@
       </p:grpSpPr>
       <p:sp>
         <p:nvSpPr>
+          <p:cNvPr id="10" name="Title 1">
+            <a:extLst>
+              <a:ext uri="{FF2B5EF4-FFF2-40B4-BE49-F238E27FC236}">
+                <a16:creationId xmlns:a16="http://schemas.microsoft.com/office/drawing/2014/main" id="{B2334022-B00D-90AC-1FDA-4584C7E3A7D1}"/>
+              </a:ext>
+            </a:extLst>
+          </p:cNvPr>
+          <p:cNvSpPr>
+            <a:spLocks noGrp="1"/>
+          </p:cNvSpPr>
+          <p:nvPr>
+            <p:ph type="title"/>
+          </p:nvPr>
+        </p:nvSpPr>
+        <p:spPr>
+          <a:xfrm>
+            <a:off x="838200" y="365125"/>
+            <a:ext cx="10515600" cy="1325563"/>
+          </a:xfrm>
+        </p:spPr>
+        <p:txBody>
+          <a:bodyPr/>
+          <a:lstStyle/>
+          <a:p>
+            <a:r>
+              <a:rPr lang="en-US" dirty="0" err="1"/>
+              <a:t>Atributos</a:t>
+            </a:r>
+            <a:r>
+              <a:rPr lang="en-US" dirty="0"/>
+              <a:t>: Tempo y </a:t>
+            </a:r>
+            <a:r>
+              <a:rPr lang="en-US" dirty="0" err="1"/>
+              <a:t>Contenido</a:t>
+            </a:r>
+            <a:endParaRPr lang="en-US" dirty="0"/>
+          </a:p>
+        </p:txBody>
+      </p:sp>
+      <p:sp>
+        <p:nvSpPr>
+          <p:cNvPr id="5" name="Marcador de texto 4">
+            <a:extLst>
+              <a:ext uri="{FF2B5EF4-FFF2-40B4-BE49-F238E27FC236}">
+                <a16:creationId xmlns:a16="http://schemas.microsoft.com/office/drawing/2014/main" id="{F225FDFC-4F74-40FF-B7A7-FBE4858FAB80}"/>
+              </a:ext>
+            </a:extLst>
+          </p:cNvPr>
+          <p:cNvSpPr>
+            <a:spLocks noGrp="1"/>
+          </p:cNvSpPr>
+          <p:nvPr>
+            <p:ph idx="1"/>
+          </p:nvPr>
+        </p:nvSpPr>
+        <p:spPr>
+          <a:xfrm>
+            <a:off x="1" y="1818968"/>
+            <a:ext cx="12192000" cy="5039032"/>
+          </a:xfrm>
+          <a:gradFill flip="none" rotWithShape="1">
+            <a:gsLst>
+              <a:gs pos="0">
+                <a:schemeClr val="accent3">
+                  <a:lumMod val="5000"/>
+                  <a:lumOff val="95000"/>
+                </a:schemeClr>
+              </a:gs>
+              <a:gs pos="74000">
+                <a:schemeClr val="accent3">
+                  <a:lumMod val="45000"/>
+                  <a:lumOff val="55000"/>
+                </a:schemeClr>
+              </a:gs>
+              <a:gs pos="83000">
+                <a:schemeClr val="accent3">
+                  <a:lumMod val="45000"/>
+                  <a:lumOff val="55000"/>
+                </a:schemeClr>
+              </a:gs>
+              <a:gs pos="100000">
+                <a:schemeClr val="accent3">
+                  <a:lumMod val="30000"/>
+                  <a:lumOff val="70000"/>
+                </a:schemeClr>
+              </a:gs>
+            </a:gsLst>
+            <a:lin ang="5400000" scaled="1"/>
+            <a:tileRect/>
+          </a:gradFill>
+        </p:spPr>
+        <p:txBody>
+          <a:bodyPr rtlCol="0">
+            <a:normAutofit/>
+          </a:bodyPr>
+          <a:lstStyle/>
+          <a:p>
+            <a:pPr algn="just" rtl="0">
+              <a:lnSpc>
+                <a:spcPct val="150000"/>
+              </a:lnSpc>
+              <a:spcBef>
+                <a:spcPts val="0"/>
+              </a:spcBef>
+              <a:spcAft>
+                <a:spcPts val="0"/>
+              </a:spcAft>
+            </a:pPr>
+            <a:endParaRPr lang="es-419" sz="2000" b="0" i="0" u="none" strike="noStrike" dirty="0">
+              <a:solidFill>
+                <a:srgbClr val="000000"/>
+              </a:solidFill>
+              <a:effectLst/>
+            </a:endParaRPr>
+          </a:p>
+          <a:p>
+            <a:pPr marL="0" indent="0">
+              <a:buNone/>
+            </a:pPr>
+            <a:br>
+              <a:rPr lang="es-419" sz="3200" dirty="0"/>
+            </a:br>
+            <a:endParaRPr lang="es-ES" sz="3200" noProof="1"/>
+          </a:p>
+        </p:txBody>
+      </p:sp>
+      <p:sp>
+        <p:nvSpPr>
           <p:cNvPr id="2" name="Título 1" hidden="1">
             <a:extLst>
               <a:ext uri="{FF2B5EF4-FFF2-40B4-BE49-F238E27FC236}">
-                <a16:creationId xmlns:a16="http://schemas.microsoft.com/office/drawing/2014/main" id="{07100467-DE21-44B9-A23D-DBD4F1CCC2A6}"/>
+                <a16:creationId xmlns:a16="http://schemas.microsoft.com/office/drawing/2014/main" id="{2CF1E78D-D4A5-4812-8A26-ED00C3D3823D}"/>
               </a:ext>
             </a:extLst>
           </p:cNvPr>
@@ -44312,165 +46386,272 @@
         <p:spPr/>
         <p:txBody>
           <a:bodyPr rtlCol="0">
-            <a:normAutofit fontScale="90000"/>
+            <a:normAutofit/>
           </a:bodyPr>
           <a:lstStyle/>
           <a:p>
             <a:pPr rtl="0"/>
             <a:r>
-              <a:rPr lang="es-ES"/>
-              <a:t>Marcador de posición de título 04</a:t>
-            </a:r>
-            <a:endParaRPr lang="es-ES" dirty="0"/>
-          </a:p>
-        </p:txBody>
-      </p:sp>
-      <p:pic>
-        <p:nvPicPr>
-          <p:cNvPr id="19" name="Marcador de posición de imagen 18" descr="La Multitud de gente animando a una banda">
-            <a:extLst>
-              <a:ext uri="{FF2B5EF4-FFF2-40B4-BE49-F238E27FC236}">
-                <a16:creationId xmlns:a16="http://schemas.microsoft.com/office/drawing/2014/main" id="{08E2BBCE-55D0-4E28-90D4-A99E96D784CA}"/>
-              </a:ext>
-            </a:extLst>
-          </p:cNvPr>
-          <p:cNvPicPr>
-            <a:picLocks noGrp="1" noChangeAspect="1"/>
-          </p:cNvPicPr>
-          <p:nvPr>
-            <p:ph type="pic" sz="quarter" idx="12"/>
-          </p:nvPr>
-        </p:nvPicPr>
-        <p:blipFill>
-          <a:blip r:embed="rId3" cstate="screen">
-            <a:extLst>
-              <a:ext uri="{28A0092B-C50C-407E-A947-70E740481C1C}">
-                <a14:useLocalDpi xmlns:a14="http://schemas.microsoft.com/office/drawing/2010/main"/>
-              </a:ext>
-            </a:extLst>
-          </a:blip>
-          <a:srcRect l="2" r="2"/>
-          <a:stretch>
-            <a:fillRect/>
-          </a:stretch>
-        </p:blipFill>
-        <p:spPr/>
-      </p:pic>
-      <p:pic>
-        <p:nvPicPr>
-          <p:cNvPr id="17" name="Marcador de posición de imagen 16" descr="Saxofón ">
-            <a:extLst>
-              <a:ext uri="{FF2B5EF4-FFF2-40B4-BE49-F238E27FC236}">
-                <a16:creationId xmlns:a16="http://schemas.microsoft.com/office/drawing/2014/main" id="{186EB44F-C5CA-4DAC-AB3A-6C81CE67BAC8}"/>
-              </a:ext>
-            </a:extLst>
-          </p:cNvPr>
-          <p:cNvPicPr>
-            <a:picLocks noGrp="1" noChangeAspect="1"/>
-          </p:cNvPicPr>
-          <p:nvPr>
-            <p:ph type="pic" sz="quarter" idx="11"/>
-          </p:nvPr>
-        </p:nvPicPr>
-        <p:blipFill>
-          <a:blip r:embed="rId4" cstate="screen">
-            <a:extLst>
-              <a:ext uri="{28A0092B-C50C-407E-A947-70E740481C1C}">
-                <a14:useLocalDpi xmlns:a14="http://schemas.microsoft.com/office/drawing/2010/main"/>
-              </a:ext>
-            </a:extLst>
-          </a:blip>
-          <a:srcRect t="68" b="68"/>
-          <a:stretch>
-            <a:fillRect/>
-          </a:stretch>
-        </p:blipFill>
-        <p:spPr/>
-      </p:pic>
-      <p:sp>
-        <p:nvSpPr>
-          <p:cNvPr id="6" name="Marcador de texto 5">
-            <a:extLst>
-              <a:ext uri="{FF2B5EF4-FFF2-40B4-BE49-F238E27FC236}">
-                <a16:creationId xmlns:a16="http://schemas.microsoft.com/office/drawing/2014/main" id="{2941132A-1BA1-4D20-A777-C26C4E1F29F2}"/>
-              </a:ext>
-            </a:extLst>
-          </p:cNvPr>
-          <p:cNvSpPr>
-            <a:spLocks noGrp="1"/>
-          </p:cNvSpPr>
-          <p:nvPr>
-            <p:ph type="body" sz="quarter" idx="13"/>
-          </p:nvPr>
-        </p:nvSpPr>
-        <p:spPr>
-          <a:xfrm>
-            <a:off x="1479733" y="4977353"/>
-            <a:ext cx="2029566" cy="695281"/>
-          </a:xfrm>
-        </p:spPr>
-        <p:txBody>
-          <a:bodyPr rtlCol="0">
-            <a:noAutofit/>
-          </a:bodyPr>
-          <a:lstStyle/>
-          <a:p>
-            <a:pPr rtl="0"/>
-            <a:r>
-              <a:rPr lang="es-ES"/>
-              <a:t>Título o créditos </a:t>
-            </a:r>
-            <a:r>
-              <a:rPr lang="es-ES" noProof="1"/>
-              <a:t>Lorem ipsum dolor sit amet, consectetur</a:t>
+              <a:rPr lang="es-ES" sz="4300"/>
+              <a:t>Marcador de posición de título 01</a:t>
             </a:r>
           </a:p>
         </p:txBody>
       </p:sp>
       <p:sp>
         <p:nvSpPr>
-          <p:cNvPr id="7" name="Marcador de texto 6">
+          <p:cNvPr id="13" name="CuadroTexto 12">
             <a:extLst>
               <a:ext uri="{FF2B5EF4-FFF2-40B4-BE49-F238E27FC236}">
-                <a16:creationId xmlns:a16="http://schemas.microsoft.com/office/drawing/2014/main" id="{4A30D95B-FD41-48A1-BBFB-B43E034B1E40}"/>
+                <a16:creationId xmlns:a16="http://schemas.microsoft.com/office/drawing/2014/main" id="{5040A122-C817-EEE1-D94A-65A7EE6EAFF0}"/>
               </a:ext>
             </a:extLst>
           </p:cNvPr>
-          <p:cNvSpPr>
-            <a:spLocks noGrp="1"/>
-          </p:cNvSpPr>
-          <p:nvPr>
-            <p:ph type="body" sz="quarter" idx="14"/>
-          </p:nvPr>
+          <p:cNvSpPr txBox="1"/>
+          <p:nvPr/>
         </p:nvSpPr>
         <p:spPr>
           <a:xfrm>
-            <a:off x="8435483" y="301658"/>
-            <a:ext cx="2029566" cy="839818"/>
+            <a:off x="6409330" y="6334780"/>
+            <a:ext cx="6103188" cy="523220"/>
           </a:xfrm>
+          <a:prstGeom prst="rect">
+            <a:avLst/>
+          </a:prstGeom>
+          <a:noFill/>
         </p:spPr>
         <p:txBody>
-          <a:bodyPr rtlCol="0">
-            <a:normAutofit/>
+          <a:bodyPr wrap="square">
+            <a:spAutoFit/>
           </a:bodyPr>
           <a:lstStyle/>
           <a:p>
-            <a:pPr rtl="0"/>
+            <a:pPr rtl="0">
+              <a:spcBef>
+                <a:spcPts val="0"/>
+              </a:spcBef>
+              <a:spcAft>
+                <a:spcPts val="0"/>
+              </a:spcAft>
+            </a:pPr>
             <a:r>
-              <a:rPr lang="es-ES"/>
-              <a:t>Título o créditos </a:t>
+              <a:rPr lang="es-419" sz="1400" b="0" i="0" u="none" strike="noStrike" dirty="0">
+                <a:solidFill>
+                  <a:srgbClr val="000000"/>
+                </a:solidFill>
+                <a:effectLst/>
+              </a:rPr>
+              <a:t>Los cuadros presentados toman de referencia para cada atributo, el grado de popularidad que contiene (promedio del score de popularidad en dicho grupo).</a:t>
+            </a:r>
+          </a:p>
+        </p:txBody>
+      </p:sp>
+      <p:pic>
+        <p:nvPicPr>
+          <p:cNvPr id="19" name="Imagen 18">
+            <a:extLst>
+              <a:ext uri="{FF2B5EF4-FFF2-40B4-BE49-F238E27FC236}">
+                <a16:creationId xmlns:a16="http://schemas.microsoft.com/office/drawing/2014/main" id="{09D4061E-5455-0870-E62A-19CD9B23BF15}"/>
+              </a:ext>
+            </a:extLst>
+          </p:cNvPr>
+          <p:cNvPicPr>
+            <a:picLocks noChangeAspect="1"/>
+          </p:cNvPicPr>
+          <p:nvPr/>
+        </p:nvPicPr>
+        <p:blipFill rotWithShape="1">
+          <a:blip r:embed="rId3"/>
+          <a:srcRect b="31293"/>
+          <a:stretch/>
+        </p:blipFill>
+        <p:spPr>
+          <a:xfrm>
+            <a:off x="78658" y="1818968"/>
+            <a:ext cx="5035607" cy="4955458"/>
+          </a:xfrm>
+          <a:prstGeom prst="rect">
+            <a:avLst/>
+          </a:prstGeom>
+        </p:spPr>
+      </p:pic>
+      <p:sp>
+        <p:nvSpPr>
+          <p:cNvPr id="20" name="CuadroTexto 19">
+            <a:extLst>
+              <a:ext uri="{FF2B5EF4-FFF2-40B4-BE49-F238E27FC236}">
+                <a16:creationId xmlns:a16="http://schemas.microsoft.com/office/drawing/2014/main" id="{81B1437B-6888-E0B3-FD2A-E4E41CBF1E1C}"/>
+              </a:ext>
+            </a:extLst>
+          </p:cNvPr>
+          <p:cNvSpPr txBox="1"/>
+          <p:nvPr/>
+        </p:nvSpPr>
+        <p:spPr>
+          <a:xfrm>
+            <a:off x="5472232" y="3150579"/>
+            <a:ext cx="6103188" cy="1969770"/>
+          </a:xfrm>
+          <a:prstGeom prst="rect">
+            <a:avLst/>
+          </a:prstGeom>
+          <a:noFill/>
+        </p:spPr>
+        <p:txBody>
+          <a:bodyPr wrap="square">
+            <a:spAutoFit/>
+          </a:bodyPr>
+          <a:lstStyle/>
+          <a:p>
+            <a:pPr marL="285750" indent="-285750" rtl="0">
+              <a:spcBef>
+                <a:spcPts val="0"/>
+              </a:spcBef>
+              <a:spcAft>
+                <a:spcPts val="0"/>
+              </a:spcAft>
+              <a:buFont typeface="Arial" panose="020B0604020202020204" pitchFamily="34" charset="0"/>
+              <a:buChar char="•"/>
+            </a:pPr>
+            <a:r>
+              <a:rPr lang="es-419" sz="1800" b="0" i="0" u="none" strike="noStrike" dirty="0">
+                <a:solidFill>
+                  <a:srgbClr val="000000"/>
+                </a:solidFill>
+                <a:effectLst/>
+              </a:rPr>
+              <a:t>Podemos destacar que </a:t>
             </a:r>
             <a:r>
-              <a:rPr lang="es-ES" noProof="1"/>
-              <a:t>Lorem ipsum dolor sit amet, consectetur</a:t>
+              <a:rPr lang="es-419" sz="1800" b="1" i="0" u="none" strike="noStrike" dirty="0">
+                <a:solidFill>
+                  <a:srgbClr val="000000"/>
+                </a:solidFill>
+                <a:effectLst/>
+              </a:rPr>
+              <a:t>PRESTO</a:t>
             </a:r>
+            <a:r>
+              <a:rPr lang="es-419" sz="1800" b="0" i="0" u="none" strike="noStrike" dirty="0">
+                <a:solidFill>
+                  <a:srgbClr val="000000"/>
+                </a:solidFill>
+                <a:effectLst/>
+              </a:rPr>
+              <a:t> es el Tempo con mayor promedio de popularidad.</a:t>
+            </a:r>
+          </a:p>
+          <a:p>
+            <a:pPr rtl="0">
+              <a:spcBef>
+                <a:spcPts val="0"/>
+              </a:spcBef>
+              <a:spcAft>
+                <a:spcPts val="0"/>
+              </a:spcAft>
+            </a:pPr>
+            <a:endParaRPr lang="es-419" sz="1400" dirty="0">
+              <a:solidFill>
+                <a:srgbClr val="000000"/>
+              </a:solidFill>
+            </a:endParaRPr>
+          </a:p>
+          <a:p>
+            <a:pPr defTabSz="354013" rtl="0">
+              <a:spcBef>
+                <a:spcPts val="0"/>
+              </a:spcBef>
+              <a:spcAft>
+                <a:spcPts val="0"/>
+              </a:spcAft>
+              <a:tabLst>
+                <a:tab pos="265113" algn="l"/>
+              </a:tabLst>
+            </a:pPr>
+            <a:r>
+              <a:rPr lang="es-419" sz="1400" dirty="0">
+                <a:solidFill>
+                  <a:srgbClr val="000000"/>
+                </a:solidFill>
+              </a:rPr>
+              <a:t>	PRESTO es un ritmo rápido que comprende un intervalo de 168 a 200bpm</a:t>
+            </a:r>
+            <a:r>
+              <a:rPr lang="es-419" dirty="0">
+                <a:solidFill>
+                  <a:srgbClr val="000000"/>
+                </a:solidFill>
+              </a:rPr>
+              <a:t>.</a:t>
+            </a:r>
+            <a:endParaRPr lang="es-419" sz="1800" b="0" i="0" u="none" strike="noStrike" dirty="0">
+              <a:solidFill>
+                <a:srgbClr val="000000"/>
+              </a:solidFill>
+              <a:effectLst/>
+            </a:endParaRPr>
+          </a:p>
+          <a:p>
+            <a:pPr marL="285750" indent="-285750" rtl="0">
+              <a:spcBef>
+                <a:spcPts val="0"/>
+              </a:spcBef>
+              <a:spcAft>
+                <a:spcPts val="0"/>
+              </a:spcAft>
+              <a:buFont typeface="Arial" panose="020B0604020202020204" pitchFamily="34" charset="0"/>
+              <a:buChar char="•"/>
+            </a:pPr>
+            <a:endParaRPr lang="es-419" sz="1800" b="0" i="0" u="none" strike="noStrike" dirty="0">
+              <a:solidFill>
+                <a:srgbClr val="000000"/>
+              </a:solidFill>
+              <a:effectLst/>
+            </a:endParaRPr>
+          </a:p>
+          <a:p>
+            <a:pPr marL="285750" indent="-285750" rtl="0">
+              <a:spcBef>
+                <a:spcPts val="0"/>
+              </a:spcBef>
+              <a:spcAft>
+                <a:spcPts val="0"/>
+              </a:spcAft>
+              <a:buFont typeface="Arial" panose="020B0604020202020204" pitchFamily="34" charset="0"/>
+              <a:buChar char="•"/>
+            </a:pPr>
+            <a:r>
+              <a:rPr lang="es-419" dirty="0">
+                <a:solidFill>
+                  <a:srgbClr val="000000"/>
+                </a:solidFill>
+              </a:rPr>
+              <a:t>Por otro lado el </a:t>
+            </a:r>
+            <a:r>
+              <a:rPr lang="es-419" b="1" dirty="0">
+                <a:solidFill>
+                  <a:srgbClr val="000000"/>
+                </a:solidFill>
+              </a:rPr>
+              <a:t>Contenido Explícito</a:t>
+            </a:r>
+            <a:r>
+              <a:rPr lang="es-419" dirty="0">
+                <a:solidFill>
+                  <a:srgbClr val="000000"/>
+                </a:solidFill>
+              </a:rPr>
+              <a:t> se lleva el mayor promedio de popularidad, con poca diferencia.</a:t>
+            </a:r>
+            <a:endParaRPr lang="es-UY" dirty="0"/>
           </a:p>
         </p:txBody>
       </p:sp>
     </p:spTree>
     <p:extLst>
       <p:ext uri="{BB962C8B-B14F-4D97-AF65-F5344CB8AC3E}">
-        <p14:creationId xmlns:p14="http://schemas.microsoft.com/office/powerpoint/2010/main" val="3156350547"/>
+        <p14:creationId xmlns:p14="http://schemas.microsoft.com/office/powerpoint/2010/main" val="3793530143"/>
       </p:ext>
     </p:extLst>
   </p:cSld>
@@ -44497,105 +46678,149 @@
           <a:chExt cx="0" cy="0"/>
         </a:xfrm>
       </p:grpSpPr>
-      <p:pic>
-        <p:nvPicPr>
-          <p:cNvPr id="9" name="Marcador de posición de imagen 8" descr="Profesor con violin">
+      <p:sp>
+        <p:nvSpPr>
+          <p:cNvPr id="10" name="Title 1">
             <a:extLst>
               <a:ext uri="{FF2B5EF4-FFF2-40B4-BE49-F238E27FC236}">
-                <a16:creationId xmlns:a16="http://schemas.microsoft.com/office/drawing/2014/main" id="{34C067DC-DCDB-4398-B91F-CDF982C59457}"/>
+                <a16:creationId xmlns:a16="http://schemas.microsoft.com/office/drawing/2014/main" id="{B2334022-B00D-90AC-1FDA-4584C7E3A7D1}"/>
               </a:ext>
             </a:extLst>
           </p:cNvPr>
-          <p:cNvPicPr>
-            <a:picLocks noGrp="1" noChangeAspect="1"/>
-          </p:cNvPicPr>
+          <p:cNvSpPr>
+            <a:spLocks noGrp="1"/>
+          </p:cNvSpPr>
           <p:nvPr>
-            <p:ph type="pic" sz="quarter" idx="11"/>
+            <p:ph type="title"/>
           </p:nvPr>
-        </p:nvPicPr>
-        <p:blipFill>
-          <a:blip r:embed="rId3" cstate="screen">
-            <a:extLst>
-              <a:ext uri="{28A0092B-C50C-407E-A947-70E740481C1C}">
-                <a14:useLocalDpi xmlns:a14="http://schemas.microsoft.com/office/drawing/2010/main"/>
-              </a:ext>
-            </a:extLst>
-          </a:blip>
-          <a:srcRect t="7" b="7"/>
-          <a:stretch>
-            <a:fillRect/>
-          </a:stretch>
-        </p:blipFill>
-        <p:spPr/>
-      </p:pic>
-      <p:pic>
-        <p:nvPicPr>
-          <p:cNvPr id="15" name="Marcador de posición de imagen 14" descr="Sheetmusic">
+        </p:nvSpPr>
+        <p:spPr>
+          <a:xfrm>
+            <a:off x="838200" y="365125"/>
+            <a:ext cx="10515600" cy="1325563"/>
+          </a:xfrm>
+        </p:spPr>
+        <p:txBody>
+          <a:bodyPr/>
+          <a:lstStyle/>
+          <a:p>
+            <a:r>
+              <a:rPr lang="en-US" dirty="0" err="1"/>
+              <a:t>Atributos</a:t>
+            </a:r>
+            <a:r>
+              <a:rPr lang="en-US" dirty="0"/>
+              <a:t>: </a:t>
+            </a:r>
+            <a:r>
+              <a:rPr lang="en-US" dirty="0" err="1"/>
+              <a:t>Tono</a:t>
+            </a:r>
+            <a:r>
+              <a:rPr lang="en-US" dirty="0"/>
+              <a:t> y </a:t>
+            </a:r>
+            <a:r>
+              <a:rPr lang="en-US" dirty="0" err="1"/>
+              <a:t>Duración</a:t>
+            </a:r>
+            <a:endParaRPr lang="en-US" dirty="0"/>
+          </a:p>
+        </p:txBody>
+      </p:sp>
+      <p:sp>
+        <p:nvSpPr>
+          <p:cNvPr id="5" name="Marcador de texto 4">
             <a:extLst>
               <a:ext uri="{FF2B5EF4-FFF2-40B4-BE49-F238E27FC236}">
-                <a16:creationId xmlns:a16="http://schemas.microsoft.com/office/drawing/2014/main" id="{83CC4D9F-ED46-46CE-924C-FC1206366267}"/>
+                <a16:creationId xmlns:a16="http://schemas.microsoft.com/office/drawing/2014/main" id="{F225FDFC-4F74-40FF-B7A7-FBE4858FAB80}"/>
               </a:ext>
             </a:extLst>
           </p:cNvPr>
-          <p:cNvPicPr>
-            <a:picLocks noGrp="1" noChangeAspect="1"/>
-          </p:cNvPicPr>
+          <p:cNvSpPr>
+            <a:spLocks noGrp="1"/>
+          </p:cNvSpPr>
           <p:nvPr>
-            <p:ph type="pic" sz="quarter" idx="10"/>
+            <p:ph idx="1"/>
           </p:nvPr>
-        </p:nvPicPr>
-        <p:blipFill>
-          <a:blip r:embed="rId4" cstate="screen">
-            <a:extLst>
-              <a:ext uri="{28A0092B-C50C-407E-A947-70E740481C1C}">
-                <a14:useLocalDpi xmlns:a14="http://schemas.microsoft.com/office/drawing/2010/main"/>
-              </a:ext>
-            </a:extLst>
-          </a:blip>
-          <a:srcRect l="64" r="64"/>
-          <a:stretch>
-            <a:fillRect/>
-          </a:stretch>
-        </p:blipFill>
-        <p:spPr/>
-      </p:pic>
-      <p:pic>
-        <p:nvPicPr>
-          <p:cNvPr id="11" name="Marcador de posición de imagen 10" descr="Drumset">
+        </p:nvSpPr>
+        <p:spPr>
+          <a:xfrm>
+            <a:off x="1" y="1818968"/>
+            <a:ext cx="12192000" cy="5039032"/>
+          </a:xfrm>
+          <a:gradFill flip="none" rotWithShape="1">
+            <a:gsLst>
+              <a:gs pos="0">
+                <a:schemeClr val="accent3">
+                  <a:lumMod val="5000"/>
+                  <a:lumOff val="95000"/>
+                </a:schemeClr>
+              </a:gs>
+              <a:gs pos="74000">
+                <a:schemeClr val="accent3">
+                  <a:lumMod val="45000"/>
+                  <a:lumOff val="55000"/>
+                </a:schemeClr>
+              </a:gs>
+              <a:gs pos="83000">
+                <a:schemeClr val="accent3">
+                  <a:lumMod val="45000"/>
+                  <a:lumOff val="55000"/>
+                </a:schemeClr>
+              </a:gs>
+              <a:gs pos="100000">
+                <a:schemeClr val="accent3">
+                  <a:lumMod val="30000"/>
+                  <a:lumOff val="70000"/>
+                </a:schemeClr>
+              </a:gs>
+            </a:gsLst>
+            <a:lin ang="5400000" scaled="1"/>
+            <a:tileRect/>
+          </a:gradFill>
+        </p:spPr>
+        <p:txBody>
+          <a:bodyPr rtlCol="0">
+            <a:normAutofit/>
+          </a:bodyPr>
+          <a:lstStyle/>
+          <a:p>
+            <a:pPr algn="just" rtl="0">
+              <a:lnSpc>
+                <a:spcPct val="150000"/>
+              </a:lnSpc>
+              <a:spcBef>
+                <a:spcPts val="0"/>
+              </a:spcBef>
+              <a:spcAft>
+                <a:spcPts val="0"/>
+              </a:spcAft>
+            </a:pPr>
+            <a:endParaRPr lang="es-419" sz="2000" b="0" i="0" u="none" strike="noStrike" dirty="0">
+              <a:solidFill>
+                <a:srgbClr val="000000"/>
+              </a:solidFill>
+              <a:effectLst/>
+            </a:endParaRPr>
+          </a:p>
+          <a:p>
+            <a:pPr marL="0" indent="0">
+              <a:buNone/>
+            </a:pPr>
+            <a:br>
+              <a:rPr lang="es-419" sz="3200" dirty="0"/>
+            </a:br>
+            <a:endParaRPr lang="es-ES" sz="3200" noProof="1"/>
+          </a:p>
+        </p:txBody>
+      </p:sp>
+      <p:sp>
+        <p:nvSpPr>
+          <p:cNvPr id="2" name="Título 1" hidden="1">
             <a:extLst>
               <a:ext uri="{FF2B5EF4-FFF2-40B4-BE49-F238E27FC236}">
-                <a16:creationId xmlns:a16="http://schemas.microsoft.com/office/drawing/2014/main" id="{D5CA38BA-6444-4859-863E-949EFBFBFA11}"/>
-              </a:ext>
-            </a:extLst>
-          </p:cNvPr>
-          <p:cNvPicPr>
-            <a:picLocks noGrp="1" noChangeAspect="1"/>
-          </p:cNvPicPr>
-          <p:nvPr>
-            <p:ph type="pic" sz="quarter" idx="12"/>
-          </p:nvPr>
-        </p:nvPicPr>
-        <p:blipFill>
-          <a:blip r:embed="rId5" cstate="screen">
-            <a:extLst>
-              <a:ext uri="{28A0092B-C50C-407E-A947-70E740481C1C}">
-                <a14:useLocalDpi xmlns:a14="http://schemas.microsoft.com/office/drawing/2010/main"/>
-              </a:ext>
-            </a:extLst>
-          </a:blip>
-          <a:srcRect l="91" r="91"/>
-          <a:stretch>
-            <a:fillRect/>
-          </a:stretch>
-        </p:blipFill>
-        <p:spPr/>
-      </p:pic>
-      <p:sp>
-        <p:nvSpPr>
-          <p:cNvPr id="5" name="Título 4" hidden="1">
-            <a:extLst>
-              <a:ext uri="{FF2B5EF4-FFF2-40B4-BE49-F238E27FC236}">
-                <a16:creationId xmlns:a16="http://schemas.microsoft.com/office/drawing/2014/main" id="{4E5E5465-15E9-4534-A7F6-95714E09960D}"/>
+                <a16:creationId xmlns:a16="http://schemas.microsoft.com/office/drawing/2014/main" id="{2CF1E78D-D4A5-4812-8A26-ED00C3D3823D}"/>
               </a:ext>
             </a:extLst>
           </p:cNvPr>
@@ -44609,123 +46834,269 @@
         <p:spPr/>
         <p:txBody>
           <a:bodyPr rtlCol="0">
-            <a:normAutofit fontScale="90000"/>
+            <a:normAutofit/>
           </a:bodyPr>
           <a:lstStyle/>
           <a:p>
             <a:pPr rtl="0"/>
             <a:r>
-              <a:rPr lang="es-ES"/>
-              <a:t>Marcador de posición de título 05</a:t>
-            </a:r>
-            <a:endParaRPr lang="es-ES" dirty="0"/>
-          </a:p>
-        </p:txBody>
-      </p:sp>
-      <p:sp>
-        <p:nvSpPr>
-          <p:cNvPr id="7" name="Marcador de texto 6">
-            <a:extLst>
-              <a:ext uri="{FF2B5EF4-FFF2-40B4-BE49-F238E27FC236}">
-                <a16:creationId xmlns:a16="http://schemas.microsoft.com/office/drawing/2014/main" id="{0DBE21B7-1EFF-45F1-923F-3525347EE7F3}"/>
-              </a:ext>
-            </a:extLst>
-          </p:cNvPr>
-          <p:cNvSpPr>
-            <a:spLocks noGrp="1"/>
-          </p:cNvSpPr>
-          <p:nvPr>
-            <p:ph type="body" sz="quarter" idx="13"/>
-          </p:nvPr>
-        </p:nvSpPr>
-        <p:spPr/>
-        <p:txBody>
-          <a:bodyPr rtlCol="0"/>
-          <a:lstStyle/>
-          <a:p>
-            <a:pPr rtl="0"/>
-            <a:r>
-              <a:rPr lang="es-ES"/>
-              <a:t>Subtítulo/crédito </a:t>
-            </a:r>
-            <a:r>
-              <a:rPr lang="es-ES" noProof="1"/>
-              <a:t>Lorem ipsum.</a:t>
+              <a:rPr lang="es-ES" sz="4300"/>
+              <a:t>Marcador de posición de título 01</a:t>
             </a:r>
           </a:p>
         </p:txBody>
       </p:sp>
       <p:sp>
         <p:nvSpPr>
-          <p:cNvPr id="8" name="Marcador de texto 7">
+          <p:cNvPr id="20" name="CuadroTexto 19">
             <a:extLst>
               <a:ext uri="{FF2B5EF4-FFF2-40B4-BE49-F238E27FC236}">
-                <a16:creationId xmlns:a16="http://schemas.microsoft.com/office/drawing/2014/main" id="{736A39FC-3CD7-49A3-A359-3764C3085691}"/>
+                <a16:creationId xmlns:a16="http://schemas.microsoft.com/office/drawing/2014/main" id="{81B1437B-6888-E0B3-FD2A-E4E41CBF1E1C}"/>
               </a:ext>
             </a:extLst>
           </p:cNvPr>
-          <p:cNvSpPr>
-            <a:spLocks noGrp="1"/>
-          </p:cNvSpPr>
-          <p:nvPr>
-            <p:ph type="body" sz="quarter" idx="14"/>
-          </p:nvPr>
+          <p:cNvSpPr txBox="1"/>
+          <p:nvPr/>
         </p:nvSpPr>
         <p:spPr>
           <a:xfrm>
-            <a:off x="6905856" y="572027"/>
-            <a:ext cx="3818588" cy="440500"/>
+            <a:off x="5953858" y="3219405"/>
+            <a:ext cx="6103188" cy="2523768"/>
           </a:xfrm>
+          <a:prstGeom prst="rect">
+            <a:avLst/>
+          </a:prstGeom>
+          <a:noFill/>
         </p:spPr>
         <p:txBody>
-          <a:bodyPr rtlCol="0">
-            <a:noAutofit/>
+          <a:bodyPr wrap="square">
+            <a:spAutoFit/>
           </a:bodyPr>
           <a:lstStyle/>
           <a:p>
-            <a:pPr rtl="0"/>
+            <a:pPr marL="285750" indent="-285750" rtl="0">
+              <a:spcBef>
+                <a:spcPts val="0"/>
+              </a:spcBef>
+              <a:spcAft>
+                <a:spcPts val="0"/>
+              </a:spcAft>
+              <a:buFont typeface="Arial" panose="020B0604020202020204" pitchFamily="34" charset="0"/>
+              <a:buChar char="•"/>
+            </a:pPr>
             <a:r>
-              <a:rPr lang="es-ES"/>
-              <a:t>Título o créditos</a:t>
+              <a:rPr lang="es-419" sz="1800" b="0" i="0" u="none" strike="noStrike" dirty="0">
+                <a:solidFill>
+                  <a:srgbClr val="000000"/>
+                </a:solidFill>
+                <a:effectLst/>
+              </a:rPr>
+              <a:t>En relación con el Tono, las canciones con el </a:t>
             </a:r>
             <a:r>
-              <a:rPr lang="es-ES" noProof="1"/>
-              <a:t> Lorem ipsum dolor sit.</a:t>
+              <a:rPr lang="es-419" sz="1800" b="1" i="0" u="none" strike="noStrike" dirty="0">
+                <a:solidFill>
+                  <a:srgbClr val="000000"/>
+                </a:solidFill>
+                <a:effectLst/>
+              </a:rPr>
+              <a:t>Re#</a:t>
             </a:r>
+            <a:r>
+              <a:rPr lang="es-419" sz="1800" b="0" i="0" u="none" strike="noStrike" dirty="0">
+                <a:solidFill>
+                  <a:srgbClr val="000000"/>
+                </a:solidFill>
+                <a:effectLst/>
+              </a:rPr>
+              <a:t> son las que llevan el mayor promedio de popularidad, siendo un tono bastante apropiado para utilizar como instrumento principal la </a:t>
+            </a:r>
+            <a:r>
+              <a:rPr lang="es-419" sz="1800" b="1" i="0" u="none" strike="noStrike" dirty="0">
+                <a:solidFill>
+                  <a:srgbClr val="000000"/>
+                </a:solidFill>
+                <a:effectLst/>
+              </a:rPr>
+              <a:t>guitarra.</a:t>
+            </a:r>
+          </a:p>
+          <a:p>
+            <a:pPr rtl="0">
+              <a:spcBef>
+                <a:spcPts val="0"/>
+              </a:spcBef>
+              <a:spcAft>
+                <a:spcPts val="0"/>
+              </a:spcAft>
+            </a:pPr>
+            <a:endParaRPr lang="es-419" sz="1400" dirty="0">
+              <a:solidFill>
+                <a:srgbClr val="000000"/>
+              </a:solidFill>
+            </a:endParaRPr>
+          </a:p>
+          <a:p>
+            <a:pPr marL="285750" indent="-285750" rtl="0">
+              <a:spcBef>
+                <a:spcPts val="0"/>
+              </a:spcBef>
+              <a:spcAft>
+                <a:spcPts val="0"/>
+              </a:spcAft>
+              <a:buFont typeface="Arial" panose="020B0604020202020204" pitchFamily="34" charset="0"/>
+              <a:buChar char="•"/>
+            </a:pPr>
+            <a:endParaRPr lang="es-419" sz="1800" b="0" i="0" u="none" strike="noStrike" dirty="0">
+              <a:solidFill>
+                <a:srgbClr val="000000"/>
+              </a:solidFill>
+              <a:effectLst/>
+            </a:endParaRPr>
+          </a:p>
+          <a:p>
+            <a:pPr marL="285750" indent="-285750" rtl="0">
+              <a:spcBef>
+                <a:spcPts val="0"/>
+              </a:spcBef>
+              <a:spcAft>
+                <a:spcPts val="0"/>
+              </a:spcAft>
+              <a:buFont typeface="Arial" panose="020B0604020202020204" pitchFamily="34" charset="0"/>
+              <a:buChar char="•"/>
+            </a:pPr>
+            <a:r>
+              <a:rPr lang="es-419" dirty="0">
+                <a:solidFill>
+                  <a:srgbClr val="000000"/>
+                </a:solidFill>
+              </a:rPr>
+              <a:t>Respecto a la duración de las canciones, quienes llevan mayor promedio de popularidad son aquellas </a:t>
+            </a:r>
+            <a:r>
+              <a:rPr lang="es-419" b="1" dirty="0">
+                <a:solidFill>
+                  <a:srgbClr val="000000"/>
+                </a:solidFill>
+              </a:rPr>
+              <a:t>menores a 2 minutos de duración</a:t>
+            </a:r>
+            <a:r>
+              <a:rPr lang="es-419" dirty="0">
+                <a:solidFill>
+                  <a:srgbClr val="000000"/>
+                </a:solidFill>
+              </a:rPr>
+              <a:t>.</a:t>
+            </a:r>
+            <a:endParaRPr lang="es-UY" dirty="0"/>
           </a:p>
         </p:txBody>
       </p:sp>
-      <p:sp>
-        <p:nvSpPr>
-          <p:cNvPr id="10" name="Marcador de texto 9">
+      <p:pic>
+        <p:nvPicPr>
+          <p:cNvPr id="4" name="Imagen 3">
             <a:extLst>
               <a:ext uri="{FF2B5EF4-FFF2-40B4-BE49-F238E27FC236}">
-                <a16:creationId xmlns:a16="http://schemas.microsoft.com/office/drawing/2014/main" id="{A28DF6BB-F91E-4807-889F-87D96B725784}"/>
+                <a16:creationId xmlns:a16="http://schemas.microsoft.com/office/drawing/2014/main" id="{63EF7440-0592-C569-9B1C-53991205763C}"/>
               </a:ext>
             </a:extLst>
           </p:cNvPr>
-          <p:cNvSpPr>
-            <a:spLocks noGrp="1"/>
-          </p:cNvSpPr>
-          <p:nvPr>
-            <p:ph type="body" sz="quarter" idx="15"/>
-          </p:nvPr>
+          <p:cNvPicPr>
+            <a:picLocks noChangeAspect="1"/>
+          </p:cNvPicPr>
+          <p:nvPr/>
+        </p:nvPicPr>
+        <p:blipFill>
+          <a:blip r:embed="rId3"/>
+          <a:stretch>
+            <a:fillRect/>
+          </a:stretch>
+        </p:blipFill>
+        <p:spPr>
+          <a:xfrm>
+            <a:off x="78658" y="1844604"/>
+            <a:ext cx="5740245" cy="2467897"/>
+          </a:xfrm>
+          <a:prstGeom prst="rect">
+            <a:avLst/>
+          </a:prstGeom>
+        </p:spPr>
+      </p:pic>
+      <p:pic>
+        <p:nvPicPr>
+          <p:cNvPr id="7" name="Imagen 6">
+            <a:extLst>
+              <a:ext uri="{FF2B5EF4-FFF2-40B4-BE49-F238E27FC236}">
+                <a16:creationId xmlns:a16="http://schemas.microsoft.com/office/drawing/2014/main" id="{E90FFA2B-223C-B90D-AA27-AE1A95275FD1}"/>
+              </a:ext>
+            </a:extLst>
+          </p:cNvPr>
+          <p:cNvPicPr>
+            <a:picLocks noChangeAspect="1"/>
+          </p:cNvPicPr>
+          <p:nvPr/>
+        </p:nvPicPr>
+        <p:blipFill>
+          <a:blip r:embed="rId4"/>
+          <a:stretch>
+            <a:fillRect/>
+          </a:stretch>
+        </p:blipFill>
+        <p:spPr>
+          <a:xfrm>
+            <a:off x="78658" y="4393902"/>
+            <a:ext cx="5740245" cy="2058058"/>
+          </a:xfrm>
+          <a:prstGeom prst="rect">
+            <a:avLst/>
+          </a:prstGeom>
+        </p:spPr>
+      </p:pic>
+      <p:sp>
+        <p:nvSpPr>
+          <p:cNvPr id="8" name="CuadroTexto 7">
+            <a:extLst>
+              <a:ext uri="{FF2B5EF4-FFF2-40B4-BE49-F238E27FC236}">
+                <a16:creationId xmlns:a16="http://schemas.microsoft.com/office/drawing/2014/main" id="{C3C97A06-74EF-9E5B-D441-EB3F8BEB1C55}"/>
+              </a:ext>
+            </a:extLst>
+          </p:cNvPr>
+          <p:cNvSpPr txBox="1"/>
+          <p:nvPr/>
         </p:nvSpPr>
-        <p:spPr/>
+        <p:spPr>
+          <a:xfrm>
+            <a:off x="6409330" y="6334780"/>
+            <a:ext cx="6103188" cy="523220"/>
+          </a:xfrm>
+          <a:prstGeom prst="rect">
+            <a:avLst/>
+          </a:prstGeom>
+          <a:noFill/>
+        </p:spPr>
         <p:txBody>
-          <a:bodyPr rtlCol="0">
-            <a:noAutofit/>
+          <a:bodyPr wrap="square">
+            <a:spAutoFit/>
           </a:bodyPr>
           <a:lstStyle/>
           <a:p>
-            <a:pPr rtl="0"/>
+            <a:pPr rtl="0">
+              <a:spcBef>
+                <a:spcPts val="0"/>
+              </a:spcBef>
+              <a:spcAft>
+                <a:spcPts val="0"/>
+              </a:spcAft>
+            </a:pPr>
             <a:r>
-              <a:rPr lang="es-ES"/>
-              <a:t>Título o créditos</a:t>
-            </a:r>
-            <a:r>
-              <a:rPr lang="es-ES" noProof="1"/>
-              <a:t> Lorem ipsum dolor sit amet.</a:t>
+              <a:rPr lang="es-419" sz="1400" b="0" i="0" u="none" strike="noStrike" dirty="0">
+                <a:solidFill>
+                  <a:srgbClr val="000000"/>
+                </a:solidFill>
+                <a:effectLst/>
+              </a:rPr>
+              <a:t>Los cuadros presentados toman de referencia para cada atributo, el grado de popularidad que contiene (promedio del score de popularidad en dicho grupo).</a:t>
             </a:r>
           </a:p>
         </p:txBody>
@@ -44733,7 +47104,7 @@
     </p:spTree>
     <p:extLst>
       <p:ext uri="{BB962C8B-B14F-4D97-AF65-F5344CB8AC3E}">
-        <p14:creationId xmlns:p14="http://schemas.microsoft.com/office/powerpoint/2010/main" val="1724953244"/>
+        <p14:creationId xmlns:p14="http://schemas.microsoft.com/office/powerpoint/2010/main" val="448045565"/>
       </p:ext>
     </p:extLst>
   </p:cSld>
@@ -44762,10 +47133,142 @@
       </p:grpSpPr>
       <p:sp>
         <p:nvSpPr>
-          <p:cNvPr id="2" name="Título 1">
+          <p:cNvPr id="10" name="Title 1">
             <a:extLst>
               <a:ext uri="{FF2B5EF4-FFF2-40B4-BE49-F238E27FC236}">
-                <a16:creationId xmlns:a16="http://schemas.microsoft.com/office/drawing/2014/main" id="{E9ACE5BE-58FB-4D23-A3B9-1C2D3DB7C405}"/>
+                <a16:creationId xmlns:a16="http://schemas.microsoft.com/office/drawing/2014/main" id="{B2334022-B00D-90AC-1FDA-4584C7E3A7D1}"/>
+              </a:ext>
+            </a:extLst>
+          </p:cNvPr>
+          <p:cNvSpPr>
+            <a:spLocks noGrp="1"/>
+          </p:cNvSpPr>
+          <p:nvPr>
+            <p:ph type="title"/>
+          </p:nvPr>
+        </p:nvSpPr>
+        <p:spPr>
+          <a:xfrm>
+            <a:off x="838200" y="365125"/>
+            <a:ext cx="10515600" cy="1325563"/>
+          </a:xfrm>
+        </p:spPr>
+        <p:txBody>
+          <a:bodyPr/>
+          <a:lstStyle/>
+          <a:p>
+            <a:r>
+              <a:rPr lang="en-US" dirty="0" err="1"/>
+              <a:t>Resumen</a:t>
+            </a:r>
+            <a:r>
+              <a:rPr lang="en-US" dirty="0"/>
+              <a:t>: </a:t>
+            </a:r>
+            <a:r>
+              <a:rPr lang="en-US" dirty="0" err="1"/>
+              <a:t>principales</a:t>
+            </a:r>
+            <a:r>
+              <a:rPr lang="en-US" dirty="0"/>
+              <a:t> KPI’s</a:t>
+            </a:r>
+          </a:p>
+        </p:txBody>
+      </p:sp>
+      <p:sp>
+        <p:nvSpPr>
+          <p:cNvPr id="5" name="Marcador de texto 4">
+            <a:extLst>
+              <a:ext uri="{FF2B5EF4-FFF2-40B4-BE49-F238E27FC236}">
+                <a16:creationId xmlns:a16="http://schemas.microsoft.com/office/drawing/2014/main" id="{F225FDFC-4F74-40FF-B7A7-FBE4858FAB80}"/>
+              </a:ext>
+            </a:extLst>
+          </p:cNvPr>
+          <p:cNvSpPr>
+            <a:spLocks noGrp="1"/>
+          </p:cNvSpPr>
+          <p:nvPr>
+            <p:ph idx="1"/>
+          </p:nvPr>
+        </p:nvSpPr>
+        <p:spPr>
+          <a:xfrm>
+            <a:off x="1" y="1818968"/>
+            <a:ext cx="12192000" cy="5039032"/>
+          </a:xfrm>
+          <a:gradFill flip="none" rotWithShape="1">
+            <a:gsLst>
+              <a:gs pos="0">
+                <a:schemeClr val="accent3">
+                  <a:lumMod val="5000"/>
+                  <a:lumOff val="95000"/>
+                </a:schemeClr>
+              </a:gs>
+              <a:gs pos="74000">
+                <a:schemeClr val="accent3">
+                  <a:lumMod val="45000"/>
+                  <a:lumOff val="55000"/>
+                </a:schemeClr>
+              </a:gs>
+              <a:gs pos="83000">
+                <a:schemeClr val="accent3">
+                  <a:lumMod val="45000"/>
+                  <a:lumOff val="55000"/>
+                </a:schemeClr>
+              </a:gs>
+              <a:gs pos="100000">
+                <a:schemeClr val="accent3">
+                  <a:lumMod val="30000"/>
+                  <a:lumOff val="70000"/>
+                </a:schemeClr>
+              </a:gs>
+            </a:gsLst>
+            <a:lin ang="5400000" scaled="1"/>
+            <a:tileRect/>
+          </a:gradFill>
+        </p:spPr>
+        <p:txBody>
+          <a:bodyPr rtlCol="0">
+            <a:normAutofit/>
+          </a:bodyPr>
+          <a:lstStyle/>
+          <a:p>
+            <a:pPr algn="just" rtl="0">
+              <a:lnSpc>
+                <a:spcPct val="150000"/>
+              </a:lnSpc>
+              <a:spcBef>
+                <a:spcPts val="0"/>
+              </a:spcBef>
+              <a:spcAft>
+                <a:spcPts val="0"/>
+              </a:spcAft>
+            </a:pPr>
+            <a:endParaRPr lang="es-419" sz="2000" b="0" i="0" u="none" strike="noStrike" dirty="0">
+              <a:solidFill>
+                <a:srgbClr val="000000"/>
+              </a:solidFill>
+              <a:effectLst/>
+            </a:endParaRPr>
+          </a:p>
+          <a:p>
+            <a:pPr marL="0" indent="0">
+              <a:buNone/>
+            </a:pPr>
+            <a:br>
+              <a:rPr lang="es-419" sz="3200" dirty="0"/>
+            </a:br>
+            <a:endParaRPr lang="es-ES" sz="3200" noProof="1"/>
+          </a:p>
+        </p:txBody>
+      </p:sp>
+      <p:sp>
+        <p:nvSpPr>
+          <p:cNvPr id="2" name="Título 1" hidden="1">
+            <a:extLst>
+              <a:ext uri="{FF2B5EF4-FFF2-40B4-BE49-F238E27FC236}">
+                <a16:creationId xmlns:a16="http://schemas.microsoft.com/office/drawing/2014/main" id="{2CF1E78D-D4A5-4812-8A26-ED00C3D3823D}"/>
               </a:ext>
             </a:extLst>
           </p:cNvPr>
@@ -44778,82 +47281,253 @@
         </p:nvSpPr>
         <p:spPr/>
         <p:txBody>
-          <a:bodyPr rtlCol="0"/>
+          <a:bodyPr rtlCol="0">
+            <a:normAutofit/>
+          </a:bodyPr>
           <a:lstStyle/>
           <a:p>
             <a:pPr rtl="0"/>
             <a:r>
-              <a:rPr lang="es-ES"/>
-              <a:t>Cabecera de sección</a:t>
+              <a:rPr lang="es-ES" sz="4300"/>
+              <a:t>Marcador de posición de título 01</a:t>
             </a:r>
-            <a:endParaRPr lang="es-ES" dirty="0"/>
           </a:p>
         </p:txBody>
       </p:sp>
       <p:sp>
         <p:nvSpPr>
-          <p:cNvPr id="3" name="Marcador de texto 2">
+          <p:cNvPr id="20" name="CuadroTexto 19">
             <a:extLst>
               <a:ext uri="{FF2B5EF4-FFF2-40B4-BE49-F238E27FC236}">
-                <a16:creationId xmlns:a16="http://schemas.microsoft.com/office/drawing/2014/main" id="{88ED5FD7-D7CC-4E41-8CBC-60B0AE140461}"/>
+                <a16:creationId xmlns:a16="http://schemas.microsoft.com/office/drawing/2014/main" id="{81B1437B-6888-E0B3-FD2A-E4E41CBF1E1C}"/>
               </a:ext>
             </a:extLst>
           </p:cNvPr>
-          <p:cNvSpPr>
-            <a:spLocks noGrp="1"/>
-          </p:cNvSpPr>
-          <p:nvPr>
-            <p:ph type="body" idx="1"/>
-          </p:nvPr>
+          <p:cNvSpPr txBox="1"/>
+          <p:nvPr/>
         </p:nvSpPr>
-        <p:spPr/>
+        <p:spPr>
+          <a:xfrm>
+            <a:off x="5644506" y="3223653"/>
+            <a:ext cx="6103188" cy="2031325"/>
+          </a:xfrm>
+          <a:prstGeom prst="rect">
+            <a:avLst/>
+          </a:prstGeom>
+          <a:noFill/>
+        </p:spPr>
         <p:txBody>
-          <a:bodyPr rtlCol="0"/>
+          <a:bodyPr wrap="square">
+            <a:spAutoFit/>
+          </a:bodyPr>
           <a:lstStyle/>
           <a:p>
-            <a:pPr rtl="0"/>
+            <a:pPr marL="285750" indent="-285750" rtl="0">
+              <a:spcBef>
+                <a:spcPts val="0"/>
+              </a:spcBef>
+              <a:spcAft>
+                <a:spcPts val="0"/>
+              </a:spcAft>
+              <a:buFont typeface="Arial" panose="020B0604020202020204" pitchFamily="34" charset="0"/>
+              <a:buChar char="•"/>
+            </a:pPr>
             <a:r>
-              <a:rPr lang="es-ES" noProof="1"/>
-              <a:t>Lorem ipsum dolor sit amet, consectetur adipiscing elit. </a:t>
+              <a:rPr lang="es-419" sz="1800" b="0" i="0" u="none" strike="noStrike" dirty="0">
+                <a:solidFill>
+                  <a:srgbClr val="000000"/>
+                </a:solidFill>
+                <a:effectLst/>
+              </a:rPr>
+              <a:t>Se presentan los parámetros principales a tener en cuenta, en línea con obtener los atributos necesarios para </a:t>
+            </a:r>
+            <a:r>
+              <a:rPr lang="es-419" sz="1800" i="0" u="none" strike="noStrike" dirty="0">
+                <a:solidFill>
+                  <a:srgbClr val="000000"/>
+                </a:solidFill>
+                <a:effectLst/>
+              </a:rPr>
+              <a:t>lograr </a:t>
+            </a:r>
+            <a:r>
+              <a:rPr lang="es-419" sz="1800" b="1" i="0" u="none" strike="noStrike" dirty="0">
+                <a:solidFill>
+                  <a:srgbClr val="000000"/>
+                </a:solidFill>
+                <a:effectLst/>
+              </a:rPr>
+              <a:t>que una canción sea popular</a:t>
+            </a:r>
+            <a:r>
+              <a:rPr lang="es-419" sz="1800" i="0" u="none" strike="noStrike" dirty="0">
+                <a:solidFill>
+                  <a:srgbClr val="000000"/>
+                </a:solidFill>
+                <a:effectLst/>
+              </a:rPr>
+              <a:t>.</a:t>
+            </a:r>
+          </a:p>
+          <a:p>
+            <a:pPr marL="285750" indent="-285750" rtl="0">
+              <a:spcBef>
+                <a:spcPts val="0"/>
+              </a:spcBef>
+              <a:spcAft>
+                <a:spcPts val="0"/>
+              </a:spcAft>
+              <a:buFont typeface="Arial" panose="020B0604020202020204" pitchFamily="34" charset="0"/>
+              <a:buChar char="•"/>
+            </a:pPr>
+            <a:endParaRPr lang="es-419" dirty="0">
+              <a:solidFill>
+                <a:srgbClr val="000000"/>
+              </a:solidFill>
+            </a:endParaRPr>
+          </a:p>
+          <a:p>
+            <a:pPr marL="285750" indent="-285750" rtl="0">
+              <a:spcBef>
+                <a:spcPts val="0"/>
+              </a:spcBef>
+              <a:spcAft>
+                <a:spcPts val="0"/>
+              </a:spcAft>
+              <a:buFont typeface="Arial" panose="020B0604020202020204" pitchFamily="34" charset="0"/>
+              <a:buChar char="•"/>
+            </a:pPr>
+            <a:r>
+              <a:rPr lang="es-419" sz="1800" b="0" i="0" u="none" strike="noStrike" dirty="0">
+                <a:solidFill>
+                  <a:srgbClr val="000000"/>
+                </a:solidFill>
+                <a:effectLst/>
+              </a:rPr>
+              <a:t>El objetivo: </a:t>
+            </a:r>
+            <a:r>
+              <a:rPr lang="es-419" sz="1800" b="1" i="0" u="none" strike="noStrike" dirty="0">
+                <a:solidFill>
+                  <a:srgbClr val="000000"/>
+                </a:solidFill>
+                <a:effectLst/>
+              </a:rPr>
+              <a:t>lograr que la canción pueda alcanzar estos valores </a:t>
+            </a:r>
+            <a:r>
+              <a:rPr lang="es-419" sz="1800" i="0" u="none" strike="noStrike" dirty="0">
+                <a:solidFill>
+                  <a:srgbClr val="000000"/>
+                </a:solidFill>
+                <a:effectLst/>
+              </a:rPr>
+              <a:t>en su estructura.</a:t>
+            </a:r>
+            <a:endParaRPr lang="es-419" sz="1800" b="1" i="0" u="none" strike="noStrike" dirty="0">
+              <a:solidFill>
+                <a:srgbClr val="000000"/>
+              </a:solidFill>
+              <a:effectLst/>
+            </a:endParaRPr>
+          </a:p>
+          <a:p>
+            <a:pPr marL="285750" indent="-285750" rtl="0">
+              <a:spcBef>
+                <a:spcPts val="0"/>
+              </a:spcBef>
+              <a:spcAft>
+                <a:spcPts val="0"/>
+              </a:spcAft>
+              <a:buFont typeface="Arial" panose="020B0604020202020204" pitchFamily="34" charset="0"/>
+              <a:buChar char="•"/>
+            </a:pPr>
+            <a:endParaRPr lang="es-UY" dirty="0"/>
+          </a:p>
+        </p:txBody>
+      </p:sp>
+      <p:sp>
+        <p:nvSpPr>
+          <p:cNvPr id="8" name="CuadroTexto 7">
+            <a:extLst>
+              <a:ext uri="{FF2B5EF4-FFF2-40B4-BE49-F238E27FC236}">
+                <a16:creationId xmlns:a16="http://schemas.microsoft.com/office/drawing/2014/main" id="{C3C97A06-74EF-9E5B-D441-EB3F8BEB1C55}"/>
+              </a:ext>
+            </a:extLst>
+          </p:cNvPr>
+          <p:cNvSpPr txBox="1"/>
+          <p:nvPr/>
+        </p:nvSpPr>
+        <p:spPr>
+          <a:xfrm>
+            <a:off x="6409330" y="6334780"/>
+            <a:ext cx="6103188" cy="523220"/>
+          </a:xfrm>
+          <a:prstGeom prst="rect">
+            <a:avLst/>
+          </a:prstGeom>
+          <a:noFill/>
+        </p:spPr>
+        <p:txBody>
+          <a:bodyPr wrap="square">
+            <a:spAutoFit/>
+          </a:bodyPr>
+          <a:lstStyle/>
+          <a:p>
+            <a:pPr rtl="0">
+              <a:spcBef>
+                <a:spcPts val="0"/>
+              </a:spcBef>
+              <a:spcAft>
+                <a:spcPts val="0"/>
+              </a:spcAft>
+            </a:pPr>
+            <a:r>
+              <a:rPr lang="es-419" sz="1400" b="0" i="0" u="none" strike="noStrike" dirty="0">
+                <a:solidFill>
+                  <a:srgbClr val="000000"/>
+                </a:solidFill>
+                <a:effectLst/>
+              </a:rPr>
+              <a:t>Los cuadros presentados toman de referencia para cada atributo, el grado de popularidad que contiene (promedio del score de popularidad en dicho grupo).</a:t>
             </a:r>
           </a:p>
         </p:txBody>
       </p:sp>
       <p:pic>
         <p:nvPicPr>
-          <p:cNvPr id="12" name="Marcador de posición de imagen 11" descr="Guitarras Acústicas apiladas ">
+          <p:cNvPr id="6" name="Imagen 5">
             <a:extLst>
               <a:ext uri="{FF2B5EF4-FFF2-40B4-BE49-F238E27FC236}">
-                <a16:creationId xmlns:a16="http://schemas.microsoft.com/office/drawing/2014/main" id="{74FDAD3F-F32E-4AAC-B5E5-D04E68926DEF}"/>
+                <a16:creationId xmlns:a16="http://schemas.microsoft.com/office/drawing/2014/main" id="{E4211557-D47F-CFB2-5FED-5BA76285570B}"/>
               </a:ext>
             </a:extLst>
           </p:cNvPr>
           <p:cNvPicPr>
-            <a:picLocks noGrp="1" noChangeAspect="1"/>
+            <a:picLocks noChangeAspect="1"/>
           </p:cNvPicPr>
-          <p:nvPr>
-            <p:ph type="pic" sz="quarter" idx="10"/>
-          </p:nvPr>
+          <p:nvPr/>
         </p:nvPicPr>
         <p:blipFill>
-          <a:blip r:embed="rId3" cstate="screen">
-            <a:extLst>
-              <a:ext uri="{28A0092B-C50C-407E-A947-70E740481C1C}">
-                <a14:useLocalDpi xmlns:a14="http://schemas.microsoft.com/office/drawing/2010/main"/>
-              </a:ext>
-            </a:extLst>
-          </a:blip>
-          <a:srcRect l="7" r="7"/>
+          <a:blip r:embed="rId3"/>
           <a:stretch>
             <a:fillRect/>
           </a:stretch>
         </p:blipFill>
-        <p:spPr/>
+        <p:spPr>
+          <a:xfrm>
+            <a:off x="603180" y="2387884"/>
+            <a:ext cx="4599624" cy="3901200"/>
+          </a:xfrm>
+          <a:prstGeom prst="rect">
+            <a:avLst/>
+          </a:prstGeom>
+        </p:spPr>
       </p:pic>
     </p:spTree>
     <p:extLst>
       <p:ext uri="{BB962C8B-B14F-4D97-AF65-F5344CB8AC3E}">
-        <p14:creationId xmlns:p14="http://schemas.microsoft.com/office/powerpoint/2010/main" val="692034583"/>
+        <p14:creationId xmlns:p14="http://schemas.microsoft.com/office/powerpoint/2010/main" val="3370458276"/>
       </p:ext>
     </p:extLst>
   </p:cSld>
